--- a/Ionic 2 workshop/Ionic 2 workshop.pptx
+++ b/Ionic 2 workshop/Ionic 2 workshop.pptx
@@ -5,21 +5,25 @@
     <p:sldMasterId id="2147483660" r:id="rId1"/>
   </p:sldMasterIdLst>
   <p:notesMasterIdLst>
-    <p:notesMasterId r:id="rId14"/>
+    <p:notesMasterId r:id="rId18"/>
   </p:notesMasterIdLst>
   <p:sldIdLst>
     <p:sldId id="256" r:id="rId2"/>
     <p:sldId id="265" r:id="rId3"/>
-    <p:sldId id="261" r:id="rId4"/>
-    <p:sldId id="257" r:id="rId5"/>
-    <p:sldId id="263" r:id="rId6"/>
-    <p:sldId id="264" r:id="rId7"/>
-    <p:sldId id="262" r:id="rId8"/>
-    <p:sldId id="258" r:id="rId9"/>
-    <p:sldId id="266" r:id="rId10"/>
-    <p:sldId id="260" r:id="rId11"/>
-    <p:sldId id="267" r:id="rId12"/>
-    <p:sldId id="259" r:id="rId13"/>
+    <p:sldId id="270" r:id="rId4"/>
+    <p:sldId id="261" r:id="rId5"/>
+    <p:sldId id="257" r:id="rId6"/>
+    <p:sldId id="263" r:id="rId7"/>
+    <p:sldId id="264" r:id="rId8"/>
+    <p:sldId id="262" r:id="rId9"/>
+    <p:sldId id="258" r:id="rId10"/>
+    <p:sldId id="269" r:id="rId11"/>
+    <p:sldId id="266" r:id="rId12"/>
+    <p:sldId id="260" r:id="rId13"/>
+    <p:sldId id="267" r:id="rId14"/>
+    <p:sldId id="259" r:id="rId15"/>
+    <p:sldId id="268" r:id="rId16"/>
+    <p:sldId id="271" r:id="rId17"/>
   </p:sldIdLst>
   <p:sldSz cx="12192000" cy="6858000"/>
   <p:notesSz cx="6858000" cy="9144000"/>
@@ -118,6 +122,11 @@
       </a:defRPr>
     </a:lvl9pPr>
   </p:defaultTextStyle>
+  <p:extLst>
+    <p:ext uri="{EFAFB233-063F-42B5-8137-9DF3F51BA10A}">
+      <p15:sldGuideLst xmlns:p15="http://schemas.microsoft.com/office/powerpoint/2012/main"/>
+    </p:ext>
+  </p:extLst>
 </p:presentation>
 </file>
 
@@ -203,7 +212,7 @@
           <a:p>
             <a:fld id="{A5543B18-9950-4402-830C-70DFF55A9D6A}" type="datetimeFigureOut">
               <a:rPr lang="nb-NO" smtClean="0"/>
-              <a:t>16.02.2017</a:t>
+              <a:t>02.03.2017</a:t>
             </a:fld>
             <a:endParaRPr lang="nb-NO"/>
           </a:p>
@@ -531,7 +540,71 @@
               <a:rPr lang="nb-NO" baseline="0" dirty="0" smtClean="0"/>
               <a:t> hvis man ikke vil kjøre det på mobilen.</a:t>
             </a:r>
-            <a:endParaRPr lang="nb-NO" dirty="0"/>
+          </a:p>
+          <a:p>
+            <a:endParaRPr lang="nb-NO" baseline="0" dirty="0" smtClean="0"/>
+          </a:p>
+          <a:p>
+            <a:r>
+              <a:rPr lang="nb-NO" baseline="0" dirty="0" smtClean="0"/>
+              <a:t>Vis fram prosjektstruktur</a:t>
+            </a:r>
+          </a:p>
+          <a:p>
+            <a:pPr marL="171450" indent="-171450">
+              <a:buFontTx/>
+              <a:buChar char="-"/>
+            </a:pPr>
+            <a:r>
+              <a:rPr lang="nb-NO" baseline="0" dirty="0" smtClean="0"/>
+              <a:t>Pages</a:t>
+            </a:r>
+          </a:p>
+          <a:p>
+            <a:pPr marL="171450" indent="-171450">
+              <a:buFontTx/>
+              <a:buChar char="-"/>
+            </a:pPr>
+            <a:r>
+              <a:rPr lang="nb-NO" baseline="0" dirty="0" err="1" smtClean="0"/>
+              <a:t>Root</a:t>
+            </a:r>
+            <a:r>
+              <a:rPr lang="nb-NO" baseline="0" dirty="0" smtClean="0"/>
+              <a:t> </a:t>
+            </a:r>
+            <a:r>
+              <a:rPr lang="nb-NO" baseline="0" dirty="0" err="1" smtClean="0"/>
+              <a:t>component</a:t>
+            </a:r>
+            <a:r>
+              <a:rPr lang="nb-NO" baseline="0" dirty="0" smtClean="0"/>
+              <a:t> under app.html</a:t>
+            </a:r>
+            <a:r>
+              <a:rPr lang="nb-NO" baseline="0" dirty="0"/>
+              <a:t> </a:t>
+            </a:r>
+            <a:r>
+              <a:rPr lang="nb-NO" baseline="0" dirty="0" smtClean="0"/>
+              <a:t>og </a:t>
+            </a:r>
+            <a:r>
+              <a:rPr lang="nb-NO" baseline="0" dirty="0" err="1" smtClean="0"/>
+              <a:t>app.module</a:t>
+            </a:r>
+            <a:r>
+              <a:rPr lang="nb-NO" baseline="0" dirty="0" smtClean="0"/>
+              <a:t> </a:t>
+            </a:r>
+            <a:r>
+              <a:rPr lang="nb-NO" baseline="0" dirty="0" err="1" smtClean="0"/>
+              <a:t>route</a:t>
+            </a:r>
+            <a:r>
+              <a:rPr lang="nb-NO" baseline="0" dirty="0" smtClean="0"/>
+              <a:t>.</a:t>
+            </a:r>
           </a:p>
         </p:txBody>
       </p:sp>
@@ -552,7 +625,7 @@
           <a:p>
             <a:fld id="{6BEA58FB-0425-4043-8123-60513F4596AE}" type="slidenum">
               <a:rPr lang="nb-NO" smtClean="0"/>
-              <a:t>11</a:t>
+              <a:t>13</a:t>
             </a:fld>
             <a:endParaRPr lang="nb-NO"/>
           </a:p>
@@ -562,6 +635,462 @@
     <p:extLst>
       <p:ext uri="{BB962C8B-B14F-4D97-AF65-F5344CB8AC3E}">
         <p14:creationId xmlns:p14="http://schemas.microsoft.com/office/powerpoint/2010/main" val="3617479764"/>
+      </p:ext>
+    </p:extLst>
+  </p:cSld>
+  <p:clrMapOvr>
+    <a:masterClrMapping/>
+  </p:clrMapOvr>
+</p:notes>
+</file>
+
+<file path=ppt/notesSlides/notesSlide2.xml><?xml version="1.0" encoding="utf-8"?>
+<p:notes xmlns:a="http://schemas.openxmlformats.org/drawingml/2006/main" xmlns:r="http://schemas.openxmlformats.org/officeDocument/2006/relationships" xmlns:p="http://schemas.openxmlformats.org/presentationml/2006/main">
+  <p:cSld>
+    <p:spTree>
+      <p:nvGrpSpPr>
+        <p:cNvPr id="1" name=""/>
+        <p:cNvGrpSpPr/>
+        <p:nvPr/>
+      </p:nvGrpSpPr>
+      <p:grpSpPr>
+        <a:xfrm>
+          <a:off x="0" y="0"/>
+          <a:ext cx="0" cy="0"/>
+          <a:chOff x="0" y="0"/>
+          <a:chExt cx="0" cy="0"/>
+        </a:xfrm>
+      </p:grpSpPr>
+      <p:sp>
+        <p:nvSpPr>
+          <p:cNvPr id="2" name="Plassholder for lysbilde 1"/>
+          <p:cNvSpPr>
+            <a:spLocks noGrp="1" noRot="1" noChangeAspect="1"/>
+          </p:cNvSpPr>
+          <p:nvPr>
+            <p:ph type="sldImg"/>
+          </p:nvPr>
+        </p:nvSpPr>
+        <p:spPr/>
+      </p:sp>
+      <p:sp>
+        <p:nvSpPr>
+          <p:cNvPr id="3" name="Plassholder for notater 2"/>
+          <p:cNvSpPr>
+            <a:spLocks noGrp="1"/>
+          </p:cNvSpPr>
+          <p:nvPr>
+            <p:ph type="body" idx="1"/>
+          </p:nvPr>
+        </p:nvSpPr>
+        <p:spPr/>
+        <p:txBody>
+          <a:bodyPr/>
+          <a:lstStyle/>
+          <a:p>
+            <a:r>
+              <a:rPr lang="nb-NO" dirty="0" smtClean="0"/>
+              <a:t>Fasit</a:t>
+            </a:r>
+          </a:p>
+          <a:p>
+            <a:r>
+              <a:rPr lang="nb-NO" dirty="0" err="1" smtClean="0"/>
+              <a:t>Ionic</a:t>
+            </a:r>
+            <a:r>
+              <a:rPr lang="nb-NO" baseline="0" dirty="0" smtClean="0"/>
+              <a:t> g </a:t>
+            </a:r>
+            <a:r>
+              <a:rPr lang="nb-NO" baseline="0" dirty="0" err="1" smtClean="0"/>
+              <a:t>component</a:t>
+            </a:r>
+            <a:r>
+              <a:rPr lang="nb-NO" baseline="0" dirty="0" smtClean="0"/>
+              <a:t> </a:t>
+            </a:r>
+            <a:r>
+              <a:rPr lang="nb-NO" baseline="0" dirty="0" err="1" smtClean="0"/>
+              <a:t>chatInput</a:t>
+            </a:r>
+            <a:endParaRPr lang="nb-NO" baseline="0" dirty="0" smtClean="0"/>
+          </a:p>
+          <a:p>
+            <a:r>
+              <a:rPr lang="nb-NO" baseline="0" dirty="0" err="1" smtClean="0"/>
+              <a:t>Ionic</a:t>
+            </a:r>
+            <a:r>
+              <a:rPr lang="nb-NO" baseline="0" dirty="0" smtClean="0"/>
+              <a:t> g </a:t>
+            </a:r>
+            <a:r>
+              <a:rPr lang="nb-NO" baseline="0" dirty="0" err="1" smtClean="0"/>
+              <a:t>component</a:t>
+            </a:r>
+            <a:r>
+              <a:rPr lang="nb-NO" baseline="0" dirty="0" smtClean="0"/>
+              <a:t> </a:t>
+            </a:r>
+            <a:r>
+              <a:rPr lang="nb-NO" baseline="0" dirty="0" err="1" smtClean="0"/>
+              <a:t>chatContent</a:t>
+            </a:r>
+            <a:endParaRPr lang="nb-NO" baseline="0" dirty="0" smtClean="0"/>
+          </a:p>
+          <a:p>
+            <a:endParaRPr lang="nb-NO" baseline="0" dirty="0" smtClean="0"/>
+          </a:p>
+          <a:p>
+            <a:r>
+              <a:rPr lang="nb-NO" baseline="0" dirty="0" smtClean="0"/>
+              <a:t>Content:</a:t>
+            </a:r>
+            <a:endParaRPr lang="nb-NO" baseline="0" dirty="0" smtClean="0"/>
+          </a:p>
+          <a:p>
+            <a:r>
+              <a:rPr lang="nb-NO" baseline="0" dirty="0" smtClean="0"/>
+              <a:t>&lt;ion-</a:t>
+            </a:r>
+            <a:r>
+              <a:rPr lang="nb-NO" baseline="0" dirty="0" err="1" smtClean="0"/>
+              <a:t>card</a:t>
+            </a:r>
+            <a:r>
+              <a:rPr lang="nb-NO" baseline="0" dirty="0" smtClean="0"/>
+              <a:t>&gt;</a:t>
+            </a:r>
+          </a:p>
+          <a:p>
+            <a:r>
+              <a:rPr lang="nb-NO" baseline="0" dirty="0" smtClean="0"/>
+              <a:t>&lt;ion-</a:t>
+            </a:r>
+            <a:r>
+              <a:rPr lang="nb-NO" baseline="0" dirty="0" err="1" smtClean="0"/>
+              <a:t>card</a:t>
+            </a:r>
+            <a:r>
+              <a:rPr lang="nb-NO" baseline="0" dirty="0" smtClean="0"/>
+              <a:t>-header&gt;</a:t>
+            </a:r>
+          </a:p>
+          <a:p>
+            <a:r>
+              <a:rPr lang="nb-NO" baseline="0" dirty="0" smtClean="0"/>
+              <a:t>&lt;ion-</a:t>
+            </a:r>
+            <a:r>
+              <a:rPr lang="nb-NO" baseline="0" dirty="0" err="1" smtClean="0"/>
+              <a:t>card</a:t>
+            </a:r>
+            <a:r>
+              <a:rPr lang="nb-NO" baseline="0" dirty="0" smtClean="0"/>
+              <a:t>-</a:t>
+            </a:r>
+            <a:r>
+              <a:rPr lang="nb-NO" baseline="0" dirty="0" err="1" smtClean="0"/>
+              <a:t>content</a:t>
+            </a:r>
+            <a:r>
+              <a:rPr lang="nb-NO" baseline="0" dirty="0" smtClean="0"/>
+              <a:t>&gt;</a:t>
+            </a:r>
+          </a:p>
+          <a:p>
+            <a:endParaRPr lang="nb-NO" baseline="0" dirty="0" smtClean="0"/>
+          </a:p>
+          <a:p>
+            <a:r>
+              <a:rPr lang="nb-NO" baseline="0" dirty="0" smtClean="0"/>
+              <a:t>Input </a:t>
+            </a:r>
+          </a:p>
+          <a:p>
+            <a:r>
+              <a:rPr lang="en-US" sz="1200" b="0" kern="1200" dirty="0" smtClean="0">
+                <a:solidFill>
+                  <a:schemeClr val="tx1"/>
+                </a:solidFill>
+                <a:effectLst/>
+                <a:latin typeface="+mn-lt"/>
+                <a:ea typeface="+mn-ea"/>
+                <a:cs typeface="+mn-cs"/>
+              </a:rPr>
+              <a:t>&lt;ion-item&gt;</a:t>
+            </a:r>
+          </a:p>
+          <a:p>
+            <a:r>
+              <a:rPr lang="en-US" sz="1200" b="0" kern="1200" dirty="0" smtClean="0">
+                <a:solidFill>
+                  <a:schemeClr val="tx1"/>
+                </a:solidFill>
+                <a:effectLst/>
+                <a:latin typeface="+mn-lt"/>
+                <a:ea typeface="+mn-ea"/>
+                <a:cs typeface="+mn-cs"/>
+              </a:rPr>
+              <a:t>  &lt;ion-label&gt;Chat: &lt;/ion-label&gt;</a:t>
+            </a:r>
+          </a:p>
+          <a:p>
+            <a:r>
+              <a:rPr lang="en-US" sz="1200" b="0" kern="1200" dirty="0" smtClean="0">
+                <a:solidFill>
+                  <a:schemeClr val="tx1"/>
+                </a:solidFill>
+                <a:effectLst/>
+                <a:latin typeface="+mn-lt"/>
+                <a:ea typeface="+mn-ea"/>
+                <a:cs typeface="+mn-cs"/>
+              </a:rPr>
+              <a:t>  &lt;ion-input type="text"&gt;&lt;/ion-input&gt;</a:t>
+            </a:r>
+          </a:p>
+          <a:p>
+            <a:r>
+              <a:rPr lang="en-US" sz="1200" b="0" kern="1200" dirty="0" smtClean="0">
+                <a:solidFill>
+                  <a:schemeClr val="tx1"/>
+                </a:solidFill>
+                <a:effectLst/>
+                <a:latin typeface="+mn-lt"/>
+                <a:ea typeface="+mn-ea"/>
+                <a:cs typeface="+mn-cs"/>
+              </a:rPr>
+              <a:t>&lt;/ion-item&gt;</a:t>
+            </a:r>
+          </a:p>
+          <a:p>
+            <a:endParaRPr lang="en-US" sz="1200" b="0" kern="1200" dirty="0" smtClean="0">
+              <a:solidFill>
+                <a:schemeClr val="tx1"/>
+              </a:solidFill>
+              <a:effectLst/>
+              <a:latin typeface="+mn-lt"/>
+              <a:ea typeface="+mn-ea"/>
+              <a:cs typeface="+mn-cs"/>
+            </a:endParaRPr>
+          </a:p>
+          <a:p>
+            <a:r>
+              <a:rPr lang="en-US" sz="1200" b="0" kern="1200" dirty="0" smtClean="0">
+                <a:solidFill>
+                  <a:schemeClr val="tx1"/>
+                </a:solidFill>
+                <a:effectLst/>
+                <a:latin typeface="+mn-lt"/>
+                <a:ea typeface="+mn-ea"/>
+                <a:cs typeface="+mn-cs"/>
+              </a:rPr>
+              <a:t>Home.html</a:t>
+            </a:r>
+          </a:p>
+          <a:p>
+            <a:r>
+              <a:rPr lang="en-US" sz="1200" b="0" kern="1200" dirty="0" smtClean="0">
+                <a:solidFill>
+                  <a:schemeClr val="tx1"/>
+                </a:solidFill>
+                <a:effectLst/>
+                <a:latin typeface="+mn-lt"/>
+                <a:ea typeface="+mn-ea"/>
+                <a:cs typeface="+mn-cs"/>
+              </a:rPr>
+              <a:t>&lt;ion-content class="cards-</a:t>
+            </a:r>
+            <a:r>
+              <a:rPr lang="en-US" sz="1200" b="0" kern="1200" dirty="0" err="1" smtClean="0">
+                <a:solidFill>
+                  <a:schemeClr val="tx1"/>
+                </a:solidFill>
+                <a:effectLst/>
+                <a:latin typeface="+mn-lt"/>
+                <a:ea typeface="+mn-ea"/>
+                <a:cs typeface="+mn-cs"/>
+              </a:rPr>
+              <a:t>bg</a:t>
+            </a:r>
+            <a:r>
+              <a:rPr lang="en-US" sz="1200" b="0" kern="1200" dirty="0" smtClean="0">
+                <a:solidFill>
+                  <a:schemeClr val="tx1"/>
+                </a:solidFill>
+                <a:effectLst/>
+                <a:latin typeface="+mn-lt"/>
+                <a:ea typeface="+mn-ea"/>
+                <a:cs typeface="+mn-cs"/>
+              </a:rPr>
+              <a:t>" padding&gt;</a:t>
+            </a:r>
+          </a:p>
+          <a:p>
+            <a:r>
+              <a:rPr lang="en-US" sz="1200" b="0" kern="1200" dirty="0" smtClean="0">
+                <a:solidFill>
+                  <a:schemeClr val="tx1"/>
+                </a:solidFill>
+                <a:effectLst/>
+                <a:latin typeface="+mn-lt"/>
+                <a:ea typeface="+mn-ea"/>
+                <a:cs typeface="+mn-cs"/>
+              </a:rPr>
+              <a:t>  &lt;chat-content&gt;&lt;/chat-content&gt;</a:t>
+            </a:r>
+          </a:p>
+          <a:p>
+            <a:r>
+              <a:rPr lang="en-US" sz="1200" b="0" kern="1200" dirty="0" smtClean="0">
+                <a:solidFill>
+                  <a:schemeClr val="tx1"/>
+                </a:solidFill>
+                <a:effectLst/>
+                <a:latin typeface="+mn-lt"/>
+                <a:ea typeface="+mn-ea"/>
+                <a:cs typeface="+mn-cs"/>
+              </a:rPr>
+              <a:t>&lt;/ion-content&gt;</a:t>
+            </a:r>
+          </a:p>
+          <a:p>
+            <a:r>
+              <a:rPr lang="en-US" sz="1200" b="0" kern="1200" dirty="0" smtClean="0">
+                <a:solidFill>
+                  <a:schemeClr val="tx1"/>
+                </a:solidFill>
+                <a:effectLst/>
+                <a:latin typeface="+mn-lt"/>
+                <a:ea typeface="+mn-ea"/>
+                <a:cs typeface="+mn-cs"/>
+              </a:rPr>
+              <a:t/>
+            </a:r>
+            <a:br>
+              <a:rPr lang="en-US" sz="1200" b="0" kern="1200" dirty="0" smtClean="0">
+                <a:solidFill>
+                  <a:schemeClr val="tx1"/>
+                </a:solidFill>
+                <a:effectLst/>
+                <a:latin typeface="+mn-lt"/>
+                <a:ea typeface="+mn-ea"/>
+                <a:cs typeface="+mn-cs"/>
+              </a:rPr>
+            </a:br>
+            <a:r>
+              <a:rPr lang="en-US" sz="1200" b="0" kern="1200" dirty="0" smtClean="0">
+                <a:solidFill>
+                  <a:schemeClr val="tx1"/>
+                </a:solidFill>
+                <a:effectLst/>
+                <a:latin typeface="+mn-lt"/>
+                <a:ea typeface="+mn-ea"/>
+                <a:cs typeface="+mn-cs"/>
+              </a:rPr>
+              <a:t>&lt;ion-footer&gt;</a:t>
+            </a:r>
+          </a:p>
+          <a:p>
+            <a:r>
+              <a:rPr lang="en-US" sz="1200" b="0" kern="1200" dirty="0" smtClean="0">
+                <a:solidFill>
+                  <a:schemeClr val="tx1"/>
+                </a:solidFill>
+                <a:effectLst/>
+                <a:latin typeface="+mn-lt"/>
+                <a:ea typeface="+mn-ea"/>
+                <a:cs typeface="+mn-cs"/>
+              </a:rPr>
+              <a:t>  &lt;ion-toolbar&gt;</a:t>
+            </a:r>
+          </a:p>
+          <a:p>
+            <a:r>
+              <a:rPr lang="en-US" sz="1200" b="0" kern="1200" dirty="0" smtClean="0">
+                <a:solidFill>
+                  <a:schemeClr val="tx1"/>
+                </a:solidFill>
+                <a:effectLst/>
+                <a:latin typeface="+mn-lt"/>
+                <a:ea typeface="+mn-ea"/>
+                <a:cs typeface="+mn-cs"/>
+              </a:rPr>
+              <a:t>    &lt;chat-input&gt;&lt;/chat-input&gt;</a:t>
+            </a:r>
+          </a:p>
+          <a:p>
+            <a:r>
+              <a:rPr lang="en-US" sz="1200" b="0" kern="1200" dirty="0" smtClean="0">
+                <a:solidFill>
+                  <a:schemeClr val="tx1"/>
+                </a:solidFill>
+                <a:effectLst/>
+                <a:latin typeface="+mn-lt"/>
+                <a:ea typeface="+mn-ea"/>
+                <a:cs typeface="+mn-cs"/>
+              </a:rPr>
+              <a:t>  &lt;/ion-toolbar&gt;</a:t>
+            </a:r>
+          </a:p>
+          <a:p>
+            <a:r>
+              <a:rPr lang="en-US" sz="1200" b="0" kern="1200" dirty="0" smtClean="0">
+                <a:solidFill>
+                  <a:schemeClr val="tx1"/>
+                </a:solidFill>
+                <a:effectLst/>
+                <a:latin typeface="+mn-lt"/>
+                <a:ea typeface="+mn-ea"/>
+                <a:cs typeface="+mn-cs"/>
+              </a:rPr>
+              <a:t>&lt;/ion-footer&gt;</a:t>
+            </a:r>
+          </a:p>
+          <a:p>
+            <a:endParaRPr lang="en-US" sz="1200" b="0" kern="1200" dirty="0" smtClean="0">
+              <a:solidFill>
+                <a:schemeClr val="tx1"/>
+              </a:solidFill>
+              <a:effectLst/>
+              <a:latin typeface="+mn-lt"/>
+              <a:ea typeface="+mn-ea"/>
+              <a:cs typeface="+mn-cs"/>
+            </a:endParaRPr>
+          </a:p>
+          <a:p>
+            <a:endParaRPr lang="nb-NO" baseline="0" dirty="0" smtClean="0"/>
+          </a:p>
+        </p:txBody>
+      </p:sp>
+      <p:sp>
+        <p:nvSpPr>
+          <p:cNvPr id="4" name="Plassholder for lysbildenummer 3"/>
+          <p:cNvSpPr>
+            <a:spLocks noGrp="1"/>
+          </p:cNvSpPr>
+          <p:nvPr>
+            <p:ph type="sldNum" sz="quarter" idx="10"/>
+          </p:nvPr>
+        </p:nvSpPr>
+        <p:spPr/>
+        <p:txBody>
+          <a:bodyPr/>
+          <a:lstStyle/>
+          <a:p>
+            <a:fld id="{6BEA58FB-0425-4043-8123-60513F4596AE}" type="slidenum">
+              <a:rPr lang="nb-NO" smtClean="0"/>
+              <a:t>15</a:t>
+            </a:fld>
+            <a:endParaRPr lang="nb-NO"/>
+          </a:p>
+        </p:txBody>
+      </p:sp>
+    </p:spTree>
+    <p:extLst>
+      <p:ext uri="{BB962C8B-B14F-4D97-AF65-F5344CB8AC3E}">
+        <p14:creationId xmlns:p14="http://schemas.microsoft.com/office/powerpoint/2010/main" val="1970504746"/>
       </p:ext>
     </p:extLst>
   </p:cSld>
@@ -635,7 +1164,7 @@
           <a:p>
             <a:fld id="{952976F7-1A1B-47BF-994D-21B9772F57A5}" type="datetimeFigureOut">
               <a:rPr lang="nb-NO" smtClean="0"/>
-              <a:t>02.02.2017</a:t>
+              <a:t>02.03.2017</a:t>
             </a:fld>
             <a:endParaRPr lang="nb-NO"/>
           </a:p>
@@ -1018,7 +1547,7 @@
           <a:p>
             <a:fld id="{952976F7-1A1B-47BF-994D-21B9772F57A5}" type="datetimeFigureOut">
               <a:rPr lang="nb-NO" smtClean="0"/>
-              <a:t>02.02.2017</a:t>
+              <a:t>02.03.2017</a:t>
             </a:fld>
             <a:endParaRPr lang="nb-NO"/>
           </a:p>
@@ -1290,7 +1819,7 @@
           <a:p>
             <a:fld id="{952976F7-1A1B-47BF-994D-21B9772F57A5}" type="datetimeFigureOut">
               <a:rPr lang="nb-NO" smtClean="0"/>
-              <a:t>02.02.2017</a:t>
+              <a:t>02.03.2017</a:t>
             </a:fld>
             <a:endParaRPr lang="nb-NO"/>
           </a:p>
@@ -1548,7 +2077,7 @@
           <a:p>
             <a:fld id="{952976F7-1A1B-47BF-994D-21B9772F57A5}" type="datetimeFigureOut">
               <a:rPr lang="nb-NO" smtClean="0"/>
-              <a:t>02.02.2017</a:t>
+              <a:t>02.03.2017</a:t>
             </a:fld>
             <a:endParaRPr lang="nb-NO"/>
           </a:p>
@@ -1953,7 +2482,7 @@
           <a:p>
             <a:fld id="{952976F7-1A1B-47BF-994D-21B9772F57A5}" type="datetimeFigureOut">
               <a:rPr lang="nb-NO" smtClean="0"/>
-              <a:t>02.02.2017</a:t>
+              <a:t>02.03.2017</a:t>
             </a:fld>
             <a:endParaRPr lang="nb-NO"/>
           </a:p>
@@ -2097,7 +2626,7 @@
           <a:p>
             <a:fld id="{952976F7-1A1B-47BF-994D-21B9772F57A5}" type="datetimeFigureOut">
               <a:rPr lang="nb-NO" smtClean="0"/>
-              <a:t>02.02.2017</a:t>
+              <a:t>02.03.2017</a:t>
             </a:fld>
             <a:endParaRPr lang="nb-NO"/>
           </a:p>
@@ -2218,7 +2747,7 @@
           <a:p>
             <a:fld id="{952976F7-1A1B-47BF-994D-21B9772F57A5}" type="datetimeFigureOut">
               <a:rPr lang="nb-NO" smtClean="0"/>
-              <a:t>02.02.2017</a:t>
+              <a:t>02.03.2017</a:t>
             </a:fld>
             <a:endParaRPr lang="nb-NO"/>
           </a:p>
@@ -2521,7 +3050,7 @@
           <a:p>
             <a:fld id="{952976F7-1A1B-47BF-994D-21B9772F57A5}" type="datetimeFigureOut">
               <a:rPr lang="nb-NO" smtClean="0"/>
-              <a:t>02.02.2017</a:t>
+              <a:t>02.03.2017</a:t>
             </a:fld>
             <a:endParaRPr lang="nb-NO"/>
           </a:p>
@@ -2804,7 +3333,7 @@
           <a:p>
             <a:fld id="{952976F7-1A1B-47BF-994D-21B9772F57A5}" type="datetimeFigureOut">
               <a:rPr lang="nb-NO" smtClean="0"/>
-              <a:t>02.02.2017</a:t>
+              <a:t>02.03.2017</a:t>
             </a:fld>
             <a:endParaRPr lang="nb-NO"/>
           </a:p>
@@ -3146,7 +3675,7 @@
           <a:p>
             <a:fld id="{952976F7-1A1B-47BF-994D-21B9772F57A5}" type="datetimeFigureOut">
               <a:rPr lang="nb-NO" smtClean="0"/>
-              <a:t>02.02.2017</a:t>
+              <a:t>02.03.2017</a:t>
             </a:fld>
             <a:endParaRPr lang="nb-NO"/>
           </a:p>
@@ -3548,20 +4077,12 @@
           <a:lstStyle/>
           <a:p>
             <a:r>
-              <a:rPr lang="nb-NO" dirty="0"/>
-              <a:t>Workshop</a:t>
-            </a:r>
-            <a:r>
-              <a:rPr lang="nb-NO"/>
-              <a:t> </a:t>
-            </a:r>
-            <a:r>
-              <a:rPr lang="nb-NO" dirty="0"/>
-              <a:t>med Stian </a:t>
-            </a:r>
-            <a:r>
-              <a:rPr lang="nb-NO"/>
-              <a:t>Standahl</a:t>
+              <a:rPr lang="nb-NO" dirty="0" smtClean="0"/>
+              <a:t>Fra kode til </a:t>
+            </a:r>
+            <a:r>
+              <a:rPr lang="nb-NO" dirty="0" err="1" smtClean="0"/>
+              <a:t>app</a:t>
             </a:r>
             <a:endParaRPr lang="nb-NO" dirty="0"/>
           </a:p>
@@ -3584,15 +4105,7 @@
           <a:p>
             <a:r>
               <a:rPr lang="nb-NO" dirty="0"/>
-              <a:t>Introduksjon</a:t>
-            </a:r>
-            <a:r>
-              <a:rPr lang="nb-NO"/>
-              <a:t> </a:t>
-            </a:r>
-            <a:r>
-              <a:rPr lang="nb-NO" dirty="0"/>
-              <a:t>til </a:t>
+              <a:t>Introduksjon til </a:t>
             </a:r>
             <a:r>
               <a:rPr lang="nb-NO" dirty="0" err="1"/>
@@ -3600,13 +4113,8 @@
             </a:r>
             <a:r>
               <a:rPr lang="nb-NO" dirty="0"/>
-              <a:t> </a:t>
-            </a:r>
-            <a:r>
-              <a:rPr lang="nb-NO"/>
-              <a:t>2</a:t>
-            </a:r>
-            <a:endParaRPr lang="nb-NO" dirty="0"/>
+              <a:t> 2</a:t>
+            </a:r>
           </a:p>
         </p:txBody>
       </p:sp>
@@ -3657,15 +4165,7 @@
           <a:p>
             <a:r>
               <a:rPr lang="nb-NO" dirty="0" smtClean="0"/>
-              <a:t>Testing av </a:t>
-            </a:r>
-            <a:r>
-              <a:rPr lang="nb-NO" dirty="0" err="1" smtClean="0"/>
-              <a:t>ionic</a:t>
-            </a:r>
-            <a:r>
-              <a:rPr lang="nb-NO" dirty="0" smtClean="0"/>
-              <a:t> på mobil</a:t>
+              <a:t>Oppgave</a:t>
             </a:r>
             <a:endParaRPr lang="nb-NO" dirty="0"/>
           </a:p>
@@ -3687,106 +4187,40 @@
           <a:lstStyle/>
           <a:p>
             <a:r>
+              <a:rPr lang="nb-NO" dirty="0" smtClean="0"/>
+              <a:t>Lage en </a:t>
+            </a:r>
+            <a:r>
               <a:rPr lang="nb-NO" dirty="0" err="1" smtClean="0"/>
-              <a:t>Chrome</a:t>
-            </a:r>
-            <a:endParaRPr lang="nb-NO" dirty="0" smtClean="0"/>
-          </a:p>
-          <a:p>
-            <a:pPr lvl="1"/>
-            <a:r>
-              <a:rPr lang="nb-NO" dirty="0" smtClean="0"/>
-              <a:t>F12 -&gt; </a:t>
+              <a:t>chat</a:t>
+            </a:r>
+            <a:r>
+              <a:rPr lang="nb-NO" dirty="0" smtClean="0"/>
+              <a:t> som integrerer med </a:t>
             </a:r>
             <a:r>
               <a:rPr lang="nb-NO" dirty="0" err="1" smtClean="0"/>
-              <a:t>emulate</a:t>
-            </a:r>
-            <a:r>
-              <a:rPr lang="nb-NO" dirty="0" smtClean="0"/>
-              <a:t> </a:t>
+              <a:t>Sticos</a:t>
+            </a:r>
+            <a:r>
+              <a:rPr lang="nb-NO" dirty="0" smtClean="0"/>
+              <a:t> sin </a:t>
             </a:r>
             <a:r>
               <a:rPr lang="nb-NO" dirty="0" err="1" smtClean="0"/>
-              <a:t>devices</a:t>
-            </a:r>
-            <a:endParaRPr lang="nb-NO" dirty="0" smtClean="0"/>
-          </a:p>
-          <a:p>
+              <a:t>chatbot</a:t>
+            </a:r>
+            <a:r>
+              <a:rPr lang="nb-NO" dirty="0" smtClean="0"/>
+              <a:t>, @</a:t>
+            </a:r>
             <a:r>
               <a:rPr lang="nb-NO" dirty="0" err="1" smtClean="0"/>
-              <a:t>Ionic</a:t>
-            </a:r>
-            <a:r>
-              <a:rPr lang="nb-NO" dirty="0" smtClean="0"/>
-              <a:t> </a:t>
-            </a:r>
-            <a:r>
-              <a:rPr lang="nb-NO" dirty="0" err="1" smtClean="0"/>
-              <a:t>view</a:t>
-            </a:r>
-            <a:endParaRPr lang="nb-NO" dirty="0" smtClean="0"/>
-          </a:p>
-          <a:p>
-            <a:pPr lvl="1"/>
-            <a:r>
-              <a:rPr lang="nb-NO" dirty="0" smtClean="0"/>
-              <a:t>Last ned </a:t>
-            </a:r>
-            <a:r>
-              <a:rPr lang="nb-NO" dirty="0" err="1" smtClean="0"/>
-              <a:t>appen</a:t>
-            </a:r>
-            <a:endParaRPr lang="nb-NO" dirty="0" smtClean="0"/>
-          </a:p>
-          <a:p>
-            <a:pPr lvl="1"/>
-            <a:r>
-              <a:rPr lang="nb-NO" dirty="0" smtClean="0"/>
-              <a:t>Lag bruker</a:t>
-            </a:r>
-            <a:endParaRPr lang="nb-NO" dirty="0"/>
-          </a:p>
-          <a:p>
-            <a:pPr lvl="1"/>
-            <a:r>
-              <a:rPr lang="nb-NO" dirty="0" smtClean="0"/>
-              <a:t>Kjør kommandoen</a:t>
-            </a:r>
-          </a:p>
-          <a:p>
-            <a:pPr lvl="2"/>
-            <a:r>
-              <a:rPr lang="nb-NO" dirty="0" err="1" smtClean="0"/>
-              <a:t>ionic</a:t>
-            </a:r>
-            <a:r>
-              <a:rPr lang="nb-NO" dirty="0" smtClean="0"/>
-              <a:t> </a:t>
-            </a:r>
-            <a:r>
-              <a:rPr lang="nb-NO" dirty="0" err="1" smtClean="0"/>
-              <a:t>upload</a:t>
-            </a:r>
-            <a:endParaRPr lang="nb-NO" dirty="0" smtClean="0"/>
-          </a:p>
-          <a:p>
-            <a:r>
-              <a:rPr lang="nb-NO" dirty="0" smtClean="0"/>
-              <a:t>Emulering på mobil</a:t>
-            </a:r>
-          </a:p>
-          <a:p>
-            <a:pPr lvl="1"/>
-            <a:r>
-              <a:rPr lang="nb-NO" dirty="0" smtClean="0">
-                <a:hlinkClick r:id="rId2"/>
-              </a:rPr>
-              <a:t>http://ionicframework.com/docs/v2/intro/deploying/</a:t>
-            </a:r>
-            <a:r>
-              <a:rPr lang="nb-NO" dirty="0" smtClean="0"/>
-              <a:t> </a:t>
+              <a:t>else</a:t>
+            </a:r>
+            <a:r>
+              <a:rPr lang="nb-NO" dirty="0" smtClean="0"/>
+              <a:t>.</a:t>
             </a:r>
             <a:endParaRPr lang="nb-NO" dirty="0"/>
           </a:p>
@@ -3795,20 +4229,13 @@
     </p:spTree>
     <p:extLst>
       <p:ext uri="{BB962C8B-B14F-4D97-AF65-F5344CB8AC3E}">
-        <p14:creationId xmlns:p14="http://schemas.microsoft.com/office/powerpoint/2010/main" val="3291330480"/>
+        <p14:creationId xmlns:p14="http://schemas.microsoft.com/office/powerpoint/2010/main" val="937591413"/>
       </p:ext>
     </p:extLst>
   </p:cSld>
   <p:clrMapOvr>
     <a:masterClrMapping/>
   </p:clrMapOvr>
-  <p:timing>
-    <p:tnLst>
-      <p:par>
-        <p:cTn id="1" dur="indefinite" restart="never" nodeType="tmRoot"/>
-      </p:par>
-    </p:tnLst>
-  </p:timing>
 </p:sld>
 </file>
 
@@ -3846,7 +4273,7 @@
           <a:p>
             <a:r>
               <a:rPr lang="nb-NO" dirty="0" smtClean="0"/>
-              <a:t>Oppgave 2</a:t>
+              <a:t>Oppgave 1		</a:t>
             </a:r>
             <a:endParaRPr lang="nb-NO" dirty="0"/>
           </a:p>
@@ -3869,57 +4296,84 @@
           <a:p>
             <a:r>
               <a:rPr lang="nb-NO" dirty="0" smtClean="0"/>
-              <a:t>Kjør </a:t>
+              <a:t>Installer </a:t>
             </a:r>
             <a:r>
               <a:rPr lang="nb-NO" dirty="0" err="1" smtClean="0"/>
-              <a:t>appen</a:t>
-            </a:r>
-            <a:r>
-              <a:rPr lang="nb-NO" dirty="0" smtClean="0"/>
-              <a:t> på mobilen</a:t>
+              <a:t>ionic</a:t>
+            </a:r>
+            <a:r>
+              <a:rPr lang="nb-NO" dirty="0" smtClean="0"/>
+              <a:t> 2</a:t>
+            </a:r>
+          </a:p>
+          <a:p>
+            <a:r>
+              <a:rPr lang="nb-NO" dirty="0" smtClean="0"/>
+              <a:t>Opprett et nytt prosjekt</a:t>
             </a:r>
           </a:p>
           <a:p>
             <a:pPr lvl="1"/>
             <a:r>
               <a:rPr lang="nb-NO" dirty="0" smtClean="0"/>
-              <a:t>Enten ved å bruke </a:t>
-            </a:r>
-          </a:p>
-          <a:p>
-            <a:pPr lvl="2"/>
+              <a:t>Bruk «Blank» </a:t>
+            </a:r>
             <a:r>
               <a:rPr lang="nb-NO" dirty="0" err="1" smtClean="0"/>
-              <a:t>Ionic</a:t>
-            </a:r>
-            <a:r>
-              <a:rPr lang="nb-NO" dirty="0" smtClean="0"/>
-              <a:t> </a:t>
+              <a:t>template</a:t>
+            </a:r>
+            <a:endParaRPr lang="nb-NO" dirty="0" smtClean="0"/>
+          </a:p>
+          <a:p>
+            <a:pPr lvl="1"/>
+            <a:r>
+              <a:rPr lang="nb-NO" dirty="0" smtClean="0"/>
+              <a:t>Navngi som [NAVN ?]</a:t>
+            </a:r>
+          </a:p>
+          <a:p>
+            <a:pPr lvl="1"/>
+            <a:r>
+              <a:rPr lang="nb-NO" dirty="0" smtClean="0"/>
+              <a:t>Opprett en </a:t>
             </a:r>
             <a:r>
               <a:rPr lang="nb-NO" dirty="0" err="1" smtClean="0"/>
-              <a:t>view</a:t>
-            </a:r>
-            <a:r>
-              <a:rPr lang="nb-NO" dirty="0" smtClean="0"/>
-              <a:t> (raskest feedback loop)</a:t>
-            </a:r>
-          </a:p>
-          <a:p>
-            <a:pPr lvl="2"/>
-            <a:r>
-              <a:rPr lang="nb-NO" dirty="0" err="1" smtClean="0"/>
-              <a:t>Emulate</a:t>
-            </a:r>
-            <a:endParaRPr lang="nb-NO" dirty="0"/>
+              <a:t>ionicbruker</a:t>
+            </a:r>
+            <a:endParaRPr lang="nb-NO" dirty="0" smtClean="0"/>
+          </a:p>
+          <a:p>
+            <a:r>
+              <a:rPr lang="nb-NO" dirty="0" smtClean="0"/>
+              <a:t>Kjør prosjektet</a:t>
+            </a:r>
+          </a:p>
+          <a:p>
+            <a:endParaRPr lang="nb-NO" dirty="0" smtClean="0"/>
+          </a:p>
+          <a:p>
+            <a:r>
+              <a:rPr lang="nb-NO" sz="1800" dirty="0"/>
+              <a:t>Bonus </a:t>
+            </a:r>
+            <a:r>
+              <a:rPr lang="nb-NO" sz="1800" dirty="0" err="1" smtClean="0"/>
+              <a:t>oppg</a:t>
+            </a:r>
+            <a:r>
+              <a:rPr lang="nb-NO" sz="1800" dirty="0" smtClean="0"/>
+              <a:t>: Prøv --lab bak kjørekommandoen</a:t>
+            </a:r>
+            <a:endParaRPr lang="nb-NO" sz="1800" dirty="0"/>
           </a:p>
         </p:txBody>
       </p:sp>
     </p:spTree>
     <p:extLst>
       <p:ext uri="{BB962C8B-B14F-4D97-AF65-F5344CB8AC3E}">
-        <p14:creationId xmlns:p14="http://schemas.microsoft.com/office/powerpoint/2010/main" val="3963294372"/>
+        <p14:creationId xmlns:p14="http://schemas.microsoft.com/office/powerpoint/2010/main" val="808542648"/>
       </p:ext>
     </p:extLst>
   </p:cSld>
@@ -3970,7 +4424,399 @@
           <a:p>
             <a:r>
               <a:rPr lang="nb-NO" dirty="0" smtClean="0"/>
-              <a:t>Lage </a:t>
+              <a:t>Testing av </a:t>
+            </a:r>
+            <a:r>
+              <a:rPr lang="nb-NO" dirty="0" err="1" smtClean="0"/>
+              <a:t>ionic</a:t>
+            </a:r>
+            <a:r>
+              <a:rPr lang="nb-NO" dirty="0" smtClean="0"/>
+              <a:t> på mobil</a:t>
+            </a:r>
+            <a:endParaRPr lang="nb-NO" dirty="0"/>
+          </a:p>
+        </p:txBody>
+      </p:sp>
+      <p:sp>
+        <p:nvSpPr>
+          <p:cNvPr id="3" name="Plassholder for innhold 2"/>
+          <p:cNvSpPr>
+            <a:spLocks noGrp="1"/>
+          </p:cNvSpPr>
+          <p:nvPr>
+            <p:ph idx="1"/>
+          </p:nvPr>
+        </p:nvSpPr>
+        <p:spPr/>
+        <p:txBody>
+          <a:bodyPr/>
+          <a:lstStyle/>
+          <a:p>
+            <a:r>
+              <a:rPr lang="nb-NO" dirty="0" err="1" smtClean="0"/>
+              <a:t>Chrome</a:t>
+            </a:r>
+            <a:endParaRPr lang="nb-NO" dirty="0" smtClean="0"/>
+          </a:p>
+          <a:p>
+            <a:pPr lvl="1"/>
+            <a:r>
+              <a:rPr lang="nb-NO" dirty="0" smtClean="0"/>
+              <a:t>F12 -&gt; </a:t>
+            </a:r>
+            <a:r>
+              <a:rPr lang="nb-NO" dirty="0" err="1" smtClean="0"/>
+              <a:t>emulate</a:t>
+            </a:r>
+            <a:r>
+              <a:rPr lang="nb-NO" dirty="0" smtClean="0"/>
+              <a:t> </a:t>
+            </a:r>
+            <a:r>
+              <a:rPr lang="nb-NO" dirty="0" err="1" smtClean="0"/>
+              <a:t>devices</a:t>
+            </a:r>
+            <a:endParaRPr lang="nb-NO" dirty="0" smtClean="0"/>
+          </a:p>
+          <a:p>
+            <a:r>
+              <a:rPr lang="nb-NO" dirty="0" err="1" smtClean="0"/>
+              <a:t>Ionic</a:t>
+            </a:r>
+            <a:r>
+              <a:rPr lang="nb-NO" dirty="0" smtClean="0"/>
+              <a:t> </a:t>
+            </a:r>
+            <a:r>
+              <a:rPr lang="nb-NO" dirty="0" err="1" smtClean="0"/>
+              <a:t>view</a:t>
+            </a:r>
+            <a:endParaRPr lang="nb-NO" dirty="0" smtClean="0"/>
+          </a:p>
+          <a:p>
+            <a:pPr lvl="1"/>
+            <a:r>
+              <a:rPr lang="nb-NO" dirty="0" smtClean="0"/>
+              <a:t>Last ned </a:t>
+            </a:r>
+            <a:r>
+              <a:rPr lang="nb-NO" dirty="0" err="1" smtClean="0"/>
+              <a:t>appen</a:t>
+            </a:r>
+            <a:endParaRPr lang="nb-NO" dirty="0" smtClean="0"/>
+          </a:p>
+          <a:p>
+            <a:pPr lvl="1"/>
+            <a:r>
+              <a:rPr lang="nb-NO" dirty="0" smtClean="0"/>
+              <a:t>Lag bruker</a:t>
+            </a:r>
+            <a:endParaRPr lang="nb-NO" dirty="0"/>
+          </a:p>
+          <a:p>
+            <a:pPr lvl="1"/>
+            <a:r>
+              <a:rPr lang="nb-NO" dirty="0" smtClean="0"/>
+              <a:t>Kjør kommandoen</a:t>
+            </a:r>
+          </a:p>
+          <a:p>
+            <a:pPr lvl="2"/>
+            <a:r>
+              <a:rPr lang="nb-NO" dirty="0" err="1" smtClean="0"/>
+              <a:t>ionic</a:t>
+            </a:r>
+            <a:r>
+              <a:rPr lang="nb-NO" dirty="0" smtClean="0"/>
+              <a:t> </a:t>
+            </a:r>
+            <a:r>
+              <a:rPr lang="nb-NO" dirty="0" err="1" smtClean="0"/>
+              <a:t>upload</a:t>
+            </a:r>
+            <a:endParaRPr lang="nb-NO" dirty="0" smtClean="0"/>
+          </a:p>
+          <a:p>
+            <a:r>
+              <a:rPr lang="nb-NO" dirty="0" smtClean="0"/>
+              <a:t>Emulering på mobil</a:t>
+            </a:r>
+          </a:p>
+          <a:p>
+            <a:pPr lvl="1"/>
+            <a:r>
+              <a:rPr lang="nb-NO" dirty="0" smtClean="0">
+                <a:hlinkClick r:id="rId2"/>
+              </a:rPr>
+              <a:t>http://ionicframework.com/docs/v2/intro/deploying/</a:t>
+            </a:r>
+            <a:r>
+              <a:rPr lang="nb-NO" dirty="0" smtClean="0"/>
+              <a:t> </a:t>
+            </a:r>
+            <a:endParaRPr lang="nb-NO" dirty="0"/>
+          </a:p>
+        </p:txBody>
+      </p:sp>
+    </p:spTree>
+    <p:extLst>
+      <p:ext uri="{BB962C8B-B14F-4D97-AF65-F5344CB8AC3E}">
+        <p14:creationId xmlns:p14="http://schemas.microsoft.com/office/powerpoint/2010/main" val="3291330480"/>
+      </p:ext>
+    </p:extLst>
+  </p:cSld>
+  <p:clrMapOvr>
+    <a:masterClrMapping/>
+  </p:clrMapOvr>
+  <p:timing>
+    <p:tnLst>
+      <p:par>
+        <p:cTn id="1" dur="indefinite" restart="never" nodeType="tmRoot"/>
+      </p:par>
+    </p:tnLst>
+  </p:timing>
+</p:sld>
+</file>
+
+<file path=ppt/slides/slide13.xml><?xml version="1.0" encoding="utf-8"?>
+<p:sld xmlns:a="http://schemas.openxmlformats.org/drawingml/2006/main" xmlns:r="http://schemas.openxmlformats.org/officeDocument/2006/relationships" xmlns:p="http://schemas.openxmlformats.org/presentationml/2006/main">
+  <p:cSld>
+    <p:spTree>
+      <p:nvGrpSpPr>
+        <p:cNvPr id="1" name=""/>
+        <p:cNvGrpSpPr/>
+        <p:nvPr/>
+      </p:nvGrpSpPr>
+      <p:grpSpPr>
+        <a:xfrm>
+          <a:off x="0" y="0"/>
+          <a:ext cx="0" cy="0"/>
+          <a:chOff x="0" y="0"/>
+          <a:chExt cx="0" cy="0"/>
+        </a:xfrm>
+      </p:grpSpPr>
+      <p:sp>
+        <p:nvSpPr>
+          <p:cNvPr id="2" name="Tittel 1"/>
+          <p:cNvSpPr>
+            <a:spLocks noGrp="1"/>
+          </p:cNvSpPr>
+          <p:nvPr>
+            <p:ph type="title"/>
+          </p:nvPr>
+        </p:nvSpPr>
+        <p:spPr/>
+        <p:txBody>
+          <a:bodyPr/>
+          <a:lstStyle/>
+          <a:p>
+            <a:r>
+              <a:rPr lang="nb-NO" dirty="0" smtClean="0"/>
+              <a:t>Oppgave 2</a:t>
+            </a:r>
+            <a:endParaRPr lang="nb-NO" dirty="0"/>
+          </a:p>
+        </p:txBody>
+      </p:sp>
+      <p:sp>
+        <p:nvSpPr>
+          <p:cNvPr id="3" name="Plassholder for innhold 2"/>
+          <p:cNvSpPr>
+            <a:spLocks noGrp="1"/>
+          </p:cNvSpPr>
+          <p:nvPr>
+            <p:ph idx="1"/>
+          </p:nvPr>
+        </p:nvSpPr>
+        <p:spPr>
+          <a:xfrm>
+            <a:off x="838200" y="1833646"/>
+            <a:ext cx="10515600" cy="4351338"/>
+          </a:xfrm>
+        </p:spPr>
+        <p:txBody>
+          <a:bodyPr/>
+          <a:lstStyle/>
+          <a:p>
+            <a:r>
+              <a:rPr lang="nb-NO" dirty="0" smtClean="0"/>
+              <a:t>Kjør </a:t>
+            </a:r>
+            <a:r>
+              <a:rPr lang="nb-NO" dirty="0" err="1" smtClean="0"/>
+              <a:t>appen</a:t>
+            </a:r>
+            <a:r>
+              <a:rPr lang="nb-NO" dirty="0" smtClean="0"/>
+              <a:t> på mobilen</a:t>
+            </a:r>
+          </a:p>
+          <a:p>
+            <a:pPr lvl="1"/>
+            <a:r>
+              <a:rPr lang="nb-NO" dirty="0" smtClean="0"/>
+              <a:t>Enten ved å bruke </a:t>
+            </a:r>
+          </a:p>
+          <a:p>
+            <a:pPr lvl="2"/>
+            <a:r>
+              <a:rPr lang="nb-NO" dirty="0" err="1" smtClean="0"/>
+              <a:t>Ionic</a:t>
+            </a:r>
+            <a:r>
+              <a:rPr lang="nb-NO" dirty="0" smtClean="0"/>
+              <a:t> </a:t>
+            </a:r>
+            <a:r>
+              <a:rPr lang="nb-NO" dirty="0" err="1" smtClean="0"/>
+              <a:t>view</a:t>
+            </a:r>
+            <a:r>
+              <a:rPr lang="nb-NO" dirty="0" smtClean="0"/>
+              <a:t> (raskest feedback loop)</a:t>
+            </a:r>
+          </a:p>
+          <a:p>
+            <a:pPr lvl="2"/>
+            <a:r>
+              <a:rPr lang="nb-NO" dirty="0" err="1" smtClean="0"/>
+              <a:t>Emulate</a:t>
+            </a:r>
+            <a:endParaRPr lang="nb-NO" dirty="0" smtClean="0"/>
+          </a:p>
+          <a:p>
+            <a:endParaRPr lang="nb-NO" dirty="0" smtClean="0"/>
+          </a:p>
+          <a:p>
+            <a:r>
+              <a:rPr lang="nb-NO" sz="1800" dirty="0" smtClean="0"/>
+              <a:t>Bonus </a:t>
+            </a:r>
+            <a:r>
+              <a:rPr lang="nb-NO" sz="1800" dirty="0" err="1" smtClean="0"/>
+              <a:t>oppg</a:t>
+            </a:r>
+            <a:r>
+              <a:rPr lang="nb-NO" sz="1800" dirty="0" smtClean="0"/>
+              <a:t>:</a:t>
+            </a:r>
+          </a:p>
+          <a:p>
+            <a:pPr lvl="1"/>
+            <a:r>
+              <a:rPr lang="nb-NO" sz="1400" dirty="0" smtClean="0"/>
+              <a:t>Oppdater home.html til å ha forskjellig </a:t>
+            </a:r>
+            <a:r>
+              <a:rPr lang="nb-NO" sz="1400" dirty="0" err="1" smtClean="0"/>
+              <a:t>text</a:t>
+            </a:r>
+            <a:r>
+              <a:rPr lang="nb-NO" sz="1400" dirty="0" smtClean="0"/>
+              <a:t> i body</a:t>
+            </a:r>
+          </a:p>
+          <a:p>
+            <a:pPr lvl="1"/>
+            <a:r>
+              <a:rPr lang="nb-NO" sz="1400" dirty="0" smtClean="0"/>
+              <a:t>Prøv </a:t>
+            </a:r>
+            <a:r>
+              <a:rPr lang="nb-NO" sz="1400" dirty="0"/>
+              <a:t>også </a:t>
+            </a:r>
+            <a:r>
+              <a:rPr lang="nb-NO" sz="1400" dirty="0" smtClean="0"/>
+              <a:t>overskriften «Dette </a:t>
+            </a:r>
+            <a:r>
+              <a:rPr lang="nb-NO" sz="1400" dirty="0"/>
+              <a:t>er en overskrift som er </a:t>
+            </a:r>
+            <a:r>
+              <a:rPr lang="nb-NO" sz="1400" dirty="0" smtClean="0"/>
+              <a:t>lang» med --labs</a:t>
+            </a:r>
+          </a:p>
+          <a:p>
+            <a:pPr lvl="2"/>
+            <a:r>
+              <a:rPr lang="nb-NO" sz="1000" dirty="0" smtClean="0"/>
+              <a:t>Merk forskjellen mellom mobil </a:t>
+            </a:r>
+            <a:r>
+              <a:rPr lang="nb-NO" sz="1000" dirty="0" err="1" smtClean="0"/>
+              <a:t>platformene</a:t>
+            </a:r>
+            <a:r>
+              <a:rPr lang="nb-NO" sz="1000" dirty="0" smtClean="0"/>
+              <a:t>.</a:t>
+            </a:r>
+          </a:p>
+          <a:p>
+            <a:pPr lvl="1"/>
+            <a:endParaRPr lang="nb-NO" dirty="0"/>
+          </a:p>
+        </p:txBody>
+      </p:sp>
+    </p:spTree>
+    <p:extLst>
+      <p:ext uri="{BB962C8B-B14F-4D97-AF65-F5344CB8AC3E}">
+        <p14:creationId xmlns:p14="http://schemas.microsoft.com/office/powerpoint/2010/main" val="3963294372"/>
+      </p:ext>
+    </p:extLst>
+  </p:cSld>
+  <p:clrMapOvr>
+    <a:masterClrMapping/>
+  </p:clrMapOvr>
+  <p:timing>
+    <p:tnLst>
+      <p:par>
+        <p:cTn id="1" dur="indefinite" restart="never" nodeType="tmRoot"/>
+      </p:par>
+    </p:tnLst>
+  </p:timing>
+</p:sld>
+</file>
+
+<file path=ppt/slides/slide14.xml><?xml version="1.0" encoding="utf-8"?>
+<p:sld xmlns:a="http://schemas.openxmlformats.org/drawingml/2006/main" xmlns:r="http://schemas.openxmlformats.org/officeDocument/2006/relationships" xmlns:p="http://schemas.openxmlformats.org/presentationml/2006/main">
+  <p:cSld>
+    <p:spTree>
+      <p:nvGrpSpPr>
+        <p:cNvPr id="1" name=""/>
+        <p:cNvGrpSpPr/>
+        <p:nvPr/>
+      </p:nvGrpSpPr>
+      <p:grpSpPr>
+        <a:xfrm>
+          <a:off x="0" y="0"/>
+          <a:ext cx="0" cy="0"/>
+          <a:chOff x="0" y="0"/>
+          <a:chExt cx="0" cy="0"/>
+        </a:xfrm>
+      </p:grpSpPr>
+      <p:sp>
+        <p:nvSpPr>
+          <p:cNvPr id="2" name="Tittel 1"/>
+          <p:cNvSpPr>
+            <a:spLocks noGrp="1"/>
+          </p:cNvSpPr>
+          <p:nvPr>
+            <p:ph type="title"/>
+          </p:nvPr>
+        </p:nvSpPr>
+        <p:spPr/>
+        <p:txBody>
+          <a:bodyPr/>
+          <a:lstStyle/>
+          <a:p>
+            <a:r>
+              <a:rPr lang="nb-NO" dirty="0" smtClean="0"/>
+              <a:t>Lage (web)</a:t>
             </a:r>
             <a:r>
               <a:rPr lang="nb-NO" dirty="0" err="1" smtClean="0"/>
@@ -3990,43 +4836,36 @@
             <p:ph idx="1"/>
           </p:nvPr>
         </p:nvSpPr>
-        <p:spPr/>
+        <p:spPr>
+          <a:xfrm>
+            <a:off x="838200" y="1831803"/>
+            <a:ext cx="10515600" cy="4351338"/>
+          </a:xfrm>
+        </p:spPr>
         <p:txBody>
           <a:bodyPr/>
           <a:lstStyle/>
           <a:p>
             <a:r>
               <a:rPr lang="nb-NO" dirty="0" smtClean="0"/>
-              <a:t>Gjøres på akkurat samme måte som i </a:t>
+              <a:t>Bruker html </a:t>
             </a:r>
             <a:r>
               <a:rPr lang="nb-NO" dirty="0" err="1" smtClean="0"/>
-              <a:t>Angular</a:t>
-            </a:r>
-            <a:r>
-              <a:rPr lang="nb-NO" dirty="0" smtClean="0"/>
-              <a:t> 2</a:t>
-            </a:r>
-          </a:p>
-          <a:p>
-            <a:r>
-              <a:rPr lang="nb-NO" dirty="0" smtClean="0"/>
-              <a:t>Bruker forskjellig HTML </a:t>
-            </a:r>
-            <a:r>
-              <a:rPr lang="nb-NO" dirty="0" err="1" smtClean="0"/>
-              <a:t>markup</a:t>
-            </a:r>
-            <a:endParaRPr lang="nb-NO" dirty="0" smtClean="0"/>
-          </a:p>
-          <a:p>
-            <a:pPr lvl="1"/>
-            <a:r>
-              <a:rPr lang="nb-NO" smtClean="0"/>
+              <a:t>selectors</a:t>
+            </a:r>
+            <a:r>
+              <a:rPr lang="nb-NO" dirty="0" smtClean="0"/>
+              <a:t> med typescript komponenter</a:t>
+            </a:r>
+          </a:p>
+          <a:p>
+            <a:r>
+              <a:rPr lang="nb-NO" dirty="0" smtClean="0"/>
               <a:t>Se </a:t>
             </a:r>
             <a:r>
-              <a:rPr lang="nb-NO" smtClean="0">
+              <a:rPr lang="nb-NO" dirty="0" smtClean="0">
                 <a:hlinkClick r:id="rId2"/>
               </a:rPr>
               <a:t>http</a:t>
@@ -4047,6 +4886,81 @@
               <a:rPr lang="nb-NO" dirty="0" smtClean="0"/>
               <a:t> </a:t>
             </a:r>
+          </a:p>
+          <a:p>
+            <a:endParaRPr lang="nb-NO" dirty="0" smtClean="0"/>
+          </a:p>
+          <a:p>
+            <a:r>
+              <a:rPr lang="nb-NO" dirty="0" smtClean="0"/>
+              <a:t>For å lage komponenter så kan cli kommandoen</a:t>
+            </a:r>
+          </a:p>
+          <a:p>
+            <a:pPr lvl="1"/>
+            <a:r>
+              <a:rPr lang="nb-NO" dirty="0" err="1"/>
+              <a:t>i</a:t>
+            </a:r>
+            <a:r>
+              <a:rPr lang="nb-NO" dirty="0" err="1" smtClean="0"/>
+              <a:t>onic</a:t>
+            </a:r>
+            <a:r>
+              <a:rPr lang="nb-NO" dirty="0" smtClean="0"/>
+              <a:t> </a:t>
+            </a:r>
+            <a:r>
+              <a:rPr lang="nb-NO" dirty="0" err="1" smtClean="0"/>
+              <a:t>generate</a:t>
+            </a:r>
+            <a:r>
+              <a:rPr lang="nb-NO" dirty="0" smtClean="0"/>
+              <a:t> </a:t>
+            </a:r>
+            <a:r>
+              <a:rPr lang="nb-NO" dirty="0" err="1" smtClean="0"/>
+              <a:t>component</a:t>
+            </a:r>
+            <a:endParaRPr lang="nb-NO" dirty="0" smtClean="0"/>
+          </a:p>
+          <a:p>
+            <a:pPr lvl="1"/>
+            <a:r>
+              <a:rPr lang="nb-NO" dirty="0" smtClean="0"/>
+              <a:t>(kjør </a:t>
+            </a:r>
+            <a:r>
+              <a:rPr lang="nb-NO" dirty="0" err="1" smtClean="0"/>
+              <a:t>ionic</a:t>
+            </a:r>
+            <a:r>
+              <a:rPr lang="nb-NO" dirty="0" smtClean="0"/>
+              <a:t> </a:t>
+            </a:r>
+            <a:r>
+              <a:rPr lang="nb-NO" dirty="0" err="1" smtClean="0"/>
+              <a:t>help</a:t>
+            </a:r>
+            <a:r>
+              <a:rPr lang="nb-NO" dirty="0" smtClean="0"/>
+              <a:t> </a:t>
+            </a:r>
+            <a:r>
+              <a:rPr lang="nb-NO" dirty="0" err="1" smtClean="0"/>
+              <a:t>generate</a:t>
+            </a:r>
+            <a:r>
+              <a:rPr lang="nb-NO" dirty="0" smtClean="0"/>
+              <a:t> for mer informasjon)</a:t>
+            </a:r>
+          </a:p>
+          <a:p>
+            <a:pPr lvl="1"/>
+            <a:endParaRPr lang="nb-NO" dirty="0"/>
+          </a:p>
+          <a:p>
+            <a:pPr lvl="1"/>
             <a:endParaRPr lang="nb-NO" dirty="0"/>
           </a:p>
         </p:txBody>
@@ -4068,6 +4982,304 @@
       </p:par>
     </p:tnLst>
   </p:timing>
+</p:sld>
+</file>
+
+<file path=ppt/slides/slide15.xml><?xml version="1.0" encoding="utf-8"?>
+<p:sld xmlns:a="http://schemas.openxmlformats.org/drawingml/2006/main" xmlns:r="http://schemas.openxmlformats.org/officeDocument/2006/relationships" xmlns:p="http://schemas.openxmlformats.org/presentationml/2006/main">
+  <p:cSld>
+    <p:spTree>
+      <p:nvGrpSpPr>
+        <p:cNvPr id="1" name=""/>
+        <p:cNvGrpSpPr/>
+        <p:nvPr/>
+      </p:nvGrpSpPr>
+      <p:grpSpPr>
+        <a:xfrm>
+          <a:off x="0" y="0"/>
+          <a:ext cx="0" cy="0"/>
+          <a:chOff x="0" y="0"/>
+          <a:chExt cx="0" cy="0"/>
+        </a:xfrm>
+      </p:grpSpPr>
+      <p:sp>
+        <p:nvSpPr>
+          <p:cNvPr id="2" name="Tittel 1"/>
+          <p:cNvSpPr>
+            <a:spLocks noGrp="1"/>
+          </p:cNvSpPr>
+          <p:nvPr>
+            <p:ph type="title"/>
+          </p:nvPr>
+        </p:nvSpPr>
+        <p:spPr/>
+        <p:txBody>
+          <a:bodyPr/>
+          <a:lstStyle/>
+          <a:p>
+            <a:r>
+              <a:rPr lang="nb-NO" dirty="0" smtClean="0"/>
+              <a:t>Oppgave 3</a:t>
+            </a:r>
+            <a:endParaRPr lang="nb-NO" dirty="0"/>
+          </a:p>
+        </p:txBody>
+      </p:sp>
+      <p:sp>
+        <p:nvSpPr>
+          <p:cNvPr id="3" name="Plassholder for innhold 2"/>
+          <p:cNvSpPr>
+            <a:spLocks noGrp="1"/>
+          </p:cNvSpPr>
+          <p:nvPr>
+            <p:ph idx="1"/>
+          </p:nvPr>
+        </p:nvSpPr>
+        <p:spPr/>
+        <p:txBody>
+          <a:bodyPr/>
+          <a:lstStyle/>
+          <a:p>
+            <a:r>
+              <a:rPr lang="nb-NO" dirty="0" smtClean="0"/>
+              <a:t>Generer komponentene</a:t>
+            </a:r>
+          </a:p>
+          <a:p>
+            <a:pPr lvl="1"/>
+            <a:r>
+              <a:rPr lang="nb-NO" dirty="0" err="1" smtClean="0"/>
+              <a:t>ChatInput</a:t>
+            </a:r>
+            <a:endParaRPr lang="nb-NO" dirty="0" smtClean="0"/>
+          </a:p>
+          <a:p>
+            <a:pPr lvl="1"/>
+            <a:r>
+              <a:rPr lang="nb-NO" dirty="0" err="1" smtClean="0"/>
+              <a:t>ChatContent</a:t>
+            </a:r>
+            <a:endParaRPr lang="nb-NO" dirty="0" smtClean="0"/>
+          </a:p>
+          <a:p>
+            <a:pPr lvl="2"/>
+            <a:r>
+              <a:rPr lang="nb-NO" dirty="0" smtClean="0"/>
+              <a:t>Bruker Cards for å presentere </a:t>
+            </a:r>
+            <a:r>
+              <a:rPr lang="nb-NO" dirty="0" err="1" smtClean="0"/>
+              <a:t>chat</a:t>
+            </a:r>
+            <a:r>
+              <a:rPr lang="nb-NO" dirty="0" smtClean="0"/>
+              <a:t>-teksten </a:t>
+            </a:r>
+          </a:p>
+          <a:p>
+            <a:pPr lvl="2"/>
+            <a:r>
+              <a:rPr lang="nb-NO" dirty="0" smtClean="0"/>
+              <a:t>&lt;ion-</a:t>
+            </a:r>
+            <a:r>
+              <a:rPr lang="nb-NO" dirty="0" err="1" smtClean="0"/>
+              <a:t>card</a:t>
+            </a:r>
+            <a:r>
+              <a:rPr lang="nb-NO" dirty="0" smtClean="0"/>
+              <a:t>&gt;</a:t>
+            </a:r>
+          </a:p>
+          <a:p>
+            <a:pPr lvl="1"/>
+            <a:endParaRPr lang="nb-NO" dirty="0"/>
+          </a:p>
+          <a:p>
+            <a:endParaRPr lang="nb-NO" dirty="0"/>
+          </a:p>
+        </p:txBody>
+      </p:sp>
+      <p:pic>
+        <p:nvPicPr>
+          <p:cNvPr id="4" name="Bilde 3"/>
+          <p:cNvPicPr>
+            <a:picLocks noChangeAspect="1"/>
+          </p:cNvPicPr>
+          <p:nvPr/>
+        </p:nvPicPr>
+        <p:blipFill>
+          <a:blip r:embed="rId3"/>
+          <a:stretch>
+            <a:fillRect/>
+          </a:stretch>
+        </p:blipFill>
+        <p:spPr>
+          <a:xfrm>
+            <a:off x="8791307" y="1027906"/>
+            <a:ext cx="2562493" cy="4513629"/>
+          </a:xfrm>
+          <a:prstGeom prst="rect">
+            <a:avLst/>
+          </a:prstGeom>
+        </p:spPr>
+      </p:pic>
+    </p:spTree>
+    <p:extLst>
+      <p:ext uri="{BB962C8B-B14F-4D97-AF65-F5344CB8AC3E}">
+        <p14:creationId xmlns:p14="http://schemas.microsoft.com/office/powerpoint/2010/main" val="1919383914"/>
+      </p:ext>
+    </p:extLst>
+  </p:cSld>
+  <p:clrMapOvr>
+    <a:masterClrMapping/>
+  </p:clrMapOvr>
+  <p:timing>
+    <p:tnLst>
+      <p:par>
+        <p:cTn id="1" dur="indefinite" restart="never" nodeType="tmRoot"/>
+      </p:par>
+    </p:tnLst>
+  </p:timing>
+</p:sld>
+</file>
+
+<file path=ppt/slides/slide16.xml><?xml version="1.0" encoding="utf-8"?>
+<p:sld xmlns:a="http://schemas.openxmlformats.org/drawingml/2006/main" xmlns:r="http://schemas.openxmlformats.org/officeDocument/2006/relationships" xmlns:p="http://schemas.openxmlformats.org/presentationml/2006/main">
+  <p:cSld>
+    <p:spTree>
+      <p:nvGrpSpPr>
+        <p:cNvPr id="1" name=""/>
+        <p:cNvGrpSpPr/>
+        <p:nvPr/>
+      </p:nvGrpSpPr>
+      <p:grpSpPr>
+        <a:xfrm>
+          <a:off x="0" y="0"/>
+          <a:ext cx="0" cy="0"/>
+          <a:chOff x="0" y="0"/>
+          <a:chExt cx="0" cy="0"/>
+        </a:xfrm>
+      </p:grpSpPr>
+      <p:sp>
+        <p:nvSpPr>
+          <p:cNvPr id="2" name="Tittel 1"/>
+          <p:cNvSpPr>
+            <a:spLocks noGrp="1"/>
+          </p:cNvSpPr>
+          <p:nvPr>
+            <p:ph type="title"/>
+          </p:nvPr>
+        </p:nvSpPr>
+        <p:spPr/>
+        <p:txBody>
+          <a:bodyPr/>
+          <a:lstStyle/>
+          <a:p>
+            <a:r>
+              <a:rPr lang="nb-NO" dirty="0" smtClean="0"/>
+              <a:t>Oppgave 4</a:t>
+            </a:r>
+            <a:endParaRPr lang="nb-NO" dirty="0"/>
+          </a:p>
+        </p:txBody>
+      </p:sp>
+      <p:sp>
+        <p:nvSpPr>
+          <p:cNvPr id="3" name="Plassholder for innhold 2"/>
+          <p:cNvSpPr>
+            <a:spLocks noGrp="1"/>
+          </p:cNvSpPr>
+          <p:nvPr>
+            <p:ph idx="1"/>
+          </p:nvPr>
+        </p:nvSpPr>
+        <p:spPr/>
+        <p:txBody>
+          <a:bodyPr/>
+          <a:lstStyle/>
+          <a:p>
+            <a:r>
+              <a:rPr lang="nb-NO" dirty="0" smtClean="0"/>
+              <a:t>Lag service</a:t>
+            </a:r>
+          </a:p>
+          <a:p>
+            <a:pPr lvl="1"/>
+            <a:r>
+              <a:rPr lang="nb-NO" dirty="0" smtClean="0"/>
+              <a:t>Kjører en http </a:t>
+            </a:r>
+            <a:r>
+              <a:rPr lang="nb-NO" dirty="0" err="1" smtClean="0"/>
+              <a:t>get</a:t>
+            </a:r>
+            <a:r>
+              <a:rPr lang="nb-NO" dirty="0"/>
+              <a:t> </a:t>
+            </a:r>
+            <a:r>
+              <a:rPr lang="nb-NO" dirty="0" smtClean="0"/>
+              <a:t>mot [URL]</a:t>
+            </a:r>
+          </a:p>
+          <a:p>
+            <a:r>
+              <a:rPr lang="nb-NO" dirty="0" smtClean="0"/>
+              <a:t>Bruk servicen i </a:t>
+            </a:r>
+            <a:r>
+              <a:rPr lang="nb-NO" dirty="0" err="1" smtClean="0"/>
+              <a:t>chat</a:t>
+            </a:r>
+            <a:r>
+              <a:rPr lang="nb-NO" dirty="0" smtClean="0"/>
+              <a:t>-input</a:t>
+            </a:r>
+          </a:p>
+          <a:p>
+            <a:r>
+              <a:rPr lang="nb-NO" dirty="0" smtClean="0"/>
+              <a:t>Send </a:t>
+            </a:r>
+            <a:r>
+              <a:rPr lang="nb-NO" dirty="0" err="1" smtClean="0"/>
+              <a:t>response</a:t>
+            </a:r>
+            <a:r>
+              <a:rPr lang="nb-NO" dirty="0" smtClean="0"/>
+              <a:t> til </a:t>
+            </a:r>
+            <a:r>
+              <a:rPr lang="nb-NO" dirty="0" err="1" smtClean="0"/>
+              <a:t>chat-content</a:t>
+            </a:r>
+            <a:r>
+              <a:rPr lang="nb-NO" dirty="0"/>
+              <a:t> </a:t>
+            </a:r>
+            <a:r>
+              <a:rPr lang="nb-NO" dirty="0" smtClean="0"/>
+              <a:t>som nytt ion-</a:t>
+            </a:r>
+            <a:r>
+              <a:rPr lang="nb-NO" smtClean="0"/>
+              <a:t>card</a:t>
+            </a:r>
+            <a:endParaRPr lang="nb-NO" dirty="0" smtClean="0"/>
+          </a:p>
+        </p:txBody>
+      </p:sp>
+    </p:spTree>
+    <p:extLst>
+      <p:ext uri="{BB962C8B-B14F-4D97-AF65-F5344CB8AC3E}">
+        <p14:creationId xmlns:p14="http://schemas.microsoft.com/office/powerpoint/2010/main" val="3664456486"/>
+      </p:ext>
+    </p:extLst>
+  </p:cSld>
+  <p:clrMapOvr>
+    <a:masterClrMapping/>
+  </p:clrMapOvr>
 </p:sld>
 </file>
 
@@ -4297,9 +5509,10 @@
           <a:lstStyle/>
           <a:p>
             <a:r>
-              <a:rPr lang="nb-NO" dirty="0"/>
-              <a:t>Mål	</a:t>
-            </a:r>
+              <a:rPr lang="nb-NO" dirty="0" smtClean="0"/>
+              <a:t>Forhåndskunnskap</a:t>
+            </a:r>
+            <a:endParaRPr lang="nb-NO" dirty="0"/>
           </a:p>
         </p:txBody>
       </p:sp>
@@ -4319,49 +5532,36 @@
           <a:lstStyle/>
           <a:p>
             <a:r>
-              <a:rPr lang="nb-NO" dirty="0"/>
-              <a:t>Hva er </a:t>
-            </a:r>
-            <a:r>
-              <a:rPr lang="nb-NO" dirty="0" err="1"/>
-              <a:t>Ionic</a:t>
-            </a:r>
-            <a:r>
-              <a:rPr lang="nb-NO" dirty="0"/>
-              <a:t>? </a:t>
-            </a:r>
-          </a:p>
-          <a:p>
-            <a:r>
-              <a:rPr lang="nb-NO" dirty="0"/>
-              <a:t>Et </a:t>
-            </a:r>
-            <a:r>
-              <a:rPr lang="nb-NO" dirty="0" err="1"/>
-              <a:t>ionic</a:t>
-            </a:r>
-            <a:r>
-              <a:rPr lang="nb-NO" dirty="0"/>
-              <a:t> prosjekt fra nyoppretting til </a:t>
-            </a:r>
-            <a:r>
-              <a:rPr lang="nb-NO" dirty="0" err="1"/>
-              <a:t>release</a:t>
-            </a:r>
-            <a:r>
-              <a:rPr lang="nb-NO" dirty="0"/>
-              <a:t>.</a:t>
-            </a:r>
-          </a:p>
-          <a:p>
-            <a:endParaRPr lang="nb-NO" dirty="0"/>
+              <a:rPr lang="nb-NO" dirty="0" smtClean="0"/>
+              <a:t>Vant med CLI</a:t>
+            </a:r>
+          </a:p>
+          <a:p>
+            <a:r>
+              <a:rPr lang="nb-NO" dirty="0" smtClean="0"/>
+              <a:t>Litt </a:t>
+            </a:r>
+            <a:r>
+              <a:rPr lang="nb-NO" dirty="0" err="1" smtClean="0"/>
+              <a:t>Angular</a:t>
+            </a:r>
+            <a:r>
+              <a:rPr lang="nb-NO" dirty="0" smtClean="0"/>
+              <a:t> 2</a:t>
+            </a:r>
+          </a:p>
+          <a:p>
+            <a:r>
+              <a:rPr lang="nb-NO" dirty="0" smtClean="0"/>
+              <a:t>HTML, CSS, Typescript</a:t>
+            </a:r>
           </a:p>
         </p:txBody>
       </p:sp>
     </p:spTree>
     <p:extLst>
       <p:ext uri="{BB962C8B-B14F-4D97-AF65-F5344CB8AC3E}">
-        <p14:creationId xmlns:p14="http://schemas.microsoft.com/office/powerpoint/2010/main" val="868934036"/>
+        <p14:creationId xmlns:p14="http://schemas.microsoft.com/office/powerpoint/2010/main" val="1014503702"/>
       </p:ext>
     </p:extLst>
   </p:cSld>
@@ -4404,10 +5604,9 @@
           <a:lstStyle/>
           <a:p>
             <a:r>
-              <a:rPr lang="nb-NO" dirty="0" smtClean="0"/>
-              <a:t>Agenda	</a:t>
-            </a:r>
-            <a:endParaRPr lang="nb-NO" dirty="0"/>
+              <a:rPr lang="nb-NO" dirty="0"/>
+              <a:t>Mål	</a:t>
+            </a:r>
           </a:p>
         </p:txBody>
       </p:sp>
@@ -4421,98 +5620,47 @@
             <p:ph idx="1"/>
           </p:nvPr>
         </p:nvSpPr>
-        <p:spPr>
-          <a:xfrm>
-            <a:off x="838200" y="1817604"/>
-            <a:ext cx="10515600" cy="4351338"/>
-          </a:xfrm>
-        </p:spPr>
-        <p:txBody>
-          <a:bodyPr>
-            <a:normAutofit/>
-          </a:bodyPr>
+        <p:spPr/>
+        <p:txBody>
+          <a:bodyPr/>
           <a:lstStyle/>
           <a:p>
-            <a:r>
-              <a:rPr lang="nb-NO" dirty="0"/>
-              <a:t>Intro (slide)</a:t>
-            </a:r>
-          </a:p>
-          <a:p>
-            <a:pPr lvl="1"/>
-            <a:r>
-              <a:rPr lang="nb-NO" dirty="0"/>
-              <a:t>Forskjell mellom hybrid, native og progressive</a:t>
-            </a:r>
-          </a:p>
-          <a:p>
-            <a:pPr lvl="1"/>
             <a:r>
               <a:rPr lang="nb-NO" dirty="0"/>
               <a:t>Hva er </a:t>
             </a:r>
             <a:r>
               <a:rPr lang="nb-NO" dirty="0" err="1"/>
+              <a:t>Ionic</a:t>
+            </a:r>
+            <a:r>
+              <a:rPr lang="nb-NO" dirty="0"/>
+              <a:t>? </a:t>
+            </a:r>
+          </a:p>
+          <a:p>
+            <a:r>
+              <a:rPr lang="nb-NO" dirty="0"/>
+              <a:t>Et </a:t>
+            </a:r>
+            <a:r>
+              <a:rPr lang="nb-NO" dirty="0" err="1"/>
               <a:t>ionic</a:t>
             </a:r>
             <a:r>
               <a:rPr lang="nb-NO" dirty="0"/>
-              <a:t> 2</a:t>
-            </a:r>
-          </a:p>
-          <a:p>
+              <a:t> prosjekt fra nyoppretting til </a:t>
+            </a:r>
+            <a:r>
+              <a:rPr lang="nb-NO" dirty="0" err="1"/>
+              <a:t>release</a:t>
+            </a:r>
             <a:r>
               <a:rPr lang="nb-NO" dirty="0"/>
-              <a:t>Installasjon av avhengigheter</a:t>
-            </a:r>
-          </a:p>
-          <a:p>
-            <a:r>
-              <a:rPr lang="nb-NO" dirty="0"/>
-              <a:t>Testing/kjøring av </a:t>
-            </a:r>
-            <a:r>
-              <a:rPr lang="nb-NO" dirty="0" err="1"/>
-              <a:t>app</a:t>
-            </a:r>
-            <a:endParaRPr lang="nb-NO" dirty="0"/>
-          </a:p>
-          <a:p>
-            <a:r>
-              <a:rPr lang="nb-NO" dirty="0"/>
-              <a:t>Lage komponenter</a:t>
-            </a:r>
-          </a:p>
-          <a:p>
-            <a:r>
-              <a:rPr lang="nb-NO" dirty="0"/>
-              <a:t>Bruker </a:t>
-            </a:r>
-            <a:r>
-              <a:rPr lang="nb-NO" dirty="0" err="1"/>
-              <a:t>cordova</a:t>
-            </a:r>
-            <a:r>
-              <a:rPr lang="nb-NO" dirty="0"/>
-              <a:t> biblioteker</a:t>
-            </a:r>
-          </a:p>
-          <a:p>
-            <a:pPr marL="0" indent="0">
-              <a:buNone/>
-            </a:pPr>
-            <a:endParaRPr lang="nb-NO" dirty="0"/>
-          </a:p>
-          <a:p>
-            <a:pPr lvl="3"/>
-            <a:endParaRPr lang="nb-NO" dirty="0"/>
-          </a:p>
-          <a:p>
-            <a:pPr lvl="2"/>
-            <a:endParaRPr lang="nb-NO" dirty="0"/>
-          </a:p>
-          <a:p>
-            <a:pPr lvl="2"/>
+              <a:t>.</a:t>
+            </a:r>
+          </a:p>
+          <a:p>
             <a:endParaRPr lang="nb-NO" dirty="0"/>
           </a:p>
         </p:txBody>
@@ -4520,7 +5668,7 @@
     </p:spTree>
     <p:extLst>
       <p:ext uri="{BB962C8B-B14F-4D97-AF65-F5344CB8AC3E}">
-        <p14:creationId xmlns:p14="http://schemas.microsoft.com/office/powerpoint/2010/main" val="1911776863"/>
+        <p14:creationId xmlns:p14="http://schemas.microsoft.com/office/powerpoint/2010/main" val="868934036"/>
       </p:ext>
     </p:extLst>
   </p:cSld>
@@ -4563,8 +5711,8 @@
           <a:lstStyle/>
           <a:p>
             <a:r>
-              <a:rPr lang="nb-NO" dirty="0" err="1"/>
-              <a:t>Apputviklingsmetoder</a:t>
+              <a:rPr lang="nb-NO" dirty="0" smtClean="0"/>
+              <a:t>Agenda	</a:t>
             </a:r>
             <a:endParaRPr lang="nb-NO" dirty="0"/>
           </a:p>
@@ -4580,195 +5728,106 @@
             <p:ph idx="1"/>
           </p:nvPr>
         </p:nvSpPr>
-        <p:spPr/>
+        <p:spPr>
+          <a:xfrm>
+            <a:off x="838200" y="1817604"/>
+            <a:ext cx="10515600" cy="4351338"/>
+          </a:xfrm>
+        </p:spPr>
         <p:txBody>
           <a:bodyPr>
-            <a:normAutofit fontScale="55000" lnSpcReduction="20000"/>
+            <a:normAutofit/>
           </a:bodyPr>
           <a:lstStyle/>
           <a:p>
             <a:r>
               <a:rPr lang="nb-NO" dirty="0"/>
-              <a:t>Native</a:t>
+              <a:t>Intro (slide)</a:t>
             </a:r>
           </a:p>
           <a:p>
             <a:pPr lvl="1"/>
             <a:r>
               <a:rPr lang="nb-NO" dirty="0"/>
-              <a:t>IOS</a:t>
+              <a:t>Forskjell mellom hybrid, native og progressive</a:t>
             </a:r>
           </a:p>
           <a:p>
             <a:pPr lvl="1"/>
             <a:r>
+              <a:rPr lang="nb-NO" dirty="0"/>
+              <a:t>Hva er </a:t>
+            </a:r>
+            <a:r>
               <a:rPr lang="nb-NO" dirty="0" err="1"/>
-              <a:t>Android</a:t>
-            </a:r>
-            <a:endParaRPr lang="nb-NO" dirty="0"/>
-          </a:p>
-          <a:p>
-            <a:pPr lvl="1"/>
+              <a:t>ionic</a:t>
+            </a:r>
             <a:r>
               <a:rPr lang="nb-NO" dirty="0"/>
-              <a:t>Windows </a:t>
-            </a:r>
-            <a:r>
-              <a:rPr lang="nb-NO" dirty="0" err="1"/>
-              <a:t>phone</a:t>
-            </a:r>
-            <a:endParaRPr lang="nb-NO" dirty="0"/>
+              <a:t> 2</a:t>
+            </a:r>
           </a:p>
           <a:p>
             <a:r>
               <a:rPr lang="nb-NO" dirty="0"/>
-              <a:t>Hybrid</a:t>
-            </a:r>
-          </a:p>
-          <a:p>
-            <a:pPr lvl="1"/>
+              <a:t>Installasjon av avhengigheter</a:t>
+            </a:r>
+          </a:p>
+          <a:p>
             <a:r>
               <a:rPr lang="nb-NO" dirty="0"/>
-              <a:t>Kompilerer til flere enheter og vanligvis også web side.</a:t>
-            </a:r>
-          </a:p>
-          <a:p>
-            <a:pPr lvl="1"/>
-            <a:r>
-              <a:rPr lang="nb-NO" dirty="0"/>
-              <a:t>HTML og </a:t>
-            </a:r>
-            <a:r>
-              <a:rPr lang="nb-NO" dirty="0" err="1"/>
-              <a:t>javascript</a:t>
-            </a:r>
-            <a:endParaRPr lang="nb-NO" dirty="0"/>
-          </a:p>
-          <a:p>
-            <a:pPr lvl="2"/>
-            <a:r>
-              <a:rPr lang="nb-NO" dirty="0"/>
-              <a:t>Cordova</a:t>
-            </a:r>
-          </a:p>
-          <a:p>
-            <a:pPr lvl="2"/>
-            <a:r>
-              <a:rPr lang="nb-NO" dirty="0" err="1"/>
-              <a:t>Devextreme</a:t>
-            </a:r>
-            <a:endParaRPr lang="nb-NO" dirty="0"/>
-          </a:p>
-          <a:p>
-            <a:pPr lvl="2"/>
-            <a:r>
-              <a:rPr lang="nb-NO" dirty="0" err="1"/>
-              <a:t>Ionic</a:t>
-            </a:r>
-            <a:endParaRPr lang="nb-NO" dirty="0"/>
-          </a:p>
-          <a:p>
-            <a:pPr lvl="1"/>
-            <a:r>
-              <a:rPr lang="nb-NO" dirty="0"/>
-              <a:t>XAML og </a:t>
-            </a:r>
-            <a:r>
-              <a:rPr lang="nb-NO" dirty="0" err="1"/>
-              <a:t>javascript</a:t>
-            </a:r>
-            <a:endParaRPr lang="nb-NO" dirty="0"/>
-          </a:p>
-          <a:p>
-            <a:pPr lvl="2"/>
-            <a:r>
-              <a:rPr lang="nb-NO" dirty="0"/>
-              <a:t>Native script </a:t>
-            </a:r>
-          </a:p>
-          <a:p>
-            <a:pPr lvl="1"/>
-            <a:r>
-              <a:rPr lang="nb-NO" dirty="0"/>
-              <a:t>C#</a:t>
-            </a:r>
-          </a:p>
-          <a:p>
-            <a:pPr lvl="2"/>
-            <a:r>
-              <a:rPr lang="nb-NO" dirty="0" err="1"/>
-              <a:t>Xamarin</a:t>
-            </a:r>
-            <a:endParaRPr lang="nb-NO" dirty="0"/>
-          </a:p>
-          <a:p>
-            <a:pPr lvl="2"/>
-            <a:r>
-              <a:rPr lang="nb-NO" dirty="0" err="1"/>
-              <a:t>Unity</a:t>
-            </a:r>
-            <a:endParaRPr lang="nb-NO" dirty="0"/>
-          </a:p>
-          <a:p>
-            <a:r>
-              <a:rPr lang="nb-NO" dirty="0"/>
-              <a:t>Progressive Web </a:t>
-            </a:r>
-            <a:r>
-              <a:rPr lang="nb-NO" dirty="0" err="1"/>
-              <a:t>App</a:t>
-            </a:r>
-            <a:endParaRPr lang="nb-NO" dirty="0"/>
-          </a:p>
-          <a:p>
-            <a:pPr lvl="1"/>
-            <a:r>
-              <a:rPr lang="nb-NO" dirty="0"/>
-              <a:t>Web side</a:t>
-            </a:r>
-          </a:p>
-          <a:p>
-            <a:pPr lvl="1"/>
-            <a:r>
-              <a:rPr lang="nb-NO" dirty="0"/>
-              <a:t>Mobile-first</a:t>
-            </a:r>
-          </a:p>
-          <a:p>
-            <a:pPr lvl="1"/>
-            <a:r>
-              <a:rPr lang="nb-NO"/>
-              <a:t>Offline-first</a:t>
-            </a:r>
-            <a:endParaRPr lang="nb-NO" dirty="0"/>
-          </a:p>
-          <a:p>
-            <a:pPr lvl="1"/>
-            <a:r>
-              <a:rPr lang="nb-NO" dirty="0"/>
-              <a:t>Slipper å gå igjennom </a:t>
+              <a:t>Testing/kjøring av </a:t>
             </a:r>
             <a:r>
               <a:rPr lang="nb-NO" dirty="0" err="1"/>
               <a:t>app</a:t>
             </a:r>
+            <a:endParaRPr lang="nb-NO" dirty="0"/>
+          </a:p>
+          <a:p>
             <a:r>
               <a:rPr lang="nb-NO" dirty="0"/>
-              <a:t> store eller google play.</a:t>
-            </a:r>
-          </a:p>
-          <a:p>
-            <a:pPr marL="457200" lvl="1" indent="0">
+              <a:t>Lage komponenter</a:t>
+            </a:r>
+          </a:p>
+          <a:p>
+            <a:r>
+              <a:rPr lang="nb-NO" dirty="0"/>
+              <a:t>Bruker </a:t>
+            </a:r>
+            <a:r>
+              <a:rPr lang="nb-NO" dirty="0" err="1"/>
+              <a:t>cordova</a:t>
+            </a:r>
+            <a:r>
+              <a:rPr lang="nb-NO" dirty="0"/>
+              <a:t> biblioteker</a:t>
+            </a:r>
+          </a:p>
+          <a:p>
+            <a:pPr marL="0" indent="0">
               <a:buNone/>
             </a:pPr>
             <a:endParaRPr lang="nb-NO" dirty="0"/>
           </a:p>
+          <a:p>
+            <a:pPr lvl="3"/>
+            <a:endParaRPr lang="nb-NO" dirty="0"/>
+          </a:p>
+          <a:p>
+            <a:pPr lvl="2"/>
+            <a:endParaRPr lang="nb-NO" dirty="0"/>
+          </a:p>
+          <a:p>
+            <a:pPr lvl="2"/>
+            <a:endParaRPr lang="nb-NO" dirty="0"/>
+          </a:p>
         </p:txBody>
       </p:sp>
     </p:spTree>
     <p:extLst>
       <p:ext uri="{BB962C8B-B14F-4D97-AF65-F5344CB8AC3E}">
-        <p14:creationId xmlns:p14="http://schemas.microsoft.com/office/powerpoint/2010/main" val="1192827983"/>
+        <p14:creationId xmlns:p14="http://schemas.microsoft.com/office/powerpoint/2010/main" val="1911776863"/>
       </p:ext>
     </p:extLst>
   </p:cSld>
@@ -4830,52 +5889,185 @@
         </p:nvSpPr>
         <p:spPr/>
         <p:txBody>
-          <a:bodyPr/>
+          <a:bodyPr>
+            <a:normAutofit fontScale="55000" lnSpcReduction="20000"/>
+          </a:bodyPr>
           <a:lstStyle/>
           <a:p>
             <a:r>
               <a:rPr lang="nb-NO" dirty="0"/>
-              <a:t>Hva velger man?</a:t>
+              <a:t>Native</a:t>
             </a:r>
           </a:p>
           <a:p>
             <a:pPr lvl="1"/>
             <a:r>
               <a:rPr lang="nb-NO" dirty="0"/>
-              <a:t>Kommer helt </a:t>
-            </a:r>
-            <a:r>
-              <a:rPr lang="nb-NO" dirty="0" smtClean="0"/>
-              <a:t>an </a:t>
-            </a:r>
+              <a:t>IOS</a:t>
+            </a:r>
+          </a:p>
+          <a:p>
+            <a:pPr lvl="1"/>
+            <a:r>
+              <a:rPr lang="nb-NO" dirty="0" err="1"/>
+              <a:t>Android</a:t>
+            </a:r>
+            <a:endParaRPr lang="nb-NO" dirty="0"/>
+          </a:p>
+          <a:p>
+            <a:pPr lvl="1"/>
             <a:r>
               <a:rPr lang="nb-NO" dirty="0"/>
-              <a:t>på</a:t>
+              <a:t>Windows </a:t>
+            </a:r>
+            <a:r>
+              <a:rPr lang="nb-NO" dirty="0" err="1"/>
+              <a:t>phone</a:t>
+            </a:r>
+            <a:endParaRPr lang="nb-NO" dirty="0"/>
+          </a:p>
+          <a:p>
+            <a:r>
+              <a:rPr lang="nb-NO" dirty="0"/>
+              <a:t>Hybrid</a:t>
             </a:r>
           </a:p>
           <a:p>
             <a:pPr lvl="1"/>
             <a:r>
               <a:rPr lang="nb-NO" dirty="0"/>
-              <a:t>Hvis man vil være effektiv fra starten av</a:t>
-            </a:r>
+              <a:t>Kompilerer til flere enheter og vanligvis også web side.</a:t>
+            </a:r>
+          </a:p>
+          <a:p>
+            <a:pPr lvl="1"/>
+            <a:r>
+              <a:rPr lang="nb-NO" dirty="0"/>
+              <a:t>HTML og </a:t>
+            </a:r>
+            <a:r>
+              <a:rPr lang="nb-NO" dirty="0" err="1"/>
+              <a:t>javascript</a:t>
+            </a:r>
+            <a:endParaRPr lang="nb-NO" dirty="0"/>
           </a:p>
           <a:p>
             <a:pPr lvl="2"/>
             <a:r>
               <a:rPr lang="nb-NO" dirty="0"/>
-              <a:t>Velg det man er mest komfortabel med</a:t>
+              <a:t>Cordova</a:t>
             </a:r>
           </a:p>
           <a:p>
             <a:pPr lvl="2"/>
             <a:r>
+              <a:rPr lang="nb-NO" dirty="0" err="1"/>
+              <a:t>Devextreme</a:t>
+            </a:r>
+            <a:endParaRPr lang="nb-NO" dirty="0"/>
+          </a:p>
+          <a:p>
+            <a:pPr lvl="2"/>
+            <a:r>
+              <a:rPr lang="nb-NO" dirty="0" err="1"/>
+              <a:t>Ionic</a:t>
+            </a:r>
+            <a:endParaRPr lang="nb-NO" dirty="0"/>
+          </a:p>
+          <a:p>
+            <a:pPr lvl="1"/>
+            <a:r>
               <a:rPr lang="nb-NO" dirty="0"/>
-              <a:t>Hybrid rammeverk begynner å bli ganske så bra å emulere «native-følelsen»</a:t>
-            </a:r>
+              <a:t>XAML og </a:t>
+            </a:r>
+            <a:r>
+              <a:rPr lang="nb-NO" dirty="0" err="1"/>
+              <a:t>javascript</a:t>
+            </a:r>
+            <a:endParaRPr lang="nb-NO" dirty="0"/>
           </a:p>
           <a:p>
             <a:pPr lvl="2"/>
+            <a:r>
+              <a:rPr lang="nb-NO" dirty="0"/>
+              <a:t>Native script </a:t>
+            </a:r>
+          </a:p>
+          <a:p>
+            <a:pPr lvl="1"/>
+            <a:r>
+              <a:rPr lang="nb-NO" dirty="0"/>
+              <a:t>C#</a:t>
+            </a:r>
+          </a:p>
+          <a:p>
+            <a:pPr lvl="2"/>
+            <a:r>
+              <a:rPr lang="nb-NO" dirty="0" err="1"/>
+              <a:t>Xamarin</a:t>
+            </a:r>
+            <a:endParaRPr lang="nb-NO" dirty="0"/>
+          </a:p>
+          <a:p>
+            <a:pPr lvl="2"/>
+            <a:r>
+              <a:rPr lang="nb-NO" dirty="0" err="1"/>
+              <a:t>Unity</a:t>
+            </a:r>
+            <a:endParaRPr lang="nb-NO" dirty="0"/>
+          </a:p>
+          <a:p>
+            <a:r>
+              <a:rPr lang="nb-NO" dirty="0"/>
+              <a:t>Progressive Web </a:t>
+            </a:r>
+            <a:r>
+              <a:rPr lang="nb-NO" dirty="0" err="1"/>
+              <a:t>App</a:t>
+            </a:r>
+            <a:endParaRPr lang="nb-NO" dirty="0"/>
+          </a:p>
+          <a:p>
+            <a:pPr lvl="1"/>
+            <a:r>
+              <a:rPr lang="nb-NO" dirty="0"/>
+              <a:t>Web side</a:t>
+            </a:r>
+          </a:p>
+          <a:p>
+            <a:pPr lvl="1"/>
+            <a:r>
+              <a:rPr lang="nb-NO" dirty="0"/>
+              <a:t>Mobile-first</a:t>
+            </a:r>
+          </a:p>
+          <a:p>
+            <a:pPr lvl="1"/>
+            <a:r>
+              <a:rPr lang="nb-NO"/>
+              <a:t>Offline-first</a:t>
+            </a:r>
+            <a:endParaRPr lang="nb-NO" dirty="0"/>
+          </a:p>
+          <a:p>
+            <a:pPr lvl="1"/>
+            <a:r>
+              <a:rPr lang="nb-NO" dirty="0"/>
+              <a:t>Slipper å gå igjennom </a:t>
+            </a:r>
+            <a:r>
+              <a:rPr lang="nb-NO" dirty="0" err="1"/>
+              <a:t>app</a:t>
+            </a:r>
+            <a:r>
+              <a:rPr lang="nb-NO" dirty="0"/>
+              <a:t> store eller google play.</a:t>
+            </a:r>
+          </a:p>
+          <a:p>
+            <a:pPr marL="457200" lvl="1" indent="0">
+              <a:buNone/>
+            </a:pPr>
             <a:endParaRPr lang="nb-NO" dirty="0"/>
           </a:p>
         </p:txBody>
@@ -4883,7 +6075,7 @@
     </p:spTree>
     <p:extLst>
       <p:ext uri="{BB962C8B-B14F-4D97-AF65-F5344CB8AC3E}">
-        <p14:creationId xmlns:p14="http://schemas.microsoft.com/office/powerpoint/2010/main" val="516394409"/>
+        <p14:creationId xmlns:p14="http://schemas.microsoft.com/office/powerpoint/2010/main" val="1192827983"/>
       </p:ext>
     </p:extLst>
   </p:cSld>
@@ -4927,7 +6119,7 @@
           <a:p>
             <a:r>
               <a:rPr lang="nb-NO" dirty="0" err="1"/>
-              <a:t>Ionic</a:t>
+              <a:t>Apputviklingsmetoder</a:t>
             </a:r>
             <a:endParaRPr lang="nb-NO" dirty="0"/>
           </a:p>
@@ -4945,131 +6137,60 @@
         </p:nvSpPr>
         <p:spPr/>
         <p:txBody>
-          <a:bodyPr>
-            <a:normAutofit fontScale="92500" lnSpcReduction="20000"/>
-          </a:bodyPr>
+          <a:bodyPr/>
           <a:lstStyle/>
           <a:p>
             <a:r>
-              <a:rPr lang="nb-NO" dirty="0" err="1"/>
-              <a:t>Angular</a:t>
-            </a:r>
+              <a:rPr lang="nb-NO" dirty="0"/>
+              <a:t>Hva velger man?</a:t>
+            </a:r>
+          </a:p>
+          <a:p>
+            <a:pPr lvl="1"/>
+            <a:r>
+              <a:rPr lang="nb-NO" dirty="0"/>
+              <a:t>Kommer helt </a:t>
+            </a:r>
+            <a:r>
+              <a:rPr lang="nb-NO" dirty="0" smtClean="0"/>
+              <a:t>an </a:t>
+            </a:r>
+            <a:r>
+              <a:rPr lang="nb-NO" dirty="0"/>
+              <a:t>på</a:t>
+            </a:r>
+          </a:p>
+          <a:p>
+            <a:pPr lvl="1"/>
+            <a:r>
+              <a:rPr lang="nb-NO" dirty="0"/>
+              <a:t>Hvis man vil være effektiv fra starten av</a:t>
+            </a:r>
+          </a:p>
+          <a:p>
+            <a:pPr lvl="2"/>
+            <a:r>
+              <a:rPr lang="nb-NO" dirty="0"/>
+              <a:t>Velg det man er mest komfortabel med</a:t>
+            </a:r>
+          </a:p>
+          <a:p>
+            <a:pPr lvl="2"/>
+            <a:r>
+              <a:rPr lang="nb-NO" dirty="0"/>
+              <a:t>Hybrid rammeverk begynner å bli ganske så bra å emulere «native-følelsen»</a:t>
+            </a:r>
+          </a:p>
+          <a:p>
+            <a:pPr lvl="2"/>
             <a:endParaRPr lang="nb-NO" dirty="0"/>
-          </a:p>
-          <a:p>
-            <a:pPr lvl="1"/>
-            <a:r>
-              <a:rPr lang="nb-NO" dirty="0"/>
-              <a:t>HTML og typescript (</a:t>
-            </a:r>
-            <a:r>
-              <a:rPr lang="nb-NO" dirty="0" err="1"/>
-              <a:t>javascript</a:t>
-            </a:r>
-            <a:r>
-              <a:rPr lang="nb-NO" dirty="0"/>
-              <a:t>)</a:t>
-            </a:r>
-          </a:p>
-          <a:p>
-            <a:r>
-              <a:rPr lang="nb-NO" dirty="0"/>
-              <a:t>Cordova</a:t>
-            </a:r>
-          </a:p>
-          <a:p>
-            <a:pPr lvl="1"/>
-            <a:r>
-              <a:rPr lang="nb-NO" dirty="0"/>
-              <a:t>Integrering med native funksjonalitet</a:t>
-            </a:r>
-          </a:p>
-          <a:p>
-            <a:r>
-              <a:rPr lang="nb-NO" dirty="0"/>
-              <a:t>Open </a:t>
-            </a:r>
-            <a:r>
-              <a:rPr lang="nb-NO" dirty="0" err="1"/>
-              <a:t>source</a:t>
-            </a:r>
-            <a:endParaRPr lang="nb-NO" dirty="0"/>
-          </a:p>
-          <a:p>
-            <a:r>
-              <a:rPr lang="nb-NO" dirty="0"/>
-              <a:t>Tjenester</a:t>
-            </a:r>
-          </a:p>
-          <a:p>
-            <a:pPr lvl="1"/>
-            <a:r>
-              <a:rPr lang="nb-NO" dirty="0" err="1"/>
-              <a:t>Cloud</a:t>
-            </a:r>
-            <a:endParaRPr lang="nb-NO" dirty="0"/>
-          </a:p>
-          <a:p>
-            <a:pPr lvl="2"/>
-            <a:r>
-              <a:rPr lang="nb-NO" dirty="0" err="1"/>
-              <a:t>Package</a:t>
-            </a:r>
-            <a:endParaRPr lang="nb-NO" dirty="0"/>
-          </a:p>
-          <a:p>
-            <a:pPr lvl="2"/>
-            <a:r>
-              <a:rPr lang="nb-NO" dirty="0"/>
-              <a:t>Hot </a:t>
-            </a:r>
-            <a:r>
-              <a:rPr lang="nb-NO" dirty="0" err="1"/>
-              <a:t>deploy</a:t>
-            </a:r>
-            <a:endParaRPr lang="nb-NO" dirty="0"/>
-          </a:p>
-          <a:p>
-            <a:pPr lvl="2"/>
-            <a:r>
-              <a:rPr lang="nb-NO" dirty="0"/>
-              <a:t>Push </a:t>
-            </a:r>
-            <a:r>
-              <a:rPr lang="nb-NO" dirty="0" err="1"/>
-              <a:t>notifications</a:t>
-            </a:r>
-            <a:endParaRPr lang="nb-NO" dirty="0"/>
-          </a:p>
-          <a:p>
-            <a:pPr lvl="1"/>
-            <a:r>
-              <a:rPr lang="nb-NO" dirty="0" err="1"/>
-              <a:t>View</a:t>
-            </a:r>
-            <a:endParaRPr lang="nb-NO" dirty="0"/>
-          </a:p>
-          <a:p>
-            <a:pPr lvl="1"/>
-            <a:r>
-              <a:rPr lang="nb-NO" dirty="0" err="1"/>
-              <a:t>Creator</a:t>
-            </a:r>
-            <a:endParaRPr lang="nb-NO" dirty="0"/>
-          </a:p>
-          <a:p>
-            <a:pPr lvl="1"/>
-            <a:r>
-              <a:rPr lang="nb-NO" dirty="0"/>
-              <a:t>CLI</a:t>
-            </a:r>
           </a:p>
         </p:txBody>
       </p:sp>
     </p:spTree>
     <p:extLst>
       <p:ext uri="{BB962C8B-B14F-4D97-AF65-F5344CB8AC3E}">
-        <p14:creationId xmlns:p14="http://schemas.microsoft.com/office/powerpoint/2010/main" val="127093691"/>
+        <p14:creationId xmlns:p14="http://schemas.microsoft.com/office/powerpoint/2010/main" val="516394409"/>
       </p:ext>
     </p:extLst>
   </p:cSld>
@@ -5112,8 +6233,8 @@
           <a:lstStyle/>
           <a:p>
             <a:r>
-              <a:rPr lang="nb-NO" dirty="0" smtClean="0"/>
-              <a:t>Installering av avhengigheter</a:t>
+              <a:rPr lang="nb-NO" dirty="0" err="1"/>
+              <a:t>Ionic</a:t>
             </a:r>
             <a:endParaRPr lang="nb-NO" dirty="0"/>
           </a:p>
@@ -5132,151 +6253,130 @@
         <p:spPr/>
         <p:txBody>
           <a:bodyPr>
-            <a:normAutofit fontScale="85000" lnSpcReduction="20000"/>
+            <a:normAutofit fontScale="92500" lnSpcReduction="20000"/>
           </a:bodyPr>
           <a:lstStyle/>
           <a:p>
             <a:r>
-              <a:rPr lang="nb-NO" dirty="0" smtClean="0"/>
-              <a:t>CLI og </a:t>
-            </a:r>
-            <a:r>
-              <a:rPr lang="nb-NO" dirty="0" err="1" smtClean="0"/>
-              <a:t>cordova</a:t>
-            </a:r>
-            <a:r>
-              <a:rPr lang="nb-NO" dirty="0" smtClean="0"/>
-              <a:t> </a:t>
-            </a:r>
+              <a:rPr lang="nb-NO" dirty="0" err="1"/>
+              <a:t>Angular</a:t>
+            </a:r>
+            <a:endParaRPr lang="nb-NO" dirty="0"/>
           </a:p>
           <a:p>
             <a:pPr lvl="1"/>
             <a:r>
-              <a:rPr lang="nb-NO" dirty="0" err="1" smtClean="0"/>
-              <a:t>npm</a:t>
-            </a:r>
-            <a:r>
-              <a:rPr lang="nb-NO" dirty="0" smtClean="0"/>
-              <a:t> </a:t>
-            </a:r>
-            <a:r>
-              <a:rPr lang="nb-NO" dirty="0" err="1" smtClean="0"/>
-              <a:t>install</a:t>
-            </a:r>
-            <a:r>
-              <a:rPr lang="nb-NO" dirty="0" smtClean="0"/>
-              <a:t> –g </a:t>
-            </a:r>
-            <a:r>
-              <a:rPr lang="nb-NO" dirty="0" err="1" smtClean="0"/>
-              <a:t>ionic</a:t>
-            </a:r>
-            <a:r>
-              <a:rPr lang="nb-NO" dirty="0" smtClean="0"/>
-              <a:t> </a:t>
-            </a:r>
-            <a:r>
-              <a:rPr lang="nb-NO" dirty="0" err="1" smtClean="0"/>
-              <a:t>cordova</a:t>
-            </a:r>
-            <a:endParaRPr lang="nb-NO" dirty="0" smtClean="0"/>
-          </a:p>
-          <a:p>
-            <a:endParaRPr lang="nb-NO" dirty="0" smtClean="0"/>
-          </a:p>
-          <a:p>
-            <a:r>
-              <a:rPr lang="nb-NO" dirty="0" smtClean="0"/>
-              <a:t>Lag prosjektmappe</a:t>
+              <a:rPr lang="nb-NO" dirty="0"/>
+              <a:t>HTML og typescript (</a:t>
+            </a:r>
+            <a:r>
+              <a:rPr lang="nb-NO" dirty="0" err="1"/>
+              <a:t>javascript</a:t>
+            </a:r>
+            <a:r>
+              <a:rPr lang="nb-NO" dirty="0"/>
+              <a:t>)</a:t>
+            </a:r>
+          </a:p>
+          <a:p>
+            <a:r>
+              <a:rPr lang="nb-NO" dirty="0"/>
+              <a:t>Cordova</a:t>
             </a:r>
           </a:p>
           <a:p>
             <a:pPr lvl="1"/>
             <a:r>
-              <a:rPr lang="nb-NO" dirty="0" smtClean="0"/>
-              <a:t>Gå til </a:t>
-            </a:r>
-            <a:r>
-              <a:rPr lang="nb-NO" dirty="0" err="1" smtClean="0"/>
-              <a:t>path</a:t>
-            </a:r>
-            <a:r>
-              <a:rPr lang="nb-NO" dirty="0" smtClean="0"/>
-              <a:t> der mappen skal ligge</a:t>
+              <a:rPr lang="nb-NO" dirty="0"/>
+              <a:t>Integrering med native funksjonalitet</a:t>
+            </a:r>
+          </a:p>
+          <a:p>
+            <a:r>
+              <a:rPr lang="nb-NO" dirty="0"/>
+              <a:t>Open </a:t>
+            </a:r>
+            <a:r>
+              <a:rPr lang="nb-NO" dirty="0" err="1"/>
+              <a:t>source</a:t>
+            </a:r>
+            <a:endParaRPr lang="nb-NO" dirty="0"/>
+          </a:p>
+          <a:p>
+            <a:r>
+              <a:rPr lang="nb-NO" dirty="0"/>
+              <a:t>Tjenester</a:t>
             </a:r>
           </a:p>
           <a:p>
             <a:pPr lvl="1"/>
             <a:r>
-              <a:rPr lang="nb-NO" dirty="0" err="1" smtClean="0"/>
-              <a:t>ionic</a:t>
-            </a:r>
-            <a:r>
-              <a:rPr lang="nb-NO" dirty="0" smtClean="0"/>
-              <a:t> start [NAVNPÅPROSJEKT] --v2</a:t>
-            </a:r>
-          </a:p>
-          <a:p>
-            <a:endParaRPr lang="nb-NO" dirty="0" smtClean="0"/>
-          </a:p>
-          <a:p>
-            <a:r>
-              <a:rPr lang="nb-NO" dirty="0" smtClean="0"/>
-              <a:t>Kjør prosjektet</a:t>
-            </a:r>
+              <a:rPr lang="nb-NO" dirty="0" err="1"/>
+              <a:t>Cloud</a:t>
+            </a:r>
+            <a:endParaRPr lang="nb-NO" dirty="0"/>
+          </a:p>
+          <a:p>
+            <a:pPr lvl="2"/>
+            <a:r>
+              <a:rPr lang="nb-NO" dirty="0" err="1"/>
+              <a:t>Package</a:t>
+            </a:r>
+            <a:endParaRPr lang="nb-NO" dirty="0"/>
+          </a:p>
+          <a:p>
+            <a:pPr lvl="2"/>
+            <a:r>
+              <a:rPr lang="nb-NO" dirty="0"/>
+              <a:t>Hot </a:t>
+            </a:r>
+            <a:r>
+              <a:rPr lang="nb-NO" dirty="0" err="1"/>
+              <a:t>deploy</a:t>
+            </a:r>
+            <a:endParaRPr lang="nb-NO" dirty="0"/>
+          </a:p>
+          <a:p>
+            <a:pPr lvl="2"/>
+            <a:r>
+              <a:rPr lang="nb-NO" dirty="0"/>
+              <a:t>Push </a:t>
+            </a:r>
+            <a:r>
+              <a:rPr lang="nb-NO" dirty="0" err="1"/>
+              <a:t>notifications</a:t>
+            </a:r>
+            <a:endParaRPr lang="nb-NO" dirty="0"/>
           </a:p>
           <a:p>
             <a:pPr lvl="1"/>
             <a:r>
-              <a:rPr lang="nb-NO" dirty="0" smtClean="0"/>
-              <a:t>cd [NAVNPÅPROSJEKT]</a:t>
-            </a:r>
+              <a:rPr lang="nb-NO" dirty="0" err="1"/>
+              <a:t>View</a:t>
+            </a:r>
+            <a:endParaRPr lang="nb-NO" dirty="0"/>
           </a:p>
           <a:p>
             <a:pPr lvl="1"/>
             <a:r>
-              <a:rPr lang="nb-NO" dirty="0" err="1" smtClean="0"/>
-              <a:t>ionic</a:t>
-            </a:r>
-            <a:r>
-              <a:rPr lang="nb-NO" dirty="0" smtClean="0"/>
-              <a:t> serve</a:t>
-            </a:r>
+              <a:rPr lang="nb-NO" dirty="0" err="1"/>
+              <a:t>Creator</a:t>
+            </a:r>
+            <a:endParaRPr lang="nb-NO" dirty="0"/>
           </a:p>
           <a:p>
             <a:pPr lvl="1"/>
-            <a:endParaRPr lang="nb-NO" dirty="0"/>
-          </a:p>
-          <a:p>
-            <a:pPr marL="0" indent="0">
-              <a:buNone/>
-            </a:pPr>
-            <a:endParaRPr lang="nb-NO" dirty="0">
-              <a:hlinkClick r:id="rId2"/>
-            </a:endParaRPr>
-          </a:p>
-          <a:p>
-            <a:pPr marL="0" indent="0">
-              <a:buNone/>
-            </a:pPr>
-            <a:r>
-              <a:rPr lang="nb-NO" dirty="0" smtClean="0">
-                <a:hlinkClick r:id="rId2"/>
-              </a:rPr>
-              <a:t>http://ionicframework.com/docs/v2/intro/installation/</a:t>
-            </a:r>
-            <a:r>
-              <a:rPr lang="nb-NO" dirty="0" smtClean="0"/>
-              <a:t> </a:t>
-            </a:r>
-            <a:endParaRPr lang="nb-NO" dirty="0"/>
+            <a:r>
+              <a:rPr lang="nb-NO" dirty="0"/>
+              <a:t>CLI</a:t>
+            </a:r>
           </a:p>
         </p:txBody>
       </p:sp>
     </p:spTree>
     <p:extLst>
       <p:ext uri="{BB962C8B-B14F-4D97-AF65-F5344CB8AC3E}">
-        <p14:creationId xmlns:p14="http://schemas.microsoft.com/office/powerpoint/2010/main" val="3646939"/>
+        <p14:creationId xmlns:p14="http://schemas.microsoft.com/office/powerpoint/2010/main" val="127093691"/>
       </p:ext>
     </p:extLst>
   </p:cSld>
@@ -5320,7 +6420,7 @@
           <a:p>
             <a:r>
               <a:rPr lang="nb-NO" dirty="0" smtClean="0"/>
-              <a:t>Oppgave 1		</a:t>
+              <a:t>Installering av avhengigheter</a:t>
             </a:r>
             <a:endParaRPr lang="nb-NO" dirty="0"/>
           </a:p>
@@ -5338,12 +6438,41 @@
         </p:nvSpPr>
         <p:spPr/>
         <p:txBody>
-          <a:bodyPr/>
+          <a:bodyPr>
+            <a:normAutofit fontScale="85000" lnSpcReduction="20000"/>
+          </a:bodyPr>
           <a:lstStyle/>
           <a:p>
             <a:r>
               <a:rPr lang="nb-NO" dirty="0" smtClean="0"/>
-              <a:t>Installer </a:t>
+              <a:t>CLI og </a:t>
+            </a:r>
+            <a:r>
+              <a:rPr lang="nb-NO" dirty="0" err="1" smtClean="0"/>
+              <a:t>cordova</a:t>
+            </a:r>
+            <a:r>
+              <a:rPr lang="nb-NO" dirty="0" smtClean="0"/>
+              <a:t> </a:t>
+            </a:r>
+          </a:p>
+          <a:p>
+            <a:pPr lvl="1"/>
+            <a:r>
+              <a:rPr lang="nb-NO" dirty="0" err="1" smtClean="0"/>
+              <a:t>npm</a:t>
+            </a:r>
+            <a:r>
+              <a:rPr lang="nb-NO" dirty="0" smtClean="0"/>
+              <a:t> </a:t>
+            </a:r>
+            <a:r>
+              <a:rPr lang="nb-NO" dirty="0" err="1" smtClean="0"/>
+              <a:t>install</a:t>
+            </a:r>
+            <a:r>
+              <a:rPr lang="nb-NO" dirty="0" smtClean="0"/>
+              <a:t> –g </a:t>
             </a:r>
             <a:r>
               <a:rPr lang="nb-NO" dirty="0" err="1" smtClean="0"/>
@@ -5351,41 +6480,125 @@
             </a:r>
             <a:r>
               <a:rPr lang="nb-NO" dirty="0" smtClean="0"/>
-              <a:t> 2</a:t>
-            </a:r>
-          </a:p>
-          <a:p>
-            <a:r>
-              <a:rPr lang="nb-NO" dirty="0" smtClean="0"/>
-              <a:t>Opprett et nytt prosjekt</a:t>
+              <a:t> </a:t>
+            </a:r>
+            <a:r>
+              <a:rPr lang="nb-NO" dirty="0" err="1" smtClean="0"/>
+              <a:t>cordova</a:t>
+            </a:r>
+            <a:endParaRPr lang="nb-NO" dirty="0" smtClean="0"/>
+          </a:p>
+          <a:p>
+            <a:endParaRPr lang="nb-NO" dirty="0" smtClean="0"/>
+          </a:p>
+          <a:p>
+            <a:r>
+              <a:rPr lang="nb-NO" dirty="0" smtClean="0"/>
+              <a:t>Lag prosjektmappe</a:t>
             </a:r>
           </a:p>
           <a:p>
             <a:pPr lvl="1"/>
             <a:r>
               <a:rPr lang="nb-NO" dirty="0" smtClean="0"/>
-              <a:t>Bruk navn [NAVN ?]</a:t>
-            </a:r>
-          </a:p>
-          <a:p>
-            <a:r>
-              <a:rPr lang="nb-NO" dirty="0" smtClean="0"/>
-              <a:t>Kjør prosjektet</a:t>
+              <a:t>Gå til </a:t>
+            </a:r>
+            <a:r>
+              <a:rPr lang="nb-NO" dirty="0" err="1" smtClean="0"/>
+              <a:t>path</a:t>
+            </a:r>
+            <a:r>
+              <a:rPr lang="nb-NO" dirty="0" smtClean="0"/>
+              <a:t> der mappen skal ligge</a:t>
             </a:r>
           </a:p>
           <a:p>
             <a:pPr lvl="1"/>
-            <a:r>
-              <a:rPr lang="nb-NO" dirty="0" smtClean="0"/>
-              <a:t>Prøv </a:t>
-            </a:r>
             <a:r>
               <a:rPr lang="nb-NO" dirty="0" err="1" smtClean="0"/>
               <a:t>ionic</a:t>
             </a:r>
             <a:r>
               <a:rPr lang="nb-NO" dirty="0" smtClean="0"/>
-              <a:t> serve --lab</a:t>
+              <a:t> start [NAVNPÅPROSJEKT] --v2  </a:t>
+            </a:r>
+            <a:r>
+              <a:rPr lang="nb-NO" dirty="0" smtClean="0">
+                <a:solidFill>
+                  <a:schemeClr val="tx1"/>
+                </a:solidFill>
+              </a:rPr>
+              <a:t>--</a:t>
+            </a:r>
+            <a:r>
+              <a:rPr lang="nb-NO" dirty="0" err="1" smtClean="0">
+                <a:solidFill>
+                  <a:schemeClr val="tx1"/>
+                </a:solidFill>
+              </a:rPr>
+              <a:t>template</a:t>
+            </a:r>
+            <a:r>
+              <a:rPr lang="nb-NO" dirty="0" smtClean="0">
+                <a:solidFill>
+                  <a:schemeClr val="tx1"/>
+                </a:solidFill>
+              </a:rPr>
+              <a:t> blank</a:t>
+            </a:r>
+          </a:p>
+          <a:p>
+            <a:endParaRPr lang="nb-NO" dirty="0" smtClean="0"/>
+          </a:p>
+          <a:p>
+            <a:r>
+              <a:rPr lang="nb-NO" dirty="0" smtClean="0"/>
+              <a:t>Kjør prosjektet</a:t>
+            </a:r>
+          </a:p>
+          <a:p>
+            <a:pPr lvl="1"/>
+            <a:r>
+              <a:rPr lang="nb-NO" dirty="0" smtClean="0"/>
+              <a:t>cd [NAVNPÅPROSJEKT]</a:t>
+            </a:r>
+          </a:p>
+          <a:p>
+            <a:pPr lvl="1"/>
+            <a:r>
+              <a:rPr lang="nb-NO" dirty="0" err="1" smtClean="0"/>
+              <a:t>ionic</a:t>
+            </a:r>
+            <a:r>
+              <a:rPr lang="nb-NO" dirty="0" smtClean="0"/>
+              <a:t> serve</a:t>
+            </a:r>
+          </a:p>
+          <a:p>
+            <a:pPr lvl="1"/>
+            <a:endParaRPr lang="nb-NO" dirty="0"/>
+          </a:p>
+          <a:p>
+            <a:pPr marL="0" indent="0">
+              <a:buNone/>
+            </a:pPr>
+            <a:endParaRPr lang="nb-NO" dirty="0">
+              <a:hlinkClick r:id="rId2"/>
+            </a:endParaRPr>
+          </a:p>
+          <a:p>
+            <a:pPr marL="0" indent="0">
+              <a:buNone/>
+            </a:pPr>
+            <a:r>
+              <a:rPr lang="nb-NO" dirty="0" smtClean="0">
+                <a:hlinkClick r:id="rId2"/>
+              </a:rPr>
+              <a:t>http://ionicframework.com/docs/v2/intro/installation/</a:t>
+            </a:r>
+            <a:r>
+              <a:rPr lang="nb-NO" dirty="0" smtClean="0"/>
+              <a:t> </a:t>
             </a:r>
             <a:endParaRPr lang="nb-NO" dirty="0"/>
           </a:p>
@@ -5394,20 +6607,13 @@
     </p:spTree>
     <p:extLst>
       <p:ext uri="{BB962C8B-B14F-4D97-AF65-F5344CB8AC3E}">
-        <p14:creationId xmlns:p14="http://schemas.microsoft.com/office/powerpoint/2010/main" val="808542648"/>
+        <p14:creationId xmlns:p14="http://schemas.microsoft.com/office/powerpoint/2010/main" val="3646939"/>
       </p:ext>
     </p:extLst>
   </p:cSld>
   <p:clrMapOvr>
     <a:masterClrMapping/>
   </p:clrMapOvr>
-  <p:timing>
-    <p:tnLst>
-      <p:par>
-        <p:cTn id="1" dur="indefinite" restart="never" nodeType="tmRoot"/>
-      </p:par>
-    </p:tnLst>
-  </p:timing>
 </p:sld>
 </file>
 

--- a/Ionic 2 workshop/Ionic 2 workshop.pptx
+++ b/Ionic 2 workshop/Ionic 2 workshop.pptx
@@ -212,7 +212,7 @@
           <a:p>
             <a:fld id="{A5543B18-9950-4402-830C-70DFF55A9D6A}" type="datetimeFigureOut">
               <a:rPr lang="nb-NO" smtClean="0"/>
-              <a:t>02.03.2017</a:t>
+              <a:t>06.03.2017</a:t>
             </a:fld>
             <a:endParaRPr lang="nb-NO"/>
           </a:p>
@@ -690,6 +690,104 @@
           <a:p>
             <a:r>
               <a:rPr lang="nb-NO" dirty="0" smtClean="0"/>
+              <a:t>Hva er en </a:t>
+            </a:r>
+            <a:r>
+              <a:rPr lang="nb-NO" dirty="0" err="1" smtClean="0"/>
+              <a:t>webkomponent</a:t>
+            </a:r>
+            <a:r>
+              <a:rPr lang="nb-NO" dirty="0" smtClean="0"/>
+              <a:t>?</a:t>
+            </a:r>
+          </a:p>
+          <a:p>
+            <a:endParaRPr lang="nb-NO" dirty="0"/>
+          </a:p>
+        </p:txBody>
+      </p:sp>
+      <p:sp>
+        <p:nvSpPr>
+          <p:cNvPr id="4" name="Plassholder for lysbildenummer 3"/>
+          <p:cNvSpPr>
+            <a:spLocks noGrp="1"/>
+          </p:cNvSpPr>
+          <p:nvPr>
+            <p:ph type="sldNum" sz="quarter" idx="10"/>
+          </p:nvPr>
+        </p:nvSpPr>
+        <p:spPr/>
+        <p:txBody>
+          <a:bodyPr/>
+          <a:lstStyle/>
+          <a:p>
+            <a:fld id="{6BEA58FB-0425-4043-8123-60513F4596AE}" type="slidenum">
+              <a:rPr lang="nb-NO" smtClean="0"/>
+              <a:t>14</a:t>
+            </a:fld>
+            <a:endParaRPr lang="nb-NO"/>
+          </a:p>
+        </p:txBody>
+      </p:sp>
+    </p:spTree>
+    <p:extLst>
+      <p:ext uri="{BB962C8B-B14F-4D97-AF65-F5344CB8AC3E}">
+        <p14:creationId xmlns:p14="http://schemas.microsoft.com/office/powerpoint/2010/main" val="2270801068"/>
+      </p:ext>
+    </p:extLst>
+  </p:cSld>
+  <p:clrMapOvr>
+    <a:masterClrMapping/>
+  </p:clrMapOvr>
+</p:notes>
+</file>
+
+<file path=ppt/notesSlides/notesSlide3.xml><?xml version="1.0" encoding="utf-8"?>
+<p:notes xmlns:a="http://schemas.openxmlformats.org/drawingml/2006/main" xmlns:r="http://schemas.openxmlformats.org/officeDocument/2006/relationships" xmlns:p="http://schemas.openxmlformats.org/presentationml/2006/main">
+  <p:cSld>
+    <p:spTree>
+      <p:nvGrpSpPr>
+        <p:cNvPr id="1" name=""/>
+        <p:cNvGrpSpPr/>
+        <p:nvPr/>
+      </p:nvGrpSpPr>
+      <p:grpSpPr>
+        <a:xfrm>
+          <a:off x="0" y="0"/>
+          <a:ext cx="0" cy="0"/>
+          <a:chOff x="0" y="0"/>
+          <a:chExt cx="0" cy="0"/>
+        </a:xfrm>
+      </p:grpSpPr>
+      <p:sp>
+        <p:nvSpPr>
+          <p:cNvPr id="2" name="Plassholder for lysbilde 1"/>
+          <p:cNvSpPr>
+            <a:spLocks noGrp="1" noRot="1" noChangeAspect="1"/>
+          </p:cNvSpPr>
+          <p:nvPr>
+            <p:ph type="sldImg"/>
+          </p:nvPr>
+        </p:nvSpPr>
+        <p:spPr/>
+      </p:sp>
+      <p:sp>
+        <p:nvSpPr>
+          <p:cNvPr id="3" name="Plassholder for notater 2"/>
+          <p:cNvSpPr>
+            <a:spLocks noGrp="1"/>
+          </p:cNvSpPr>
+          <p:nvPr>
+            <p:ph type="body" idx="1"/>
+          </p:nvPr>
+        </p:nvSpPr>
+        <p:spPr/>
+        <p:txBody>
+          <a:bodyPr/>
+          <a:lstStyle/>
+          <a:p>
+            <a:r>
+              <a:rPr lang="nb-NO" dirty="0" smtClean="0"/>
               <a:t>Fasit</a:t>
             </a:r>
           </a:p>
@@ -747,7 +845,6 @@
               <a:rPr lang="nb-NO" baseline="0" dirty="0" smtClean="0"/>
               <a:t>Content:</a:t>
             </a:r>
-            <a:endParaRPr lang="nb-NO" baseline="0" dirty="0" smtClean="0"/>
           </a:p>
           <a:p>
             <a:r>
@@ -1164,7 +1261,7 @@
           <a:p>
             <a:fld id="{952976F7-1A1B-47BF-994D-21B9772F57A5}" type="datetimeFigureOut">
               <a:rPr lang="nb-NO" smtClean="0"/>
-              <a:t>02.03.2017</a:t>
+              <a:t>06.03.2017</a:t>
             </a:fld>
             <a:endParaRPr lang="nb-NO"/>
           </a:p>
@@ -1547,7 +1644,7 @@
           <a:p>
             <a:fld id="{952976F7-1A1B-47BF-994D-21B9772F57A5}" type="datetimeFigureOut">
               <a:rPr lang="nb-NO" smtClean="0"/>
-              <a:t>02.03.2017</a:t>
+              <a:t>06.03.2017</a:t>
             </a:fld>
             <a:endParaRPr lang="nb-NO"/>
           </a:p>
@@ -1819,7 +1916,7 @@
           <a:p>
             <a:fld id="{952976F7-1A1B-47BF-994D-21B9772F57A5}" type="datetimeFigureOut">
               <a:rPr lang="nb-NO" smtClean="0"/>
-              <a:t>02.03.2017</a:t>
+              <a:t>06.03.2017</a:t>
             </a:fld>
             <a:endParaRPr lang="nb-NO"/>
           </a:p>
@@ -2077,7 +2174,7 @@
           <a:p>
             <a:fld id="{952976F7-1A1B-47BF-994D-21B9772F57A5}" type="datetimeFigureOut">
               <a:rPr lang="nb-NO" smtClean="0"/>
-              <a:t>02.03.2017</a:t>
+              <a:t>06.03.2017</a:t>
             </a:fld>
             <a:endParaRPr lang="nb-NO"/>
           </a:p>
@@ -2482,7 +2579,7 @@
           <a:p>
             <a:fld id="{952976F7-1A1B-47BF-994D-21B9772F57A5}" type="datetimeFigureOut">
               <a:rPr lang="nb-NO" smtClean="0"/>
-              <a:t>02.03.2017</a:t>
+              <a:t>06.03.2017</a:t>
             </a:fld>
             <a:endParaRPr lang="nb-NO"/>
           </a:p>
@@ -2626,7 +2723,7 @@
           <a:p>
             <a:fld id="{952976F7-1A1B-47BF-994D-21B9772F57A5}" type="datetimeFigureOut">
               <a:rPr lang="nb-NO" smtClean="0"/>
-              <a:t>02.03.2017</a:t>
+              <a:t>06.03.2017</a:t>
             </a:fld>
             <a:endParaRPr lang="nb-NO"/>
           </a:p>
@@ -2747,7 +2844,7 @@
           <a:p>
             <a:fld id="{952976F7-1A1B-47BF-994D-21B9772F57A5}" type="datetimeFigureOut">
               <a:rPr lang="nb-NO" smtClean="0"/>
-              <a:t>02.03.2017</a:t>
+              <a:t>06.03.2017</a:t>
             </a:fld>
             <a:endParaRPr lang="nb-NO"/>
           </a:p>
@@ -3050,7 +3147,7 @@
           <a:p>
             <a:fld id="{952976F7-1A1B-47BF-994D-21B9772F57A5}" type="datetimeFigureOut">
               <a:rPr lang="nb-NO" smtClean="0"/>
-              <a:t>02.03.2017</a:t>
+              <a:t>06.03.2017</a:t>
             </a:fld>
             <a:endParaRPr lang="nb-NO"/>
           </a:p>
@@ -3333,7 +3430,7 @@
           <a:p>
             <a:fld id="{952976F7-1A1B-47BF-994D-21B9772F57A5}" type="datetimeFigureOut">
               <a:rPr lang="nb-NO" smtClean="0"/>
-              <a:t>02.03.2017</a:t>
+              <a:t>06.03.2017</a:t>
             </a:fld>
             <a:endParaRPr lang="nb-NO"/>
           </a:p>
@@ -3675,7 +3772,7 @@
           <a:p>
             <a:fld id="{952976F7-1A1B-47BF-994D-21B9772F57A5}" type="datetimeFigureOut">
               <a:rPr lang="nb-NO" smtClean="0"/>
-              <a:t>02.03.2017</a:t>
+              <a:t>06.03.2017</a:t>
             </a:fld>
             <a:endParaRPr lang="nb-NO"/>
           </a:p>
@@ -4222,7 +4319,87 @@
               <a:rPr lang="nb-NO" dirty="0" smtClean="0"/>
               <a:t>.</a:t>
             </a:r>
+          </a:p>
+          <a:p>
             <a:endParaRPr lang="nb-NO" dirty="0"/>
+          </a:p>
+          <a:p>
+            <a:endParaRPr lang="nb-NO" dirty="0" smtClean="0"/>
+          </a:p>
+          <a:p>
+            <a:r>
+              <a:rPr lang="nb-NO" dirty="0" smtClean="0"/>
+              <a:t>Oppgaver er lagt </a:t>
+            </a:r>
+            <a:r>
+              <a:rPr lang="nb-NO" dirty="0"/>
+              <a:t>ut på </a:t>
+            </a:r>
+            <a:endParaRPr lang="nb-NO" dirty="0" smtClean="0"/>
+          </a:p>
+          <a:p>
+            <a:pPr lvl="1"/>
+            <a:r>
+              <a:rPr lang="nb-NO" dirty="0" smtClean="0">
+                <a:hlinkClick r:id="rId2"/>
+              </a:rPr>
+              <a:t>https</a:t>
+            </a:r>
+            <a:r>
+              <a:rPr lang="nb-NO" dirty="0">
+                <a:hlinkClick r:id="rId2"/>
+              </a:rPr>
+              <a:t>://</a:t>
+            </a:r>
+            <a:r>
+              <a:rPr lang="nb-NO" dirty="0" smtClean="0">
+                <a:hlinkClick r:id="rId2"/>
+              </a:rPr>
+              <a:t>github.com/stiasta/foredrag</a:t>
+            </a:r>
+            <a:r>
+              <a:rPr lang="nb-NO" dirty="0" smtClean="0"/>
+              <a:t> </a:t>
+            </a:r>
+          </a:p>
+          <a:p>
+            <a:pPr lvl="1"/>
+            <a:r>
+              <a:rPr lang="nb-NO" dirty="0" smtClean="0"/>
+              <a:t>Under </a:t>
+            </a:r>
+            <a:r>
+              <a:rPr lang="nb-NO" dirty="0" err="1" smtClean="0"/>
+              <a:t>Ionic</a:t>
+            </a:r>
+            <a:r>
+              <a:rPr lang="nb-NO" dirty="0" smtClean="0"/>
+              <a:t> 2 workshop &gt; Code</a:t>
+            </a:r>
+          </a:p>
+          <a:p>
+            <a:pPr lvl="1"/>
+            <a:r>
+              <a:rPr lang="nb-NO" dirty="0" smtClean="0"/>
+              <a:t>Før man kjører koden så burde man kjøre en </a:t>
+            </a:r>
+            <a:r>
+              <a:rPr lang="nb-NO" dirty="0" err="1" smtClean="0"/>
+              <a:t>npm</a:t>
+            </a:r>
+            <a:r>
+              <a:rPr lang="nb-NO" dirty="0" smtClean="0"/>
+              <a:t> </a:t>
+            </a:r>
+            <a:r>
+              <a:rPr lang="nb-NO" dirty="0" err="1" smtClean="0"/>
+              <a:t>install</a:t>
+            </a:r>
+            <a:r>
+              <a:rPr lang="nb-NO" dirty="0" smtClean="0"/>
+              <a:t> </a:t>
+            </a:r>
+            <a:endParaRPr lang="nb-NO" dirty="0" smtClean="0"/>
           </a:p>
         </p:txBody>
       </p:sp>
@@ -4236,6 +4413,13 @@
   <p:clrMapOvr>
     <a:masterClrMapping/>
   </p:clrMapOvr>
+  <p:timing>
+    <p:tnLst>
+      <p:par>
+        <p:cTn id="1" dur="indefinite" restart="never" nodeType="tmRoot"/>
+      </p:par>
+    </p:tnLst>
+  </p:timing>
 </p:sld>
 </file>
 
@@ -4866,19 +5050,19 @@
             </a:r>
             <a:r>
               <a:rPr lang="nb-NO" dirty="0" smtClean="0">
-                <a:hlinkClick r:id="rId2"/>
+                <a:hlinkClick r:id="rId3"/>
               </a:rPr>
               <a:t>http</a:t>
             </a:r>
             <a:r>
               <a:rPr lang="nb-NO" dirty="0">
-                <a:hlinkClick r:id="rId2"/>
+                <a:hlinkClick r:id="rId3"/>
               </a:rPr>
               <a:t>://ionicframework.com/docs/v2/components</a:t>
             </a:r>
             <a:r>
               <a:rPr lang="nb-NO" dirty="0" smtClean="0">
-                <a:hlinkClick r:id="rId2"/>
+                <a:hlinkClick r:id="rId3"/>
               </a:rPr>
               <a:t>/</a:t>
             </a:r>
@@ -5090,6 +5274,25 @@
               <a:rPr lang="nb-NO" dirty="0" smtClean="0"/>
               <a:t>&gt;</a:t>
             </a:r>
+          </a:p>
+          <a:p>
+            <a:pPr lvl="2"/>
+            <a:endParaRPr lang="nb-NO" dirty="0"/>
+          </a:p>
+          <a:p>
+            <a:r>
+              <a:rPr lang="nb-NO" dirty="0" smtClean="0"/>
+              <a:t>Test gjerne mot </a:t>
+            </a:r>
+            <a:r>
+              <a:rPr lang="nb-NO" dirty="0" err="1" smtClean="0"/>
+              <a:t>View</a:t>
+            </a:r>
+            <a:r>
+              <a:rPr lang="nb-NO" dirty="0"/>
+              <a:t>.</a:t>
+            </a:r>
+            <a:endParaRPr lang="nb-NO" dirty="0" smtClean="0"/>
           </a:p>
           <a:p>
             <a:pPr lvl="1"/>
@@ -5196,23 +5399,64 @@
         </p:nvSpPr>
         <p:spPr/>
         <p:txBody>
-          <a:bodyPr/>
+          <a:bodyPr>
+            <a:normAutofit fontScale="85000" lnSpcReduction="20000"/>
+          </a:bodyPr>
           <a:lstStyle/>
           <a:p>
             <a:r>
               <a:rPr lang="nb-NO" dirty="0" smtClean="0"/>
-              <a:t>Lag service</a:t>
-            </a:r>
-          </a:p>
-          <a:p>
-            <a:pPr lvl="1"/>
-            <a:r>
-              <a:rPr lang="nb-NO" dirty="0" smtClean="0"/>
-              <a:t>Kjører en http </a:t>
+              <a:t>Lag </a:t>
+            </a:r>
+            <a:r>
+              <a:rPr lang="nb-NO" dirty="0" smtClean="0"/>
+              <a:t>en service som kalles </a:t>
             </a:r>
             <a:r>
               <a:rPr lang="nb-NO" dirty="0" err="1" smtClean="0"/>
-              <a:t>get</a:t>
+              <a:t>chatbot</a:t>
+            </a:r>
+            <a:r>
+              <a:rPr lang="nb-NO" dirty="0" err="1"/>
+              <a:t>-</a:t>
+            </a:r>
+            <a:r>
+              <a:rPr lang="nb-NO" dirty="0" err="1" smtClean="0"/>
+              <a:t>service.ts</a:t>
+            </a:r>
+            <a:endParaRPr lang="nb-NO" dirty="0" smtClean="0"/>
+          </a:p>
+          <a:p>
+            <a:r>
+              <a:rPr lang="nb-NO" dirty="0" smtClean="0"/>
+              <a:t>Send </a:t>
+            </a:r>
+            <a:r>
+              <a:rPr lang="nb-NO" dirty="0" err="1" smtClean="0"/>
+              <a:t>chat</a:t>
+            </a:r>
+            <a:r>
+              <a:rPr lang="nb-NO" dirty="0" smtClean="0"/>
+              <a:t> input til servicen</a:t>
+            </a:r>
+            <a:endParaRPr lang="nb-NO" dirty="0" smtClean="0"/>
+          </a:p>
+          <a:p>
+            <a:r>
+              <a:rPr lang="nb-NO" dirty="0" smtClean="0"/>
+              <a:t>Send </a:t>
+            </a:r>
+            <a:r>
+              <a:rPr lang="nb-NO" dirty="0" err="1" smtClean="0"/>
+              <a:t>response</a:t>
+            </a:r>
+            <a:r>
+              <a:rPr lang="nb-NO" dirty="0" smtClean="0"/>
+              <a:t> til </a:t>
+            </a:r>
+            <a:r>
+              <a:rPr lang="nb-NO" dirty="0" err="1" smtClean="0"/>
+              <a:t>chat-content</a:t>
             </a:r>
             <a:r>
               <a:rPr lang="nb-NO" dirty="0"/>
@@ -5220,51 +5464,121 @@
             </a:r>
             <a:r>
               <a:rPr lang="nb-NO" dirty="0" smtClean="0"/>
-              <a:t>mot [URL]</a:t>
-            </a:r>
-          </a:p>
-          <a:p>
-            <a:r>
-              <a:rPr lang="nb-NO" dirty="0" smtClean="0"/>
-              <a:t>Bruk servicen i </a:t>
+              <a:t>som nytt </a:t>
+            </a:r>
+            <a:r>
+              <a:rPr lang="nb-NO" dirty="0" smtClean="0"/>
+              <a:t>ion-</a:t>
             </a:r>
             <a:r>
               <a:rPr lang="nb-NO" dirty="0" err="1" smtClean="0"/>
-              <a:t>chat</a:t>
-            </a:r>
-            <a:r>
-              <a:rPr lang="nb-NO" dirty="0" smtClean="0"/>
-              <a:t>-input</a:t>
-            </a:r>
-          </a:p>
-          <a:p>
-            <a:r>
-              <a:rPr lang="nb-NO" dirty="0" smtClean="0"/>
-              <a:t>Send </a:t>
-            </a:r>
+              <a:t>card</a:t>
+            </a:r>
+            <a:endParaRPr lang="nb-NO" dirty="0" smtClean="0"/>
+          </a:p>
+          <a:p>
+            <a:endParaRPr lang="nb-NO" dirty="0"/>
+          </a:p>
+          <a:p>
+            <a:r>
+              <a:rPr lang="nb-NO" dirty="0" smtClean="0"/>
+              <a:t>API-detaljer</a:t>
+            </a:r>
+          </a:p>
+          <a:p>
+            <a:pPr lvl="1"/>
+            <a:r>
+              <a:rPr lang="nb-NO" dirty="0"/>
+              <a:t>URL: </a:t>
+            </a:r>
+            <a:r>
+              <a:rPr lang="nb-NO" dirty="0">
+                <a:hlinkClick r:id="rId2"/>
+              </a:rPr>
+              <a:t>https://</a:t>
+            </a:r>
+            <a:r>
+              <a:rPr lang="nb-NO" dirty="0" smtClean="0">
+                <a:hlinkClick r:id="rId2"/>
+              </a:rPr>
+              <a:t>else.sticos.no/wp-content/plugins/elseBot/elseAPI.php</a:t>
+            </a:r>
+            <a:r>
+              <a:rPr lang="nb-NO" dirty="0" smtClean="0"/>
+              <a:t> </a:t>
+            </a:r>
+            <a:endParaRPr lang="nb-NO" dirty="0"/>
+          </a:p>
+          <a:p>
+            <a:pPr lvl="1"/>
+            <a:r>
+              <a:rPr lang="nb-NO" dirty="0" smtClean="0"/>
+              <a:t>Method: POST</a:t>
+            </a:r>
+          </a:p>
+          <a:p>
+            <a:pPr lvl="1"/>
             <a:r>
               <a:rPr lang="nb-NO" dirty="0" err="1" smtClean="0"/>
-              <a:t>response</a:t>
-            </a:r>
-            <a:r>
-              <a:rPr lang="nb-NO" dirty="0" smtClean="0"/>
-              <a:t> til </a:t>
-            </a:r>
+              <a:t>Params</a:t>
+            </a:r>
+            <a:r>
+              <a:rPr lang="nb-NO" dirty="0" smtClean="0"/>
+              <a:t>: </a:t>
+            </a:r>
+          </a:p>
+          <a:p>
+            <a:pPr lvl="2"/>
             <a:r>
               <a:rPr lang="nb-NO" dirty="0" err="1" smtClean="0"/>
-              <a:t>chat-content</a:t>
-            </a:r>
-            <a:r>
-              <a:rPr lang="nb-NO" dirty="0"/>
-              <a:t> </a:t>
-            </a:r>
-            <a:r>
-              <a:rPr lang="nb-NO" dirty="0" smtClean="0"/>
-              <a:t>som nytt ion-</a:t>
-            </a:r>
-            <a:r>
-              <a:rPr lang="nb-NO" smtClean="0"/>
-              <a:t>card</a:t>
+              <a:t>unikId</a:t>
+            </a:r>
+            <a:r>
+              <a:rPr lang="nb-NO" dirty="0" smtClean="0"/>
+              <a:t>=testId1</a:t>
+            </a:r>
+          </a:p>
+          <a:p>
+            <a:pPr lvl="2"/>
+            <a:r>
+              <a:rPr lang="nb-NO" dirty="0" err="1" smtClean="0"/>
+              <a:t>text</a:t>
+            </a:r>
+            <a:r>
+              <a:rPr lang="nb-NO" dirty="0" smtClean="0"/>
+              <a:t> = [spørsmål]</a:t>
+            </a:r>
+          </a:p>
+          <a:p>
+            <a:endParaRPr lang="nb-NO" dirty="0"/>
+          </a:p>
+          <a:p>
+            <a:r>
+              <a:rPr lang="nb-NO" dirty="0" smtClean="0"/>
+              <a:t>Bonus:</a:t>
+            </a:r>
+          </a:p>
+          <a:p>
+            <a:pPr lvl="1"/>
+            <a:r>
+              <a:rPr lang="nb-NO" dirty="0" smtClean="0"/>
+              <a:t>Gjør slik </a:t>
+            </a:r>
+            <a:r>
+              <a:rPr lang="nb-NO" smtClean="0"/>
+              <a:t>at </a:t>
+            </a:r>
+            <a:r>
+              <a:rPr lang="nb-NO" smtClean="0"/>
+              <a:t>GUI </a:t>
+            </a:r>
+            <a:r>
+              <a:rPr lang="nb-NO" smtClean="0"/>
+              <a:t>skiller </a:t>
+            </a:r>
+            <a:r>
+              <a:rPr lang="nb-NO" dirty="0" smtClean="0"/>
+              <a:t>på spørsmål og svar</a:t>
             </a:r>
             <a:endParaRPr lang="nb-NO" dirty="0" smtClean="0"/>
           </a:p>

--- a/Ionic 2 workshop/Ionic 2 workshop.pptx
+++ b/Ionic 2 workshop/Ionic 2 workshop.pptx
@@ -5,7 +5,7 @@
     <p:sldMasterId id="2147483660" r:id="rId1"/>
   </p:sldMasterIdLst>
   <p:notesMasterIdLst>
-    <p:notesMasterId r:id="rId18"/>
+    <p:notesMasterId r:id="rId22"/>
   </p:notesMasterIdLst>
   <p:sldIdLst>
     <p:sldId id="256" r:id="rId2"/>
@@ -21,9 +21,13 @@
     <p:sldId id="266" r:id="rId12"/>
     <p:sldId id="260" r:id="rId13"/>
     <p:sldId id="267" r:id="rId14"/>
-    <p:sldId id="259" r:id="rId15"/>
-    <p:sldId id="268" r:id="rId16"/>
-    <p:sldId id="271" r:id="rId17"/>
+    <p:sldId id="272" r:id="rId15"/>
+    <p:sldId id="273" r:id="rId16"/>
+    <p:sldId id="259" r:id="rId17"/>
+    <p:sldId id="268" r:id="rId18"/>
+    <p:sldId id="274" r:id="rId19"/>
+    <p:sldId id="271" r:id="rId20"/>
+    <p:sldId id="275" r:id="rId21"/>
   </p:sldIdLst>
   <p:sldSz cx="12192000" cy="6858000"/>
   <p:notesSz cx="6858000" cy="9144000"/>
@@ -688,20 +692,6 @@
           <a:bodyPr/>
           <a:lstStyle/>
           <a:p>
-            <a:r>
-              <a:rPr lang="nb-NO" dirty="0" smtClean="0"/>
-              <a:t>Hva er en </a:t>
-            </a:r>
-            <a:r>
-              <a:rPr lang="nb-NO" dirty="0" err="1" smtClean="0"/>
-              <a:t>webkomponent</a:t>
-            </a:r>
-            <a:r>
-              <a:rPr lang="nb-NO" dirty="0" smtClean="0"/>
-              <a:t>?</a:t>
-            </a:r>
-          </a:p>
-          <a:p>
             <a:endParaRPr lang="nb-NO" dirty="0"/>
           </a:p>
         </p:txBody>
@@ -723,7 +713,7 @@
           <a:p>
             <a:fld id="{6BEA58FB-0425-4043-8123-60513F4596AE}" type="slidenum">
               <a:rPr lang="nb-NO" smtClean="0"/>
-              <a:t>14</a:t>
+              <a:t>15</a:t>
             </a:fld>
             <a:endParaRPr lang="nb-NO"/>
           </a:p>
@@ -732,7 +722,7 @@
     </p:spTree>
     <p:extLst>
       <p:ext uri="{BB962C8B-B14F-4D97-AF65-F5344CB8AC3E}">
-        <p14:creationId xmlns:p14="http://schemas.microsoft.com/office/powerpoint/2010/main" val="2270801068"/>
+        <p14:creationId xmlns:p14="http://schemas.microsoft.com/office/powerpoint/2010/main" val="3382720617"/>
       </p:ext>
     </p:extLst>
   </p:cSld>
@@ -788,6 +778,104 @@
           <a:p>
             <a:r>
               <a:rPr lang="nb-NO" dirty="0" smtClean="0"/>
+              <a:t>Hva er en </a:t>
+            </a:r>
+            <a:r>
+              <a:rPr lang="nb-NO" dirty="0" err="1" smtClean="0"/>
+              <a:t>webkomponent</a:t>
+            </a:r>
+            <a:r>
+              <a:rPr lang="nb-NO" dirty="0" smtClean="0"/>
+              <a:t>?</a:t>
+            </a:r>
+          </a:p>
+          <a:p>
+            <a:endParaRPr lang="nb-NO" dirty="0"/>
+          </a:p>
+        </p:txBody>
+      </p:sp>
+      <p:sp>
+        <p:nvSpPr>
+          <p:cNvPr id="4" name="Plassholder for lysbildenummer 3"/>
+          <p:cNvSpPr>
+            <a:spLocks noGrp="1"/>
+          </p:cNvSpPr>
+          <p:nvPr>
+            <p:ph type="sldNum" sz="quarter" idx="10"/>
+          </p:nvPr>
+        </p:nvSpPr>
+        <p:spPr/>
+        <p:txBody>
+          <a:bodyPr/>
+          <a:lstStyle/>
+          <a:p>
+            <a:fld id="{6BEA58FB-0425-4043-8123-60513F4596AE}" type="slidenum">
+              <a:rPr lang="nb-NO" smtClean="0"/>
+              <a:t>16</a:t>
+            </a:fld>
+            <a:endParaRPr lang="nb-NO"/>
+          </a:p>
+        </p:txBody>
+      </p:sp>
+    </p:spTree>
+    <p:extLst>
+      <p:ext uri="{BB962C8B-B14F-4D97-AF65-F5344CB8AC3E}">
+        <p14:creationId xmlns:p14="http://schemas.microsoft.com/office/powerpoint/2010/main" val="2270801068"/>
+      </p:ext>
+    </p:extLst>
+  </p:cSld>
+  <p:clrMapOvr>
+    <a:masterClrMapping/>
+  </p:clrMapOvr>
+</p:notes>
+</file>
+
+<file path=ppt/notesSlides/notesSlide4.xml><?xml version="1.0" encoding="utf-8"?>
+<p:notes xmlns:a="http://schemas.openxmlformats.org/drawingml/2006/main" xmlns:r="http://schemas.openxmlformats.org/officeDocument/2006/relationships" xmlns:p="http://schemas.openxmlformats.org/presentationml/2006/main">
+  <p:cSld>
+    <p:spTree>
+      <p:nvGrpSpPr>
+        <p:cNvPr id="1" name=""/>
+        <p:cNvGrpSpPr/>
+        <p:nvPr/>
+      </p:nvGrpSpPr>
+      <p:grpSpPr>
+        <a:xfrm>
+          <a:off x="0" y="0"/>
+          <a:ext cx="0" cy="0"/>
+          <a:chOff x="0" y="0"/>
+          <a:chExt cx="0" cy="0"/>
+        </a:xfrm>
+      </p:grpSpPr>
+      <p:sp>
+        <p:nvSpPr>
+          <p:cNvPr id="2" name="Plassholder for lysbilde 1"/>
+          <p:cNvSpPr>
+            <a:spLocks noGrp="1" noRot="1" noChangeAspect="1"/>
+          </p:cNvSpPr>
+          <p:nvPr>
+            <p:ph type="sldImg"/>
+          </p:nvPr>
+        </p:nvSpPr>
+        <p:spPr/>
+      </p:sp>
+      <p:sp>
+        <p:nvSpPr>
+          <p:cNvPr id="3" name="Plassholder for notater 2"/>
+          <p:cNvSpPr>
+            <a:spLocks noGrp="1"/>
+          </p:cNvSpPr>
+          <p:nvPr>
+            <p:ph type="body" idx="1"/>
+          </p:nvPr>
+        </p:nvSpPr>
+        <p:spPr/>
+        <p:txBody>
+          <a:bodyPr/>
+          <a:lstStyle/>
+          <a:p>
+            <a:r>
+              <a:rPr lang="nb-NO" dirty="0" smtClean="0"/>
               <a:t>Fasit</a:t>
             </a:r>
           </a:p>
@@ -1178,7 +1266,7 @@
           <a:p>
             <a:fld id="{6BEA58FB-0425-4043-8123-60513F4596AE}" type="slidenum">
               <a:rPr lang="nb-NO" smtClean="0"/>
-              <a:t>15</a:t>
+              <a:t>17</a:t>
             </a:fld>
             <a:endParaRPr lang="nb-NO"/>
           </a:p>
@@ -4999,6 +5087,154 @@
           <a:lstStyle/>
           <a:p>
             <a:r>
+              <a:rPr lang="nb-NO" dirty="0" err="1" smtClean="0"/>
+              <a:t>Angular</a:t>
+            </a:r>
+            <a:r>
+              <a:rPr lang="nb-NO" dirty="0" smtClean="0"/>
+              <a:t>-struktur</a:t>
+            </a:r>
+            <a:endParaRPr lang="nb-NO" dirty="0"/>
+          </a:p>
+        </p:txBody>
+      </p:sp>
+      <p:sp>
+        <p:nvSpPr>
+          <p:cNvPr id="3" name="Plassholder for innhold 2"/>
+          <p:cNvSpPr>
+            <a:spLocks noGrp="1"/>
+          </p:cNvSpPr>
+          <p:nvPr>
+            <p:ph idx="1"/>
+          </p:nvPr>
+        </p:nvSpPr>
+        <p:spPr/>
+        <p:txBody>
+          <a:bodyPr/>
+          <a:lstStyle/>
+          <a:p>
+            <a:endParaRPr lang="nb-NO"/>
+          </a:p>
+        </p:txBody>
+      </p:sp>
+    </p:spTree>
+    <p:extLst>
+      <p:ext uri="{BB962C8B-B14F-4D97-AF65-F5344CB8AC3E}">
+        <p14:creationId xmlns:p14="http://schemas.microsoft.com/office/powerpoint/2010/main" val="968896447"/>
+      </p:ext>
+    </p:extLst>
+  </p:cSld>
+  <p:clrMapOvr>
+    <a:masterClrMapping/>
+  </p:clrMapOvr>
+</p:sld>
+</file>
+
+<file path=ppt/slides/slide15.xml><?xml version="1.0" encoding="utf-8"?>
+<p:sld xmlns:a="http://schemas.openxmlformats.org/drawingml/2006/main" xmlns:r="http://schemas.openxmlformats.org/officeDocument/2006/relationships" xmlns:p="http://schemas.openxmlformats.org/presentationml/2006/main">
+  <p:cSld>
+    <p:spTree>
+      <p:nvGrpSpPr>
+        <p:cNvPr id="1" name=""/>
+        <p:cNvGrpSpPr/>
+        <p:nvPr/>
+      </p:nvGrpSpPr>
+      <p:grpSpPr>
+        <a:xfrm>
+          <a:off x="0" y="0"/>
+          <a:ext cx="0" cy="0"/>
+          <a:chOff x="0" y="0"/>
+          <a:chExt cx="0" cy="0"/>
+        </a:xfrm>
+      </p:grpSpPr>
+      <p:sp>
+        <p:nvSpPr>
+          <p:cNvPr id="2" name="Tittel 1"/>
+          <p:cNvSpPr>
+            <a:spLocks noGrp="1"/>
+          </p:cNvSpPr>
+          <p:nvPr>
+            <p:ph type="title"/>
+          </p:nvPr>
+        </p:nvSpPr>
+        <p:spPr/>
+        <p:txBody>
+          <a:bodyPr/>
+          <a:lstStyle/>
+          <a:p>
+            <a:r>
+              <a:rPr lang="nb-NO" dirty="0" smtClean="0"/>
+              <a:t>Components</a:t>
+            </a:r>
+            <a:endParaRPr lang="nb-NO" dirty="0"/>
+          </a:p>
+        </p:txBody>
+      </p:sp>
+      <p:sp>
+        <p:nvSpPr>
+          <p:cNvPr id="3" name="Plassholder for innhold 2"/>
+          <p:cNvSpPr>
+            <a:spLocks noGrp="1"/>
+          </p:cNvSpPr>
+          <p:nvPr>
+            <p:ph idx="1"/>
+          </p:nvPr>
+        </p:nvSpPr>
+        <p:spPr/>
+        <p:txBody>
+          <a:bodyPr/>
+          <a:lstStyle/>
+          <a:p>
+            <a:endParaRPr lang="nb-NO"/>
+          </a:p>
+        </p:txBody>
+      </p:sp>
+    </p:spTree>
+    <p:extLst>
+      <p:ext uri="{BB962C8B-B14F-4D97-AF65-F5344CB8AC3E}">
+        <p14:creationId xmlns:p14="http://schemas.microsoft.com/office/powerpoint/2010/main" val="2137687318"/>
+      </p:ext>
+    </p:extLst>
+  </p:cSld>
+  <p:clrMapOvr>
+    <a:masterClrMapping/>
+  </p:clrMapOvr>
+</p:sld>
+</file>
+
+<file path=ppt/slides/slide16.xml><?xml version="1.0" encoding="utf-8"?>
+<p:sld xmlns:a="http://schemas.openxmlformats.org/drawingml/2006/main" xmlns:r="http://schemas.openxmlformats.org/officeDocument/2006/relationships" xmlns:p="http://schemas.openxmlformats.org/presentationml/2006/main">
+  <p:cSld>
+    <p:spTree>
+      <p:nvGrpSpPr>
+        <p:cNvPr id="1" name=""/>
+        <p:cNvGrpSpPr/>
+        <p:nvPr/>
+      </p:nvGrpSpPr>
+      <p:grpSpPr>
+        <a:xfrm>
+          <a:off x="0" y="0"/>
+          <a:ext cx="0" cy="0"/>
+          <a:chOff x="0" y="0"/>
+          <a:chExt cx="0" cy="0"/>
+        </a:xfrm>
+      </p:grpSpPr>
+      <p:sp>
+        <p:nvSpPr>
+          <p:cNvPr id="2" name="Tittel 1"/>
+          <p:cNvSpPr>
+            <a:spLocks noGrp="1"/>
+          </p:cNvSpPr>
+          <p:nvPr>
+            <p:ph type="title"/>
+          </p:nvPr>
+        </p:nvSpPr>
+        <p:spPr/>
+        <p:txBody>
+          <a:bodyPr/>
+          <a:lstStyle/>
+          <a:p>
+            <a:r>
               <a:rPr lang="nb-NO" dirty="0" smtClean="0"/>
               <a:t>Lage (web)</a:t>
             </a:r>
@@ -5169,7 +5405,7 @@
 </p:sld>
 </file>
 
-<file path=ppt/slides/slide15.xml><?xml version="1.0" encoding="utf-8"?>
+<file path=ppt/slides/slide17.xml><?xml version="1.0" encoding="utf-8"?>
 <p:sld xmlns:a="http://schemas.openxmlformats.org/drawingml/2006/main" xmlns:r="http://schemas.openxmlformats.org/officeDocument/2006/relationships" xmlns:p="http://schemas.openxmlformats.org/presentationml/2006/main">
   <p:cSld>
     <p:spTree>
@@ -5347,7 +5583,7 @@
 </p:sld>
 </file>
 
-<file path=ppt/slides/slide16.xml><?xml version="1.0" encoding="utf-8"?>
+<file path=ppt/slides/slide18.xml><?xml version="1.0" encoding="utf-8"?>
 <p:sld xmlns:a="http://schemas.openxmlformats.org/drawingml/2006/main" xmlns:r="http://schemas.openxmlformats.org/officeDocument/2006/relationships" xmlns:p="http://schemas.openxmlformats.org/presentationml/2006/main">
   <p:cSld>
     <p:spTree>
@@ -5381,6 +5617,78 @@
           <a:p>
             <a:r>
               <a:rPr lang="nb-NO" dirty="0" smtClean="0"/>
+              <a:t>Service/Provider</a:t>
+            </a:r>
+            <a:endParaRPr lang="nb-NO" dirty="0"/>
+          </a:p>
+        </p:txBody>
+      </p:sp>
+      <p:sp>
+        <p:nvSpPr>
+          <p:cNvPr id="3" name="Plassholder for innhold 2"/>
+          <p:cNvSpPr>
+            <a:spLocks noGrp="1"/>
+          </p:cNvSpPr>
+          <p:nvPr>
+            <p:ph idx="1"/>
+          </p:nvPr>
+        </p:nvSpPr>
+        <p:spPr/>
+        <p:txBody>
+          <a:bodyPr/>
+          <a:lstStyle/>
+          <a:p>
+            <a:endParaRPr lang="nb-NO"/>
+          </a:p>
+        </p:txBody>
+      </p:sp>
+    </p:spTree>
+    <p:extLst>
+      <p:ext uri="{BB962C8B-B14F-4D97-AF65-F5344CB8AC3E}">
+        <p14:creationId xmlns:p14="http://schemas.microsoft.com/office/powerpoint/2010/main" val="955638867"/>
+      </p:ext>
+    </p:extLst>
+  </p:cSld>
+  <p:clrMapOvr>
+    <a:masterClrMapping/>
+  </p:clrMapOvr>
+</p:sld>
+</file>
+
+<file path=ppt/slides/slide19.xml><?xml version="1.0" encoding="utf-8"?>
+<p:sld xmlns:a="http://schemas.openxmlformats.org/drawingml/2006/main" xmlns:r="http://schemas.openxmlformats.org/officeDocument/2006/relationships" xmlns:p="http://schemas.openxmlformats.org/presentationml/2006/main">
+  <p:cSld>
+    <p:spTree>
+      <p:nvGrpSpPr>
+        <p:cNvPr id="1" name=""/>
+        <p:cNvGrpSpPr/>
+        <p:nvPr/>
+      </p:nvGrpSpPr>
+      <p:grpSpPr>
+        <a:xfrm>
+          <a:off x="0" y="0"/>
+          <a:ext cx="0" cy="0"/>
+          <a:chOff x="0" y="0"/>
+          <a:chExt cx="0" cy="0"/>
+        </a:xfrm>
+      </p:grpSpPr>
+      <p:sp>
+        <p:nvSpPr>
+          <p:cNvPr id="2" name="Tittel 1"/>
+          <p:cNvSpPr>
+            <a:spLocks noGrp="1"/>
+          </p:cNvSpPr>
+          <p:nvPr>
+            <p:ph type="title"/>
+          </p:nvPr>
+        </p:nvSpPr>
+        <p:spPr/>
+        <p:txBody>
+          <a:bodyPr/>
+          <a:lstStyle/>
+          <a:p>
+            <a:r>
+              <a:rPr lang="nb-NO" dirty="0" smtClean="0"/>
               <a:t>Oppgave 4</a:t>
             </a:r>
             <a:endParaRPr lang="nb-NO" dirty="0"/>
@@ -5397,10 +5705,15 @@
             <p:ph idx="1"/>
           </p:nvPr>
         </p:nvSpPr>
-        <p:spPr/>
+        <p:spPr>
+          <a:xfrm>
+            <a:off x="838200" y="1825625"/>
+            <a:ext cx="7982527" cy="4351338"/>
+          </a:xfrm>
+        </p:spPr>
         <p:txBody>
           <a:bodyPr>
-            <a:normAutofit fontScale="85000" lnSpcReduction="20000"/>
+            <a:normAutofit fontScale="77500" lnSpcReduction="20000"/>
           </a:bodyPr>
           <a:lstStyle/>
           <a:p>
@@ -5562,28 +5875,68 @@
             <a:pPr lvl="1"/>
             <a:r>
               <a:rPr lang="nb-NO" dirty="0" smtClean="0"/>
-              <a:t>Gjør slik </a:t>
-            </a:r>
-            <a:r>
-              <a:rPr lang="nb-NO" smtClean="0"/>
-              <a:t>at </a:t>
-            </a:r>
-            <a:r>
-              <a:rPr lang="nb-NO" smtClean="0"/>
+              <a:t>Gjør slik at </a:t>
+            </a:r>
+            <a:r>
+              <a:rPr lang="nb-NO" dirty="0" smtClean="0"/>
               <a:t>GUI </a:t>
             </a:r>
             <a:r>
-              <a:rPr lang="nb-NO" smtClean="0"/>
-              <a:t>skiller </a:t>
-            </a:r>
-            <a:r>
-              <a:rPr lang="nb-NO" dirty="0" smtClean="0"/>
-              <a:t>på spørsmål og svar</a:t>
+              <a:rPr lang="nb-NO" dirty="0" smtClean="0"/>
+              <a:t>skiller på spørsmål og svar ved å </a:t>
+            </a:r>
+            <a:r>
+              <a:rPr lang="nb-NO" dirty="0" err="1" smtClean="0"/>
+              <a:t>venstrejustere</a:t>
+            </a:r>
+            <a:r>
+              <a:rPr lang="nb-NO" dirty="0" smtClean="0"/>
+              <a:t> spørsmål</a:t>
+            </a:r>
+            <a:r>
+              <a:rPr lang="nb-NO" dirty="0"/>
+              <a:t> </a:t>
+            </a:r>
+            <a:r>
+              <a:rPr lang="nb-NO" dirty="0" smtClean="0"/>
+              <a:t>og </a:t>
+            </a:r>
+            <a:r>
+              <a:rPr lang="nb-NO" dirty="0" err="1" smtClean="0"/>
+              <a:t>høyrejustere</a:t>
+            </a:r>
+            <a:r>
+              <a:rPr lang="nb-NO" dirty="0" smtClean="0"/>
+              <a:t> svar.</a:t>
             </a:r>
             <a:endParaRPr lang="nb-NO" dirty="0" smtClean="0"/>
           </a:p>
         </p:txBody>
       </p:sp>
+      <p:pic>
+        <p:nvPicPr>
+          <p:cNvPr id="4" name="Bilde 3"/>
+          <p:cNvPicPr>
+            <a:picLocks noChangeAspect="1"/>
+          </p:cNvPicPr>
+          <p:nvPr/>
+        </p:nvPicPr>
+        <p:blipFill>
+          <a:blip r:embed="rId3"/>
+          <a:stretch>
+            <a:fillRect/>
+          </a:stretch>
+        </p:blipFill>
+        <p:spPr>
+          <a:xfrm>
+            <a:off x="9190759" y="618836"/>
+            <a:ext cx="2792177" cy="4977678"/>
+          </a:xfrm>
+          <a:prstGeom prst="rect">
+            <a:avLst/>
+          </a:prstGeom>
+        </p:spPr>
+      </p:pic>
     </p:spTree>
     <p:extLst>
       <p:ext uri="{BB962C8B-B14F-4D97-AF65-F5344CB8AC3E}">
@@ -5781,6 +6134,100 @@
     <p:extLst>
       <p:ext uri="{BB962C8B-B14F-4D97-AF65-F5344CB8AC3E}">
         <p14:creationId xmlns:p14="http://schemas.microsoft.com/office/powerpoint/2010/main" val="127141065"/>
+      </p:ext>
+    </p:extLst>
+  </p:cSld>
+  <p:clrMapOvr>
+    <a:masterClrMapping/>
+  </p:clrMapOvr>
+</p:sld>
+</file>
+
+<file path=ppt/slides/slide20.xml><?xml version="1.0" encoding="utf-8"?>
+<p:sld xmlns:a="http://schemas.openxmlformats.org/drawingml/2006/main" xmlns:r="http://schemas.openxmlformats.org/officeDocument/2006/relationships" xmlns:p="http://schemas.openxmlformats.org/presentationml/2006/main">
+  <p:cSld>
+    <p:spTree>
+      <p:nvGrpSpPr>
+        <p:cNvPr id="1" name=""/>
+        <p:cNvGrpSpPr/>
+        <p:nvPr/>
+      </p:nvGrpSpPr>
+      <p:grpSpPr>
+        <a:xfrm>
+          <a:off x="0" y="0"/>
+          <a:ext cx="0" cy="0"/>
+          <a:chOff x="0" y="0"/>
+          <a:chExt cx="0" cy="0"/>
+        </a:xfrm>
+      </p:grpSpPr>
+      <p:sp>
+        <p:nvSpPr>
+          <p:cNvPr id="2" name="Tittel 1"/>
+          <p:cNvSpPr>
+            <a:spLocks noGrp="1"/>
+          </p:cNvSpPr>
+          <p:nvPr>
+            <p:ph type="title"/>
+          </p:nvPr>
+        </p:nvSpPr>
+        <p:spPr/>
+        <p:txBody>
+          <a:bodyPr/>
+          <a:lstStyle/>
+          <a:p>
+            <a:r>
+              <a:rPr lang="nb-NO" dirty="0" smtClean="0"/>
+              <a:t>Oppgave  5</a:t>
+            </a:r>
+            <a:endParaRPr lang="nb-NO" dirty="0"/>
+          </a:p>
+        </p:txBody>
+      </p:sp>
+      <p:sp>
+        <p:nvSpPr>
+          <p:cNvPr id="3" name="Plassholder for innhold 2"/>
+          <p:cNvSpPr>
+            <a:spLocks noGrp="1"/>
+          </p:cNvSpPr>
+          <p:nvPr>
+            <p:ph idx="1"/>
+          </p:nvPr>
+        </p:nvSpPr>
+        <p:spPr/>
+        <p:txBody>
+          <a:bodyPr/>
+          <a:lstStyle/>
+          <a:p>
+            <a:r>
+              <a:rPr lang="nb-NO" dirty="0" smtClean="0"/>
+              <a:t>Legg inn </a:t>
+            </a:r>
+            <a:r>
+              <a:rPr lang="nb-NO" dirty="0" err="1" smtClean="0"/>
+              <a:t>speech</a:t>
+            </a:r>
+            <a:r>
+              <a:rPr lang="nb-NO" dirty="0" smtClean="0"/>
+              <a:t> to </a:t>
+            </a:r>
+            <a:r>
+              <a:rPr lang="nb-NO" dirty="0" err="1" smtClean="0"/>
+              <a:t>text</a:t>
+            </a:r>
+            <a:r>
+              <a:rPr lang="nb-NO" dirty="0" smtClean="0"/>
+              <a:t> integrasjon</a:t>
+            </a:r>
+          </a:p>
+          <a:p>
+            <a:endParaRPr lang="nb-NO" dirty="0"/>
+          </a:p>
+        </p:txBody>
+      </p:sp>
+    </p:spTree>
+    <p:extLst>
+      <p:ext uri="{BB962C8B-B14F-4D97-AF65-F5344CB8AC3E}">
+        <p14:creationId xmlns:p14="http://schemas.microsoft.com/office/powerpoint/2010/main" val="1426241631"/>
       </p:ext>
     </p:extLst>
   </p:cSld>

--- a/Ionic 2 workshop/Ionic 2 workshop.pptx
+++ b/Ionic 2 workshop/Ionic 2 workshop.pptx
@@ -5,7 +5,7 @@
     <p:sldMasterId id="2147483660" r:id="rId1"/>
   </p:sldMasterIdLst>
   <p:notesMasterIdLst>
-    <p:notesMasterId r:id="rId22"/>
+    <p:notesMasterId r:id="rId23"/>
   </p:notesMasterIdLst>
   <p:sldIdLst>
     <p:sldId id="256" r:id="rId2"/>
@@ -27,7 +27,8 @@
     <p:sldId id="268" r:id="rId18"/>
     <p:sldId id="274" r:id="rId19"/>
     <p:sldId id="271" r:id="rId20"/>
-    <p:sldId id="275" r:id="rId21"/>
+    <p:sldId id="276" r:id="rId21"/>
+    <p:sldId id="275" r:id="rId22"/>
   </p:sldIdLst>
   <p:sldSz cx="12192000" cy="6858000"/>
   <p:notesSz cx="6858000" cy="9144000"/>
@@ -528,87 +529,7 @@
           <a:bodyPr/>
           <a:lstStyle/>
           <a:p>
-            <a:r>
-              <a:rPr lang="nb-NO" dirty="0" smtClean="0"/>
-              <a:t>Bruk F12</a:t>
-            </a:r>
-            <a:r>
-              <a:rPr lang="nb-NO" baseline="0" dirty="0" smtClean="0"/>
-              <a:t> og </a:t>
-            </a:r>
-            <a:r>
-              <a:rPr lang="nb-NO" baseline="0" dirty="0" err="1" smtClean="0"/>
-              <a:t>device</a:t>
-            </a:r>
-            <a:r>
-              <a:rPr lang="nb-NO" baseline="0" dirty="0" smtClean="0"/>
-              <a:t> hvis man ikke vil kjøre det på mobilen.</a:t>
-            </a:r>
-          </a:p>
-          <a:p>
-            <a:endParaRPr lang="nb-NO" baseline="0" dirty="0" smtClean="0"/>
-          </a:p>
-          <a:p>
-            <a:r>
-              <a:rPr lang="nb-NO" baseline="0" dirty="0" smtClean="0"/>
-              <a:t>Vis fram prosjektstruktur</a:t>
-            </a:r>
-          </a:p>
-          <a:p>
-            <a:pPr marL="171450" indent="-171450">
-              <a:buFontTx/>
-              <a:buChar char="-"/>
-            </a:pPr>
-            <a:r>
-              <a:rPr lang="nb-NO" baseline="0" dirty="0" smtClean="0"/>
-              <a:t>Pages</a:t>
-            </a:r>
-          </a:p>
-          <a:p>
-            <a:pPr marL="171450" indent="-171450">
-              <a:buFontTx/>
-              <a:buChar char="-"/>
-            </a:pPr>
-            <a:r>
-              <a:rPr lang="nb-NO" baseline="0" dirty="0" err="1" smtClean="0"/>
-              <a:t>Root</a:t>
-            </a:r>
-            <a:r>
-              <a:rPr lang="nb-NO" baseline="0" dirty="0" smtClean="0"/>
-              <a:t> </a:t>
-            </a:r>
-            <a:r>
-              <a:rPr lang="nb-NO" baseline="0" dirty="0" err="1" smtClean="0"/>
-              <a:t>component</a:t>
-            </a:r>
-            <a:r>
-              <a:rPr lang="nb-NO" baseline="0" dirty="0" smtClean="0"/>
-              <a:t> under app.html</a:t>
-            </a:r>
-            <a:r>
-              <a:rPr lang="nb-NO" baseline="0" dirty="0"/>
-              <a:t> </a:t>
-            </a:r>
-            <a:r>
-              <a:rPr lang="nb-NO" baseline="0" dirty="0" smtClean="0"/>
-              <a:t>og </a:t>
-            </a:r>
-            <a:r>
-              <a:rPr lang="nb-NO" baseline="0" dirty="0" err="1" smtClean="0"/>
-              <a:t>app.module</a:t>
-            </a:r>
-            <a:r>
-              <a:rPr lang="nb-NO" baseline="0" dirty="0" smtClean="0"/>
-              <a:t> </a:t>
-            </a:r>
-            <a:r>
-              <a:rPr lang="nb-NO" baseline="0" dirty="0" err="1" smtClean="0"/>
-              <a:t>route</a:t>
-            </a:r>
-            <a:r>
-              <a:rPr lang="nb-NO" baseline="0" dirty="0" smtClean="0"/>
-              <a:t>.</a:t>
-            </a:r>
+            <a:endParaRPr lang="nb-NO" dirty="0"/>
           </a:p>
         </p:txBody>
       </p:sp>
@@ -629,7 +550,7 @@
           <a:p>
             <a:fld id="{6BEA58FB-0425-4043-8123-60513F4596AE}" type="slidenum">
               <a:rPr lang="nb-NO" smtClean="0"/>
-              <a:t>13</a:t>
+              <a:t>10</a:t>
             </a:fld>
             <a:endParaRPr lang="nb-NO"/>
           </a:p>
@@ -638,7 +559,7 @@
     </p:spTree>
     <p:extLst>
       <p:ext uri="{BB962C8B-B14F-4D97-AF65-F5344CB8AC3E}">
-        <p14:creationId xmlns:p14="http://schemas.microsoft.com/office/powerpoint/2010/main" val="3617479764"/>
+        <p14:creationId xmlns:p14="http://schemas.microsoft.com/office/powerpoint/2010/main" val="3966976013"/>
       </p:ext>
     </p:extLst>
   </p:cSld>
@@ -692,7 +613,87 @@
           <a:bodyPr/>
           <a:lstStyle/>
           <a:p>
-            <a:endParaRPr lang="nb-NO" dirty="0"/>
+            <a:r>
+              <a:rPr lang="nb-NO" dirty="0" smtClean="0"/>
+              <a:t>Bruk F12</a:t>
+            </a:r>
+            <a:r>
+              <a:rPr lang="nb-NO" baseline="0" dirty="0" smtClean="0"/>
+              <a:t> og </a:t>
+            </a:r>
+            <a:r>
+              <a:rPr lang="nb-NO" baseline="0" dirty="0" err="1" smtClean="0"/>
+              <a:t>device</a:t>
+            </a:r>
+            <a:r>
+              <a:rPr lang="nb-NO" baseline="0" dirty="0" smtClean="0"/>
+              <a:t> hvis man ikke vil kjøre det på mobilen.</a:t>
+            </a:r>
+          </a:p>
+          <a:p>
+            <a:endParaRPr lang="nb-NO" baseline="0" dirty="0" smtClean="0"/>
+          </a:p>
+          <a:p>
+            <a:r>
+              <a:rPr lang="nb-NO" baseline="0" dirty="0" smtClean="0"/>
+              <a:t>Vis fram prosjektstruktur</a:t>
+            </a:r>
+          </a:p>
+          <a:p>
+            <a:pPr marL="171450" indent="-171450">
+              <a:buFontTx/>
+              <a:buChar char="-"/>
+            </a:pPr>
+            <a:r>
+              <a:rPr lang="nb-NO" baseline="0" dirty="0" smtClean="0"/>
+              <a:t>Pages</a:t>
+            </a:r>
+          </a:p>
+          <a:p>
+            <a:pPr marL="171450" indent="-171450">
+              <a:buFontTx/>
+              <a:buChar char="-"/>
+            </a:pPr>
+            <a:r>
+              <a:rPr lang="nb-NO" baseline="0" dirty="0" err="1" smtClean="0"/>
+              <a:t>Root</a:t>
+            </a:r>
+            <a:r>
+              <a:rPr lang="nb-NO" baseline="0" dirty="0" smtClean="0"/>
+              <a:t> </a:t>
+            </a:r>
+            <a:r>
+              <a:rPr lang="nb-NO" baseline="0" dirty="0" err="1" smtClean="0"/>
+              <a:t>component</a:t>
+            </a:r>
+            <a:r>
+              <a:rPr lang="nb-NO" baseline="0" dirty="0" smtClean="0"/>
+              <a:t> under app.html</a:t>
+            </a:r>
+            <a:r>
+              <a:rPr lang="nb-NO" baseline="0" dirty="0"/>
+              <a:t> </a:t>
+            </a:r>
+            <a:r>
+              <a:rPr lang="nb-NO" baseline="0" dirty="0" smtClean="0"/>
+              <a:t>og </a:t>
+            </a:r>
+            <a:r>
+              <a:rPr lang="nb-NO" baseline="0" dirty="0" err="1" smtClean="0"/>
+              <a:t>app.module</a:t>
+            </a:r>
+            <a:r>
+              <a:rPr lang="nb-NO" baseline="0" dirty="0" smtClean="0"/>
+              <a:t> </a:t>
+            </a:r>
+            <a:r>
+              <a:rPr lang="nb-NO" baseline="0" dirty="0" err="1" smtClean="0"/>
+              <a:t>route</a:t>
+            </a:r>
+            <a:r>
+              <a:rPr lang="nb-NO" baseline="0" dirty="0" smtClean="0"/>
+              <a:t>.</a:t>
+            </a:r>
           </a:p>
         </p:txBody>
       </p:sp>
@@ -713,7 +714,7 @@
           <a:p>
             <a:fld id="{6BEA58FB-0425-4043-8123-60513F4596AE}" type="slidenum">
               <a:rPr lang="nb-NO" smtClean="0"/>
-              <a:t>15</a:t>
+              <a:t>13</a:t>
             </a:fld>
             <a:endParaRPr lang="nb-NO"/>
           </a:p>
@@ -722,7 +723,7 @@
     </p:spTree>
     <p:extLst>
       <p:ext uri="{BB962C8B-B14F-4D97-AF65-F5344CB8AC3E}">
-        <p14:creationId xmlns:p14="http://schemas.microsoft.com/office/powerpoint/2010/main" val="3382720617"/>
+        <p14:creationId xmlns:p14="http://schemas.microsoft.com/office/powerpoint/2010/main" val="3617479764"/>
       </p:ext>
     </p:extLst>
   </p:cSld>
@@ -776,6 +777,90 @@
           <a:bodyPr/>
           <a:lstStyle/>
           <a:p>
+            <a:endParaRPr lang="nb-NO" dirty="0"/>
+          </a:p>
+        </p:txBody>
+      </p:sp>
+      <p:sp>
+        <p:nvSpPr>
+          <p:cNvPr id="4" name="Plassholder for lysbildenummer 3"/>
+          <p:cNvSpPr>
+            <a:spLocks noGrp="1"/>
+          </p:cNvSpPr>
+          <p:nvPr>
+            <p:ph type="sldNum" sz="quarter" idx="10"/>
+          </p:nvPr>
+        </p:nvSpPr>
+        <p:spPr/>
+        <p:txBody>
+          <a:bodyPr/>
+          <a:lstStyle/>
+          <a:p>
+            <a:fld id="{6BEA58FB-0425-4043-8123-60513F4596AE}" type="slidenum">
+              <a:rPr lang="nb-NO" smtClean="0"/>
+              <a:t>15</a:t>
+            </a:fld>
+            <a:endParaRPr lang="nb-NO"/>
+          </a:p>
+        </p:txBody>
+      </p:sp>
+    </p:spTree>
+    <p:extLst>
+      <p:ext uri="{BB962C8B-B14F-4D97-AF65-F5344CB8AC3E}">
+        <p14:creationId xmlns:p14="http://schemas.microsoft.com/office/powerpoint/2010/main" val="3382720617"/>
+      </p:ext>
+    </p:extLst>
+  </p:cSld>
+  <p:clrMapOvr>
+    <a:masterClrMapping/>
+  </p:clrMapOvr>
+</p:notes>
+</file>
+
+<file path=ppt/notesSlides/notesSlide4.xml><?xml version="1.0" encoding="utf-8"?>
+<p:notes xmlns:a="http://schemas.openxmlformats.org/drawingml/2006/main" xmlns:r="http://schemas.openxmlformats.org/officeDocument/2006/relationships" xmlns:p="http://schemas.openxmlformats.org/presentationml/2006/main">
+  <p:cSld>
+    <p:spTree>
+      <p:nvGrpSpPr>
+        <p:cNvPr id="1" name=""/>
+        <p:cNvGrpSpPr/>
+        <p:nvPr/>
+      </p:nvGrpSpPr>
+      <p:grpSpPr>
+        <a:xfrm>
+          <a:off x="0" y="0"/>
+          <a:ext cx="0" cy="0"/>
+          <a:chOff x="0" y="0"/>
+          <a:chExt cx="0" cy="0"/>
+        </a:xfrm>
+      </p:grpSpPr>
+      <p:sp>
+        <p:nvSpPr>
+          <p:cNvPr id="2" name="Plassholder for lysbilde 1"/>
+          <p:cNvSpPr>
+            <a:spLocks noGrp="1" noRot="1" noChangeAspect="1"/>
+          </p:cNvSpPr>
+          <p:nvPr>
+            <p:ph type="sldImg"/>
+          </p:nvPr>
+        </p:nvSpPr>
+        <p:spPr/>
+      </p:sp>
+      <p:sp>
+        <p:nvSpPr>
+          <p:cNvPr id="3" name="Plassholder for notater 2"/>
+          <p:cNvSpPr>
+            <a:spLocks noGrp="1"/>
+          </p:cNvSpPr>
+          <p:nvPr>
+            <p:ph type="body" idx="1"/>
+          </p:nvPr>
+        </p:nvSpPr>
+        <p:spPr/>
+        <p:txBody>
+          <a:bodyPr/>
+          <a:lstStyle/>
+          <a:p>
             <a:r>
               <a:rPr lang="nb-NO" dirty="0" smtClean="0"/>
               <a:t>Hva er en </a:t>
@@ -830,7 +915,7 @@
 </p:notes>
 </file>
 
-<file path=ppt/notesSlides/notesSlide4.xml><?xml version="1.0" encoding="utf-8"?>
+<file path=ppt/notesSlides/notesSlide5.xml><?xml version="1.0" encoding="utf-8"?>
 <p:notes xmlns:a="http://schemas.openxmlformats.org/drawingml/2006/main" xmlns:r="http://schemas.openxmlformats.org/officeDocument/2006/relationships" xmlns:p="http://schemas.openxmlformats.org/presentationml/2006/main">
   <p:cSld>
     <p:spTree>
@@ -4368,7 +4453,9 @@
         </p:nvSpPr>
         <p:spPr/>
         <p:txBody>
-          <a:bodyPr/>
+          <a:bodyPr>
+            <a:normAutofit lnSpcReduction="10000"/>
+          </a:bodyPr>
           <a:lstStyle/>
           <a:p>
             <a:r>
@@ -4429,19 +4516,19 @@
             <a:pPr lvl="1"/>
             <a:r>
               <a:rPr lang="nb-NO" dirty="0" smtClean="0">
-                <a:hlinkClick r:id="rId2"/>
+                <a:hlinkClick r:id="rId3"/>
               </a:rPr>
               <a:t>https</a:t>
             </a:r>
             <a:r>
               <a:rPr lang="nb-NO" dirty="0">
-                <a:hlinkClick r:id="rId2"/>
+                <a:hlinkClick r:id="rId3"/>
               </a:rPr>
               <a:t>://</a:t>
             </a:r>
             <a:r>
               <a:rPr lang="nb-NO" dirty="0" smtClean="0">
-                <a:hlinkClick r:id="rId2"/>
+                <a:hlinkClick r:id="rId3"/>
               </a:rPr>
               <a:t>github.com/stiasta/foredrag</a:t>
             </a:r>
@@ -4482,6 +4569,48 @@
             <a:r>
               <a:rPr lang="nb-NO" dirty="0" err="1" smtClean="0"/>
               <a:t>install</a:t>
+            </a:r>
+            <a:r>
+              <a:rPr lang="nb-NO" dirty="0" smtClean="0"/>
+              <a:t> </a:t>
+            </a:r>
+          </a:p>
+          <a:p>
+            <a:pPr lvl="1"/>
+            <a:endParaRPr lang="nb-NO" dirty="0"/>
+          </a:p>
+          <a:p>
+            <a:pPr lvl="1"/>
+            <a:r>
+              <a:rPr lang="nb-NO" dirty="0">
+                <a:hlinkClick r:id="rId4"/>
+              </a:rPr>
+              <a:t>https://</a:t>
+            </a:r>
+            <a:r>
+              <a:rPr lang="nb-NO" dirty="0" smtClean="0">
+                <a:hlinkClick r:id="rId4"/>
+              </a:rPr>
+              <a:t>angular.io/docs/ts/latest/guide/cheatsheet.html</a:t>
+            </a:r>
+            <a:r>
+              <a:rPr lang="nb-NO" dirty="0" smtClean="0"/>
+              <a:t> </a:t>
+            </a:r>
+          </a:p>
+          <a:p>
+            <a:pPr lvl="1"/>
+            <a:r>
+              <a:rPr lang="nb-NO" dirty="0">
+                <a:hlinkClick r:id="rId5"/>
+              </a:rPr>
+              <a:t>https://</a:t>
+            </a:r>
+            <a:r>
+              <a:rPr lang="nb-NO" dirty="0" smtClean="0">
+                <a:hlinkClick r:id="rId5"/>
+              </a:rPr>
+              <a:t>ionicframework.com/docs/v2/components</a:t>
             </a:r>
             <a:r>
               <a:rPr lang="nb-NO" dirty="0" smtClean="0"/>
@@ -6144,6 +6273,143 @@
 </file>
 
 <file path=ppt/slides/slide20.xml><?xml version="1.0" encoding="utf-8"?>
+<p:sld xmlns:a="http://schemas.openxmlformats.org/drawingml/2006/main" xmlns:r="http://schemas.openxmlformats.org/officeDocument/2006/relationships" xmlns:p="http://schemas.openxmlformats.org/presentationml/2006/main">
+  <p:cSld>
+    <p:spTree>
+      <p:nvGrpSpPr>
+        <p:cNvPr id="1" name=""/>
+        <p:cNvGrpSpPr/>
+        <p:nvPr/>
+      </p:nvGrpSpPr>
+      <p:grpSpPr>
+        <a:xfrm>
+          <a:off x="0" y="0"/>
+          <a:ext cx="0" cy="0"/>
+          <a:chOff x="0" y="0"/>
+          <a:chExt cx="0" cy="0"/>
+        </a:xfrm>
+      </p:grpSpPr>
+      <p:sp>
+        <p:nvSpPr>
+          <p:cNvPr id="2" name="Tittel 1"/>
+          <p:cNvSpPr>
+            <a:spLocks noGrp="1"/>
+          </p:cNvSpPr>
+          <p:nvPr>
+            <p:ph type="title"/>
+          </p:nvPr>
+        </p:nvSpPr>
+        <p:spPr/>
+        <p:txBody>
+          <a:bodyPr/>
+          <a:lstStyle/>
+          <a:p>
+            <a:r>
+              <a:rPr lang="nb-NO" dirty="0" smtClean="0"/>
+              <a:t>Native integrasjon</a:t>
+            </a:r>
+            <a:endParaRPr lang="nb-NO" dirty="0"/>
+          </a:p>
+        </p:txBody>
+      </p:sp>
+      <p:sp>
+        <p:nvSpPr>
+          <p:cNvPr id="3" name="Plassholder for innhold 2"/>
+          <p:cNvSpPr>
+            <a:spLocks noGrp="1"/>
+          </p:cNvSpPr>
+          <p:nvPr>
+            <p:ph idx="1"/>
+          </p:nvPr>
+        </p:nvSpPr>
+        <p:spPr/>
+        <p:txBody>
+          <a:bodyPr/>
+          <a:lstStyle/>
+          <a:p>
+            <a:r>
+              <a:rPr lang="nb-NO" dirty="0" smtClean="0"/>
+              <a:t>Bruker </a:t>
+            </a:r>
+            <a:r>
+              <a:rPr lang="nb-NO" dirty="0" err="1" smtClean="0"/>
+              <a:t>cordova</a:t>
+            </a:r>
+            <a:r>
+              <a:rPr lang="nb-NO" dirty="0" smtClean="0"/>
+              <a:t> </a:t>
+            </a:r>
+            <a:r>
+              <a:rPr lang="nb-NO" dirty="0" err="1" smtClean="0"/>
+              <a:t>plugin</a:t>
+            </a:r>
+            <a:r>
+              <a:rPr lang="nb-NO" dirty="0" smtClean="0"/>
+              <a:t> i bunnen</a:t>
+            </a:r>
+          </a:p>
+          <a:p>
+            <a:r>
+              <a:rPr lang="nb-NO" dirty="0" smtClean="0"/>
+              <a:t>Kommando for å installere</a:t>
+            </a:r>
+          </a:p>
+          <a:p>
+            <a:pPr lvl="1"/>
+            <a:r>
+              <a:rPr lang="nb-NO" dirty="0" err="1"/>
+              <a:t>ionic</a:t>
+            </a:r>
+            <a:r>
+              <a:rPr lang="nb-NO" dirty="0"/>
+              <a:t> </a:t>
+            </a:r>
+            <a:r>
+              <a:rPr lang="nb-NO" dirty="0" err="1"/>
+              <a:t>plugin</a:t>
+            </a:r>
+            <a:r>
+              <a:rPr lang="nb-NO" dirty="0"/>
+              <a:t> </a:t>
+            </a:r>
+            <a:r>
+              <a:rPr lang="nb-NO" dirty="0" err="1"/>
+              <a:t>add</a:t>
+            </a:r>
+            <a:r>
+              <a:rPr lang="nb-NO" dirty="0"/>
+              <a:t> </a:t>
+            </a:r>
+            <a:r>
+              <a:rPr lang="nb-NO" dirty="0" smtClean="0"/>
+              <a:t>[</a:t>
+            </a:r>
+            <a:r>
+              <a:rPr lang="nb-NO" dirty="0" err="1" smtClean="0"/>
+              <a:t>plugin</a:t>
+            </a:r>
+            <a:r>
+              <a:rPr lang="nb-NO"/>
+              <a:t>]</a:t>
+            </a:r>
+            <a:endParaRPr lang="nb-NO" dirty="0"/>
+          </a:p>
+        </p:txBody>
+      </p:sp>
+    </p:spTree>
+    <p:extLst>
+      <p:ext uri="{BB962C8B-B14F-4D97-AF65-F5344CB8AC3E}">
+        <p14:creationId xmlns:p14="http://schemas.microsoft.com/office/powerpoint/2010/main" val="3647246771"/>
+      </p:ext>
+    </p:extLst>
+  </p:cSld>
+  <p:clrMapOvr>
+    <a:masterClrMapping/>
+  </p:clrMapOvr>
+</p:sld>
+</file>
+
+<file path=ppt/slides/slide21.xml><?xml version="1.0" encoding="utf-8"?>
 <p:sld xmlns:a="http://schemas.openxmlformats.org/drawingml/2006/main" xmlns:r="http://schemas.openxmlformats.org/officeDocument/2006/relationships" xmlns:p="http://schemas.openxmlformats.org/presentationml/2006/main">
   <p:cSld>
     <p:spTree>

--- a/Ionic 2 workshop/Ionic 2 workshop.pptx
+++ b/Ionic 2 workshop/Ionic 2 workshop.pptx
@@ -217,7 +217,7 @@
           <a:p>
             <a:fld id="{A5543B18-9950-4402-830C-70DFF55A9D6A}" type="datetimeFigureOut">
               <a:rPr lang="nb-NO" smtClean="0"/>
-              <a:t>06.03.2017</a:t>
+              <a:t>11.03.2017</a:t>
             </a:fld>
             <a:endParaRPr lang="nb-NO"/>
           </a:p>
@@ -870,12 +870,12 @@
               <a:t>webkomponent</a:t>
             </a:r>
             <a:r>
-              <a:rPr lang="nb-NO" dirty="0" smtClean="0"/>
+              <a:rPr lang="nb-NO" smtClean="0"/>
               <a:t>?</a:t>
             </a:r>
           </a:p>
           <a:p>
-            <a:endParaRPr lang="nb-NO" dirty="0"/>
+            <a:endParaRPr lang="nb-NO"/>
           </a:p>
         </p:txBody>
       </p:sp>
@@ -1434,7 +1434,7 @@
           <a:p>
             <a:fld id="{952976F7-1A1B-47BF-994D-21B9772F57A5}" type="datetimeFigureOut">
               <a:rPr lang="nb-NO" smtClean="0"/>
-              <a:t>06.03.2017</a:t>
+              <a:t>11.03.2017</a:t>
             </a:fld>
             <a:endParaRPr lang="nb-NO"/>
           </a:p>
@@ -1817,7 +1817,7 @@
           <a:p>
             <a:fld id="{952976F7-1A1B-47BF-994D-21B9772F57A5}" type="datetimeFigureOut">
               <a:rPr lang="nb-NO" smtClean="0"/>
-              <a:t>06.03.2017</a:t>
+              <a:t>11.03.2017</a:t>
             </a:fld>
             <a:endParaRPr lang="nb-NO"/>
           </a:p>
@@ -2089,7 +2089,7 @@
           <a:p>
             <a:fld id="{952976F7-1A1B-47BF-994D-21B9772F57A5}" type="datetimeFigureOut">
               <a:rPr lang="nb-NO" smtClean="0"/>
-              <a:t>06.03.2017</a:t>
+              <a:t>11.03.2017</a:t>
             </a:fld>
             <a:endParaRPr lang="nb-NO"/>
           </a:p>
@@ -2347,7 +2347,7 @@
           <a:p>
             <a:fld id="{952976F7-1A1B-47BF-994D-21B9772F57A5}" type="datetimeFigureOut">
               <a:rPr lang="nb-NO" smtClean="0"/>
-              <a:t>06.03.2017</a:t>
+              <a:t>11.03.2017</a:t>
             </a:fld>
             <a:endParaRPr lang="nb-NO"/>
           </a:p>
@@ -2752,7 +2752,7 @@
           <a:p>
             <a:fld id="{952976F7-1A1B-47BF-994D-21B9772F57A5}" type="datetimeFigureOut">
               <a:rPr lang="nb-NO" smtClean="0"/>
-              <a:t>06.03.2017</a:t>
+              <a:t>11.03.2017</a:t>
             </a:fld>
             <a:endParaRPr lang="nb-NO"/>
           </a:p>
@@ -2896,7 +2896,7 @@
           <a:p>
             <a:fld id="{952976F7-1A1B-47BF-994D-21B9772F57A5}" type="datetimeFigureOut">
               <a:rPr lang="nb-NO" smtClean="0"/>
-              <a:t>06.03.2017</a:t>
+              <a:t>11.03.2017</a:t>
             </a:fld>
             <a:endParaRPr lang="nb-NO"/>
           </a:p>
@@ -3017,7 +3017,7 @@
           <a:p>
             <a:fld id="{952976F7-1A1B-47BF-994D-21B9772F57A5}" type="datetimeFigureOut">
               <a:rPr lang="nb-NO" smtClean="0"/>
-              <a:t>06.03.2017</a:t>
+              <a:t>11.03.2017</a:t>
             </a:fld>
             <a:endParaRPr lang="nb-NO"/>
           </a:p>
@@ -3320,7 +3320,7 @@
           <a:p>
             <a:fld id="{952976F7-1A1B-47BF-994D-21B9772F57A5}" type="datetimeFigureOut">
               <a:rPr lang="nb-NO" smtClean="0"/>
-              <a:t>06.03.2017</a:t>
+              <a:t>11.03.2017</a:t>
             </a:fld>
             <a:endParaRPr lang="nb-NO"/>
           </a:p>
@@ -3603,7 +3603,7 @@
           <a:p>
             <a:fld id="{952976F7-1A1B-47BF-994D-21B9772F57A5}" type="datetimeFigureOut">
               <a:rPr lang="nb-NO" smtClean="0"/>
-              <a:t>06.03.2017</a:t>
+              <a:t>11.03.2017</a:t>
             </a:fld>
             <a:endParaRPr lang="nb-NO"/>
           </a:p>
@@ -3945,7 +3945,7 @@
           <a:p>
             <a:fld id="{952976F7-1A1B-47BF-994D-21B9772F57A5}" type="datetimeFigureOut">
               <a:rPr lang="nb-NO" smtClean="0"/>
-              <a:t>06.03.2017</a:t>
+              <a:t>11.03.2017</a:t>
             </a:fld>
             <a:endParaRPr lang="nb-NO"/>
           </a:p>
@@ -4616,7 +4616,6 @@
               <a:rPr lang="nb-NO" dirty="0" smtClean="0"/>
               <a:t> </a:t>
             </a:r>
-            <a:endParaRPr lang="nb-NO" dirty="0" smtClean="0"/>
           </a:p>
         </p:txBody>
       </p:sp>
@@ -5227,25 +5226,56 @@
           </a:p>
         </p:txBody>
       </p:sp>
-      <p:sp>
-        <p:nvSpPr>
-          <p:cNvPr id="3" name="Plassholder for innhold 2"/>
-          <p:cNvSpPr>
-            <a:spLocks noGrp="1"/>
-          </p:cNvSpPr>
+      <p:pic>
+        <p:nvPicPr>
+          <p:cNvPr id="4" name="Plassholder for innhold 3"/>
+          <p:cNvPicPr>
+            <a:picLocks noGrp="1" noChangeAspect="1"/>
+          </p:cNvPicPr>
           <p:nvPr>
             <p:ph idx="1"/>
           </p:nvPr>
-        </p:nvSpPr>
-        <p:spPr/>
-        <p:txBody>
-          <a:bodyPr/>
-          <a:lstStyle/>
-          <a:p>
-            <a:endParaRPr lang="nb-NO"/>
-          </a:p>
-        </p:txBody>
-      </p:sp>
+        </p:nvPicPr>
+        <p:blipFill>
+          <a:blip r:embed="rId2"/>
+          <a:stretch>
+            <a:fillRect/>
+          </a:stretch>
+        </p:blipFill>
+        <p:spPr>
+          <a:xfrm>
+            <a:off x="1446360" y="2148408"/>
+            <a:ext cx="5136196" cy="2553791"/>
+          </a:xfrm>
+          <a:prstGeom prst="rect">
+            <a:avLst/>
+          </a:prstGeom>
+        </p:spPr>
+      </p:pic>
+      <p:pic>
+        <p:nvPicPr>
+          <p:cNvPr id="5" name="Bilde 4"/>
+          <p:cNvPicPr>
+            <a:picLocks noChangeAspect="1"/>
+          </p:cNvPicPr>
+          <p:nvPr/>
+        </p:nvPicPr>
+        <p:blipFill>
+          <a:blip r:embed="rId3"/>
+          <a:stretch>
+            <a:fillRect/>
+          </a:stretch>
+        </p:blipFill>
+        <p:spPr>
+          <a:xfrm>
+            <a:off x="7604445" y="2339999"/>
+            <a:ext cx="3209925" cy="2362200"/>
+          </a:xfrm>
+          <a:prstGeom prst="rect">
+            <a:avLst/>
+          </a:prstGeom>
+        </p:spPr>
+      </p:pic>
     </p:spTree>
     <p:extLst>
       <p:ext uri="{BB962C8B-B14F-4D97-AF65-F5344CB8AC3E}">
@@ -5314,7 +5344,40 @@
           <a:bodyPr/>
           <a:lstStyle/>
           <a:p>
-            <a:endParaRPr lang="nb-NO"/>
+            <a:r>
+              <a:rPr lang="nb-NO" dirty="0" smtClean="0"/>
+              <a:t>«Kommuniserer med </a:t>
+            </a:r>
+            <a:r>
+              <a:rPr lang="nb-NO" dirty="0" err="1" smtClean="0"/>
+              <a:t>HTML’en</a:t>
+            </a:r>
+            <a:endParaRPr lang="nb-NO" dirty="0" smtClean="0"/>
+          </a:p>
+          <a:p>
+            <a:r>
+              <a:rPr lang="nb-NO" dirty="0" smtClean="0"/>
+              <a:t>Binder HTML og </a:t>
+            </a:r>
+            <a:r>
+              <a:rPr lang="nb-NO" dirty="0" err="1" smtClean="0"/>
+              <a:t>javascript</a:t>
+            </a:r>
+            <a:r>
+              <a:rPr lang="nb-NO" dirty="0"/>
+              <a:t> </a:t>
+            </a:r>
+            <a:r>
+              <a:rPr lang="nb-NO" dirty="0" smtClean="0"/>
+              <a:t>sammen</a:t>
+            </a:r>
+          </a:p>
+          <a:p>
+            <a:r>
+              <a:rPr lang="nb-NO" dirty="0" smtClean="0"/>
+              <a:t>Kan ha underkomponenter</a:t>
+            </a:r>
+            <a:endParaRPr lang="nb-NO" dirty="0"/>
           </a:p>
         </p:txBody>
       </p:sp>
@@ -5848,11 +5911,7 @@
           <a:p>
             <a:r>
               <a:rPr lang="nb-NO" dirty="0" smtClean="0"/>
-              <a:t>Lag </a:t>
-            </a:r>
-            <a:r>
-              <a:rPr lang="nb-NO" dirty="0" smtClean="0"/>
-              <a:t>en service som kalles </a:t>
+              <a:t>Lag en service som kalles </a:t>
             </a:r>
             <a:r>
               <a:rPr lang="nb-NO" dirty="0" err="1" smtClean="0"/>
@@ -5881,7 +5940,6 @@
               <a:rPr lang="nb-NO" dirty="0" smtClean="0"/>
               <a:t> input til servicen</a:t>
             </a:r>
-            <a:endParaRPr lang="nb-NO" dirty="0" smtClean="0"/>
           </a:p>
           <a:p>
             <a:r>
@@ -5906,11 +5964,7 @@
             </a:r>
             <a:r>
               <a:rPr lang="nb-NO" dirty="0" smtClean="0"/>
-              <a:t>som nytt </a:t>
-            </a:r>
-            <a:r>
-              <a:rPr lang="nb-NO" dirty="0" smtClean="0"/>
-              <a:t>ion-</a:t>
+              <a:t>som nytt ion-</a:t>
             </a:r>
             <a:r>
               <a:rPr lang="nb-NO" dirty="0" err="1" smtClean="0"/>
@@ -6004,15 +6058,7 @@
             <a:pPr lvl="1"/>
             <a:r>
               <a:rPr lang="nb-NO" dirty="0" smtClean="0"/>
-              <a:t>Gjør slik at </a:t>
-            </a:r>
-            <a:r>
-              <a:rPr lang="nb-NO" dirty="0" smtClean="0"/>
-              <a:t>GUI </a:t>
-            </a:r>
-            <a:r>
-              <a:rPr lang="nb-NO" dirty="0" smtClean="0"/>
-              <a:t>skiller på spørsmål og svar ved å </a:t>
+              <a:t>Gjør slik at GUI skiller på spørsmål og svar ved å </a:t>
             </a:r>
             <a:r>
               <a:rPr lang="nb-NO" dirty="0" err="1" smtClean="0"/>
@@ -6038,7 +6084,6 @@
               <a:rPr lang="nb-NO" dirty="0" smtClean="0"/>
               <a:t> svar.</a:t>
             </a:r>
-            <a:endParaRPr lang="nb-NO" dirty="0" smtClean="0"/>
           </a:p>
         </p:txBody>
       </p:sp>
@@ -6350,12 +6395,29 @@
           </a:p>
           <a:p>
             <a:r>
-              <a:rPr lang="nb-NO" dirty="0" smtClean="0"/>
-              <a:t>Kommando for å installere</a:t>
-            </a:r>
+              <a:rPr lang="nb-NO" dirty="0"/>
+              <a:t>Legg til </a:t>
+            </a:r>
+            <a:r>
+              <a:rPr lang="nb-NO" dirty="0" err="1"/>
+              <a:t>platformer</a:t>
+            </a:r>
+            <a:endParaRPr lang="nb-NO" dirty="0"/>
           </a:p>
           <a:p>
             <a:pPr lvl="1"/>
+            <a:r>
+              <a:rPr lang="nb-NO" dirty="0"/>
+              <a:t>(</a:t>
+            </a:r>
+            <a:r>
+              <a:rPr lang="nb-NO" dirty="0" err="1"/>
+              <a:t>sudo</a:t>
+            </a:r>
+            <a:r>
+              <a:rPr lang="nb-NO" dirty="0"/>
+              <a:t>) </a:t>
+            </a:r>
             <a:r>
               <a:rPr lang="nb-NO" dirty="0" err="1"/>
               <a:t>ionic</a:t>
@@ -6366,7 +6428,7 @@
             </a:r>
             <a:r>
               <a:rPr lang="nb-NO" dirty="0" err="1"/>
-              <a:t>plugin</a:t>
+              <a:t>platform</a:t>
             </a:r>
             <a:r>
               <a:rPr lang="nb-NO" dirty="0"/>
@@ -6378,20 +6440,133 @@
             </a:r>
             <a:r>
               <a:rPr lang="nb-NO" dirty="0"/>
+              <a:t> [</a:t>
+            </a:r>
+            <a:r>
+              <a:rPr lang="nb-NO" dirty="0" err="1"/>
+              <a:t>platform</a:t>
+            </a:r>
+            <a:r>
+              <a:rPr lang="nb-NO" dirty="0"/>
+              <a:t>]</a:t>
+            </a:r>
+          </a:p>
+          <a:p>
+            <a:pPr lvl="2"/>
+            <a:r>
+              <a:rPr lang="nb-NO" dirty="0"/>
+              <a:t>Der </a:t>
+            </a:r>
+            <a:r>
+              <a:rPr lang="nb-NO" dirty="0" err="1"/>
+              <a:t>platform</a:t>
+            </a:r>
+            <a:r>
+              <a:rPr lang="nb-NO" dirty="0"/>
+              <a:t> kan være </a:t>
+            </a:r>
+            <a:r>
+              <a:rPr lang="nb-NO" dirty="0" err="1"/>
+              <a:t>ios</a:t>
+            </a:r>
+            <a:r>
+              <a:rPr lang="nb-NO" dirty="0"/>
+              <a:t>, </a:t>
+            </a:r>
+            <a:r>
+              <a:rPr lang="nb-NO" dirty="0" err="1"/>
+              <a:t>android</a:t>
+            </a:r>
+            <a:r>
+              <a:rPr lang="nb-NO" dirty="0"/>
+              <a:t>, wp8, </a:t>
+            </a:r>
+            <a:r>
+              <a:rPr lang="nb-NO" dirty="0" err="1"/>
+              <a:t>windows</a:t>
+            </a:r>
+            <a:r>
+              <a:rPr lang="nb-NO" dirty="0"/>
+              <a:t>, blackberry10…</a:t>
+            </a:r>
+          </a:p>
+          <a:p>
+            <a:pPr lvl="2"/>
+            <a:r>
+              <a:rPr lang="nb-NO" dirty="0"/>
+              <a:t>Sjekk tilgjengelige </a:t>
+            </a:r>
+            <a:r>
+              <a:rPr lang="nb-NO" dirty="0" err="1"/>
+              <a:t>platformer</a:t>
+            </a:r>
+            <a:r>
+              <a:rPr lang="nb-NO" dirty="0"/>
+              <a:t> med </a:t>
+            </a:r>
+            <a:r>
+              <a:rPr lang="nb-NO" dirty="0" err="1"/>
+              <a:t>ionic</a:t>
+            </a:r>
+            <a:r>
+              <a:rPr lang="nb-NO" dirty="0"/>
               <a:t> </a:t>
             </a:r>
             <a:r>
-              <a:rPr lang="nb-NO" dirty="0" smtClean="0"/>
-              <a:t>[</a:t>
+              <a:rPr lang="nb-NO" dirty="0" err="1"/>
+              <a:t>platform</a:t>
+            </a:r>
+            <a:endParaRPr lang="nb-NO" dirty="0"/>
+          </a:p>
+          <a:p>
+            <a:r>
+              <a:rPr lang="nb-NO" dirty="0" smtClean="0"/>
+              <a:t>Kommando for å installere</a:t>
+            </a:r>
+          </a:p>
+          <a:p>
+            <a:pPr lvl="1"/>
+            <a:r>
+              <a:rPr lang="nb-NO" dirty="0" err="1" smtClean="0"/>
+              <a:t>ionic</a:t>
+            </a:r>
+            <a:r>
+              <a:rPr lang="nb-NO" dirty="0" smtClean="0"/>
+              <a:t> </a:t>
             </a:r>
             <a:r>
               <a:rPr lang="nb-NO" dirty="0" err="1" smtClean="0"/>
               <a:t>plugin</a:t>
             </a:r>
             <a:r>
-              <a:rPr lang="nb-NO"/>
+              <a:rPr lang="nb-NO" dirty="0" smtClean="0"/>
+              <a:t> </a:t>
+            </a:r>
+            <a:r>
+              <a:rPr lang="nb-NO" dirty="0" err="1" smtClean="0"/>
+              <a:t>add</a:t>
+            </a:r>
+            <a:r>
+              <a:rPr lang="nb-NO" dirty="0" smtClean="0"/>
+              <a:t> [</a:t>
+            </a:r>
+            <a:r>
+              <a:rPr lang="nb-NO" dirty="0" err="1" smtClean="0"/>
+              <a:t>plugin</a:t>
+            </a:r>
+            <a:r>
+              <a:rPr lang="nb-NO" dirty="0" smtClean="0"/>
               <a:t>]</a:t>
             </a:r>
+          </a:p>
+          <a:p>
+            <a:pPr lvl="1"/>
+            <a:endParaRPr lang="nb-NO" dirty="0" smtClean="0"/>
+          </a:p>
+          <a:p>
+            <a:pPr marL="457200" lvl="1" indent="0">
+              <a:buNone/>
+            </a:pPr>
             <a:endParaRPr lang="nb-NO" dirty="0"/>
           </a:p>
         </p:txBody>

--- a/Ionic 2 workshop/Ionic 2 workshop.pptx
+++ b/Ionic 2 workshop/Ionic 2 workshop.pptx
@@ -5,7 +5,7 @@
     <p:sldMasterId id="2147483660" r:id="rId1"/>
   </p:sldMasterIdLst>
   <p:notesMasterIdLst>
-    <p:notesMasterId r:id="rId23"/>
+    <p:notesMasterId r:id="rId28"/>
   </p:notesMasterIdLst>
   <p:sldIdLst>
     <p:sldId id="256" r:id="rId2"/>
@@ -29,6 +29,11 @@
     <p:sldId id="271" r:id="rId20"/>
     <p:sldId id="276" r:id="rId21"/>
     <p:sldId id="275" r:id="rId22"/>
+    <p:sldId id="277" r:id="rId23"/>
+    <p:sldId id="278" r:id="rId24"/>
+    <p:sldId id="279" r:id="rId25"/>
+    <p:sldId id="280" r:id="rId26"/>
+    <p:sldId id="281" r:id="rId27"/>
   </p:sldIdLst>
   <p:sldSz cx="12192000" cy="6858000"/>
   <p:notesSz cx="6858000" cy="9144000"/>
@@ -5244,38 +5249,60 @@
         </p:blipFill>
         <p:spPr>
           <a:xfrm>
-            <a:off x="1446360" y="2148408"/>
-            <a:ext cx="5136196" cy="2553791"/>
+            <a:off x="2643420" y="1690688"/>
+            <a:ext cx="6905160" cy="3433346"/>
           </a:xfrm>
           <a:prstGeom prst="rect">
             <a:avLst/>
           </a:prstGeom>
         </p:spPr>
       </p:pic>
-      <p:pic>
-        <p:nvPicPr>
-          <p:cNvPr id="5" name="Bilde 4"/>
-          <p:cNvPicPr>
-            <a:picLocks noChangeAspect="1"/>
-          </p:cNvPicPr>
+      <p:sp>
+        <p:nvSpPr>
+          <p:cNvPr id="6" name="TekstSylinder 5"/>
+          <p:cNvSpPr txBox="1"/>
           <p:nvPr/>
-        </p:nvPicPr>
-        <p:blipFill>
-          <a:blip r:embed="rId3"/>
-          <a:stretch>
-            <a:fillRect/>
-          </a:stretch>
-        </p:blipFill>
+        </p:nvSpPr>
         <p:spPr>
           <a:xfrm>
-            <a:off x="7604445" y="2339999"/>
-            <a:ext cx="3209925" cy="2362200"/>
+            <a:off x="838200" y="5852160"/>
+            <a:ext cx="6103594" cy="369332"/>
           </a:xfrm>
           <a:prstGeom prst="rect">
             <a:avLst/>
           </a:prstGeom>
+          <a:noFill/>
         </p:spPr>
-      </p:pic>
+        <p:txBody>
+          <a:bodyPr wrap="none" rtlCol="0">
+            <a:spAutoFit/>
+          </a:bodyPr>
+          <a:lstStyle/>
+          <a:p>
+            <a:r>
+              <a:rPr lang="nb-NO" dirty="0"/>
+              <a:t>Kilde: </a:t>
+            </a:r>
+            <a:r>
+              <a:rPr lang="nb-NO" dirty="0">
+                <a:hlinkClick r:id="rId3"/>
+              </a:rPr>
+              <a:t>https://</a:t>
+            </a:r>
+            <a:r>
+              <a:rPr lang="nb-NO" dirty="0" smtClean="0">
+                <a:hlinkClick r:id="rId3"/>
+              </a:rPr>
+              <a:t>angular.io/docs/ts/latest/guide/architecture.html</a:t>
+            </a:r>
+            <a:r>
+              <a:rPr lang="nb-NO" dirty="0" smtClean="0"/>
+              <a:t> </a:t>
+            </a:r>
+            <a:endParaRPr lang="nb-NO" dirty="0"/>
+          </a:p>
+        </p:txBody>
+      </p:sp>
     </p:spTree>
     <p:extLst>
       <p:ext uri="{BB962C8B-B14F-4D97-AF65-F5344CB8AC3E}">
@@ -5341,7 +5368,9 @@
         </p:nvSpPr>
         <p:spPr/>
         <p:txBody>
-          <a:bodyPr/>
+          <a:bodyPr>
+            <a:normAutofit lnSpcReduction="10000"/>
+          </a:bodyPr>
           <a:lstStyle/>
           <a:p>
             <a:r>
@@ -5377,10 +5406,89 @@
               <a:rPr lang="nb-NO" dirty="0" smtClean="0"/>
               <a:t>Kan ha underkomponenter</a:t>
             </a:r>
+          </a:p>
+          <a:p>
+            <a:pPr marL="0" indent="0">
+              <a:buNone/>
+            </a:pPr>
+            <a:endParaRPr lang="nb-NO" dirty="0" smtClean="0"/>
+          </a:p>
+          <a:p>
+            <a:pPr marL="0" indent="0">
+              <a:buNone/>
+            </a:pPr>
             <a:endParaRPr lang="nb-NO" dirty="0"/>
           </a:p>
-        </p:txBody>
-      </p:sp>
+          <a:p>
+            <a:pPr marL="0" indent="0">
+              <a:buNone/>
+            </a:pPr>
+            <a:endParaRPr lang="nb-NO" dirty="0" smtClean="0"/>
+          </a:p>
+          <a:p>
+            <a:pPr marL="0" indent="0">
+              <a:buNone/>
+            </a:pPr>
+            <a:endParaRPr lang="nb-NO" dirty="0"/>
+          </a:p>
+          <a:p>
+            <a:pPr marL="0" indent="0">
+              <a:buNone/>
+            </a:pPr>
+            <a:endParaRPr lang="nb-NO" dirty="0" smtClean="0"/>
+          </a:p>
+          <a:p>
+            <a:pPr marL="0" indent="0">
+              <a:buNone/>
+            </a:pPr>
+            <a:r>
+              <a:rPr lang="nb-NO" sz="1800" dirty="0"/>
+              <a:t>Kilde: </a:t>
+            </a:r>
+            <a:r>
+              <a:rPr lang="nb-NO" sz="1800" dirty="0">
+                <a:hlinkClick r:id="rId3"/>
+              </a:rPr>
+              <a:t>https://angular.io/docs/ts/latest/guide/architecture.html#!#</a:t>
+            </a:r>
+            <a:r>
+              <a:rPr lang="nb-NO" sz="1800" dirty="0" smtClean="0">
+                <a:hlinkClick r:id="rId3"/>
+              </a:rPr>
+              <a:t>components</a:t>
+            </a:r>
+            <a:r>
+              <a:rPr lang="nb-NO" sz="1800" dirty="0" smtClean="0"/>
+              <a:t> </a:t>
+            </a:r>
+            <a:endParaRPr lang="nb-NO" sz="1800" dirty="0"/>
+          </a:p>
+        </p:txBody>
+      </p:sp>
+      <p:pic>
+        <p:nvPicPr>
+          <p:cNvPr id="4" name="Bilde 3"/>
+          <p:cNvPicPr>
+            <a:picLocks noChangeAspect="1"/>
+          </p:cNvPicPr>
+          <p:nvPr/>
+        </p:nvPicPr>
+        <p:blipFill>
+          <a:blip r:embed="rId4"/>
+          <a:stretch>
+            <a:fillRect/>
+          </a:stretch>
+        </p:blipFill>
+        <p:spPr>
+          <a:xfrm>
+            <a:off x="6720774" y="1690688"/>
+            <a:ext cx="4633026" cy="3409467"/>
+          </a:xfrm>
+          <a:prstGeom prst="rect">
+            <a:avLst/>
+          </a:prstGeom>
+        </p:spPr>
+      </p:pic>
     </p:spTree>
     <p:extLst>
       <p:ext uri="{BB962C8B-B14F-4D97-AF65-F5344CB8AC3E}">
@@ -5827,10 +5935,94 @@
         </p:nvSpPr>
         <p:spPr/>
         <p:txBody>
-          <a:bodyPr/>
+          <a:bodyPr>
+            <a:normAutofit lnSpcReduction="10000"/>
+          </a:bodyPr>
           <a:lstStyle/>
           <a:p>
-            <a:endParaRPr lang="nb-NO"/>
+            <a:r>
+              <a:rPr lang="nb-NO" dirty="0" smtClean="0"/>
+              <a:t>Brukes til	</a:t>
+            </a:r>
+          </a:p>
+          <a:p>
+            <a:pPr lvl="1"/>
+            <a:r>
+              <a:rPr lang="nb-NO" dirty="0" smtClean="0"/>
+              <a:t>Validering av brukerinput</a:t>
+            </a:r>
+          </a:p>
+          <a:p>
+            <a:pPr lvl="1"/>
+            <a:r>
+              <a:rPr lang="nb-NO" dirty="0" smtClean="0"/>
+              <a:t>Kommunikasjon med server</a:t>
+            </a:r>
+          </a:p>
+          <a:p>
+            <a:pPr lvl="1"/>
+            <a:r>
+              <a:rPr lang="nb-NO" dirty="0" smtClean="0"/>
+              <a:t>Logging</a:t>
+            </a:r>
+          </a:p>
+          <a:p>
+            <a:pPr lvl="1"/>
+            <a:r>
+              <a:rPr lang="nb-NO" dirty="0" smtClean="0"/>
+              <a:t>Alt som er ikke-trivielt</a:t>
+            </a:r>
+            <a:endParaRPr lang="nb-NO" dirty="0"/>
+          </a:p>
+          <a:p>
+            <a:pPr marL="0" indent="0">
+              <a:buNone/>
+            </a:pPr>
+            <a:endParaRPr lang="nb-NO" dirty="0" smtClean="0"/>
+          </a:p>
+          <a:p>
+            <a:pPr marL="0" indent="0">
+              <a:buNone/>
+            </a:pPr>
+            <a:endParaRPr lang="nb-NO" dirty="0"/>
+          </a:p>
+          <a:p>
+            <a:pPr marL="0" indent="0">
+              <a:buNone/>
+            </a:pPr>
+            <a:endParaRPr lang="nb-NO" dirty="0" smtClean="0"/>
+          </a:p>
+          <a:p>
+            <a:pPr marL="0" indent="0">
+              <a:buNone/>
+            </a:pPr>
+            <a:endParaRPr lang="nb-NO" dirty="0"/>
+          </a:p>
+          <a:p>
+            <a:pPr marL="0" indent="0">
+              <a:buNone/>
+            </a:pPr>
+            <a:r>
+              <a:rPr lang="nb-NO" sz="1900" dirty="0"/>
+              <a:t>Kilde: </a:t>
+            </a:r>
+            <a:r>
+              <a:rPr lang="nb-NO" sz="1900" dirty="0">
+                <a:hlinkClick r:id="rId2"/>
+              </a:rPr>
+              <a:t>https://angular.io/docs/ts/latest/guide/architecture.html#!#</a:t>
+            </a:r>
+            <a:r>
+              <a:rPr lang="nb-NO" sz="1900" dirty="0" smtClean="0">
+                <a:hlinkClick r:id="rId2"/>
+              </a:rPr>
+              <a:t>services</a:t>
+            </a:r>
+            <a:r>
+              <a:rPr lang="nb-NO" sz="1900" dirty="0" smtClean="0"/>
+              <a:t> </a:t>
+            </a:r>
+            <a:endParaRPr lang="nb-NO" sz="1900" dirty="0"/>
           </a:p>
         </p:txBody>
       </p:sp>
@@ -6657,8 +6849,30 @@
             </a:r>
             <a:r>
               <a:rPr lang="nb-NO" dirty="0" smtClean="0"/>
-              <a:t> integrasjon</a:t>
-            </a:r>
+              <a:t> </a:t>
+            </a:r>
+            <a:r>
+              <a:rPr lang="nb-NO" dirty="0" smtClean="0"/>
+              <a:t>integrasjon</a:t>
+            </a:r>
+          </a:p>
+          <a:p>
+            <a:r>
+              <a:rPr lang="nb-NO" dirty="0">
+                <a:hlinkClick r:id="rId2"/>
+              </a:rPr>
+              <a:t>https://ionicframework.com/docs/v2/native/speechrecognition</a:t>
+            </a:r>
+            <a:r>
+              <a:rPr lang="nb-NO" dirty="0" smtClean="0">
+                <a:hlinkClick r:id="rId2"/>
+              </a:rPr>
+              <a:t>/</a:t>
+            </a:r>
+            <a:endParaRPr lang="nb-NO" dirty="0" smtClean="0"/>
+          </a:p>
+          <a:p>
+            <a:endParaRPr lang="nb-NO" dirty="0" smtClean="0"/>
           </a:p>
           <a:p>
             <a:endParaRPr lang="nb-NO" dirty="0"/>
@@ -6669,6 +6883,1222 @@
     <p:extLst>
       <p:ext uri="{BB962C8B-B14F-4D97-AF65-F5344CB8AC3E}">
         <p14:creationId xmlns:p14="http://schemas.microsoft.com/office/powerpoint/2010/main" val="1426241631"/>
+      </p:ext>
+    </p:extLst>
+  </p:cSld>
+  <p:clrMapOvr>
+    <a:masterClrMapping/>
+  </p:clrMapOvr>
+</p:sld>
+</file>
+
+<file path=ppt/slides/slide22.xml><?xml version="1.0" encoding="utf-8"?>
+<p:sld xmlns:a="http://schemas.openxmlformats.org/drawingml/2006/main" xmlns:r="http://schemas.openxmlformats.org/officeDocument/2006/relationships" xmlns:p="http://schemas.openxmlformats.org/presentationml/2006/main">
+  <p:cSld>
+    <p:spTree>
+      <p:nvGrpSpPr>
+        <p:cNvPr id="1" name=""/>
+        <p:cNvGrpSpPr/>
+        <p:nvPr/>
+      </p:nvGrpSpPr>
+      <p:grpSpPr>
+        <a:xfrm>
+          <a:off x="0" y="0"/>
+          <a:ext cx="0" cy="0"/>
+          <a:chOff x="0" y="0"/>
+          <a:chExt cx="0" cy="0"/>
+        </a:xfrm>
+      </p:grpSpPr>
+      <p:sp>
+        <p:nvSpPr>
+          <p:cNvPr id="2" name="Tittel 1"/>
+          <p:cNvSpPr>
+            <a:spLocks noGrp="1"/>
+          </p:cNvSpPr>
+          <p:nvPr>
+            <p:ph type="title"/>
+          </p:nvPr>
+        </p:nvSpPr>
+        <p:spPr/>
+        <p:txBody>
+          <a:bodyPr/>
+          <a:lstStyle/>
+          <a:p>
+            <a:r>
+              <a:rPr lang="nb-NO" dirty="0" err="1" smtClean="0"/>
+              <a:t>Deploy</a:t>
+            </a:r>
+            <a:r>
+              <a:rPr lang="nb-NO" dirty="0" smtClean="0"/>
+              <a:t> </a:t>
+            </a:r>
+            <a:r>
+              <a:rPr lang="nb-NO" dirty="0" err="1" smtClean="0"/>
+              <a:t>App</a:t>
+            </a:r>
+            <a:r>
+              <a:rPr lang="nb-NO" dirty="0" smtClean="0"/>
+              <a:t> til mobil	</a:t>
+            </a:r>
+            <a:endParaRPr lang="nb-NO" dirty="0"/>
+          </a:p>
+        </p:txBody>
+      </p:sp>
+      <p:sp>
+        <p:nvSpPr>
+          <p:cNvPr id="3" name="Plassholder for innhold 2"/>
+          <p:cNvSpPr>
+            <a:spLocks noGrp="1"/>
+          </p:cNvSpPr>
+          <p:nvPr>
+            <p:ph idx="1"/>
+          </p:nvPr>
+        </p:nvSpPr>
+        <p:spPr/>
+        <p:txBody>
+          <a:bodyPr>
+            <a:normAutofit/>
+          </a:bodyPr>
+          <a:lstStyle/>
+          <a:p>
+            <a:r>
+              <a:rPr lang="nb-NO" dirty="0" smtClean="0"/>
+              <a:t>Gjøres for å teste native integrasjon</a:t>
+            </a:r>
+          </a:p>
+          <a:p>
+            <a:r>
+              <a:rPr lang="nb-NO" dirty="0" err="1" smtClean="0"/>
+              <a:t>Android</a:t>
+            </a:r>
+            <a:endParaRPr lang="nb-NO" dirty="0" smtClean="0"/>
+          </a:p>
+          <a:p>
+            <a:pPr lvl="1"/>
+            <a:r>
+              <a:rPr lang="nb-NO" dirty="0" smtClean="0"/>
+              <a:t>Trenger</a:t>
+            </a:r>
+          </a:p>
+          <a:p>
+            <a:pPr lvl="2"/>
+            <a:r>
+              <a:rPr lang="nb-NO" dirty="0" err="1" smtClean="0"/>
+              <a:t>Android</a:t>
+            </a:r>
+            <a:r>
+              <a:rPr lang="nb-NO" dirty="0" smtClean="0"/>
+              <a:t> studio</a:t>
+            </a:r>
+          </a:p>
+          <a:p>
+            <a:pPr lvl="2"/>
+            <a:r>
+              <a:rPr lang="nb-NO" dirty="0" err="1" smtClean="0"/>
+              <a:t>Android</a:t>
+            </a:r>
+            <a:r>
+              <a:rPr lang="nb-NO" dirty="0" smtClean="0"/>
+              <a:t> SDK </a:t>
+            </a:r>
+            <a:r>
+              <a:rPr lang="nb-NO" dirty="0" err="1" smtClean="0"/>
+              <a:t>tools</a:t>
+            </a:r>
+            <a:r>
+              <a:rPr lang="nb-NO" dirty="0" smtClean="0"/>
+              <a:t> med riktige avhengigheter installert</a:t>
+            </a:r>
+          </a:p>
+          <a:p>
+            <a:pPr lvl="1"/>
+            <a:r>
+              <a:rPr lang="nb-NO" dirty="0" smtClean="0"/>
+              <a:t>Aktiver USB Debugging og Developer mode på enheten</a:t>
+            </a:r>
+          </a:p>
+          <a:p>
+            <a:pPr lvl="1"/>
+            <a:r>
+              <a:rPr lang="nb-NO" dirty="0" smtClean="0"/>
+              <a:t>Kjør kommandoen </a:t>
+            </a:r>
+            <a:r>
+              <a:rPr lang="nb-NO" dirty="0" err="1" smtClean="0"/>
+              <a:t>ionic</a:t>
+            </a:r>
+            <a:r>
+              <a:rPr lang="nb-NO" dirty="0" smtClean="0"/>
+              <a:t> run </a:t>
+            </a:r>
+            <a:r>
+              <a:rPr lang="nb-NO" dirty="0" err="1" smtClean="0"/>
+              <a:t>android</a:t>
+            </a:r>
+            <a:r>
+              <a:rPr lang="nb-NO" dirty="0" smtClean="0"/>
+              <a:t> –</a:t>
+            </a:r>
+            <a:r>
+              <a:rPr lang="nb-NO" dirty="0" err="1" smtClean="0"/>
+              <a:t>device</a:t>
+            </a:r>
+            <a:endParaRPr lang="nb-NO" dirty="0" smtClean="0"/>
+          </a:p>
+          <a:p>
+            <a:endParaRPr lang="nb-NO" dirty="0"/>
+          </a:p>
+          <a:p>
+            <a:endParaRPr lang="nb-NO" dirty="0" smtClean="0"/>
+          </a:p>
+          <a:p>
+            <a:pPr marL="0" indent="0">
+              <a:buNone/>
+            </a:pPr>
+            <a:r>
+              <a:rPr lang="nb-NO" sz="1800" dirty="0"/>
+              <a:t>Kilde: </a:t>
+            </a:r>
+            <a:r>
+              <a:rPr lang="nb-NO" sz="1800" dirty="0">
+                <a:hlinkClick r:id="rId2"/>
+              </a:rPr>
+              <a:t>http://ionicframework.com/docs/v2/intro/deploying</a:t>
+            </a:r>
+            <a:r>
+              <a:rPr lang="nb-NO" sz="1800" dirty="0" smtClean="0">
+                <a:hlinkClick r:id="rId2"/>
+              </a:rPr>
+              <a:t>/</a:t>
+            </a:r>
+            <a:r>
+              <a:rPr lang="nb-NO" sz="1800" dirty="0" smtClean="0"/>
+              <a:t> </a:t>
+            </a:r>
+          </a:p>
+          <a:p>
+            <a:endParaRPr lang="nb-NO" dirty="0"/>
+          </a:p>
+        </p:txBody>
+      </p:sp>
+    </p:spTree>
+    <p:extLst>
+      <p:ext uri="{BB962C8B-B14F-4D97-AF65-F5344CB8AC3E}">
+        <p14:creationId xmlns:p14="http://schemas.microsoft.com/office/powerpoint/2010/main" val="2640297224"/>
+      </p:ext>
+    </p:extLst>
+  </p:cSld>
+  <p:clrMapOvr>
+    <a:masterClrMapping/>
+  </p:clrMapOvr>
+</p:sld>
+</file>
+
+<file path=ppt/slides/slide23.xml><?xml version="1.0" encoding="utf-8"?>
+<p:sld xmlns:a="http://schemas.openxmlformats.org/drawingml/2006/main" xmlns:r="http://schemas.openxmlformats.org/officeDocument/2006/relationships" xmlns:p="http://schemas.openxmlformats.org/presentationml/2006/main">
+  <p:cSld>
+    <p:spTree>
+      <p:nvGrpSpPr>
+        <p:cNvPr id="1" name=""/>
+        <p:cNvGrpSpPr/>
+        <p:nvPr/>
+      </p:nvGrpSpPr>
+      <p:grpSpPr>
+        <a:xfrm>
+          <a:off x="0" y="0"/>
+          <a:ext cx="0" cy="0"/>
+          <a:chOff x="0" y="0"/>
+          <a:chExt cx="0" cy="0"/>
+        </a:xfrm>
+      </p:grpSpPr>
+      <p:sp>
+        <p:nvSpPr>
+          <p:cNvPr id="2" name="Tittel 1"/>
+          <p:cNvSpPr>
+            <a:spLocks noGrp="1"/>
+          </p:cNvSpPr>
+          <p:nvPr>
+            <p:ph type="title"/>
+          </p:nvPr>
+        </p:nvSpPr>
+        <p:spPr/>
+        <p:txBody>
+          <a:bodyPr/>
+          <a:lstStyle/>
+          <a:p>
+            <a:r>
+              <a:rPr lang="nb-NO" dirty="0" err="1" smtClean="0"/>
+              <a:t>Deploy</a:t>
+            </a:r>
+            <a:r>
+              <a:rPr lang="nb-NO" dirty="0" smtClean="0"/>
+              <a:t> </a:t>
+            </a:r>
+            <a:r>
+              <a:rPr lang="nb-NO" dirty="0" err="1" smtClean="0"/>
+              <a:t>App</a:t>
+            </a:r>
+            <a:r>
+              <a:rPr lang="nb-NO" dirty="0" smtClean="0"/>
+              <a:t> til mobil	</a:t>
+            </a:r>
+            <a:endParaRPr lang="nb-NO" dirty="0"/>
+          </a:p>
+        </p:txBody>
+      </p:sp>
+      <p:sp>
+        <p:nvSpPr>
+          <p:cNvPr id="3" name="Plassholder for innhold 2"/>
+          <p:cNvSpPr>
+            <a:spLocks noGrp="1"/>
+          </p:cNvSpPr>
+          <p:nvPr>
+            <p:ph idx="1"/>
+          </p:nvPr>
+        </p:nvSpPr>
+        <p:spPr/>
+        <p:txBody>
+          <a:bodyPr>
+            <a:normAutofit lnSpcReduction="10000"/>
+          </a:bodyPr>
+          <a:lstStyle/>
+          <a:p>
+            <a:r>
+              <a:rPr lang="nb-NO" dirty="0" smtClean="0"/>
+              <a:t>Ios</a:t>
+            </a:r>
+          </a:p>
+          <a:p>
+            <a:pPr lvl="1"/>
+            <a:r>
+              <a:rPr lang="nb-NO" dirty="0" smtClean="0"/>
+              <a:t>Trenger </a:t>
+            </a:r>
+          </a:p>
+          <a:p>
+            <a:pPr lvl="2"/>
+            <a:r>
+              <a:rPr lang="nb-NO" dirty="0" smtClean="0"/>
+              <a:t>Mac</a:t>
+            </a:r>
+          </a:p>
+          <a:p>
+            <a:pPr lvl="2"/>
+            <a:r>
+              <a:rPr lang="nb-NO" dirty="0" smtClean="0"/>
+              <a:t>Nyeste </a:t>
+            </a:r>
+            <a:r>
+              <a:rPr lang="nb-NO" dirty="0" err="1" smtClean="0"/>
+              <a:t>xcode</a:t>
+            </a:r>
+            <a:r>
+              <a:rPr lang="nb-NO" dirty="0" smtClean="0"/>
+              <a:t> installert</a:t>
+            </a:r>
+          </a:p>
+          <a:p>
+            <a:pPr lvl="1"/>
+            <a:r>
+              <a:rPr lang="nb-NO" dirty="0" smtClean="0"/>
+              <a:t>Kjør kommandoen </a:t>
+            </a:r>
+            <a:r>
+              <a:rPr lang="nb-NO" dirty="0" err="1" smtClean="0"/>
+              <a:t>sudo</a:t>
+            </a:r>
+            <a:r>
+              <a:rPr lang="nb-NO" dirty="0" smtClean="0"/>
+              <a:t> </a:t>
+            </a:r>
+            <a:r>
+              <a:rPr lang="nb-NO" dirty="0" err="1" smtClean="0"/>
+              <a:t>ionic</a:t>
+            </a:r>
+            <a:r>
+              <a:rPr lang="nb-NO" dirty="0" smtClean="0"/>
+              <a:t> </a:t>
+            </a:r>
+            <a:r>
+              <a:rPr lang="nb-NO" dirty="0" err="1" smtClean="0"/>
+              <a:t>build</a:t>
+            </a:r>
+            <a:r>
+              <a:rPr lang="nb-NO" dirty="0" smtClean="0"/>
+              <a:t> </a:t>
+            </a:r>
+            <a:r>
+              <a:rPr lang="nb-NO" dirty="0" err="1" smtClean="0"/>
+              <a:t>ios</a:t>
+            </a:r>
+            <a:endParaRPr lang="nb-NO" dirty="0" smtClean="0"/>
+          </a:p>
+          <a:p>
+            <a:pPr lvl="1"/>
+            <a:r>
+              <a:rPr lang="nb-NO" dirty="0" smtClean="0"/>
+              <a:t>Åpne prosjektet under</a:t>
+            </a:r>
+          </a:p>
+          <a:p>
+            <a:pPr lvl="2"/>
+            <a:r>
+              <a:rPr lang="nb-NO" dirty="0" smtClean="0"/>
+              <a:t>[prosjekt </a:t>
+            </a:r>
+            <a:r>
+              <a:rPr lang="nb-NO" dirty="0" err="1" smtClean="0"/>
+              <a:t>root</a:t>
+            </a:r>
+            <a:r>
+              <a:rPr lang="nb-NO" dirty="0" smtClean="0"/>
+              <a:t>] &gt; </a:t>
+            </a:r>
+            <a:r>
+              <a:rPr lang="nb-NO" dirty="0" err="1" smtClean="0"/>
+              <a:t>platforms</a:t>
+            </a:r>
+            <a:r>
+              <a:rPr lang="nb-NO" dirty="0" smtClean="0"/>
+              <a:t> &gt; </a:t>
+            </a:r>
+            <a:r>
+              <a:rPr lang="nb-NO" dirty="0" err="1" smtClean="0"/>
+              <a:t>ios</a:t>
+            </a:r>
+            <a:r>
+              <a:rPr lang="nb-NO" dirty="0" smtClean="0"/>
+              <a:t> &gt; [navn].</a:t>
+            </a:r>
+            <a:r>
+              <a:rPr lang="nb-NO" dirty="0" err="1" smtClean="0"/>
+              <a:t>xcodeproj</a:t>
+            </a:r>
+            <a:endParaRPr lang="nb-NO" dirty="0" smtClean="0"/>
+          </a:p>
+          <a:p>
+            <a:pPr lvl="2"/>
+            <a:r>
+              <a:rPr lang="nb-NO" dirty="0" smtClean="0"/>
+              <a:t>Koble til </a:t>
+            </a:r>
+            <a:r>
+              <a:rPr lang="nb-NO" dirty="0" err="1" smtClean="0"/>
+              <a:t>developer</a:t>
+            </a:r>
+            <a:r>
+              <a:rPr lang="nb-NO" dirty="0" smtClean="0"/>
+              <a:t> </a:t>
+            </a:r>
+            <a:r>
+              <a:rPr lang="nb-NO" dirty="0" err="1" smtClean="0"/>
+              <a:t>account</a:t>
+            </a:r>
+            <a:endParaRPr lang="nb-NO" dirty="0" smtClean="0"/>
+          </a:p>
+          <a:p>
+            <a:pPr lvl="2"/>
+            <a:r>
+              <a:rPr lang="nb-NO" dirty="0" smtClean="0"/>
+              <a:t>Kjør </a:t>
+            </a:r>
+            <a:r>
+              <a:rPr lang="nb-NO" dirty="0" err="1" smtClean="0"/>
+              <a:t>appen</a:t>
+            </a:r>
+            <a:r>
+              <a:rPr lang="nb-NO" dirty="0"/>
+              <a:t> </a:t>
+            </a:r>
+            <a:r>
+              <a:rPr lang="nb-NO" dirty="0" smtClean="0"/>
+              <a:t>på enheten</a:t>
+            </a:r>
+          </a:p>
+          <a:p>
+            <a:pPr lvl="1"/>
+            <a:endParaRPr lang="nb-NO" dirty="0"/>
+          </a:p>
+          <a:p>
+            <a:endParaRPr lang="nb-NO" dirty="0" smtClean="0"/>
+          </a:p>
+          <a:p>
+            <a:pPr marL="0" indent="0">
+              <a:buNone/>
+            </a:pPr>
+            <a:r>
+              <a:rPr lang="nb-NO" sz="1800" dirty="0"/>
+              <a:t>Kilde: </a:t>
+            </a:r>
+            <a:r>
+              <a:rPr lang="nb-NO" sz="1800" dirty="0">
+                <a:hlinkClick r:id="rId2"/>
+              </a:rPr>
+              <a:t>http://ionicframework.com/docs/v2/intro/deploying</a:t>
+            </a:r>
+            <a:r>
+              <a:rPr lang="nb-NO" sz="1800" dirty="0" smtClean="0">
+                <a:hlinkClick r:id="rId2"/>
+              </a:rPr>
+              <a:t>/</a:t>
+            </a:r>
+            <a:r>
+              <a:rPr lang="nb-NO" sz="1800" dirty="0" smtClean="0"/>
+              <a:t> </a:t>
+            </a:r>
+          </a:p>
+          <a:p>
+            <a:endParaRPr lang="nb-NO" dirty="0"/>
+          </a:p>
+        </p:txBody>
+      </p:sp>
+    </p:spTree>
+    <p:extLst>
+      <p:ext uri="{BB962C8B-B14F-4D97-AF65-F5344CB8AC3E}">
+        <p14:creationId xmlns:p14="http://schemas.microsoft.com/office/powerpoint/2010/main" val="503357900"/>
+      </p:ext>
+    </p:extLst>
+  </p:cSld>
+  <p:clrMapOvr>
+    <a:masterClrMapping/>
+  </p:clrMapOvr>
+</p:sld>
+</file>
+
+<file path=ppt/slides/slide24.xml><?xml version="1.0" encoding="utf-8"?>
+<p:sld xmlns:a="http://schemas.openxmlformats.org/drawingml/2006/main" xmlns:r="http://schemas.openxmlformats.org/officeDocument/2006/relationships" xmlns:p="http://schemas.openxmlformats.org/presentationml/2006/main">
+  <p:cSld>
+    <p:spTree>
+      <p:nvGrpSpPr>
+        <p:cNvPr id="1" name=""/>
+        <p:cNvGrpSpPr/>
+        <p:nvPr/>
+      </p:nvGrpSpPr>
+      <p:grpSpPr>
+        <a:xfrm>
+          <a:off x="0" y="0"/>
+          <a:ext cx="0" cy="0"/>
+          <a:chOff x="0" y="0"/>
+          <a:chExt cx="0" cy="0"/>
+        </a:xfrm>
+      </p:grpSpPr>
+      <p:sp>
+        <p:nvSpPr>
+          <p:cNvPr id="2" name="Tittel 1"/>
+          <p:cNvSpPr>
+            <a:spLocks noGrp="1"/>
+          </p:cNvSpPr>
+          <p:nvPr>
+            <p:ph type="title"/>
+          </p:nvPr>
+        </p:nvSpPr>
+        <p:spPr/>
+        <p:txBody>
+          <a:bodyPr/>
+          <a:lstStyle/>
+          <a:p>
+            <a:r>
+              <a:rPr lang="nb-NO" dirty="0" err="1" smtClean="0"/>
+              <a:t>Ionic</a:t>
+            </a:r>
+            <a:r>
+              <a:rPr lang="nb-NO" dirty="0"/>
+              <a:t> </a:t>
+            </a:r>
+            <a:r>
+              <a:rPr lang="nb-NO" dirty="0" err="1" smtClean="0"/>
+              <a:t>cloud</a:t>
+            </a:r>
+            <a:r>
+              <a:rPr lang="nb-NO" dirty="0" smtClean="0"/>
+              <a:t> services</a:t>
+            </a:r>
+            <a:endParaRPr lang="nb-NO" dirty="0"/>
+          </a:p>
+        </p:txBody>
+      </p:sp>
+      <p:sp>
+        <p:nvSpPr>
+          <p:cNvPr id="3" name="Plassholder for innhold 2"/>
+          <p:cNvSpPr>
+            <a:spLocks noGrp="1"/>
+          </p:cNvSpPr>
+          <p:nvPr>
+            <p:ph idx="1"/>
+          </p:nvPr>
+        </p:nvSpPr>
+        <p:spPr/>
+        <p:txBody>
+          <a:bodyPr>
+            <a:normAutofit fontScale="70000" lnSpcReduction="20000"/>
+          </a:bodyPr>
+          <a:lstStyle/>
+          <a:p>
+            <a:r>
+              <a:rPr lang="nb-NO" dirty="0" smtClean="0"/>
+              <a:t>Push </a:t>
+            </a:r>
+            <a:r>
+              <a:rPr lang="nb-NO" dirty="0" err="1" smtClean="0"/>
+              <a:t>notifications</a:t>
+            </a:r>
+            <a:endParaRPr lang="nb-NO" dirty="0" smtClean="0"/>
+          </a:p>
+          <a:p>
+            <a:pPr lvl="1"/>
+            <a:r>
+              <a:rPr lang="nb-NO" dirty="0">
+                <a:hlinkClick r:id="rId2"/>
+              </a:rPr>
+              <a:t>https://</a:t>
+            </a:r>
+            <a:r>
+              <a:rPr lang="nb-NO" dirty="0" smtClean="0">
+                <a:hlinkClick r:id="rId2"/>
+              </a:rPr>
+              <a:t>docs.ionic.io/services/push</a:t>
+            </a:r>
+            <a:r>
+              <a:rPr lang="nb-NO" dirty="0"/>
+              <a:t> </a:t>
+            </a:r>
+            <a:endParaRPr lang="nb-NO" dirty="0" smtClean="0"/>
+          </a:p>
+          <a:p>
+            <a:r>
+              <a:rPr lang="nb-NO" dirty="0" smtClean="0"/>
+              <a:t>Hot </a:t>
+            </a:r>
+            <a:r>
+              <a:rPr lang="nb-NO" dirty="0" err="1" smtClean="0"/>
+              <a:t>deploy</a:t>
+            </a:r>
+            <a:endParaRPr lang="nb-NO" dirty="0" smtClean="0"/>
+          </a:p>
+          <a:p>
+            <a:pPr lvl="1"/>
+            <a:r>
+              <a:rPr lang="nb-NO" dirty="0">
+                <a:hlinkClick r:id="rId3"/>
+              </a:rPr>
+              <a:t>https://</a:t>
+            </a:r>
+            <a:r>
+              <a:rPr lang="nb-NO" dirty="0" smtClean="0">
+                <a:hlinkClick r:id="rId3"/>
+              </a:rPr>
+              <a:t>docs.ionic.io/services/deploy</a:t>
+            </a:r>
+            <a:r>
+              <a:rPr lang="nb-NO" dirty="0" smtClean="0"/>
+              <a:t> </a:t>
+            </a:r>
+          </a:p>
+          <a:p>
+            <a:r>
+              <a:rPr lang="nb-NO" dirty="0" err="1" smtClean="0"/>
+              <a:t>Package</a:t>
+            </a:r>
+            <a:endParaRPr lang="nb-NO" dirty="0" smtClean="0"/>
+          </a:p>
+          <a:p>
+            <a:pPr lvl="1"/>
+            <a:r>
+              <a:rPr lang="nb-NO" dirty="0" smtClean="0">
+                <a:hlinkClick r:id="rId4"/>
+              </a:rPr>
+              <a:t>http</a:t>
+            </a:r>
+            <a:r>
+              <a:rPr lang="nb-NO" dirty="0">
+                <a:hlinkClick r:id="rId4"/>
+              </a:rPr>
+              <a:t>://</a:t>
+            </a:r>
+            <a:r>
+              <a:rPr lang="nb-NO" dirty="0" smtClean="0">
+                <a:hlinkClick r:id="rId4"/>
+              </a:rPr>
+              <a:t>docs.ionic.io/services/package</a:t>
+            </a:r>
+            <a:r>
+              <a:rPr lang="nb-NO" dirty="0" smtClean="0"/>
+              <a:t> </a:t>
+            </a:r>
+          </a:p>
+          <a:p>
+            <a:pPr lvl="1"/>
+            <a:r>
+              <a:rPr lang="nb-NO" dirty="0" smtClean="0"/>
+              <a:t>… for </a:t>
+            </a:r>
+            <a:r>
+              <a:rPr lang="nb-NO" dirty="0" err="1" smtClean="0"/>
+              <a:t>ios</a:t>
+            </a:r>
+            <a:r>
+              <a:rPr lang="nb-NO" dirty="0" smtClean="0"/>
+              <a:t> så må man enda ha </a:t>
+            </a:r>
+            <a:r>
+              <a:rPr lang="nb-NO" dirty="0" err="1" smtClean="0"/>
+              <a:t>mac</a:t>
+            </a:r>
+            <a:r>
+              <a:rPr lang="nb-NO" dirty="0" smtClean="0"/>
+              <a:t> for å laste opp .</a:t>
+            </a:r>
+            <a:r>
+              <a:rPr lang="nb-NO" dirty="0" err="1" smtClean="0"/>
+              <a:t>ipa</a:t>
+            </a:r>
+            <a:r>
+              <a:rPr lang="nb-NO" dirty="0" smtClean="0"/>
+              <a:t> fil</a:t>
+            </a:r>
+          </a:p>
+          <a:p>
+            <a:pPr lvl="1"/>
+            <a:r>
+              <a:rPr lang="nb-NO" dirty="0" smtClean="0"/>
+              <a:t>Kan bruke </a:t>
+            </a:r>
+            <a:r>
+              <a:rPr lang="nb-NO" dirty="0" err="1" smtClean="0"/>
+              <a:t>ipa</a:t>
+            </a:r>
+            <a:r>
+              <a:rPr lang="nb-NO" dirty="0" smtClean="0"/>
+              <a:t>-behandlingstjenester </a:t>
+            </a:r>
+            <a:r>
+              <a:rPr lang="nb-NO" dirty="0" err="1" smtClean="0"/>
+              <a:t>f.eks</a:t>
+            </a:r>
+            <a:r>
+              <a:rPr lang="nb-NO" dirty="0"/>
+              <a:t> </a:t>
+            </a:r>
+            <a:r>
+              <a:rPr lang="nb-NO" dirty="0">
+                <a:hlinkClick r:id="rId5"/>
+              </a:rPr>
+              <a:t>https://aviatorci.com</a:t>
+            </a:r>
+            <a:r>
+              <a:rPr lang="nb-NO" dirty="0" smtClean="0">
+                <a:hlinkClick r:id="rId5"/>
+              </a:rPr>
+              <a:t>/</a:t>
+            </a:r>
+            <a:r>
+              <a:rPr lang="nb-NO" dirty="0" smtClean="0"/>
+              <a:t> </a:t>
+            </a:r>
+          </a:p>
+          <a:p>
+            <a:r>
+              <a:rPr lang="nb-NO" dirty="0" smtClean="0"/>
+              <a:t>Autorisering</a:t>
+            </a:r>
+          </a:p>
+          <a:p>
+            <a:pPr lvl="1"/>
+            <a:r>
+              <a:rPr lang="nb-NO" dirty="0">
+                <a:hlinkClick r:id="rId6"/>
+              </a:rPr>
+              <a:t>https://</a:t>
+            </a:r>
+            <a:r>
+              <a:rPr lang="nb-NO" dirty="0" smtClean="0">
+                <a:hlinkClick r:id="rId6"/>
+              </a:rPr>
+              <a:t>docs.ionic.io/services/auth</a:t>
+            </a:r>
+            <a:r>
+              <a:rPr lang="nb-NO" dirty="0"/>
+              <a:t> </a:t>
+            </a:r>
+            <a:endParaRPr lang="nb-NO" dirty="0" smtClean="0"/>
+          </a:p>
+          <a:p>
+            <a:r>
+              <a:rPr lang="nb-NO" dirty="0" smtClean="0"/>
+              <a:t>Database</a:t>
+            </a:r>
+          </a:p>
+          <a:p>
+            <a:pPr lvl="1"/>
+            <a:r>
+              <a:rPr lang="nb-NO" dirty="0">
+                <a:hlinkClick r:id="rId7"/>
+              </a:rPr>
+              <a:t>https://docs.ionic.io/services/database</a:t>
+            </a:r>
+            <a:r>
+              <a:rPr lang="nb-NO" dirty="0" smtClean="0">
+                <a:hlinkClick r:id="rId7"/>
+              </a:rPr>
+              <a:t>/</a:t>
+            </a:r>
+            <a:r>
+              <a:rPr lang="nb-NO" dirty="0" smtClean="0"/>
+              <a:t> </a:t>
+            </a:r>
+          </a:p>
+          <a:p>
+            <a:pPr lvl="1"/>
+            <a:endParaRPr lang="nb-NO" dirty="0" smtClean="0"/>
+          </a:p>
+          <a:p>
+            <a:endParaRPr lang="nb-NO" dirty="0" smtClean="0"/>
+          </a:p>
+          <a:p>
+            <a:r>
+              <a:rPr lang="nb-NO" dirty="0" smtClean="0"/>
+              <a:t>Ligger </a:t>
+            </a:r>
+            <a:r>
+              <a:rPr lang="nb-NO" dirty="0"/>
+              <a:t>her </a:t>
+            </a:r>
+            <a:r>
+              <a:rPr lang="nb-NO" dirty="0">
+                <a:hlinkClick r:id="rId8"/>
+              </a:rPr>
+              <a:t>https://apps.ionic.io/</a:t>
+            </a:r>
+            <a:r>
+              <a:rPr lang="nb-NO" dirty="0"/>
+              <a:t> </a:t>
+            </a:r>
+          </a:p>
+          <a:p>
+            <a:endParaRPr lang="nb-NO" dirty="0"/>
+          </a:p>
+        </p:txBody>
+      </p:sp>
+    </p:spTree>
+    <p:extLst>
+      <p:ext uri="{BB962C8B-B14F-4D97-AF65-F5344CB8AC3E}">
+        <p14:creationId xmlns:p14="http://schemas.microsoft.com/office/powerpoint/2010/main" val="470341895"/>
+      </p:ext>
+    </p:extLst>
+  </p:cSld>
+  <p:clrMapOvr>
+    <a:masterClrMapping/>
+  </p:clrMapOvr>
+</p:sld>
+</file>
+
+<file path=ppt/slides/slide25.xml><?xml version="1.0" encoding="utf-8"?>
+<p:sld xmlns:a="http://schemas.openxmlformats.org/drawingml/2006/main" xmlns:r="http://schemas.openxmlformats.org/officeDocument/2006/relationships" xmlns:p="http://schemas.openxmlformats.org/presentationml/2006/main">
+  <p:cSld>
+    <p:spTree>
+      <p:nvGrpSpPr>
+        <p:cNvPr id="1" name=""/>
+        <p:cNvGrpSpPr/>
+        <p:nvPr/>
+      </p:nvGrpSpPr>
+      <p:grpSpPr>
+        <a:xfrm>
+          <a:off x="0" y="0"/>
+          <a:ext cx="0" cy="0"/>
+          <a:chOff x="0" y="0"/>
+          <a:chExt cx="0" cy="0"/>
+        </a:xfrm>
+      </p:grpSpPr>
+      <p:sp>
+        <p:nvSpPr>
+          <p:cNvPr id="2" name="Tittel 1"/>
+          <p:cNvSpPr>
+            <a:spLocks noGrp="1"/>
+          </p:cNvSpPr>
+          <p:nvPr>
+            <p:ph type="title"/>
+          </p:nvPr>
+        </p:nvSpPr>
+        <p:spPr/>
+        <p:txBody>
+          <a:bodyPr/>
+          <a:lstStyle/>
+          <a:p>
+            <a:r>
+              <a:rPr lang="nb-NO" dirty="0" err="1" smtClean="0"/>
+              <a:t>Package</a:t>
+            </a:r>
+            <a:endParaRPr lang="nb-NO" dirty="0"/>
+          </a:p>
+        </p:txBody>
+      </p:sp>
+      <p:sp>
+        <p:nvSpPr>
+          <p:cNvPr id="3" name="Plassholder for innhold 2"/>
+          <p:cNvSpPr>
+            <a:spLocks noGrp="1"/>
+          </p:cNvSpPr>
+          <p:nvPr>
+            <p:ph idx="1"/>
+          </p:nvPr>
+        </p:nvSpPr>
+        <p:spPr/>
+        <p:txBody>
+          <a:bodyPr/>
+          <a:lstStyle/>
+          <a:p>
+            <a:r>
+              <a:rPr lang="nb-NO" dirty="0" smtClean="0"/>
+              <a:t>Bygg </a:t>
+            </a:r>
+            <a:r>
+              <a:rPr lang="nb-NO" dirty="0" err="1" smtClean="0"/>
+              <a:t>binærfil</a:t>
+            </a:r>
+            <a:r>
+              <a:rPr lang="nb-NO" dirty="0" smtClean="0"/>
+              <a:t> for </a:t>
+            </a:r>
+            <a:r>
+              <a:rPr lang="nb-NO" dirty="0" err="1" smtClean="0"/>
+              <a:t>ios</a:t>
+            </a:r>
+            <a:r>
+              <a:rPr lang="nb-NO" dirty="0" smtClean="0"/>
+              <a:t> eller </a:t>
+            </a:r>
+            <a:r>
+              <a:rPr lang="nb-NO" dirty="0" err="1" smtClean="0"/>
+              <a:t>android</a:t>
+            </a:r>
+            <a:endParaRPr lang="nb-NO" dirty="0" smtClean="0"/>
+          </a:p>
+          <a:p>
+            <a:r>
+              <a:rPr lang="nb-NO" dirty="0" smtClean="0"/>
+              <a:t>Kommando</a:t>
+            </a:r>
+          </a:p>
+          <a:p>
+            <a:pPr lvl="1"/>
+            <a:r>
+              <a:rPr lang="nb-NO" dirty="0" err="1" smtClean="0"/>
+              <a:t>Debug</a:t>
+            </a:r>
+            <a:r>
+              <a:rPr lang="nb-NO" dirty="0"/>
+              <a:t>: </a:t>
+            </a:r>
+            <a:r>
+              <a:rPr lang="nb-NO" dirty="0" err="1"/>
+              <a:t>ionic</a:t>
+            </a:r>
+            <a:r>
+              <a:rPr lang="nb-NO" dirty="0"/>
+              <a:t> </a:t>
+            </a:r>
+            <a:r>
+              <a:rPr lang="nb-NO" dirty="0" err="1"/>
+              <a:t>package</a:t>
+            </a:r>
+            <a:r>
+              <a:rPr lang="nb-NO" dirty="0"/>
+              <a:t> </a:t>
+            </a:r>
+            <a:r>
+              <a:rPr lang="nb-NO" dirty="0" err="1"/>
+              <a:t>build</a:t>
+            </a:r>
+            <a:r>
+              <a:rPr lang="nb-NO" dirty="0"/>
+              <a:t> PLATFORM_TAG --</a:t>
+            </a:r>
+            <a:r>
+              <a:rPr lang="nb-NO" dirty="0" err="1"/>
+              <a:t>profile</a:t>
+            </a:r>
+            <a:r>
+              <a:rPr lang="nb-NO" dirty="0"/>
+              <a:t> PROFILE_TAG </a:t>
+            </a:r>
+          </a:p>
+          <a:p>
+            <a:pPr lvl="1"/>
+            <a:r>
+              <a:rPr lang="nb-NO" altLang="nb-NO" dirty="0" err="1" smtClean="0">
+                <a:solidFill>
+                  <a:schemeClr val="tx1"/>
+                </a:solidFill>
+                <a:cs typeface="Arial" panose="020B0604020202020204" pitchFamily="34" charset="0"/>
+              </a:rPr>
+              <a:t>Release</a:t>
+            </a:r>
+            <a:r>
+              <a:rPr lang="nb-NO" altLang="nb-NO" dirty="0" smtClean="0">
+                <a:solidFill>
+                  <a:schemeClr val="tx1"/>
+                </a:solidFill>
+                <a:cs typeface="Arial" panose="020B0604020202020204" pitchFamily="34" charset="0"/>
+              </a:rPr>
+              <a:t>: </a:t>
+            </a:r>
+            <a:r>
+              <a:rPr lang="en-US" altLang="nb-NO" dirty="0">
+                <a:solidFill>
+                  <a:schemeClr val="tx1"/>
+                </a:solidFill>
+                <a:cs typeface="Arial" panose="020B0604020202020204" pitchFamily="34" charset="0"/>
+              </a:rPr>
+              <a:t>ionic package build PLATFORM_TAG --profile PROFILE_TAG --release</a:t>
+            </a:r>
+            <a:endParaRPr lang="nb-NO" altLang="nb-NO" dirty="0">
+              <a:solidFill>
+                <a:schemeClr val="tx1"/>
+              </a:solidFill>
+              <a:cs typeface="Arial" panose="020B0604020202020204" pitchFamily="34" charset="0"/>
+            </a:endParaRPr>
+          </a:p>
+          <a:p>
+            <a:pPr lvl="1"/>
+            <a:endParaRPr lang="nb-NO" dirty="0" smtClean="0"/>
+          </a:p>
+          <a:p>
+            <a:pPr lvl="1"/>
+            <a:endParaRPr lang="nb-NO" dirty="0"/>
+          </a:p>
+        </p:txBody>
+      </p:sp>
+      <p:sp>
+        <p:nvSpPr>
+          <p:cNvPr id="4" name="Rectangle 1"/>
+          <p:cNvSpPr>
+            <a:spLocks noChangeArrowheads="1"/>
+          </p:cNvSpPr>
+          <p:nvPr/>
+        </p:nvSpPr>
+        <p:spPr bwMode="auto">
+          <a:xfrm>
+            <a:off x="0" y="66063"/>
+            <a:ext cx="65" cy="325074"/>
+          </a:xfrm>
+          <a:prstGeom prst="rect">
+            <a:avLst/>
+          </a:prstGeom>
+          <a:solidFill>
+            <a:srgbClr val="F7F8FB"/>
+          </a:solidFill>
+          <a:ln>
+            <a:noFill/>
+          </a:ln>
+          <a:effectLst/>
+          <a:extLst>
+            <a:ext uri="{91240B29-F687-4F45-9708-019B960494DF}">
+              <a14:hiddenLine xmlns:a14="http://schemas.microsoft.com/office/drawing/2010/main" w="9525">
+                <a:solidFill>
+                  <a:schemeClr val="tx1"/>
+                </a:solidFill>
+                <a:miter lim="800000"/>
+                <a:headEnd/>
+                <a:tailEnd/>
+              </a14:hiddenLine>
+            </a:ext>
+            <a:ext uri="{AF507438-7753-43E0-B8FC-AC1667EBCBE1}">
+              <a14:hiddenEffects xmlns:a14="http://schemas.microsoft.com/office/drawing/2010/main">
+                <a:effectLst>
+                  <a:outerShdw dist="35921" dir="2700000" algn="ctr" rotWithShape="0">
+                    <a:schemeClr val="bg2"/>
+                  </a:outerShdw>
+                </a:effectLst>
+              </a14:hiddenEffects>
+            </a:ext>
+          </a:extLst>
+        </p:spPr>
+        <p:txBody>
+          <a:bodyPr vert="horz" wrap="none" lIns="0" tIns="0" rIns="0" bIns="47610" numCol="1" anchor="ctr" anchorCtr="0" compatLnSpc="1">
+            <a:prstTxWarp prst="textNoShape">
+              <a:avLst/>
+            </a:prstTxWarp>
+            <a:spAutoFit/>
+          </a:bodyPr>
+          <a:lstStyle/>
+          <a:p>
+            <a:pPr marL="0" marR="0" lvl="0" indent="0" algn="l" defTabSz="914400" rtl="0" eaLnBrk="0" fontAlgn="base" latinLnBrk="0" hangingPunct="0">
+              <a:lnSpc>
+                <a:spcPct val="100000"/>
+              </a:lnSpc>
+              <a:spcBef>
+                <a:spcPct val="0"/>
+              </a:spcBef>
+              <a:spcAft>
+                <a:spcPct val="0"/>
+              </a:spcAft>
+              <a:buClrTx/>
+              <a:buSzTx/>
+              <a:buFontTx/>
+              <a:buNone/>
+              <a:tabLst/>
+            </a:pPr>
+            <a:endParaRPr kumimoji="0" lang="nb-NO" altLang="nb-NO" sz="1800" b="0" i="0" u="none" strike="noStrike" cap="none" normalizeH="0" baseline="0" dirty="0" smtClean="0">
+              <a:ln>
+                <a:noFill/>
+              </a:ln>
+              <a:solidFill>
+                <a:schemeClr val="tx1"/>
+              </a:solidFill>
+              <a:effectLst/>
+              <a:latin typeface="Arial" panose="020B0604020202020204" pitchFamily="34" charset="0"/>
+            </a:endParaRPr>
+          </a:p>
+        </p:txBody>
+      </p:sp>
+    </p:spTree>
+    <p:extLst>
+      <p:ext uri="{BB962C8B-B14F-4D97-AF65-F5344CB8AC3E}">
+        <p14:creationId xmlns:p14="http://schemas.microsoft.com/office/powerpoint/2010/main" val="1102328347"/>
+      </p:ext>
+    </p:extLst>
+  </p:cSld>
+  <p:clrMapOvr>
+    <a:masterClrMapping/>
+  </p:clrMapOvr>
+</p:sld>
+</file>
+
+<file path=ppt/slides/slide26.xml><?xml version="1.0" encoding="utf-8"?>
+<p:sld xmlns:a="http://schemas.openxmlformats.org/drawingml/2006/main" xmlns:r="http://schemas.openxmlformats.org/officeDocument/2006/relationships" xmlns:p="http://schemas.openxmlformats.org/presentationml/2006/main">
+  <p:cSld>
+    <p:spTree>
+      <p:nvGrpSpPr>
+        <p:cNvPr id="1" name=""/>
+        <p:cNvGrpSpPr/>
+        <p:nvPr/>
+      </p:nvGrpSpPr>
+      <p:grpSpPr>
+        <a:xfrm>
+          <a:off x="0" y="0"/>
+          <a:ext cx="0" cy="0"/>
+          <a:chOff x="0" y="0"/>
+          <a:chExt cx="0" cy="0"/>
+        </a:xfrm>
+      </p:grpSpPr>
+      <p:sp>
+        <p:nvSpPr>
+          <p:cNvPr id="2" name="Tittel 1"/>
+          <p:cNvSpPr>
+            <a:spLocks noGrp="1"/>
+          </p:cNvSpPr>
+          <p:nvPr>
+            <p:ph type="title"/>
+          </p:nvPr>
+        </p:nvSpPr>
+        <p:spPr/>
+        <p:txBody>
+          <a:bodyPr/>
+          <a:lstStyle/>
+          <a:p>
+            <a:r>
+              <a:rPr lang="nb-NO" dirty="0" smtClean="0"/>
+              <a:t>Kontakt	</a:t>
+            </a:r>
+            <a:endParaRPr lang="nb-NO" dirty="0"/>
+          </a:p>
+        </p:txBody>
+      </p:sp>
+      <p:sp>
+        <p:nvSpPr>
+          <p:cNvPr id="3" name="Plassholder for innhold 2"/>
+          <p:cNvSpPr>
+            <a:spLocks noGrp="1"/>
+          </p:cNvSpPr>
+          <p:nvPr>
+            <p:ph idx="1"/>
+          </p:nvPr>
+        </p:nvSpPr>
+        <p:spPr/>
+        <p:txBody>
+          <a:bodyPr/>
+          <a:lstStyle/>
+          <a:p>
+            <a:r>
+              <a:rPr lang="nb-NO" dirty="0" err="1" smtClean="0"/>
+              <a:t>Twitter</a:t>
+            </a:r>
+            <a:r>
+              <a:rPr lang="nb-NO" dirty="0" smtClean="0"/>
+              <a:t>: @</a:t>
+            </a:r>
+            <a:r>
+              <a:rPr lang="nb-NO" dirty="0" err="1" smtClean="0"/>
+              <a:t>stiasta</a:t>
+            </a:r>
+            <a:endParaRPr lang="nb-NO" dirty="0" smtClean="0"/>
+          </a:p>
+          <a:p>
+            <a:r>
+              <a:rPr lang="nb-NO" dirty="0" smtClean="0"/>
+              <a:t>E-post: </a:t>
+            </a:r>
+            <a:r>
+              <a:rPr lang="nb-NO" dirty="0" smtClean="0">
+                <a:hlinkClick r:id="rId2"/>
+              </a:rPr>
+              <a:t>stian_standahl@hotmail.com</a:t>
+            </a:r>
+            <a:endParaRPr lang="nb-NO" dirty="0" smtClean="0"/>
+          </a:p>
+          <a:p>
+            <a:r>
+              <a:rPr lang="nb-NO" dirty="0" err="1" smtClean="0"/>
+              <a:t>Slack</a:t>
+            </a:r>
+            <a:r>
+              <a:rPr lang="nb-NO" dirty="0" smtClean="0"/>
+              <a:t>: </a:t>
+            </a:r>
+            <a:r>
+              <a:rPr lang="nb-NO" dirty="0" err="1" smtClean="0"/>
+              <a:t>BartJS</a:t>
+            </a:r>
+            <a:r>
+              <a:rPr lang="nb-NO" dirty="0"/>
+              <a:t> </a:t>
+            </a:r>
+            <a:r>
+              <a:rPr lang="nb-NO" dirty="0" smtClean="0"/>
+              <a:t>( </a:t>
+            </a:r>
+            <a:r>
+              <a:rPr lang="nb-NO" dirty="0" smtClean="0">
+                <a:hlinkClick r:id="rId3"/>
+              </a:rPr>
+              <a:t>http</a:t>
+            </a:r>
+            <a:r>
+              <a:rPr lang="nb-NO" dirty="0">
+                <a:hlinkClick r:id="rId3"/>
+              </a:rPr>
+              <a:t>://slack.bartjs.io</a:t>
+            </a:r>
+            <a:r>
+              <a:rPr lang="nb-NO" dirty="0" smtClean="0">
+                <a:hlinkClick r:id="rId3"/>
+              </a:rPr>
+              <a:t>/</a:t>
+            </a:r>
+            <a:r>
+              <a:rPr lang="nb-NO" dirty="0" smtClean="0"/>
+              <a:t> )</a:t>
+            </a:r>
+          </a:p>
+          <a:p>
+            <a:endParaRPr lang="nb-NO" dirty="0"/>
+          </a:p>
+        </p:txBody>
+      </p:sp>
+    </p:spTree>
+    <p:extLst>
+      <p:ext uri="{BB962C8B-B14F-4D97-AF65-F5344CB8AC3E}">
+        <p14:creationId xmlns:p14="http://schemas.microsoft.com/office/powerpoint/2010/main" val="2857452201"/>
       </p:ext>
     </p:extLst>
   </p:cSld>

--- a/Ionic 2 workshop/Ionic 2 workshop.pptx
+++ b/Ionic 2 workshop/Ionic 2 workshop.pptx
@@ -5,7 +5,7 @@
     <p:sldMasterId id="2147483660" r:id="rId1"/>
   </p:sldMasterIdLst>
   <p:notesMasterIdLst>
-    <p:notesMasterId r:id="rId28"/>
+    <p:notesMasterId r:id="rId30"/>
   </p:notesMasterIdLst>
   <p:sldIdLst>
     <p:sldId id="256" r:id="rId2"/>
@@ -14,26 +14,28 @@
     <p:sldId id="261" r:id="rId5"/>
     <p:sldId id="257" r:id="rId6"/>
     <p:sldId id="263" r:id="rId7"/>
-    <p:sldId id="264" r:id="rId8"/>
-    <p:sldId id="262" r:id="rId9"/>
-    <p:sldId id="258" r:id="rId10"/>
-    <p:sldId id="269" r:id="rId11"/>
-    <p:sldId id="266" r:id="rId12"/>
-    <p:sldId id="260" r:id="rId13"/>
-    <p:sldId id="267" r:id="rId14"/>
-    <p:sldId id="272" r:id="rId15"/>
-    <p:sldId id="273" r:id="rId16"/>
-    <p:sldId id="259" r:id="rId17"/>
-    <p:sldId id="268" r:id="rId18"/>
-    <p:sldId id="274" r:id="rId19"/>
-    <p:sldId id="271" r:id="rId20"/>
-    <p:sldId id="276" r:id="rId21"/>
-    <p:sldId id="275" r:id="rId22"/>
-    <p:sldId id="277" r:id="rId23"/>
-    <p:sldId id="278" r:id="rId24"/>
-    <p:sldId id="279" r:id="rId25"/>
-    <p:sldId id="280" r:id="rId26"/>
-    <p:sldId id="281" r:id="rId27"/>
+    <p:sldId id="282" r:id="rId8"/>
+    <p:sldId id="283" r:id="rId9"/>
+    <p:sldId id="264" r:id="rId10"/>
+    <p:sldId id="262" r:id="rId11"/>
+    <p:sldId id="258" r:id="rId12"/>
+    <p:sldId id="269" r:id="rId13"/>
+    <p:sldId id="266" r:id="rId14"/>
+    <p:sldId id="260" r:id="rId15"/>
+    <p:sldId id="267" r:id="rId16"/>
+    <p:sldId id="272" r:id="rId17"/>
+    <p:sldId id="273" r:id="rId18"/>
+    <p:sldId id="259" r:id="rId19"/>
+    <p:sldId id="268" r:id="rId20"/>
+    <p:sldId id="274" r:id="rId21"/>
+    <p:sldId id="271" r:id="rId22"/>
+    <p:sldId id="276" r:id="rId23"/>
+    <p:sldId id="275" r:id="rId24"/>
+    <p:sldId id="277" r:id="rId25"/>
+    <p:sldId id="278" r:id="rId26"/>
+    <p:sldId id="279" r:id="rId27"/>
+    <p:sldId id="280" r:id="rId28"/>
+    <p:sldId id="281" r:id="rId29"/>
   </p:sldIdLst>
   <p:sldSz cx="12192000" cy="6858000"/>
   <p:notesSz cx="6858000" cy="9144000"/>
@@ -222,7 +224,7 @@
           <a:p>
             <a:fld id="{A5543B18-9950-4402-830C-70DFF55A9D6A}" type="datetimeFigureOut">
               <a:rPr lang="nb-NO" smtClean="0"/>
-              <a:t>11.03.2017</a:t>
+              <a:t>14.03.2017</a:t>
             </a:fld>
             <a:endParaRPr lang="nb-NO"/>
           </a:p>
@@ -286,38 +288,37 @@
           <a:p>
             <a:pPr lvl="0"/>
             <a:r>
-              <a:rPr lang="nb-NO" smtClean="0"/>
+              <a:rPr lang="nb-NO"/>
               <a:t>Rediger tekststiler i malen</a:t>
             </a:r>
           </a:p>
           <a:p>
             <a:pPr lvl="1"/>
             <a:r>
-              <a:rPr lang="nb-NO" smtClean="0"/>
+              <a:rPr lang="nb-NO"/>
               <a:t>Andre nivå</a:t>
             </a:r>
           </a:p>
           <a:p>
             <a:pPr lvl="2"/>
             <a:r>
-              <a:rPr lang="nb-NO" smtClean="0"/>
+              <a:rPr lang="nb-NO"/>
               <a:t>Tredje nivå</a:t>
             </a:r>
           </a:p>
           <a:p>
             <a:pPr lvl="3"/>
             <a:r>
-              <a:rPr lang="nb-NO" smtClean="0"/>
+              <a:rPr lang="nb-NO"/>
               <a:t>Fjerde nivå</a:t>
             </a:r>
           </a:p>
           <a:p>
             <a:pPr lvl="4"/>
             <a:r>
-              <a:rPr lang="nb-NO" smtClean="0"/>
+              <a:rPr lang="nb-NO"/>
               <a:t>Femte nivå</a:t>
             </a:r>
-            <a:endParaRPr lang="nb-NO"/>
           </a:p>
         </p:txBody>
       </p:sp>
@@ -555,7 +556,7 @@
           <a:p>
             <a:fld id="{6BEA58FB-0425-4043-8123-60513F4596AE}" type="slidenum">
               <a:rPr lang="nb-NO" smtClean="0"/>
-              <a:t>10</a:t>
+              <a:t>12</a:t>
             </a:fld>
             <a:endParaRPr lang="nb-NO"/>
           </a:p>
@@ -619,28 +620,28 @@
           <a:lstStyle/>
           <a:p>
             <a:r>
-              <a:rPr lang="nb-NO" dirty="0" smtClean="0"/>
+              <a:rPr lang="nb-NO" dirty="0"/>
               <a:t>Bruk F12</a:t>
             </a:r>
             <a:r>
-              <a:rPr lang="nb-NO" baseline="0" dirty="0" smtClean="0"/>
+              <a:rPr lang="nb-NO" baseline="0" dirty="0"/>
               <a:t> og </a:t>
             </a:r>
             <a:r>
-              <a:rPr lang="nb-NO" baseline="0" dirty="0" err="1" smtClean="0"/>
+              <a:rPr lang="nb-NO" baseline="0" dirty="0" err="1"/>
               <a:t>device</a:t>
             </a:r>
             <a:r>
-              <a:rPr lang="nb-NO" baseline="0" dirty="0" smtClean="0"/>
+              <a:rPr lang="nb-NO" baseline="0" dirty="0"/>
               <a:t> hvis man ikke vil kjøre det på mobilen.</a:t>
             </a:r>
           </a:p>
           <a:p>
-            <a:endParaRPr lang="nb-NO" baseline="0" dirty="0" smtClean="0"/>
-          </a:p>
-          <a:p>
-            <a:r>
-              <a:rPr lang="nb-NO" baseline="0" dirty="0" smtClean="0"/>
+            <a:endParaRPr lang="nb-NO" baseline="0" dirty="0"/>
+          </a:p>
+          <a:p>
+            <a:r>
+              <a:rPr lang="nb-NO" baseline="0" dirty="0"/>
               <a:t>Vis fram prosjektstruktur</a:t>
             </a:r>
           </a:p>
@@ -650,7 +651,7 @@
               <a:buChar char="-"/>
             </a:pPr>
             <a:r>
-              <a:rPr lang="nb-NO" baseline="0" dirty="0" smtClean="0"/>
+              <a:rPr lang="nb-NO" baseline="0" dirty="0"/>
               <a:t>Pages</a:t>
             </a:r>
           </a:p>
@@ -660,43 +661,35 @@
               <a:buChar char="-"/>
             </a:pPr>
             <a:r>
-              <a:rPr lang="nb-NO" baseline="0" dirty="0" err="1" smtClean="0"/>
+              <a:rPr lang="nb-NO" baseline="0" dirty="0" err="1"/>
               <a:t>Root</a:t>
-            </a:r>
-            <a:r>
-              <a:rPr lang="nb-NO" baseline="0" dirty="0" smtClean="0"/>
-              <a:t> </a:t>
-            </a:r>
-            <a:r>
-              <a:rPr lang="nb-NO" baseline="0" dirty="0" err="1" smtClean="0"/>
-              <a:t>component</a:t>
-            </a:r>
-            <a:r>
-              <a:rPr lang="nb-NO" baseline="0" dirty="0" smtClean="0"/>
-              <a:t> under app.html</a:t>
             </a:r>
             <a:r>
               <a:rPr lang="nb-NO" baseline="0" dirty="0"/>
               <a:t> </a:t>
             </a:r>
             <a:r>
-              <a:rPr lang="nb-NO" baseline="0" dirty="0" smtClean="0"/>
-              <a:t>og </a:t>
-            </a:r>
-            <a:r>
-              <a:rPr lang="nb-NO" baseline="0" dirty="0" err="1" smtClean="0"/>
+              <a:rPr lang="nb-NO" baseline="0" dirty="0" err="1"/>
+              <a:t>component</a:t>
+            </a:r>
+            <a:r>
+              <a:rPr lang="nb-NO" baseline="0" dirty="0"/>
+              <a:t> under app.html og </a:t>
+            </a:r>
+            <a:r>
+              <a:rPr lang="nb-NO" baseline="0" dirty="0" err="1"/>
               <a:t>app.module</a:t>
             </a:r>
             <a:r>
-              <a:rPr lang="nb-NO" baseline="0" dirty="0" smtClean="0"/>
+              <a:rPr lang="nb-NO" baseline="0" dirty="0"/>
               <a:t> </a:t>
             </a:r>
             <a:r>
-              <a:rPr lang="nb-NO" baseline="0" dirty="0" err="1" smtClean="0"/>
+              <a:rPr lang="nb-NO" baseline="0" dirty="0" err="1"/>
               <a:t>route</a:t>
             </a:r>
             <a:r>
-              <a:rPr lang="nb-NO" baseline="0" dirty="0" smtClean="0"/>
+              <a:rPr lang="nb-NO" baseline="0" dirty="0"/>
               <a:t>.</a:t>
             </a:r>
           </a:p>
@@ -719,7 +712,7 @@
           <a:p>
             <a:fld id="{6BEA58FB-0425-4043-8123-60513F4596AE}" type="slidenum">
               <a:rPr lang="nb-NO" smtClean="0"/>
-              <a:t>13</a:t>
+              <a:t>15</a:t>
             </a:fld>
             <a:endParaRPr lang="nb-NO"/>
           </a:p>
@@ -803,7 +796,7 @@
           <a:p>
             <a:fld id="{6BEA58FB-0425-4043-8123-60513F4596AE}" type="slidenum">
               <a:rPr lang="nb-NO" smtClean="0"/>
-              <a:t>15</a:t>
+              <a:t>17</a:t>
             </a:fld>
             <a:endParaRPr lang="nb-NO"/>
           </a:p>
@@ -867,15 +860,15 @@
           <a:lstStyle/>
           <a:p>
             <a:r>
-              <a:rPr lang="nb-NO" dirty="0" smtClean="0"/>
+              <a:rPr lang="nb-NO" dirty="0"/>
               <a:t>Hva er en </a:t>
             </a:r>
             <a:r>
-              <a:rPr lang="nb-NO" dirty="0" err="1" smtClean="0"/>
+              <a:rPr lang="nb-NO" dirty="0" err="1"/>
               <a:t>webkomponent</a:t>
             </a:r>
             <a:r>
-              <a:rPr lang="nb-NO" smtClean="0"/>
+              <a:rPr lang="nb-NO"/>
               <a:t>?</a:t>
             </a:r>
           </a:p>
@@ -901,7 +894,7 @@
           <a:p>
             <a:fld id="{6BEA58FB-0425-4043-8123-60513F4596AE}" type="slidenum">
               <a:rPr lang="nb-NO" smtClean="0"/>
-              <a:t>16</a:t>
+              <a:t>18</a:t>
             </a:fld>
             <a:endParaRPr lang="nb-NO"/>
           </a:p>
@@ -965,127 +958,127 @@
           <a:lstStyle/>
           <a:p>
             <a:r>
-              <a:rPr lang="nb-NO" dirty="0" smtClean="0"/>
+              <a:rPr lang="nb-NO" dirty="0"/>
               <a:t>Fasit</a:t>
             </a:r>
           </a:p>
           <a:p>
             <a:r>
-              <a:rPr lang="nb-NO" dirty="0" err="1" smtClean="0"/>
+              <a:rPr lang="nb-NO" dirty="0" err="1"/>
               <a:t>Ionic</a:t>
             </a:r>
             <a:r>
-              <a:rPr lang="nb-NO" baseline="0" dirty="0" smtClean="0"/>
+              <a:rPr lang="nb-NO" baseline="0" dirty="0"/>
               <a:t> g </a:t>
             </a:r>
             <a:r>
-              <a:rPr lang="nb-NO" baseline="0" dirty="0" err="1" smtClean="0"/>
+              <a:rPr lang="nb-NO" baseline="0" dirty="0" err="1"/>
               <a:t>component</a:t>
             </a:r>
             <a:r>
-              <a:rPr lang="nb-NO" baseline="0" dirty="0" smtClean="0"/>
+              <a:rPr lang="nb-NO" baseline="0" dirty="0"/>
               <a:t> </a:t>
             </a:r>
             <a:r>
-              <a:rPr lang="nb-NO" baseline="0" dirty="0" err="1" smtClean="0"/>
+              <a:rPr lang="nb-NO" baseline="0" dirty="0" err="1"/>
               <a:t>chatInput</a:t>
             </a:r>
-            <a:endParaRPr lang="nb-NO" baseline="0" dirty="0" smtClean="0"/>
-          </a:p>
-          <a:p>
-            <a:r>
-              <a:rPr lang="nb-NO" baseline="0" dirty="0" err="1" smtClean="0"/>
+            <a:endParaRPr lang="nb-NO" baseline="0" dirty="0"/>
+          </a:p>
+          <a:p>
+            <a:r>
+              <a:rPr lang="nb-NO" baseline="0" dirty="0" err="1"/>
               <a:t>Ionic</a:t>
             </a:r>
             <a:r>
-              <a:rPr lang="nb-NO" baseline="0" dirty="0" smtClean="0"/>
+              <a:rPr lang="nb-NO" baseline="0" dirty="0"/>
               <a:t> g </a:t>
             </a:r>
             <a:r>
-              <a:rPr lang="nb-NO" baseline="0" dirty="0" err="1" smtClean="0"/>
+              <a:rPr lang="nb-NO" baseline="0" dirty="0" err="1"/>
               <a:t>component</a:t>
             </a:r>
             <a:r>
-              <a:rPr lang="nb-NO" baseline="0" dirty="0" smtClean="0"/>
+              <a:rPr lang="nb-NO" baseline="0" dirty="0"/>
               <a:t> </a:t>
             </a:r>
             <a:r>
-              <a:rPr lang="nb-NO" baseline="0" dirty="0" err="1" smtClean="0"/>
+              <a:rPr lang="nb-NO" baseline="0" dirty="0" err="1"/>
               <a:t>chatContent</a:t>
             </a:r>
-            <a:endParaRPr lang="nb-NO" baseline="0" dirty="0" smtClean="0"/>
-          </a:p>
-          <a:p>
-            <a:endParaRPr lang="nb-NO" baseline="0" dirty="0" smtClean="0"/>
-          </a:p>
-          <a:p>
-            <a:r>
-              <a:rPr lang="nb-NO" baseline="0" dirty="0" smtClean="0"/>
+            <a:endParaRPr lang="nb-NO" baseline="0" dirty="0"/>
+          </a:p>
+          <a:p>
+            <a:endParaRPr lang="nb-NO" baseline="0" dirty="0"/>
+          </a:p>
+          <a:p>
+            <a:r>
+              <a:rPr lang="nb-NO" baseline="0" dirty="0"/>
               <a:t>Content:</a:t>
             </a:r>
           </a:p>
           <a:p>
             <a:r>
-              <a:rPr lang="nb-NO" baseline="0" dirty="0" smtClean="0"/>
+              <a:rPr lang="nb-NO" baseline="0" dirty="0"/>
               <a:t>&lt;ion-</a:t>
             </a:r>
             <a:r>
-              <a:rPr lang="nb-NO" baseline="0" dirty="0" err="1" smtClean="0"/>
+              <a:rPr lang="nb-NO" baseline="0" dirty="0" err="1"/>
               <a:t>card</a:t>
             </a:r>
             <a:r>
-              <a:rPr lang="nb-NO" baseline="0" dirty="0" smtClean="0"/>
+              <a:rPr lang="nb-NO" baseline="0" dirty="0"/>
               <a:t>&gt;</a:t>
             </a:r>
           </a:p>
           <a:p>
             <a:r>
-              <a:rPr lang="nb-NO" baseline="0" dirty="0" smtClean="0"/>
+              <a:rPr lang="nb-NO" baseline="0" dirty="0"/>
               <a:t>&lt;ion-</a:t>
             </a:r>
             <a:r>
-              <a:rPr lang="nb-NO" baseline="0" dirty="0" err="1" smtClean="0"/>
+              <a:rPr lang="nb-NO" baseline="0" dirty="0" err="1"/>
               <a:t>card</a:t>
             </a:r>
             <a:r>
-              <a:rPr lang="nb-NO" baseline="0" dirty="0" smtClean="0"/>
+              <a:rPr lang="nb-NO" baseline="0" dirty="0"/>
               <a:t>-header&gt;</a:t>
             </a:r>
           </a:p>
           <a:p>
             <a:r>
-              <a:rPr lang="nb-NO" baseline="0" dirty="0" smtClean="0"/>
+              <a:rPr lang="nb-NO" baseline="0" dirty="0"/>
               <a:t>&lt;ion-</a:t>
             </a:r>
             <a:r>
-              <a:rPr lang="nb-NO" baseline="0" dirty="0" err="1" smtClean="0"/>
+              <a:rPr lang="nb-NO" baseline="0" dirty="0" err="1"/>
               <a:t>card</a:t>
             </a:r>
             <a:r>
-              <a:rPr lang="nb-NO" baseline="0" dirty="0" smtClean="0"/>
+              <a:rPr lang="nb-NO" baseline="0" dirty="0"/>
               <a:t>-</a:t>
             </a:r>
             <a:r>
-              <a:rPr lang="nb-NO" baseline="0" dirty="0" err="1" smtClean="0"/>
+              <a:rPr lang="nb-NO" baseline="0" dirty="0" err="1"/>
               <a:t>content</a:t>
             </a:r>
             <a:r>
-              <a:rPr lang="nb-NO" baseline="0" dirty="0" smtClean="0"/>
+              <a:rPr lang="nb-NO" baseline="0" dirty="0"/>
               <a:t>&gt;</a:t>
             </a:r>
           </a:p>
           <a:p>
-            <a:endParaRPr lang="nb-NO" baseline="0" dirty="0" smtClean="0"/>
-          </a:p>
-          <a:p>
-            <a:r>
-              <a:rPr lang="nb-NO" baseline="0" dirty="0" smtClean="0"/>
+            <a:endParaRPr lang="nb-NO" baseline="0" dirty="0"/>
+          </a:p>
+          <a:p>
+            <a:r>
+              <a:rPr lang="nb-NO" baseline="0" dirty="0"/>
               <a:t>Input </a:t>
             </a:r>
           </a:p>
           <a:p>
             <a:r>
-              <a:rPr lang="en-US" sz="1200" b="0" kern="1200" dirty="0" smtClean="0">
+              <a:rPr lang="en-US" sz="1200" b="0" kern="1200" dirty="0">
                 <a:solidFill>
                   <a:schemeClr val="tx1"/>
                 </a:solidFill>
@@ -1099,7 +1092,7 @@
           </a:p>
           <a:p>
             <a:r>
-              <a:rPr lang="en-US" sz="1200" b="0" kern="1200" dirty="0" smtClean="0">
+              <a:rPr lang="en-US" sz="1200" b="0" kern="1200" dirty="0">
                 <a:solidFill>
                   <a:schemeClr val="tx1"/>
                 </a:solidFill>
@@ -1113,7 +1106,7 @@
           </a:p>
           <a:p>
             <a:r>
-              <a:rPr lang="en-US" sz="1200" b="0" kern="1200" dirty="0" smtClean="0">
+              <a:rPr lang="en-US" sz="1200" b="0" kern="1200" dirty="0">
                 <a:solidFill>
                   <a:schemeClr val="tx1"/>
                 </a:solidFill>
@@ -1127,7 +1120,7 @@
           </a:p>
           <a:p>
             <a:r>
-              <a:rPr lang="en-US" sz="1200" b="0" kern="1200" dirty="0" smtClean="0">
+              <a:rPr lang="en-US" sz="1200" b="0" kern="1200" dirty="0">
                 <a:solidFill>
                   <a:schemeClr val="tx1"/>
                 </a:solidFill>
@@ -1140,7 +1133,7 @@
             </a:r>
           </a:p>
           <a:p>
-            <a:endParaRPr lang="en-US" sz="1200" b="0" kern="1200" dirty="0" smtClean="0">
+            <a:endParaRPr lang="en-US" sz="1200" b="0" kern="1200" dirty="0">
               <a:solidFill>
                 <a:schemeClr val="tx1"/>
               </a:solidFill>
@@ -1152,7 +1145,7 @@
           </a:p>
           <a:p>
             <a:r>
-              <a:rPr lang="en-US" sz="1200" b="0" kern="1200" dirty="0" smtClean="0">
+              <a:rPr lang="en-US" sz="1200" b="0" kern="1200" dirty="0">
                 <a:solidFill>
                   <a:schemeClr val="tx1"/>
                 </a:solidFill>
@@ -1166,7 +1159,7 @@
           </a:p>
           <a:p>
             <a:r>
-              <a:rPr lang="en-US" sz="1200" b="0" kern="1200" dirty="0" smtClean="0">
+              <a:rPr lang="en-US" sz="1200" b="0" kern="1200" dirty="0">
                 <a:solidFill>
                   <a:schemeClr val="tx1"/>
                 </a:solidFill>
@@ -1178,7 +1171,7 @@
               <a:t>&lt;ion-content class="cards-</a:t>
             </a:r>
             <a:r>
-              <a:rPr lang="en-US" sz="1200" b="0" kern="1200" dirty="0" err="1" smtClean="0">
+              <a:rPr lang="en-US" sz="1200" b="0" kern="1200" dirty="0" err="1">
                 <a:solidFill>
                   <a:schemeClr val="tx1"/>
                 </a:solidFill>
@@ -1190,7 +1183,7 @@
               <a:t>bg</a:t>
             </a:r>
             <a:r>
-              <a:rPr lang="en-US" sz="1200" b="0" kern="1200" dirty="0" smtClean="0">
+              <a:rPr lang="en-US" sz="1200" b="0" kern="1200" dirty="0">
                 <a:solidFill>
                   <a:schemeClr val="tx1"/>
                 </a:solidFill>
@@ -1204,7 +1197,7 @@
           </a:p>
           <a:p>
             <a:r>
-              <a:rPr lang="en-US" sz="1200" b="0" kern="1200" dirty="0" smtClean="0">
+              <a:rPr lang="en-US" sz="1200" b="0" kern="1200" dirty="0">
                 <a:solidFill>
                   <a:schemeClr val="tx1"/>
                 </a:solidFill>
@@ -1218,7 +1211,7 @@
           </a:p>
           <a:p>
             <a:r>
-              <a:rPr lang="en-US" sz="1200" b="0" kern="1200" dirty="0" smtClean="0">
+              <a:rPr lang="en-US" sz="1200" b="0" kern="1200" dirty="0">
                 <a:solidFill>
                   <a:schemeClr val="tx1"/>
                 </a:solidFill>
@@ -1231,20 +1224,8 @@
             </a:r>
           </a:p>
           <a:p>
-            <a:r>
-              <a:rPr lang="en-US" sz="1200" b="0" kern="1200" dirty="0" smtClean="0">
-                <a:solidFill>
-                  <a:schemeClr val="tx1"/>
-                </a:solidFill>
-                <a:effectLst/>
-                <a:latin typeface="+mn-lt"/>
-                <a:ea typeface="+mn-ea"/>
-                <a:cs typeface="+mn-cs"/>
-              </a:rPr>
-              <a:t/>
-            </a:r>
             <a:br>
-              <a:rPr lang="en-US" sz="1200" b="0" kern="1200" dirty="0" smtClean="0">
+              <a:rPr lang="en-US" sz="1200" b="0" kern="1200" dirty="0">
                 <a:solidFill>
                   <a:schemeClr val="tx1"/>
                 </a:solidFill>
@@ -1255,7 +1236,7 @@
               </a:rPr>
             </a:br>
             <a:r>
-              <a:rPr lang="en-US" sz="1200" b="0" kern="1200" dirty="0" smtClean="0">
+              <a:rPr lang="en-US" sz="1200" b="0" kern="1200" dirty="0">
                 <a:solidFill>
                   <a:schemeClr val="tx1"/>
                 </a:solidFill>
@@ -1269,7 +1250,7 @@
           </a:p>
           <a:p>
             <a:r>
-              <a:rPr lang="en-US" sz="1200" b="0" kern="1200" dirty="0" smtClean="0">
+              <a:rPr lang="en-US" sz="1200" b="0" kern="1200" dirty="0">
                 <a:solidFill>
                   <a:schemeClr val="tx1"/>
                 </a:solidFill>
@@ -1283,7 +1264,7 @@
           </a:p>
           <a:p>
             <a:r>
-              <a:rPr lang="en-US" sz="1200" b="0" kern="1200" dirty="0" smtClean="0">
+              <a:rPr lang="en-US" sz="1200" b="0" kern="1200" dirty="0">
                 <a:solidFill>
                   <a:schemeClr val="tx1"/>
                 </a:solidFill>
@@ -1297,7 +1278,7 @@
           </a:p>
           <a:p>
             <a:r>
-              <a:rPr lang="en-US" sz="1200" b="0" kern="1200" dirty="0" smtClean="0">
+              <a:rPr lang="en-US" sz="1200" b="0" kern="1200" dirty="0">
                 <a:solidFill>
                   <a:schemeClr val="tx1"/>
                 </a:solidFill>
@@ -1311,7 +1292,7 @@
           </a:p>
           <a:p>
             <a:r>
-              <a:rPr lang="en-US" sz="1200" b="0" kern="1200" dirty="0" smtClean="0">
+              <a:rPr lang="en-US" sz="1200" b="0" kern="1200" dirty="0">
                 <a:solidFill>
                   <a:schemeClr val="tx1"/>
                 </a:solidFill>
@@ -1324,7 +1305,7 @@
             </a:r>
           </a:p>
           <a:p>
-            <a:endParaRPr lang="en-US" sz="1200" b="0" kern="1200" dirty="0" smtClean="0">
+            <a:endParaRPr lang="en-US" sz="1200" b="0" kern="1200" dirty="0">
               <a:solidFill>
                 <a:schemeClr val="tx1"/>
               </a:solidFill>
@@ -1335,7 +1316,7 @@
             </a:endParaRPr>
           </a:p>
           <a:p>
-            <a:endParaRPr lang="nb-NO" baseline="0" dirty="0" smtClean="0"/>
+            <a:endParaRPr lang="nb-NO" baseline="0" dirty="0"/>
           </a:p>
         </p:txBody>
       </p:sp>
@@ -1356,7 +1337,7 @@
           <a:p>
             <a:fld id="{6BEA58FB-0425-4043-8123-60513F4596AE}" type="slidenum">
               <a:rPr lang="nb-NO" smtClean="0"/>
-              <a:t>17</a:t>
+              <a:t>19</a:t>
             </a:fld>
             <a:endParaRPr lang="nb-NO"/>
           </a:p>
@@ -1439,7 +1420,7 @@
           <a:p>
             <a:fld id="{952976F7-1A1B-47BF-994D-21B9772F57A5}" type="datetimeFigureOut">
               <a:rPr lang="nb-NO" smtClean="0"/>
-              <a:t>11.03.2017</a:t>
+              <a:t>14.03.2017</a:t>
             </a:fld>
             <a:endParaRPr lang="nb-NO"/>
           </a:p>
@@ -1511,10 +1492,9 @@
           </a:lstStyle>
           <a:p>
             <a:r>
-              <a:rPr lang="nb-NO" dirty="0" smtClean="0"/>
+              <a:rPr lang="nb-NO" dirty="0"/>
               <a:t>KLIKK  undertittel</a:t>
             </a:r>
-            <a:endParaRPr lang="nb-NO" dirty="0"/>
           </a:p>
         </p:txBody>
       </p:sp>
@@ -1549,7 +1529,7 @@
           </a:lstStyle>
           <a:p>
             <a:r>
-              <a:rPr lang="nb-NO" smtClean="0"/>
+              <a:rPr lang="nb-NO"/>
               <a:t>Klikk for å redigere tittelstil</a:t>
             </a:r>
             <a:endParaRPr lang="nb-NO" dirty="0"/>
@@ -1687,13 +1667,6 @@
   <p:clrMapOvr>
     <a:masterClrMapping/>
   </p:clrMapOvr>
-  <p:timing>
-    <p:tnLst>
-      <p:par>
-        <p:cTn id="1" dur="indefinite" restart="never" nodeType="tmRoot"/>
-      </p:par>
-    </p:tnLst>
-  </p:timing>
   <p:extLst mod="1">
     <p:ext uri="{DCECCB84-F9BA-43D5-87BE-67443E8EF086}">
       <p15:sldGuideLst xmlns:p15="http://schemas.microsoft.com/office/powerpoint/2012/main">
@@ -1746,10 +1719,9 @@
           <a:lstStyle/>
           <a:p>
             <a:r>
-              <a:rPr lang="nb-NO" smtClean="0"/>
+              <a:rPr lang="nb-NO"/>
               <a:t>Klikk for å redigere tittelstil</a:t>
             </a:r>
-            <a:endParaRPr lang="nb-NO"/>
           </a:p>
         </p:txBody>
       </p:sp>
@@ -1770,35 +1742,35 @@
           <a:p>
             <a:pPr lvl="0"/>
             <a:r>
-              <a:rPr lang="nb-NO" smtClean="0"/>
+              <a:rPr lang="nb-NO"/>
               <a:t>Rediger tekststiler i malen</a:t>
             </a:r>
           </a:p>
           <a:p>
             <a:pPr lvl="1"/>
             <a:r>
-              <a:rPr lang="nb-NO" smtClean="0"/>
+              <a:rPr lang="nb-NO"/>
               <a:t>Andre nivå</a:t>
             </a:r>
           </a:p>
           <a:p>
             <a:pPr lvl="2"/>
             <a:r>
-              <a:rPr lang="nb-NO" smtClean="0"/>
+              <a:rPr lang="nb-NO"/>
               <a:t>Tredje nivå</a:t>
             </a:r>
           </a:p>
           <a:p>
             <a:pPr lvl="3"/>
             <a:r>
-              <a:rPr lang="nb-NO" smtClean="0"/>
+              <a:rPr lang="nb-NO"/>
               <a:t>Fjerde nivå</a:t>
             </a:r>
           </a:p>
           <a:p>
             <a:pPr lvl="4"/>
             <a:r>
-              <a:rPr lang="nb-NO" smtClean="0"/>
+              <a:rPr lang="nb-NO"/>
               <a:t>Femte nivå</a:t>
             </a:r>
             <a:endParaRPr lang="nb-NO" dirty="0"/>
@@ -1822,7 +1794,7 @@
           <a:p>
             <a:fld id="{952976F7-1A1B-47BF-994D-21B9772F57A5}" type="datetimeFigureOut">
               <a:rPr lang="nb-NO" smtClean="0"/>
-              <a:t>11.03.2017</a:t>
+              <a:t>14.03.2017</a:t>
             </a:fld>
             <a:endParaRPr lang="nb-NO"/>
           </a:p>
@@ -1899,13 +1871,6 @@
   <p:clrMapOvr>
     <a:masterClrMapping/>
   </p:clrMapOvr>
-  <p:timing>
-    <p:tnLst>
-      <p:par>
-        <p:cTn id="1" dur="indefinite" restart="never" nodeType="tmRoot"/>
-      </p:par>
-    </p:tnLst>
-  </p:timing>
 </p:sldLayout>
 </file>
 
@@ -1951,7 +1916,7 @@
           </a:lstStyle>
           <a:p>
             <a:r>
-              <a:rPr lang="nb-NO" smtClean="0"/>
+              <a:rPr lang="nb-NO"/>
               <a:t>Klikk for å redigere tittelstil</a:t>
             </a:r>
             <a:endParaRPr lang="nb-NO" dirty="0"/>
@@ -2071,7 +2036,7 @@
           <a:p>
             <a:pPr lvl="0"/>
             <a:r>
-              <a:rPr lang="nb-NO" smtClean="0"/>
+              <a:rPr lang="nb-NO"/>
               <a:t>Rediger tekststiler i malen</a:t>
             </a:r>
           </a:p>
@@ -2094,7 +2059,7 @@
           <a:p>
             <a:fld id="{952976F7-1A1B-47BF-994D-21B9772F57A5}" type="datetimeFigureOut">
               <a:rPr lang="nb-NO" smtClean="0"/>
-              <a:t>11.03.2017</a:t>
+              <a:t>14.03.2017</a:t>
             </a:fld>
             <a:endParaRPr lang="nb-NO"/>
           </a:p>
@@ -2171,13 +2136,6 @@
   <p:clrMapOvr>
     <a:masterClrMapping/>
   </p:clrMapOvr>
-  <p:timing>
-    <p:tnLst>
-      <p:par>
-        <p:cTn id="1" dur="indefinite" restart="never" nodeType="tmRoot"/>
-      </p:par>
-    </p:tnLst>
-  </p:timing>
 </p:sldLayout>
 </file>
 
@@ -2214,10 +2172,9 @@
           <a:lstStyle/>
           <a:p>
             <a:r>
-              <a:rPr lang="nb-NO" smtClean="0"/>
+              <a:rPr lang="nb-NO"/>
               <a:t>Klikk for å redigere tittelstil</a:t>
             </a:r>
-            <a:endParaRPr lang="nb-NO"/>
           </a:p>
         </p:txBody>
       </p:sp>
@@ -2243,35 +2200,35 @@
           <a:p>
             <a:pPr lvl="0"/>
             <a:r>
-              <a:rPr lang="nb-NO" smtClean="0"/>
+              <a:rPr lang="nb-NO"/>
               <a:t>Rediger tekststiler i malen</a:t>
             </a:r>
           </a:p>
           <a:p>
             <a:pPr lvl="1"/>
             <a:r>
-              <a:rPr lang="nb-NO" smtClean="0"/>
+              <a:rPr lang="nb-NO"/>
               <a:t>Andre nivå</a:t>
             </a:r>
           </a:p>
           <a:p>
             <a:pPr lvl="2"/>
             <a:r>
-              <a:rPr lang="nb-NO" smtClean="0"/>
+              <a:rPr lang="nb-NO"/>
               <a:t>Tredje nivå</a:t>
             </a:r>
           </a:p>
           <a:p>
             <a:pPr lvl="3"/>
             <a:r>
-              <a:rPr lang="nb-NO" smtClean="0"/>
+              <a:rPr lang="nb-NO"/>
               <a:t>Fjerde nivå</a:t>
             </a:r>
           </a:p>
           <a:p>
             <a:pPr lvl="4"/>
             <a:r>
-              <a:rPr lang="nb-NO" smtClean="0"/>
+              <a:rPr lang="nb-NO"/>
               <a:t>Femte nivå</a:t>
             </a:r>
             <a:endParaRPr lang="nb-NO" dirty="0"/>
@@ -2300,38 +2257,37 @@
           <a:p>
             <a:pPr lvl="0"/>
             <a:r>
-              <a:rPr lang="nb-NO" smtClean="0"/>
+              <a:rPr lang="nb-NO"/>
               <a:t>Rediger tekststiler i malen</a:t>
             </a:r>
           </a:p>
           <a:p>
             <a:pPr lvl="1"/>
             <a:r>
-              <a:rPr lang="nb-NO" smtClean="0"/>
+              <a:rPr lang="nb-NO"/>
               <a:t>Andre nivå</a:t>
             </a:r>
           </a:p>
           <a:p>
             <a:pPr lvl="2"/>
             <a:r>
-              <a:rPr lang="nb-NO" smtClean="0"/>
+              <a:rPr lang="nb-NO"/>
               <a:t>Tredje nivå</a:t>
             </a:r>
           </a:p>
           <a:p>
             <a:pPr lvl="3"/>
             <a:r>
-              <a:rPr lang="nb-NO" smtClean="0"/>
+              <a:rPr lang="nb-NO"/>
               <a:t>Fjerde nivå</a:t>
             </a:r>
           </a:p>
           <a:p>
             <a:pPr lvl="4"/>
             <a:r>
-              <a:rPr lang="nb-NO" smtClean="0"/>
+              <a:rPr lang="nb-NO"/>
               <a:t>Femte nivå</a:t>
             </a:r>
-            <a:endParaRPr lang="nb-NO"/>
           </a:p>
         </p:txBody>
       </p:sp>
@@ -2352,7 +2308,7 @@
           <a:p>
             <a:fld id="{952976F7-1A1B-47BF-994D-21B9772F57A5}" type="datetimeFigureOut">
               <a:rPr lang="nb-NO" smtClean="0"/>
-              <a:t>11.03.2017</a:t>
+              <a:t>14.03.2017</a:t>
             </a:fld>
             <a:endParaRPr lang="nb-NO"/>
           </a:p>
@@ -2429,13 +2385,6 @@
   <p:clrMapOvr>
     <a:masterClrMapping/>
   </p:clrMapOvr>
-  <p:timing>
-    <p:tnLst>
-      <p:par>
-        <p:cTn id="1" dur="indefinite" restart="never" nodeType="tmRoot"/>
-      </p:par>
-    </p:tnLst>
-  </p:timing>
 </p:sldLayout>
 </file>
 
@@ -2477,10 +2426,9 @@
           <a:lstStyle/>
           <a:p>
             <a:r>
-              <a:rPr lang="nb-NO" smtClean="0"/>
+              <a:rPr lang="nb-NO"/>
               <a:t>Klikk for å redigere tittelstil</a:t>
             </a:r>
-            <a:endParaRPr lang="nb-NO"/>
           </a:p>
         </p:txBody>
       </p:sp>
@@ -2549,7 +2497,7 @@
           <a:p>
             <a:pPr lvl="0"/>
             <a:r>
-              <a:rPr lang="nb-NO" smtClean="0"/>
+              <a:rPr lang="nb-NO"/>
               <a:t>Rediger tekststiler i malen</a:t>
             </a:r>
           </a:p>
@@ -2577,35 +2525,35 @@
           <a:p>
             <a:pPr lvl="0"/>
             <a:r>
-              <a:rPr lang="nb-NO" smtClean="0"/>
+              <a:rPr lang="nb-NO"/>
               <a:t>Rediger tekststiler i malen</a:t>
             </a:r>
           </a:p>
           <a:p>
             <a:pPr lvl="1"/>
             <a:r>
-              <a:rPr lang="nb-NO" smtClean="0"/>
+              <a:rPr lang="nb-NO"/>
               <a:t>Andre nivå</a:t>
             </a:r>
           </a:p>
           <a:p>
             <a:pPr lvl="2"/>
             <a:r>
-              <a:rPr lang="nb-NO" smtClean="0"/>
+              <a:rPr lang="nb-NO"/>
               <a:t>Tredje nivå</a:t>
             </a:r>
           </a:p>
           <a:p>
             <a:pPr lvl="3"/>
             <a:r>
-              <a:rPr lang="nb-NO" smtClean="0"/>
+              <a:rPr lang="nb-NO"/>
               <a:t>Fjerde nivå</a:t>
             </a:r>
           </a:p>
           <a:p>
             <a:pPr lvl="4"/>
             <a:r>
-              <a:rPr lang="nb-NO" smtClean="0"/>
+              <a:rPr lang="nb-NO"/>
               <a:t>Femte nivå</a:t>
             </a:r>
             <a:endParaRPr lang="nb-NO" dirty="0"/>
@@ -2677,7 +2625,7 @@
           <a:p>
             <a:pPr lvl="0"/>
             <a:r>
-              <a:rPr lang="nb-NO" smtClean="0"/>
+              <a:rPr lang="nb-NO"/>
               <a:t>Rediger tekststiler i malen</a:t>
             </a:r>
           </a:p>
@@ -2705,38 +2653,37 @@
           <a:p>
             <a:pPr lvl="0"/>
             <a:r>
-              <a:rPr lang="nb-NO" smtClean="0"/>
+              <a:rPr lang="nb-NO"/>
               <a:t>Rediger tekststiler i malen</a:t>
             </a:r>
           </a:p>
           <a:p>
             <a:pPr lvl="1"/>
             <a:r>
-              <a:rPr lang="nb-NO" smtClean="0"/>
+              <a:rPr lang="nb-NO"/>
               <a:t>Andre nivå</a:t>
             </a:r>
           </a:p>
           <a:p>
             <a:pPr lvl="2"/>
             <a:r>
-              <a:rPr lang="nb-NO" smtClean="0"/>
+              <a:rPr lang="nb-NO"/>
               <a:t>Tredje nivå</a:t>
             </a:r>
           </a:p>
           <a:p>
             <a:pPr lvl="3"/>
             <a:r>
-              <a:rPr lang="nb-NO" smtClean="0"/>
+              <a:rPr lang="nb-NO"/>
               <a:t>Fjerde nivå</a:t>
             </a:r>
           </a:p>
           <a:p>
             <a:pPr lvl="4"/>
             <a:r>
-              <a:rPr lang="nb-NO" smtClean="0"/>
+              <a:rPr lang="nb-NO"/>
               <a:t>Femte nivå</a:t>
             </a:r>
-            <a:endParaRPr lang="nb-NO"/>
           </a:p>
         </p:txBody>
       </p:sp>
@@ -2757,7 +2704,7 @@
           <a:p>
             <a:fld id="{952976F7-1A1B-47BF-994D-21B9772F57A5}" type="datetimeFigureOut">
               <a:rPr lang="nb-NO" smtClean="0"/>
-              <a:t>11.03.2017</a:t>
+              <a:t>14.03.2017</a:t>
             </a:fld>
             <a:endParaRPr lang="nb-NO"/>
           </a:p>
@@ -2834,13 +2781,6 @@
   <p:clrMapOvr>
     <a:masterClrMapping/>
   </p:clrMapOvr>
-  <p:timing>
-    <p:tnLst>
-      <p:par>
-        <p:cTn id="1" dur="indefinite" restart="never" nodeType="tmRoot"/>
-      </p:par>
-    </p:tnLst>
-  </p:timing>
 </p:sldLayout>
 </file>
 
@@ -2877,10 +2817,9 @@
           <a:lstStyle/>
           <a:p>
             <a:r>
-              <a:rPr lang="nb-NO" smtClean="0"/>
+              <a:rPr lang="nb-NO"/>
               <a:t>Klikk for å redigere tittelstil</a:t>
             </a:r>
-            <a:endParaRPr lang="nb-NO"/>
           </a:p>
         </p:txBody>
       </p:sp>
@@ -2901,7 +2840,7 @@
           <a:p>
             <a:fld id="{952976F7-1A1B-47BF-994D-21B9772F57A5}" type="datetimeFigureOut">
               <a:rPr lang="nb-NO" smtClean="0"/>
-              <a:t>11.03.2017</a:t>
+              <a:t>14.03.2017</a:t>
             </a:fld>
             <a:endParaRPr lang="nb-NO"/>
           </a:p>
@@ -2978,13 +2917,6 @@
   <p:clrMapOvr>
     <a:masterClrMapping/>
   </p:clrMapOvr>
-  <p:timing>
-    <p:tnLst>
-      <p:par>
-        <p:cTn id="1" dur="indefinite" restart="never" nodeType="tmRoot"/>
-      </p:par>
-    </p:tnLst>
-  </p:timing>
 </p:sldLayout>
 </file>
 
@@ -3022,7 +2954,7 @@
           <a:p>
             <a:fld id="{952976F7-1A1B-47BF-994D-21B9772F57A5}" type="datetimeFigureOut">
               <a:rPr lang="nb-NO" smtClean="0"/>
-              <a:t>11.03.2017</a:t>
+              <a:t>14.03.2017</a:t>
             </a:fld>
             <a:endParaRPr lang="nb-NO"/>
           </a:p>
@@ -3099,13 +3031,6 @@
   <p:clrMapOvr>
     <a:masterClrMapping/>
   </p:clrMapOvr>
-  <p:timing>
-    <p:tnLst>
-      <p:par>
-        <p:cTn id="1" dur="indefinite" restart="never" nodeType="tmRoot"/>
-      </p:par>
-    </p:tnLst>
-  </p:timing>
 </p:sldLayout>
 </file>
 
@@ -3151,10 +3076,9 @@
           </a:lstStyle>
           <a:p>
             <a:r>
-              <a:rPr lang="nb-NO" smtClean="0"/>
+              <a:rPr lang="nb-NO"/>
               <a:t>Klikk for å redigere tittelstil</a:t>
             </a:r>
-            <a:endParaRPr lang="nb-NO"/>
           </a:p>
         </p:txBody>
       </p:sp>
@@ -3208,38 +3132,37 @@
           <a:p>
             <a:pPr lvl="0"/>
             <a:r>
-              <a:rPr lang="nb-NO" smtClean="0"/>
+              <a:rPr lang="nb-NO"/>
               <a:t>Rediger tekststiler i malen</a:t>
             </a:r>
           </a:p>
           <a:p>
             <a:pPr lvl="1"/>
             <a:r>
-              <a:rPr lang="nb-NO" smtClean="0"/>
+              <a:rPr lang="nb-NO"/>
               <a:t>Andre nivå</a:t>
             </a:r>
           </a:p>
           <a:p>
             <a:pPr lvl="2"/>
             <a:r>
-              <a:rPr lang="nb-NO" smtClean="0"/>
+              <a:rPr lang="nb-NO"/>
               <a:t>Tredje nivå</a:t>
             </a:r>
           </a:p>
           <a:p>
             <a:pPr lvl="3"/>
             <a:r>
-              <a:rPr lang="nb-NO" smtClean="0"/>
+              <a:rPr lang="nb-NO"/>
               <a:t>Fjerde nivå</a:t>
             </a:r>
           </a:p>
           <a:p>
             <a:pPr lvl="4"/>
             <a:r>
-              <a:rPr lang="nb-NO" smtClean="0"/>
+              <a:rPr lang="nb-NO"/>
               <a:t>Femte nivå</a:t>
             </a:r>
-            <a:endParaRPr lang="nb-NO"/>
           </a:p>
         </p:txBody>
       </p:sp>
@@ -3302,7 +3225,7 @@
           <a:p>
             <a:pPr lvl="0"/>
             <a:r>
-              <a:rPr lang="nb-NO" smtClean="0"/>
+              <a:rPr lang="nb-NO"/>
               <a:t>Rediger tekststiler i malen</a:t>
             </a:r>
           </a:p>
@@ -3325,7 +3248,7 @@
           <a:p>
             <a:fld id="{952976F7-1A1B-47BF-994D-21B9772F57A5}" type="datetimeFigureOut">
               <a:rPr lang="nb-NO" smtClean="0"/>
-              <a:t>11.03.2017</a:t>
+              <a:t>14.03.2017</a:t>
             </a:fld>
             <a:endParaRPr lang="nb-NO"/>
           </a:p>
@@ -3402,13 +3325,6 @@
   <p:clrMapOvr>
     <a:masterClrMapping/>
   </p:clrMapOvr>
-  <p:timing>
-    <p:tnLst>
-      <p:par>
-        <p:cTn id="1" dur="indefinite" restart="never" nodeType="tmRoot"/>
-      </p:par>
-    </p:tnLst>
-  </p:timing>
 </p:sldLayout>
 </file>
 
@@ -3454,10 +3370,9 @@
           </a:lstStyle>
           <a:p>
             <a:r>
-              <a:rPr lang="nb-NO" smtClean="0"/>
+              <a:rPr lang="nb-NO"/>
               <a:t>Klikk for å redigere tittelstil</a:t>
             </a:r>
-            <a:endParaRPr lang="nb-NO"/>
           </a:p>
         </p:txBody>
       </p:sp>
@@ -3519,10 +3434,9 @@
           </a:lstStyle>
           <a:p>
             <a:r>
-              <a:rPr lang="nb-NO" smtClean="0"/>
+              <a:rPr lang="nb-NO"/>
               <a:t>Klikk ikonet for å legge til et bilde</a:t>
             </a:r>
-            <a:endParaRPr lang="nb-NO"/>
           </a:p>
         </p:txBody>
       </p:sp>
@@ -3585,7 +3499,7 @@
           <a:p>
             <a:pPr lvl="0"/>
             <a:r>
-              <a:rPr lang="nb-NO" smtClean="0"/>
+              <a:rPr lang="nb-NO"/>
               <a:t>Rediger tekststiler i malen</a:t>
             </a:r>
           </a:p>
@@ -3608,7 +3522,7 @@
           <a:p>
             <a:fld id="{952976F7-1A1B-47BF-994D-21B9772F57A5}" type="datetimeFigureOut">
               <a:rPr lang="nb-NO" smtClean="0"/>
-              <a:t>11.03.2017</a:t>
+              <a:t>14.03.2017</a:t>
             </a:fld>
             <a:endParaRPr lang="nb-NO"/>
           </a:p>
@@ -3690,13 +3604,6 @@
   <p:clrMapOvr>
     <a:masterClrMapping/>
   </p:clrMapOvr>
-  <p:timing>
-    <p:tnLst>
-      <p:par>
-        <p:cTn id="1" dur="indefinite" restart="never" nodeType="tmRoot"/>
-      </p:par>
-    </p:tnLst>
-  </p:timing>
 </p:sldLayout>
 </file>
 
@@ -3748,10 +3655,9 @@
           <a:lstStyle/>
           <a:p>
             <a:r>
-              <a:rPr lang="nb-NO" dirty="0" smtClean="0"/>
+              <a:rPr lang="nb-NO" dirty="0"/>
               <a:t>Klikk for å redigere tittelstil</a:t>
             </a:r>
-            <a:endParaRPr lang="nb-NO" dirty="0"/>
           </a:p>
         </p:txBody>
       </p:sp>
@@ -3782,35 +3688,35 @@
           <a:p>
             <a:pPr lvl="0"/>
             <a:r>
-              <a:rPr lang="nb-NO" dirty="0" smtClean="0"/>
+              <a:rPr lang="nb-NO" dirty="0"/>
               <a:t>Klikk for å redigere tekststiler i malen</a:t>
             </a:r>
           </a:p>
           <a:p>
             <a:pPr lvl="1"/>
             <a:r>
-              <a:rPr lang="nb-NO" dirty="0" smtClean="0"/>
+              <a:rPr lang="nb-NO" dirty="0"/>
               <a:t>Andre nivå</a:t>
             </a:r>
           </a:p>
           <a:p>
             <a:pPr lvl="2"/>
             <a:r>
-              <a:rPr lang="nb-NO" dirty="0" smtClean="0"/>
+              <a:rPr lang="nb-NO" dirty="0"/>
               <a:t>Tredje nivå</a:t>
             </a:r>
           </a:p>
           <a:p>
             <a:pPr lvl="3"/>
             <a:r>
-              <a:rPr lang="nb-NO" dirty="0" smtClean="0"/>
+              <a:rPr lang="nb-NO" dirty="0"/>
               <a:t>Fjerde nivå</a:t>
             </a:r>
           </a:p>
           <a:p>
             <a:pPr lvl="4"/>
             <a:r>
-              <a:rPr lang="nb-NO" dirty="0" smtClean="0"/>
+              <a:rPr lang="nb-NO" dirty="0"/>
               <a:t>Femte nivå</a:t>
             </a:r>
           </a:p>
@@ -3950,7 +3856,7 @@
           <a:p>
             <a:fld id="{952976F7-1A1B-47BF-994D-21B9772F57A5}" type="datetimeFigureOut">
               <a:rPr lang="nb-NO" smtClean="0"/>
-              <a:t>11.03.2017</a:t>
+              <a:t>14.03.2017</a:t>
             </a:fld>
             <a:endParaRPr lang="nb-NO"/>
           </a:p>
@@ -4013,13 +3919,6 @@
     <p:sldLayoutId id="2147483668" r:id="rId8"/>
     <p:sldLayoutId id="2147483669" r:id="rId9"/>
   </p:sldLayoutIdLst>
-  <p:timing>
-    <p:tnLst>
-      <p:par>
-        <p:cTn id="1" dur="indefinite" restart="never" nodeType="tmRoot"/>
-      </p:par>
-    </p:tnLst>
-  </p:timing>
   <p:txStyles>
     <p:titleStyle>
       <a:lvl1pPr algn="ctr" defTabSz="914400" rtl="0" eaLnBrk="1" latinLnBrk="0" hangingPunct="1">
@@ -4352,11 +4251,11 @@
           <a:lstStyle/>
           <a:p>
             <a:r>
-              <a:rPr lang="nb-NO" dirty="0" smtClean="0"/>
+              <a:rPr lang="nb-NO" dirty="0"/>
               <a:t>Fra kode til </a:t>
             </a:r>
             <a:r>
-              <a:rPr lang="nb-NO" dirty="0" err="1" smtClean="0"/>
+              <a:rPr lang="nb-NO" dirty="0" err="1"/>
               <a:t>app</a:t>
             </a:r>
             <a:endParaRPr lang="nb-NO" dirty="0"/>
@@ -4439,8 +4338,8 @@
           <a:lstStyle/>
           <a:p>
             <a:r>
-              <a:rPr lang="nb-NO" dirty="0" smtClean="0"/>
-              <a:t>Oppgave</a:t>
+              <a:rPr lang="nb-NO" dirty="0" err="1"/>
+              <a:t>Ionic</a:t>
             </a:r>
             <a:endParaRPr lang="nb-NO" dirty="0"/>
           </a:p>
@@ -4459,167 +4358,122 @@
         <p:spPr/>
         <p:txBody>
           <a:bodyPr>
-            <a:normAutofit lnSpcReduction="10000"/>
+            <a:normAutofit fontScale="92500" lnSpcReduction="20000"/>
           </a:bodyPr>
           <a:lstStyle/>
           <a:p>
             <a:r>
-              <a:rPr lang="nb-NO" dirty="0" smtClean="0"/>
-              <a:t>Lage en </a:t>
-            </a:r>
-            <a:r>
-              <a:rPr lang="nb-NO" dirty="0" err="1" smtClean="0"/>
-              <a:t>chat</a:t>
-            </a:r>
-            <a:r>
-              <a:rPr lang="nb-NO" dirty="0" smtClean="0"/>
-              <a:t> som integrerer med </a:t>
-            </a:r>
-            <a:r>
-              <a:rPr lang="nb-NO" dirty="0" err="1" smtClean="0"/>
-              <a:t>Sticos</a:t>
-            </a:r>
-            <a:r>
-              <a:rPr lang="nb-NO" dirty="0" smtClean="0"/>
-              <a:t> sin </a:t>
-            </a:r>
-            <a:r>
-              <a:rPr lang="nb-NO" dirty="0" err="1" smtClean="0"/>
-              <a:t>chatbot</a:t>
-            </a:r>
-            <a:r>
-              <a:rPr lang="nb-NO" dirty="0" smtClean="0"/>
-              <a:t>, @</a:t>
-            </a:r>
-            <a:r>
-              <a:rPr lang="nb-NO" dirty="0" err="1" smtClean="0"/>
-              <a:t>else</a:t>
-            </a:r>
-            <a:r>
-              <a:rPr lang="nb-NO" dirty="0" smtClean="0"/>
-              <a:t>.</a:t>
-            </a:r>
-          </a:p>
-          <a:p>
-            <a:endParaRPr lang="nb-NO" dirty="0"/>
-          </a:p>
-          <a:p>
-            <a:endParaRPr lang="nb-NO" dirty="0" smtClean="0"/>
-          </a:p>
-          <a:p>
-            <a:r>
-              <a:rPr lang="nb-NO" dirty="0" smtClean="0"/>
-              <a:t>Oppgaver er lagt </a:t>
-            </a:r>
-            <a:r>
-              <a:rPr lang="nb-NO" dirty="0"/>
-              <a:t>ut på </a:t>
-            </a:r>
-            <a:endParaRPr lang="nb-NO" dirty="0" smtClean="0"/>
+              <a:rPr lang="nb-NO" dirty="0" err="1"/>
+              <a:t>Angular</a:t>
+            </a:r>
+            <a:endParaRPr lang="nb-NO" dirty="0"/>
           </a:p>
           <a:p>
             <a:pPr lvl="1"/>
             <a:r>
-              <a:rPr lang="nb-NO" dirty="0" smtClean="0">
-                <a:hlinkClick r:id="rId3"/>
-              </a:rPr>
-              <a:t>https</a:t>
-            </a:r>
-            <a:r>
-              <a:rPr lang="nb-NO" dirty="0">
-                <a:hlinkClick r:id="rId3"/>
-              </a:rPr>
-              <a:t>://</a:t>
-            </a:r>
-            <a:r>
-              <a:rPr lang="nb-NO" dirty="0" smtClean="0">
-                <a:hlinkClick r:id="rId3"/>
-              </a:rPr>
-              <a:t>github.com/stiasta/foredrag</a:t>
-            </a:r>
-            <a:r>
-              <a:rPr lang="nb-NO" dirty="0" smtClean="0"/>
-              <a:t> </a:t>
+              <a:rPr lang="nb-NO" dirty="0"/>
+              <a:t>HTML og typescript (</a:t>
+            </a:r>
+            <a:r>
+              <a:rPr lang="nb-NO" dirty="0" err="1"/>
+              <a:t>javascript</a:t>
+            </a:r>
+            <a:r>
+              <a:rPr lang="nb-NO" dirty="0"/>
+              <a:t>)</a:t>
+            </a:r>
+          </a:p>
+          <a:p>
+            <a:r>
+              <a:rPr lang="nb-NO" dirty="0"/>
+              <a:t>Cordova</a:t>
             </a:r>
           </a:p>
           <a:p>
             <a:pPr lvl="1"/>
             <a:r>
-              <a:rPr lang="nb-NO" dirty="0" smtClean="0"/>
-              <a:t>Under </a:t>
-            </a:r>
-            <a:r>
-              <a:rPr lang="nb-NO" dirty="0" err="1" smtClean="0"/>
-              <a:t>Ionic</a:t>
-            </a:r>
-            <a:r>
-              <a:rPr lang="nb-NO" dirty="0" smtClean="0"/>
-              <a:t> 2 workshop &gt; Code</a:t>
+              <a:rPr lang="nb-NO" dirty="0"/>
+              <a:t>Integrering med native funksjonalitet</a:t>
+            </a:r>
+          </a:p>
+          <a:p>
+            <a:r>
+              <a:rPr lang="nb-NO" dirty="0"/>
+              <a:t>Open </a:t>
+            </a:r>
+            <a:r>
+              <a:rPr lang="nb-NO" dirty="0" err="1"/>
+              <a:t>source</a:t>
+            </a:r>
+            <a:endParaRPr lang="nb-NO" dirty="0"/>
+          </a:p>
+          <a:p>
+            <a:r>
+              <a:rPr lang="nb-NO" dirty="0"/>
+              <a:t>Tjenester</a:t>
             </a:r>
           </a:p>
           <a:p>
             <a:pPr lvl="1"/>
             <a:r>
-              <a:rPr lang="nb-NO" dirty="0" smtClean="0"/>
-              <a:t>Før man kjører koden så burde man kjøre en </a:t>
-            </a:r>
-            <a:r>
-              <a:rPr lang="nb-NO" dirty="0" err="1" smtClean="0"/>
-              <a:t>npm</a:t>
-            </a:r>
-            <a:r>
-              <a:rPr lang="nb-NO" dirty="0" smtClean="0"/>
-              <a:t> </a:t>
-            </a:r>
-            <a:r>
-              <a:rPr lang="nb-NO" dirty="0" err="1" smtClean="0"/>
-              <a:t>install</a:t>
-            </a:r>
-            <a:r>
-              <a:rPr lang="nb-NO" dirty="0" smtClean="0"/>
-              <a:t> </a:t>
-            </a:r>
+              <a:rPr lang="nb-NO" dirty="0" err="1"/>
+              <a:t>Cloud</a:t>
+            </a:r>
+            <a:endParaRPr lang="nb-NO" dirty="0"/>
+          </a:p>
+          <a:p>
+            <a:pPr lvl="2"/>
+            <a:r>
+              <a:rPr lang="nb-NO" dirty="0" err="1"/>
+              <a:t>Package</a:t>
+            </a:r>
+            <a:endParaRPr lang="nb-NO" dirty="0"/>
+          </a:p>
+          <a:p>
+            <a:pPr lvl="2"/>
+            <a:r>
+              <a:rPr lang="nb-NO" dirty="0"/>
+              <a:t>Hot </a:t>
+            </a:r>
+            <a:r>
+              <a:rPr lang="nb-NO" dirty="0" err="1"/>
+              <a:t>deploy</a:t>
+            </a:r>
+            <a:endParaRPr lang="nb-NO" dirty="0"/>
+          </a:p>
+          <a:p>
+            <a:pPr lvl="2"/>
+            <a:r>
+              <a:rPr lang="nb-NO" dirty="0"/>
+              <a:t>Push </a:t>
+            </a:r>
+            <a:r>
+              <a:rPr lang="nb-NO" dirty="0" err="1"/>
+              <a:t>notifications</a:t>
+            </a:r>
+            <a:endParaRPr lang="nb-NO" dirty="0"/>
           </a:p>
           <a:p>
             <a:pPr lvl="1"/>
+            <a:r>
+              <a:rPr lang="nb-NO" dirty="0" err="1"/>
+              <a:t>View</a:t>
+            </a:r>
             <a:endParaRPr lang="nb-NO" dirty="0"/>
           </a:p>
           <a:p>
             <a:pPr lvl="1"/>
             <a:r>
-              <a:rPr lang="nb-NO" dirty="0">
-                <a:hlinkClick r:id="rId4"/>
-              </a:rPr>
-              <a:t>https://</a:t>
-            </a:r>
-            <a:r>
-              <a:rPr lang="nb-NO" dirty="0" smtClean="0">
-                <a:hlinkClick r:id="rId4"/>
-              </a:rPr>
-              <a:t>angular.io/docs/ts/latest/guide/cheatsheet.html</a:t>
-            </a:r>
-            <a:r>
-              <a:rPr lang="nb-NO" dirty="0" smtClean="0"/>
-              <a:t> </a:t>
-            </a:r>
+              <a:rPr lang="nb-NO" dirty="0" err="1"/>
+              <a:t>Creator</a:t>
+            </a:r>
+            <a:endParaRPr lang="nb-NO" dirty="0"/>
           </a:p>
           <a:p>
             <a:pPr lvl="1"/>
             <a:r>
-              <a:rPr lang="nb-NO" dirty="0">
-                <a:hlinkClick r:id="rId5"/>
-              </a:rPr>
-              <a:t>https://</a:t>
-            </a:r>
-            <a:r>
-              <a:rPr lang="nb-NO" dirty="0" smtClean="0">
-                <a:hlinkClick r:id="rId5"/>
-              </a:rPr>
-              <a:t>ionicframework.com/docs/v2/components</a:t>
-            </a:r>
-            <a:r>
-              <a:rPr lang="nb-NO" dirty="0" smtClean="0"/>
-              <a:t> </a:t>
+              <a:rPr lang="nb-NO" dirty="0"/>
+              <a:t>CLI</a:t>
             </a:r>
           </a:p>
         </p:txBody>
@@ -4627,20 +4481,13 @@
     </p:spTree>
     <p:extLst>
       <p:ext uri="{BB962C8B-B14F-4D97-AF65-F5344CB8AC3E}">
-        <p14:creationId xmlns:p14="http://schemas.microsoft.com/office/powerpoint/2010/main" val="937591413"/>
+        <p14:creationId xmlns:p14="http://schemas.microsoft.com/office/powerpoint/2010/main" val="127093691"/>
       </p:ext>
     </p:extLst>
   </p:cSld>
   <p:clrMapOvr>
     <a:masterClrMapping/>
   </p:clrMapOvr>
-  <p:timing>
-    <p:tnLst>
-      <p:par>
-        <p:cTn id="1" dur="indefinite" restart="never" nodeType="tmRoot"/>
-      </p:par>
-    </p:tnLst>
-  </p:timing>
 </p:sld>
 </file>
 
@@ -4677,10 +4524,9 @@
           <a:lstStyle/>
           <a:p>
             <a:r>
-              <a:rPr lang="nb-NO" dirty="0" smtClean="0"/>
-              <a:t>Oppgave 1		</a:t>
-            </a:r>
-            <a:endParaRPr lang="nb-NO" dirty="0"/>
+              <a:rPr lang="nb-NO" dirty="0"/>
+              <a:t>Installering av avhengigheter</a:t>
+            </a:r>
           </a:p>
         </p:txBody>
       </p:sp>
@@ -4696,102 +4542,224 @@
         </p:nvSpPr>
         <p:spPr/>
         <p:txBody>
-          <a:bodyPr/>
+          <a:bodyPr>
+            <a:normAutofit fontScale="70000" lnSpcReduction="20000"/>
+          </a:bodyPr>
           <a:lstStyle/>
           <a:p>
-            <a:r>
-              <a:rPr lang="nb-NO" dirty="0" smtClean="0"/>
-              <a:t>Installer </a:t>
-            </a:r>
-            <a:r>
-              <a:rPr lang="nb-NO" dirty="0" err="1" smtClean="0"/>
+            <a:pPr marL="0" indent="0">
+              <a:buNone/>
+            </a:pPr>
+            <a:r>
+              <a:rPr lang="nb-NO" dirty="0" err="1"/>
+              <a:t>Ionic</a:t>
+            </a:r>
+            <a:r>
+              <a:rPr lang="nb-NO" dirty="0"/>
+              <a:t> CLI og </a:t>
+            </a:r>
+            <a:r>
+              <a:rPr lang="nb-NO" dirty="0" err="1"/>
+              <a:t>cordova</a:t>
+            </a:r>
+            <a:r>
+              <a:rPr lang="nb-NO" dirty="0"/>
+              <a:t> </a:t>
+            </a:r>
+          </a:p>
+          <a:p>
+            <a:pPr marL="0" indent="0">
+              <a:buNone/>
+            </a:pPr>
+            <a:r>
+              <a:rPr lang="nb-NO" dirty="0" err="1">
+                <a:latin typeface="Consolas" panose="020B0609020204030204" pitchFamily="49" charset="0"/>
+              </a:rPr>
+              <a:t>npm</a:t>
+            </a:r>
+            <a:r>
+              <a:rPr lang="nb-NO" dirty="0">
+                <a:latin typeface="Consolas" panose="020B0609020204030204" pitchFamily="49" charset="0"/>
+              </a:rPr>
+              <a:t> </a:t>
+            </a:r>
+            <a:r>
+              <a:rPr lang="nb-NO" dirty="0" err="1">
+                <a:latin typeface="Consolas" panose="020B0609020204030204" pitchFamily="49" charset="0"/>
+              </a:rPr>
+              <a:t>install</a:t>
+            </a:r>
+            <a:r>
+              <a:rPr lang="nb-NO" dirty="0">
+                <a:latin typeface="Consolas" panose="020B0609020204030204" pitchFamily="49" charset="0"/>
+              </a:rPr>
+              <a:t> –g </a:t>
+            </a:r>
+            <a:r>
+              <a:rPr lang="nb-NO" dirty="0" err="1">
+                <a:latin typeface="Consolas" panose="020B0609020204030204" pitchFamily="49" charset="0"/>
+              </a:rPr>
               <a:t>ionic</a:t>
             </a:r>
             <a:r>
-              <a:rPr lang="nb-NO" dirty="0" smtClean="0"/>
-              <a:t> 2</a:t>
-            </a:r>
-          </a:p>
-          <a:p>
-            <a:r>
-              <a:rPr lang="nb-NO" dirty="0" smtClean="0"/>
-              <a:t>Opprett et nytt prosjekt</a:t>
+              <a:rPr lang="nb-NO" dirty="0">
+                <a:latin typeface="Consolas" panose="020B0609020204030204" pitchFamily="49" charset="0"/>
+              </a:rPr>
+              <a:t> </a:t>
+            </a:r>
+            <a:r>
+              <a:rPr lang="nb-NO" dirty="0" err="1">
+                <a:latin typeface="Consolas" panose="020B0609020204030204" pitchFamily="49" charset="0"/>
+              </a:rPr>
+              <a:t>cordova</a:t>
+            </a:r>
+            <a:endParaRPr lang="nb-NO" dirty="0">
+              <a:latin typeface="Consolas" panose="020B0609020204030204" pitchFamily="49" charset="0"/>
+            </a:endParaRPr>
+          </a:p>
+          <a:p>
+            <a:endParaRPr lang="nb-NO" dirty="0"/>
+          </a:p>
+          <a:p>
+            <a:pPr marL="0" indent="0">
+              <a:buNone/>
+            </a:pPr>
+            <a:r>
+              <a:rPr lang="nb-NO" dirty="0"/>
+              <a:t>Lag prosjektmappe</a:t>
+            </a:r>
+          </a:p>
+          <a:p>
+            <a:pPr marL="0" indent="0">
+              <a:buNone/>
+            </a:pPr>
+            <a:r>
+              <a:rPr lang="nb-NO" dirty="0" err="1">
+                <a:latin typeface="Consolas" panose="020B0609020204030204" pitchFamily="49" charset="0"/>
+              </a:rPr>
+              <a:t>ionic</a:t>
+            </a:r>
+            <a:r>
+              <a:rPr lang="nb-NO" dirty="0">
+                <a:latin typeface="Consolas" panose="020B0609020204030204" pitchFamily="49" charset="0"/>
+              </a:rPr>
+              <a:t> start [NAVNPÅPROSJEKT] --v2 </a:t>
+            </a:r>
+            <a:r>
+              <a:rPr lang="nb-NO" dirty="0">
+                <a:solidFill>
+                  <a:schemeClr val="tx1"/>
+                </a:solidFill>
+                <a:latin typeface="Consolas" panose="020B0609020204030204" pitchFamily="49" charset="0"/>
+              </a:rPr>
+              <a:t>--</a:t>
+            </a:r>
+            <a:r>
+              <a:rPr lang="nb-NO" dirty="0" err="1">
+                <a:solidFill>
+                  <a:schemeClr val="tx1"/>
+                </a:solidFill>
+                <a:latin typeface="Consolas" panose="020B0609020204030204" pitchFamily="49" charset="0"/>
+              </a:rPr>
+              <a:t>template</a:t>
+            </a:r>
+            <a:r>
+              <a:rPr lang="nb-NO" dirty="0">
+                <a:solidFill>
+                  <a:schemeClr val="tx1"/>
+                </a:solidFill>
+                <a:latin typeface="Consolas" panose="020B0609020204030204" pitchFamily="49" charset="0"/>
+              </a:rPr>
+              <a:t> blank</a:t>
+            </a:r>
+          </a:p>
+          <a:p>
+            <a:endParaRPr lang="nb-NO" dirty="0"/>
+          </a:p>
+          <a:p>
+            <a:pPr marL="0" indent="0">
+              <a:buNone/>
+            </a:pPr>
+            <a:r>
+              <a:rPr lang="nb-NO" dirty="0"/>
+              <a:t>Kjør prosjektet</a:t>
+            </a:r>
+          </a:p>
+          <a:p>
+            <a:pPr marL="0" indent="0">
+              <a:buNone/>
+            </a:pPr>
+            <a:endParaRPr lang="nb-NO" dirty="0">
+              <a:latin typeface="Consolas" panose="020B0609020204030204" pitchFamily="49" charset="0"/>
+            </a:endParaRPr>
+          </a:p>
+          <a:p>
+            <a:pPr marL="0" indent="0">
+              <a:buNone/>
+            </a:pPr>
+            <a:r>
+              <a:rPr lang="nb-NO" dirty="0">
+                <a:latin typeface="Consolas" panose="020B0609020204030204" pitchFamily="49" charset="0"/>
+              </a:rPr>
+              <a:t>cd [NAVNPÅPROSJEKT]</a:t>
+            </a:r>
+          </a:p>
+          <a:p>
+            <a:pPr marL="0" indent="0">
+              <a:buNone/>
+            </a:pPr>
+            <a:r>
+              <a:rPr lang="nb-NO" dirty="0" err="1">
+                <a:latin typeface="Consolas" panose="020B0609020204030204" pitchFamily="49" charset="0"/>
+              </a:rPr>
+              <a:t>ionic</a:t>
+            </a:r>
+            <a:r>
+              <a:rPr lang="nb-NO" dirty="0">
+                <a:latin typeface="Consolas" panose="020B0609020204030204" pitchFamily="49" charset="0"/>
+              </a:rPr>
+              <a:t> serve</a:t>
             </a:r>
           </a:p>
           <a:p>
             <a:pPr lvl="1"/>
-            <a:r>
-              <a:rPr lang="nb-NO" dirty="0" smtClean="0"/>
-              <a:t>Bruk «Blank» </a:t>
-            </a:r>
-            <a:r>
-              <a:rPr lang="nb-NO" dirty="0" err="1" smtClean="0"/>
-              <a:t>template</a:t>
-            </a:r>
-            <a:endParaRPr lang="nb-NO" dirty="0" smtClean="0"/>
-          </a:p>
-          <a:p>
-            <a:pPr lvl="1"/>
-            <a:r>
-              <a:rPr lang="nb-NO" dirty="0" smtClean="0"/>
-              <a:t>Navngi som [NAVN ?]</a:t>
-            </a:r>
-          </a:p>
-          <a:p>
-            <a:pPr lvl="1"/>
-            <a:r>
-              <a:rPr lang="nb-NO" dirty="0" smtClean="0"/>
-              <a:t>Opprett en </a:t>
-            </a:r>
-            <a:r>
-              <a:rPr lang="nb-NO" dirty="0" err="1" smtClean="0"/>
-              <a:t>ionicbruker</a:t>
-            </a:r>
-            <a:endParaRPr lang="nb-NO" dirty="0" smtClean="0"/>
-          </a:p>
-          <a:p>
-            <a:r>
-              <a:rPr lang="nb-NO" dirty="0" smtClean="0"/>
-              <a:t>Kjør prosjektet</a:t>
-            </a:r>
-          </a:p>
-          <a:p>
-            <a:endParaRPr lang="nb-NO" dirty="0" smtClean="0"/>
-          </a:p>
-          <a:p>
-            <a:r>
-              <a:rPr lang="nb-NO" sz="1800" dirty="0"/>
-              <a:t>Bonus </a:t>
-            </a:r>
-            <a:r>
-              <a:rPr lang="nb-NO" sz="1800" dirty="0" err="1" smtClean="0"/>
-              <a:t>oppg</a:t>
-            </a:r>
-            <a:r>
-              <a:rPr lang="nb-NO" sz="1800" dirty="0" smtClean="0"/>
-              <a:t>: Prøv --lab bak kjørekommandoen</a:t>
-            </a:r>
-            <a:endParaRPr lang="nb-NO" sz="1800" dirty="0"/>
+            <a:endParaRPr lang="nb-NO" dirty="0"/>
+          </a:p>
+          <a:p>
+            <a:pPr marL="0" indent="0">
+              <a:buNone/>
+            </a:pPr>
+            <a:endParaRPr lang="nb-NO" dirty="0">
+              <a:hlinkClick r:id="rId2"/>
+            </a:endParaRPr>
+          </a:p>
+          <a:p>
+            <a:pPr marL="0" indent="0">
+              <a:buNone/>
+            </a:pPr>
+            <a:r>
+              <a:rPr lang="nb-NO" dirty="0">
+                <a:hlinkClick r:id="rId2"/>
+              </a:rPr>
+              <a:t>http://ionicframework.com/docs/v2/intro/installation/</a:t>
+            </a:r>
+            <a:r>
+              <a:rPr lang="nb-NO" dirty="0"/>
+              <a:t> </a:t>
+            </a:r>
           </a:p>
         </p:txBody>
       </p:sp>
     </p:spTree>
     <p:extLst>
       <p:ext uri="{BB962C8B-B14F-4D97-AF65-F5344CB8AC3E}">
-        <p14:creationId xmlns:p14="http://schemas.microsoft.com/office/powerpoint/2010/main" val="808542648"/>
+        <p14:creationId xmlns:p14="http://schemas.microsoft.com/office/powerpoint/2010/main" val="3646939"/>
       </p:ext>
     </p:extLst>
   </p:cSld>
   <p:clrMapOvr>
     <a:masterClrMapping/>
   </p:clrMapOvr>
-  <p:timing>
-    <p:tnLst>
-      <p:par>
-        <p:cTn id="1" dur="indefinite" restart="never" nodeType="tmRoot"/>
-      </p:par>
-    </p:tnLst>
-  </p:timing>
 </p:sld>
 </file>
 
@@ -4828,18 +4796,9 @@
           <a:lstStyle/>
           <a:p>
             <a:r>
-              <a:rPr lang="nb-NO" dirty="0" smtClean="0"/>
-              <a:t>Testing av </a:t>
-            </a:r>
-            <a:r>
-              <a:rPr lang="nb-NO" dirty="0" err="1" smtClean="0"/>
-              <a:t>ionic</a:t>
-            </a:r>
-            <a:r>
-              <a:rPr lang="nb-NO" dirty="0" smtClean="0"/>
-              <a:t> på mobil</a:t>
-            </a:r>
-            <a:endParaRPr lang="nb-NO" dirty="0"/>
+              <a:rPr lang="nb-NO" dirty="0"/>
+              <a:t>Oppgave</a:t>
+            </a:r>
           </a:p>
         </p:txBody>
       </p:sp>
@@ -4855,132 +4814,153 @@
         </p:nvSpPr>
         <p:spPr/>
         <p:txBody>
-          <a:bodyPr/>
+          <a:bodyPr>
+            <a:normAutofit lnSpcReduction="10000"/>
+          </a:bodyPr>
           <a:lstStyle/>
           <a:p>
             <a:r>
-              <a:rPr lang="nb-NO" dirty="0" err="1" smtClean="0"/>
-              <a:t>Chrome</a:t>
-            </a:r>
-            <a:endParaRPr lang="nb-NO" dirty="0" smtClean="0"/>
+              <a:rPr lang="nb-NO" dirty="0"/>
+              <a:t>Lage en </a:t>
+            </a:r>
+            <a:r>
+              <a:rPr lang="nb-NO" dirty="0" err="1"/>
+              <a:t>chat</a:t>
+            </a:r>
+            <a:r>
+              <a:rPr lang="nb-NO" dirty="0"/>
+              <a:t> som integrerer med </a:t>
+            </a:r>
+            <a:r>
+              <a:rPr lang="nb-NO" dirty="0" err="1"/>
+              <a:t>Sticos</a:t>
+            </a:r>
+            <a:r>
+              <a:rPr lang="nb-NO" dirty="0"/>
+              <a:t> sin </a:t>
+            </a:r>
+            <a:r>
+              <a:rPr lang="nb-NO" dirty="0" err="1"/>
+              <a:t>chatbot</a:t>
+            </a:r>
+            <a:r>
+              <a:rPr lang="nb-NO" dirty="0"/>
+              <a:t>, @</a:t>
+            </a:r>
+            <a:r>
+              <a:rPr lang="nb-NO" dirty="0" err="1"/>
+              <a:t>else</a:t>
+            </a:r>
+            <a:r>
+              <a:rPr lang="nb-NO" dirty="0"/>
+              <a:t>.</a:t>
+            </a:r>
+          </a:p>
+          <a:p>
+            <a:endParaRPr lang="nb-NO" dirty="0"/>
+          </a:p>
+          <a:p>
+            <a:endParaRPr lang="nb-NO" dirty="0"/>
+          </a:p>
+          <a:p>
+            <a:r>
+              <a:rPr lang="nb-NO" dirty="0"/>
+              <a:t>Oppgaver er lagt ut på </a:t>
+            </a:r>
           </a:p>
           <a:p>
             <a:pPr lvl="1"/>
             <a:r>
-              <a:rPr lang="nb-NO" dirty="0" smtClean="0"/>
-              <a:t>F12 -&gt; </a:t>
-            </a:r>
-            <a:r>
-              <a:rPr lang="nb-NO" dirty="0" err="1" smtClean="0"/>
-              <a:t>emulate</a:t>
-            </a:r>
-            <a:r>
-              <a:rPr lang="nb-NO" dirty="0" smtClean="0"/>
+              <a:rPr lang="nb-NO" dirty="0">
+                <a:hlinkClick r:id="rId3"/>
+              </a:rPr>
+              <a:t>https://github.com/stiasta/foredrag</a:t>
+            </a:r>
+            <a:r>
+              <a:rPr lang="nb-NO" dirty="0"/>
               <a:t> </a:t>
             </a:r>
-            <a:r>
-              <a:rPr lang="nb-NO" dirty="0" err="1" smtClean="0"/>
-              <a:t>devices</a:t>
-            </a:r>
-            <a:endParaRPr lang="nb-NO" dirty="0" smtClean="0"/>
-          </a:p>
-          <a:p>
-            <a:r>
-              <a:rPr lang="nb-NO" dirty="0" err="1" smtClean="0"/>
+          </a:p>
+          <a:p>
+            <a:pPr lvl="1"/>
+            <a:r>
+              <a:rPr lang="nb-NO" dirty="0"/>
+              <a:t>Under </a:t>
+            </a:r>
+            <a:r>
+              <a:rPr lang="nb-NO" dirty="0" err="1"/>
               <a:t>Ionic</a:t>
             </a:r>
             <a:r>
-              <a:rPr lang="nb-NO" dirty="0" smtClean="0"/>
+              <a:rPr lang="nb-NO" dirty="0"/>
+              <a:t> 2 workshop &gt; Code</a:t>
+            </a:r>
+          </a:p>
+          <a:p>
+            <a:pPr lvl="1"/>
+            <a:r>
+              <a:rPr lang="nb-NO" dirty="0"/>
+              <a:t>Før man kjører koden så burde man kjøre en </a:t>
+            </a:r>
+            <a:r>
+              <a:rPr lang="nb-NO" dirty="0" err="1"/>
+              <a:t>npm</a:t>
+            </a:r>
+            <a:r>
+              <a:rPr lang="nb-NO" dirty="0"/>
               <a:t> </a:t>
             </a:r>
             <a:r>
-              <a:rPr lang="nb-NO" dirty="0" err="1" smtClean="0"/>
-              <a:t>view</a:t>
-            </a:r>
-            <a:endParaRPr lang="nb-NO" dirty="0" smtClean="0"/>
+              <a:rPr lang="nb-NO" dirty="0" err="1"/>
+              <a:t>install</a:t>
+            </a:r>
+            <a:r>
+              <a:rPr lang="nb-NO" dirty="0"/>
+              <a:t> </a:t>
+            </a:r>
           </a:p>
           <a:p>
             <a:pPr lvl="1"/>
-            <a:r>
-              <a:rPr lang="nb-NO" dirty="0" smtClean="0"/>
-              <a:t>Last ned </a:t>
-            </a:r>
-            <a:r>
-              <a:rPr lang="nb-NO" dirty="0" err="1" smtClean="0"/>
-              <a:t>appen</a:t>
-            </a:r>
-            <a:endParaRPr lang="nb-NO" dirty="0" smtClean="0"/>
+            <a:endParaRPr lang="nb-NO" dirty="0"/>
           </a:p>
           <a:p>
             <a:pPr lvl="1"/>
             <a:r>
-              <a:rPr lang="nb-NO" dirty="0" smtClean="0"/>
-              <a:t>Lag bruker</a:t>
-            </a:r>
-            <a:endParaRPr lang="nb-NO" dirty="0"/>
+              <a:rPr lang="nb-NO" dirty="0">
+                <a:hlinkClick r:id="rId4"/>
+              </a:rPr>
+              <a:t>https://angular.io/docs/ts/latest/guide/cheatsheet.html</a:t>
+            </a:r>
+            <a:r>
+              <a:rPr lang="nb-NO" dirty="0"/>
+              <a:t> </a:t>
+            </a:r>
           </a:p>
           <a:p>
             <a:pPr lvl="1"/>
             <a:r>
-              <a:rPr lang="nb-NO" dirty="0" smtClean="0"/>
-              <a:t>Kjør kommandoen</a:t>
-            </a:r>
-          </a:p>
-          <a:p>
-            <a:pPr lvl="2"/>
-            <a:r>
-              <a:rPr lang="nb-NO" dirty="0" err="1" smtClean="0"/>
-              <a:t>ionic</a:t>
-            </a:r>
-            <a:r>
-              <a:rPr lang="nb-NO" dirty="0" smtClean="0"/>
+              <a:rPr lang="nb-NO" dirty="0">
+                <a:hlinkClick r:id="rId5"/>
+              </a:rPr>
+              <a:t>https://ionicframework.com/docs/v2/components</a:t>
+            </a:r>
+            <a:r>
+              <a:rPr lang="nb-NO" dirty="0"/>
               <a:t> </a:t>
             </a:r>
-            <a:r>
-              <a:rPr lang="nb-NO" dirty="0" err="1" smtClean="0"/>
-              <a:t>upload</a:t>
-            </a:r>
-            <a:endParaRPr lang="nb-NO" dirty="0" smtClean="0"/>
-          </a:p>
-          <a:p>
-            <a:r>
-              <a:rPr lang="nb-NO" dirty="0" smtClean="0"/>
-              <a:t>Emulering på mobil</a:t>
-            </a:r>
-          </a:p>
-          <a:p>
-            <a:pPr lvl="1"/>
-            <a:r>
-              <a:rPr lang="nb-NO" dirty="0" smtClean="0">
-                <a:hlinkClick r:id="rId2"/>
-              </a:rPr>
-              <a:t>http://ionicframework.com/docs/v2/intro/deploying/</a:t>
-            </a:r>
-            <a:r>
-              <a:rPr lang="nb-NO" dirty="0" smtClean="0"/>
-              <a:t> </a:t>
-            </a:r>
-            <a:endParaRPr lang="nb-NO" dirty="0"/>
           </a:p>
         </p:txBody>
       </p:sp>
     </p:spTree>
     <p:extLst>
       <p:ext uri="{BB962C8B-B14F-4D97-AF65-F5344CB8AC3E}">
-        <p14:creationId xmlns:p14="http://schemas.microsoft.com/office/powerpoint/2010/main" val="3291330480"/>
+        <p14:creationId xmlns:p14="http://schemas.microsoft.com/office/powerpoint/2010/main" val="937591413"/>
       </p:ext>
     </p:extLst>
   </p:cSld>
   <p:clrMapOvr>
     <a:masterClrMapping/>
   </p:clrMapOvr>
-  <p:timing>
-    <p:tnLst>
-      <p:par>
-        <p:cTn id="1" dur="indefinite" restart="never" nodeType="tmRoot"/>
-      </p:par>
-    </p:tnLst>
-  </p:timing>
 </p:sld>
 </file>
 
@@ -5017,10 +4997,9 @@
           <a:lstStyle/>
           <a:p>
             <a:r>
-              <a:rPr lang="nb-NO" dirty="0" smtClean="0"/>
-              <a:t>Oppgave 2</a:t>
-            </a:r>
-            <a:endParaRPr lang="nb-NO" dirty="0"/>
+              <a:rPr lang="nb-NO" dirty="0"/>
+              <a:t>Oppgave 1		</a:t>
+            </a:r>
           </a:p>
         </p:txBody>
       </p:sp>
@@ -5034,156 +5013,113 @@
             <p:ph idx="1"/>
           </p:nvPr>
         </p:nvSpPr>
-        <p:spPr>
-          <a:xfrm>
-            <a:off x="838200" y="1833646"/>
-            <a:ext cx="10515600" cy="4351338"/>
-          </a:xfrm>
-        </p:spPr>
+        <p:spPr/>
         <p:txBody>
           <a:bodyPr/>
           <a:lstStyle/>
           <a:p>
             <a:r>
-              <a:rPr lang="nb-NO" dirty="0" smtClean="0"/>
-              <a:t>Kjør </a:t>
-            </a:r>
-            <a:r>
-              <a:rPr lang="nb-NO" dirty="0" err="1" smtClean="0"/>
-              <a:t>appen</a:t>
-            </a:r>
-            <a:r>
-              <a:rPr lang="nb-NO" dirty="0" smtClean="0"/>
-              <a:t> på mobilen</a:t>
+              <a:rPr lang="nb-NO" dirty="0"/>
+              <a:t>Installer </a:t>
+            </a:r>
+            <a:r>
+              <a:rPr lang="nb-NO" dirty="0" err="1"/>
+              <a:t>ionic</a:t>
+            </a:r>
+            <a:r>
+              <a:rPr lang="nb-NO" dirty="0"/>
+              <a:t> 2</a:t>
+            </a:r>
+          </a:p>
+          <a:p>
+            <a:r>
+              <a:rPr lang="nb-NO" dirty="0"/>
+              <a:t>Opprett et nytt prosjekt</a:t>
             </a:r>
           </a:p>
           <a:p>
             <a:pPr lvl="1"/>
             <a:r>
-              <a:rPr lang="nb-NO" dirty="0" smtClean="0"/>
-              <a:t>Enten ved å bruke </a:t>
-            </a:r>
-          </a:p>
-          <a:p>
-            <a:pPr lvl="2"/>
-            <a:r>
-              <a:rPr lang="nb-NO" dirty="0" err="1" smtClean="0"/>
-              <a:t>Ionic</a:t>
-            </a:r>
-            <a:r>
-              <a:rPr lang="nb-NO" dirty="0" smtClean="0"/>
-              <a:t> </a:t>
-            </a:r>
-            <a:r>
-              <a:rPr lang="nb-NO" dirty="0" err="1" smtClean="0"/>
-              <a:t>view</a:t>
-            </a:r>
-            <a:r>
-              <a:rPr lang="nb-NO" dirty="0" smtClean="0"/>
-              <a:t> (raskest feedback loop)</a:t>
-            </a:r>
-          </a:p>
-          <a:p>
-            <a:pPr lvl="2"/>
-            <a:r>
-              <a:rPr lang="nb-NO" dirty="0" err="1" smtClean="0"/>
-              <a:t>Emulate</a:t>
-            </a:r>
-            <a:endParaRPr lang="nb-NO" dirty="0" smtClean="0"/>
-          </a:p>
-          <a:p>
-            <a:endParaRPr lang="nb-NO" dirty="0" smtClean="0"/>
-          </a:p>
-          <a:p>
-            <a:r>
-              <a:rPr lang="nb-NO" sz="1800" dirty="0" smtClean="0"/>
+              <a:rPr lang="nb-NO" dirty="0"/>
+              <a:t>Bruk «Blank» </a:t>
+            </a:r>
+            <a:r>
+              <a:rPr lang="nb-NO" dirty="0" err="1"/>
+              <a:t>template</a:t>
+            </a:r>
+            <a:endParaRPr lang="nb-NO" dirty="0"/>
+          </a:p>
+          <a:p>
+            <a:pPr lvl="1"/>
+            <a:r>
+              <a:rPr lang="nb-NO" dirty="0"/>
+              <a:t>Prosjektnavn: «</a:t>
+            </a:r>
+            <a:r>
+              <a:rPr lang="nb-NO" dirty="0" err="1"/>
+              <a:t>ElseChat</a:t>
+            </a:r>
+            <a:r>
+              <a:rPr lang="nb-NO" dirty="0"/>
+              <a:t>»</a:t>
+            </a:r>
+          </a:p>
+          <a:p>
+            <a:r>
+              <a:rPr lang="nb-NO" dirty="0"/>
+              <a:t>Opprett en </a:t>
+            </a:r>
+            <a:r>
+              <a:rPr lang="nb-NO" dirty="0" err="1"/>
+              <a:t>ionicbruker</a:t>
+            </a:r>
+            <a:endParaRPr lang="nb-NO" dirty="0"/>
+          </a:p>
+          <a:p>
+            <a:r>
+              <a:rPr lang="nb-NO" dirty="0"/>
+              <a:t>Kjør prosjektet</a:t>
+            </a:r>
+          </a:p>
+          <a:p>
+            <a:endParaRPr lang="nb-NO" dirty="0"/>
+          </a:p>
+          <a:p>
+            <a:r>
+              <a:rPr lang="nb-NO" sz="1800" dirty="0"/>
               <a:t>Bonus </a:t>
             </a:r>
             <a:r>
-              <a:rPr lang="nb-NO" sz="1800" dirty="0" err="1" smtClean="0"/>
+              <a:rPr lang="nb-NO" sz="1800" dirty="0" err="1"/>
               <a:t>oppg</a:t>
             </a:r>
             <a:r>
-              <a:rPr lang="nb-NO" sz="1800" dirty="0" smtClean="0"/>
-              <a:t>:</a:t>
-            </a:r>
-          </a:p>
-          <a:p>
-            <a:pPr lvl="1"/>
-            <a:r>
-              <a:rPr lang="nb-NO" sz="1400" dirty="0" smtClean="0"/>
-              <a:t>Oppdater home.html til å ha forskjellig </a:t>
-            </a:r>
-            <a:r>
-              <a:rPr lang="nb-NO" sz="1400" dirty="0" err="1" smtClean="0"/>
-              <a:t>text</a:t>
-            </a:r>
-            <a:r>
-              <a:rPr lang="nb-NO" sz="1400" dirty="0" smtClean="0"/>
-              <a:t> i body</a:t>
-            </a:r>
-          </a:p>
-          <a:p>
-            <a:pPr lvl="1"/>
-            <a:r>
-              <a:rPr lang="nb-NO" sz="1400" dirty="0" smtClean="0"/>
-              <a:t>Prøv </a:t>
-            </a:r>
-            <a:r>
-              <a:rPr lang="nb-NO" sz="1400" dirty="0"/>
-              <a:t>også </a:t>
-            </a:r>
-            <a:r>
-              <a:rPr lang="nb-NO" sz="1400" dirty="0" smtClean="0"/>
-              <a:t>overskriften «Dette </a:t>
-            </a:r>
-            <a:r>
-              <a:rPr lang="nb-NO" sz="1400" dirty="0"/>
-              <a:t>er en overskrift som er </a:t>
-            </a:r>
-            <a:r>
-              <a:rPr lang="nb-NO" sz="1400" dirty="0" smtClean="0"/>
-              <a:t>lang» med --labs</a:t>
-            </a:r>
-          </a:p>
-          <a:p>
-            <a:pPr lvl="2"/>
-            <a:r>
-              <a:rPr lang="nb-NO" sz="1000" dirty="0" smtClean="0"/>
-              <a:t>Merk forskjellen mellom mobil </a:t>
-            </a:r>
-            <a:r>
-              <a:rPr lang="nb-NO" sz="1000" dirty="0" err="1" smtClean="0"/>
-              <a:t>platformene</a:t>
-            </a:r>
-            <a:r>
-              <a:rPr lang="nb-NO" sz="1000" dirty="0" smtClean="0"/>
-              <a:t>.</a:t>
-            </a:r>
-          </a:p>
-          <a:p>
-            <a:pPr lvl="1"/>
-            <a:endParaRPr lang="nb-NO" dirty="0"/>
+              <a:rPr lang="nb-NO" sz="1800" dirty="0"/>
+              <a:t>: Prøv </a:t>
+            </a:r>
+            <a:r>
+              <a:rPr lang="nb-NO" sz="1800" dirty="0">
+                <a:latin typeface="Consolas" panose="020B0609020204030204" pitchFamily="49" charset="0"/>
+              </a:rPr>
+              <a:t>--lab </a:t>
+            </a:r>
+            <a:r>
+              <a:rPr lang="nb-NO" sz="1800" dirty="0"/>
+              <a:t>bak kjørekommandoen</a:t>
+            </a:r>
           </a:p>
         </p:txBody>
       </p:sp>
     </p:spTree>
     <p:extLst>
       <p:ext uri="{BB962C8B-B14F-4D97-AF65-F5344CB8AC3E}">
-        <p14:creationId xmlns:p14="http://schemas.microsoft.com/office/powerpoint/2010/main" val="3963294372"/>
+        <p14:creationId xmlns:p14="http://schemas.microsoft.com/office/powerpoint/2010/main" val="808542648"/>
       </p:ext>
     </p:extLst>
   </p:cSld>
   <p:clrMapOvr>
     <a:masterClrMapping/>
   </p:clrMapOvr>
-  <p:timing>
-    <p:tnLst>
-      <p:par>
-        <p:cTn id="1" dur="indefinite" restart="never" nodeType="tmRoot"/>
-      </p:par>
-    </p:tnLst>
-  </p:timing>
 </p:sld>
 </file>
 
@@ -5220,93 +5156,153 @@
           <a:lstStyle/>
           <a:p>
             <a:r>
-              <a:rPr lang="nb-NO" dirty="0" err="1" smtClean="0"/>
-              <a:t>Angular</a:t>
-            </a:r>
-            <a:r>
-              <a:rPr lang="nb-NO" dirty="0" smtClean="0"/>
-              <a:t>-struktur</a:t>
-            </a:r>
-            <a:endParaRPr lang="nb-NO" dirty="0"/>
-          </a:p>
-        </p:txBody>
-      </p:sp>
-      <p:pic>
-        <p:nvPicPr>
-          <p:cNvPr id="4" name="Plassholder for innhold 3"/>
-          <p:cNvPicPr>
-            <a:picLocks noGrp="1" noChangeAspect="1"/>
-          </p:cNvPicPr>
+              <a:rPr lang="nb-NO" dirty="0"/>
+              <a:t>Testing av </a:t>
+            </a:r>
+            <a:r>
+              <a:rPr lang="nb-NO" dirty="0" err="1"/>
+              <a:t>ionic</a:t>
+            </a:r>
+            <a:r>
+              <a:rPr lang="nb-NO" dirty="0"/>
+              <a:t> på mobil</a:t>
+            </a:r>
+          </a:p>
+        </p:txBody>
+      </p:sp>
+      <p:sp>
+        <p:nvSpPr>
+          <p:cNvPr id="3" name="Plassholder for innhold 2"/>
+          <p:cNvSpPr>
+            <a:spLocks noGrp="1"/>
+          </p:cNvSpPr>
           <p:nvPr>
             <p:ph idx="1"/>
           </p:nvPr>
-        </p:nvPicPr>
-        <p:blipFill>
-          <a:blip r:embed="rId2"/>
-          <a:stretch>
-            <a:fillRect/>
-          </a:stretch>
-        </p:blipFill>
-        <p:spPr>
-          <a:xfrm>
-            <a:off x="2643420" y="1690688"/>
-            <a:ext cx="6905160" cy="3433346"/>
-          </a:xfrm>
-          <a:prstGeom prst="rect">
-            <a:avLst/>
-          </a:prstGeom>
-        </p:spPr>
-      </p:pic>
-      <p:sp>
-        <p:nvSpPr>
-          <p:cNvPr id="6" name="TekstSylinder 5"/>
-          <p:cNvSpPr txBox="1"/>
-          <p:nvPr/>
-        </p:nvSpPr>
-        <p:spPr>
-          <a:xfrm>
-            <a:off x="838200" y="5852160"/>
-            <a:ext cx="6103594" cy="369332"/>
-          </a:xfrm>
-          <a:prstGeom prst="rect">
-            <a:avLst/>
-          </a:prstGeom>
-          <a:noFill/>
-        </p:spPr>
-        <p:txBody>
-          <a:bodyPr wrap="none" rtlCol="0">
-            <a:spAutoFit/>
-          </a:bodyPr>
+        </p:nvSpPr>
+        <p:spPr/>
+        <p:txBody>
+          <a:bodyPr/>
           <a:lstStyle/>
           <a:p>
             <a:r>
-              <a:rPr lang="nb-NO" dirty="0"/>
-              <a:t>Kilde: </a:t>
+              <a:rPr lang="nb-NO" dirty="0" err="1"/>
+              <a:t>Chrome</a:t>
+            </a:r>
+            <a:endParaRPr lang="nb-NO" dirty="0"/>
+          </a:p>
+          <a:p>
+            <a:pPr lvl="1"/>
+            <a:r>
+              <a:rPr lang="nb-NO" dirty="0"/>
+              <a:t>F12 -&gt; </a:t>
+            </a:r>
+            <a:r>
+              <a:rPr lang="nb-NO" dirty="0" err="1"/>
+              <a:t>emulate</a:t>
+            </a:r>
+            <a:r>
+              <a:rPr lang="nb-NO" dirty="0"/>
+              <a:t> </a:t>
+            </a:r>
+            <a:r>
+              <a:rPr lang="nb-NO" dirty="0" err="1"/>
+              <a:t>devices</a:t>
+            </a:r>
+            <a:endParaRPr lang="nb-NO" dirty="0"/>
+          </a:p>
+          <a:p>
+            <a:r>
+              <a:rPr lang="nb-NO" dirty="0" err="1"/>
+              <a:t>Ionic</a:t>
+            </a:r>
+            <a:r>
+              <a:rPr lang="nb-NO" dirty="0"/>
+              <a:t> </a:t>
+            </a:r>
+            <a:r>
+              <a:rPr lang="nb-NO" dirty="0" err="1"/>
+              <a:t>view</a:t>
+            </a:r>
+            <a:endParaRPr lang="nb-NO" dirty="0"/>
+          </a:p>
+          <a:p>
+            <a:pPr lvl="1"/>
+            <a:r>
+              <a:rPr lang="nb-NO" dirty="0"/>
+              <a:t>Last ned </a:t>
+            </a:r>
+            <a:r>
+              <a:rPr lang="nb-NO" dirty="0" err="1"/>
+              <a:t>appen</a:t>
+            </a:r>
+            <a:endParaRPr lang="nb-NO" dirty="0"/>
+          </a:p>
+          <a:p>
+            <a:pPr lvl="1"/>
+            <a:r>
+              <a:rPr lang="nb-NO" dirty="0"/>
+              <a:t>Lag bruker</a:t>
+            </a:r>
+          </a:p>
+          <a:p>
+            <a:pPr lvl="1"/>
+            <a:r>
+              <a:rPr lang="nb-NO" dirty="0"/>
+              <a:t>Kjør kommandoen</a:t>
+            </a:r>
+          </a:p>
+          <a:p>
+            <a:pPr marL="914400" lvl="2" indent="0">
+              <a:buNone/>
+            </a:pPr>
+            <a:r>
+              <a:rPr lang="nb-NO" dirty="0" err="1">
+                <a:latin typeface="Consolas" panose="020B0609020204030204" pitchFamily="49" charset="0"/>
+              </a:rPr>
+              <a:t>ionic</a:t>
             </a:r>
             <a:r>
               <a:rPr lang="nb-NO" dirty="0">
-                <a:hlinkClick r:id="rId3"/>
+                <a:latin typeface="Consolas" panose="020B0609020204030204" pitchFamily="49" charset="0"/>
               </a:rPr>
-              <a:t>https://</a:t>
-            </a:r>
-            <a:r>
-              <a:rPr lang="nb-NO" dirty="0" smtClean="0">
-                <a:hlinkClick r:id="rId3"/>
+              <a:t> </a:t>
+            </a:r>
+            <a:r>
+              <a:rPr lang="nb-NO" dirty="0" err="1">
+                <a:latin typeface="Consolas" panose="020B0609020204030204" pitchFamily="49" charset="0"/>
               </a:rPr>
-              <a:t>angular.io/docs/ts/latest/guide/architecture.html</a:t>
-            </a:r>
-            <a:r>
-              <a:rPr lang="nb-NO" dirty="0" smtClean="0"/>
+              <a:t>upload</a:t>
+            </a:r>
+            <a:endParaRPr lang="nb-NO" dirty="0">
+              <a:latin typeface="Consolas" panose="020B0609020204030204" pitchFamily="49" charset="0"/>
+            </a:endParaRPr>
+          </a:p>
+          <a:p>
+            <a:r>
+              <a:rPr lang="nb-NO" dirty="0"/>
+              <a:t>Emulering på mobil</a:t>
+            </a:r>
+          </a:p>
+          <a:p>
+            <a:pPr lvl="1"/>
+            <a:r>
+              <a:rPr lang="nb-NO" dirty="0">
+                <a:hlinkClick r:id="rId2"/>
+              </a:rPr>
+              <a:t>http://ionicframework.com/docs/v2/intro/deploying/</a:t>
+            </a:r>
+            <a:r>
+              <a:rPr lang="nb-NO" dirty="0"/>
               <a:t> </a:t>
             </a:r>
-            <a:endParaRPr lang="nb-NO" dirty="0"/>
           </a:p>
         </p:txBody>
       </p:sp>
     </p:spTree>
     <p:extLst>
       <p:ext uri="{BB962C8B-B14F-4D97-AF65-F5344CB8AC3E}">
-        <p14:creationId xmlns:p14="http://schemas.microsoft.com/office/powerpoint/2010/main" val="968896447"/>
+        <p14:creationId xmlns:p14="http://schemas.microsoft.com/office/powerpoint/2010/main" val="3291330480"/>
       </p:ext>
     </p:extLst>
   </p:cSld>
@@ -5349,10 +5345,315 @@
           <a:lstStyle/>
           <a:p>
             <a:r>
-              <a:rPr lang="nb-NO" dirty="0" smtClean="0"/>
+              <a:rPr lang="nb-NO" dirty="0"/>
+              <a:t>Oppgave 2</a:t>
+            </a:r>
+          </a:p>
+        </p:txBody>
+      </p:sp>
+      <p:sp>
+        <p:nvSpPr>
+          <p:cNvPr id="3" name="Plassholder for innhold 2"/>
+          <p:cNvSpPr>
+            <a:spLocks noGrp="1"/>
+          </p:cNvSpPr>
+          <p:nvPr>
+            <p:ph idx="1"/>
+          </p:nvPr>
+        </p:nvSpPr>
+        <p:spPr>
+          <a:xfrm>
+            <a:off x="838200" y="1833646"/>
+            <a:ext cx="10515600" cy="4351338"/>
+          </a:xfrm>
+        </p:spPr>
+        <p:txBody>
+          <a:bodyPr/>
+          <a:lstStyle/>
+          <a:p>
+            <a:r>
+              <a:rPr lang="nb-NO" dirty="0"/>
+              <a:t>Kjør </a:t>
+            </a:r>
+            <a:r>
+              <a:rPr lang="nb-NO" dirty="0" err="1"/>
+              <a:t>appen</a:t>
+            </a:r>
+            <a:r>
+              <a:rPr lang="nb-NO" dirty="0"/>
+              <a:t> på mobilen</a:t>
+            </a:r>
+          </a:p>
+          <a:p>
+            <a:pPr lvl="1"/>
+            <a:r>
+              <a:rPr lang="nb-NO" dirty="0"/>
+              <a:t>Enten ved å bruke </a:t>
+            </a:r>
+          </a:p>
+          <a:p>
+            <a:pPr lvl="2"/>
+            <a:r>
+              <a:rPr lang="nb-NO" dirty="0" err="1"/>
+              <a:t>Ionic</a:t>
+            </a:r>
+            <a:r>
+              <a:rPr lang="nb-NO" dirty="0"/>
+              <a:t> </a:t>
+            </a:r>
+            <a:r>
+              <a:rPr lang="nb-NO" dirty="0" err="1"/>
+              <a:t>view</a:t>
+            </a:r>
+            <a:r>
+              <a:rPr lang="nb-NO" dirty="0"/>
+              <a:t> (raskest feedback loop)</a:t>
+            </a:r>
+          </a:p>
+          <a:p>
+            <a:pPr lvl="2"/>
+            <a:r>
+              <a:rPr lang="nb-NO" dirty="0" err="1"/>
+              <a:t>Emulate</a:t>
+            </a:r>
+            <a:endParaRPr lang="nb-NO" dirty="0"/>
+          </a:p>
+          <a:p>
+            <a:endParaRPr lang="nb-NO" dirty="0"/>
+          </a:p>
+          <a:p>
+            <a:r>
+              <a:rPr lang="nb-NO" sz="1800" dirty="0"/>
+              <a:t>Bonus </a:t>
+            </a:r>
+            <a:r>
+              <a:rPr lang="nb-NO" sz="1800" dirty="0" err="1"/>
+              <a:t>oppg</a:t>
+            </a:r>
+            <a:r>
+              <a:rPr lang="nb-NO" sz="1800" dirty="0"/>
+              <a:t>:</a:t>
+            </a:r>
+          </a:p>
+          <a:p>
+            <a:pPr lvl="1"/>
+            <a:r>
+              <a:rPr lang="nb-NO" sz="1400" dirty="0"/>
+              <a:t>Oppdater home.html til å ha forskjellig </a:t>
+            </a:r>
+            <a:r>
+              <a:rPr lang="nb-NO" sz="1400" dirty="0" err="1"/>
+              <a:t>text</a:t>
+            </a:r>
+            <a:r>
+              <a:rPr lang="nb-NO" sz="1400" dirty="0"/>
+              <a:t> i body</a:t>
+            </a:r>
+          </a:p>
+          <a:p>
+            <a:pPr lvl="1"/>
+            <a:r>
+              <a:rPr lang="nb-NO" sz="1400" dirty="0"/>
+              <a:t>Prøv også overskriften «Dette er en overskrift som er lang» med </a:t>
+            </a:r>
+            <a:r>
+              <a:rPr lang="nb-NO" sz="1400" dirty="0">
+                <a:latin typeface="Consolas" panose="020B0609020204030204" pitchFamily="49" charset="0"/>
+              </a:rPr>
+              <a:t>--labs</a:t>
+            </a:r>
+          </a:p>
+          <a:p>
+            <a:pPr lvl="2"/>
+            <a:r>
+              <a:rPr lang="nb-NO" sz="1000" dirty="0"/>
+              <a:t>Merk forskjellen mellom mobil </a:t>
+            </a:r>
+            <a:r>
+              <a:rPr lang="nb-NO" sz="1000" dirty="0" err="1"/>
+              <a:t>platformene</a:t>
+            </a:r>
+            <a:r>
+              <a:rPr lang="nb-NO" sz="1000" dirty="0"/>
+              <a:t>.</a:t>
+            </a:r>
+          </a:p>
+          <a:p>
+            <a:pPr lvl="1"/>
+            <a:endParaRPr lang="nb-NO" dirty="0"/>
+          </a:p>
+        </p:txBody>
+      </p:sp>
+    </p:spTree>
+    <p:extLst>
+      <p:ext uri="{BB962C8B-B14F-4D97-AF65-F5344CB8AC3E}">
+        <p14:creationId xmlns:p14="http://schemas.microsoft.com/office/powerpoint/2010/main" val="3963294372"/>
+      </p:ext>
+    </p:extLst>
+  </p:cSld>
+  <p:clrMapOvr>
+    <a:masterClrMapping/>
+  </p:clrMapOvr>
+</p:sld>
+</file>
+
+<file path=ppt/slides/slide16.xml><?xml version="1.0" encoding="utf-8"?>
+<p:sld xmlns:a="http://schemas.openxmlformats.org/drawingml/2006/main" xmlns:r="http://schemas.openxmlformats.org/officeDocument/2006/relationships" xmlns:p="http://schemas.openxmlformats.org/presentationml/2006/main">
+  <p:cSld>
+    <p:spTree>
+      <p:nvGrpSpPr>
+        <p:cNvPr id="1" name=""/>
+        <p:cNvGrpSpPr/>
+        <p:nvPr/>
+      </p:nvGrpSpPr>
+      <p:grpSpPr>
+        <a:xfrm>
+          <a:off x="0" y="0"/>
+          <a:ext cx="0" cy="0"/>
+          <a:chOff x="0" y="0"/>
+          <a:chExt cx="0" cy="0"/>
+        </a:xfrm>
+      </p:grpSpPr>
+      <p:sp>
+        <p:nvSpPr>
+          <p:cNvPr id="2" name="Tittel 1"/>
+          <p:cNvSpPr>
+            <a:spLocks noGrp="1"/>
+          </p:cNvSpPr>
+          <p:nvPr>
+            <p:ph type="title"/>
+          </p:nvPr>
+        </p:nvSpPr>
+        <p:spPr/>
+        <p:txBody>
+          <a:bodyPr/>
+          <a:lstStyle/>
+          <a:p>
+            <a:r>
+              <a:rPr lang="nb-NO" dirty="0" err="1"/>
+              <a:t>Angular</a:t>
+            </a:r>
+            <a:r>
+              <a:rPr lang="nb-NO" dirty="0"/>
+              <a:t>-struktur</a:t>
+            </a:r>
+          </a:p>
+        </p:txBody>
+      </p:sp>
+      <p:pic>
+        <p:nvPicPr>
+          <p:cNvPr id="4" name="Plassholder for innhold 3"/>
+          <p:cNvPicPr>
+            <a:picLocks noGrp="1" noChangeAspect="1"/>
+          </p:cNvPicPr>
+          <p:nvPr>
+            <p:ph idx="1"/>
+          </p:nvPr>
+        </p:nvPicPr>
+        <p:blipFill>
+          <a:blip r:embed="rId2"/>
+          <a:stretch>
+            <a:fillRect/>
+          </a:stretch>
+        </p:blipFill>
+        <p:spPr>
+          <a:xfrm>
+            <a:off x="2643420" y="1690688"/>
+            <a:ext cx="6905160" cy="3433346"/>
+          </a:xfrm>
+          <a:prstGeom prst="rect">
+            <a:avLst/>
+          </a:prstGeom>
+        </p:spPr>
+      </p:pic>
+      <p:sp>
+        <p:nvSpPr>
+          <p:cNvPr id="6" name="TekstSylinder 5"/>
+          <p:cNvSpPr txBox="1"/>
+          <p:nvPr/>
+        </p:nvSpPr>
+        <p:spPr>
+          <a:xfrm>
+            <a:off x="838200" y="5852160"/>
+            <a:ext cx="6103594" cy="369332"/>
+          </a:xfrm>
+          <a:prstGeom prst="rect">
+            <a:avLst/>
+          </a:prstGeom>
+          <a:noFill/>
+        </p:spPr>
+        <p:txBody>
+          <a:bodyPr wrap="none" rtlCol="0">
+            <a:spAutoFit/>
+          </a:bodyPr>
+          <a:lstStyle/>
+          <a:p>
+            <a:r>
+              <a:rPr lang="nb-NO" dirty="0"/>
+              <a:t>Kilde: </a:t>
+            </a:r>
+            <a:r>
+              <a:rPr lang="nb-NO" dirty="0">
+                <a:hlinkClick r:id="rId3"/>
+              </a:rPr>
+              <a:t>https://angular.io/docs/ts/latest/guide/architecture.html</a:t>
+            </a:r>
+            <a:r>
+              <a:rPr lang="nb-NO" dirty="0"/>
+              <a:t> </a:t>
+            </a:r>
+          </a:p>
+        </p:txBody>
+      </p:sp>
+    </p:spTree>
+    <p:extLst>
+      <p:ext uri="{BB962C8B-B14F-4D97-AF65-F5344CB8AC3E}">
+        <p14:creationId xmlns:p14="http://schemas.microsoft.com/office/powerpoint/2010/main" val="968896447"/>
+      </p:ext>
+    </p:extLst>
+  </p:cSld>
+  <p:clrMapOvr>
+    <a:masterClrMapping/>
+  </p:clrMapOvr>
+</p:sld>
+</file>
+
+<file path=ppt/slides/slide17.xml><?xml version="1.0" encoding="utf-8"?>
+<p:sld xmlns:a="http://schemas.openxmlformats.org/drawingml/2006/main" xmlns:r="http://schemas.openxmlformats.org/officeDocument/2006/relationships" xmlns:p="http://schemas.openxmlformats.org/presentationml/2006/main">
+  <p:cSld>
+    <p:spTree>
+      <p:nvGrpSpPr>
+        <p:cNvPr id="1" name=""/>
+        <p:cNvGrpSpPr/>
+        <p:nvPr/>
+      </p:nvGrpSpPr>
+      <p:grpSpPr>
+        <a:xfrm>
+          <a:off x="0" y="0"/>
+          <a:ext cx="0" cy="0"/>
+          <a:chOff x="0" y="0"/>
+          <a:chExt cx="0" cy="0"/>
+        </a:xfrm>
+      </p:grpSpPr>
+      <p:sp>
+        <p:nvSpPr>
+          <p:cNvPr id="2" name="Tittel 1"/>
+          <p:cNvSpPr>
+            <a:spLocks noGrp="1"/>
+          </p:cNvSpPr>
+          <p:nvPr>
+            <p:ph type="title"/>
+          </p:nvPr>
+        </p:nvSpPr>
+        <p:spPr/>
+        <p:txBody>
+          <a:bodyPr/>
+          <a:lstStyle/>
+          <a:p>
+            <a:r>
+              <a:rPr lang="nb-NO" dirty="0"/>
               <a:t>Components</a:t>
             </a:r>
-            <a:endParaRPr lang="nb-NO" dirty="0"/>
           </a:p>
         </p:txBody>
       </p:sp>
@@ -5374,36 +5675,32 @@
           <a:lstStyle/>
           <a:p>
             <a:r>
-              <a:rPr lang="nb-NO" dirty="0" smtClean="0"/>
+              <a:rPr lang="nb-NO" dirty="0"/>
               <a:t>«Kommuniserer med </a:t>
             </a:r>
             <a:r>
-              <a:rPr lang="nb-NO" dirty="0" err="1" smtClean="0"/>
+              <a:rPr lang="nb-NO" dirty="0" err="1"/>
               <a:t>HTML’en</a:t>
             </a:r>
-            <a:endParaRPr lang="nb-NO" dirty="0" smtClean="0"/>
-          </a:p>
-          <a:p>
-            <a:r>
-              <a:rPr lang="nb-NO" dirty="0" smtClean="0"/>
+            <a:endParaRPr lang="nb-NO" dirty="0"/>
+          </a:p>
+          <a:p>
+            <a:r>
+              <a:rPr lang="nb-NO" dirty="0"/>
               <a:t>Binder HTML og </a:t>
             </a:r>
             <a:r>
-              <a:rPr lang="nb-NO" dirty="0" err="1" smtClean="0"/>
+              <a:rPr lang="nb-NO" dirty="0" err="1"/>
               <a:t>javascript</a:t>
             </a:r>
             <a:r>
               <a:rPr lang="nb-NO" dirty="0"/>
-              <a:t> </a:t>
-            </a:r>
-            <a:r>
-              <a:rPr lang="nb-NO" dirty="0" smtClean="0"/>
-              <a:t>sammen</a:t>
-            </a:r>
-          </a:p>
-          <a:p>
-            <a:r>
-              <a:rPr lang="nb-NO" dirty="0" smtClean="0"/>
+              <a:t> sammen</a:t>
+            </a:r>
+          </a:p>
+          <a:p>
+            <a:r>
+              <a:rPr lang="nb-NO" dirty="0"/>
               <a:t>Kan ha underkomponenter</a:t>
             </a:r>
           </a:p>
@@ -5411,7 +5708,7 @@
             <a:pPr marL="0" indent="0">
               <a:buNone/>
             </a:pPr>
-            <a:endParaRPr lang="nb-NO" dirty="0" smtClean="0"/>
+            <a:endParaRPr lang="nb-NO" dirty="0"/>
           </a:p>
           <a:p>
             <a:pPr marL="0" indent="0">
@@ -5423,7 +5720,7 @@
             <a:pPr marL="0" indent="0">
               <a:buNone/>
             </a:pPr>
-            <a:endParaRPr lang="nb-NO" dirty="0" smtClean="0"/>
+            <a:endParaRPr lang="nb-NO" dirty="0"/>
           </a:p>
           <a:p>
             <a:pPr marL="0" indent="0">
@@ -5435,7 +5732,7 @@
             <a:pPr marL="0" indent="0">
               <a:buNone/>
             </a:pPr>
-            <a:endParaRPr lang="nb-NO" dirty="0" smtClean="0"/>
+            <a:endParaRPr lang="nb-NO" dirty="0"/>
           </a:p>
           <a:p>
             <a:pPr marL="0" indent="0">
@@ -5449,19 +5746,12 @@
               <a:rPr lang="nb-NO" sz="1800" dirty="0">
                 <a:hlinkClick r:id="rId3"/>
               </a:rPr>
-              <a:t>https://angular.io/docs/ts/latest/guide/architecture.html#!#</a:t>
-            </a:r>
-            <a:r>
-              <a:rPr lang="nb-NO" sz="1800" dirty="0" smtClean="0">
-                <a:hlinkClick r:id="rId3"/>
-              </a:rPr>
-              <a:t>components</a:t>
-            </a:r>
-            <a:r>
-              <a:rPr lang="nb-NO" sz="1800" dirty="0" smtClean="0"/>
+              <a:t>https://angular.io/docs/ts/latest/guide/architecture.html#!#components</a:t>
+            </a:r>
+            <a:r>
+              <a:rPr lang="nb-NO" sz="1800" dirty="0"/>
               <a:t> </a:t>
             </a:r>
-            <a:endParaRPr lang="nb-NO" sz="1800" dirty="0"/>
           </a:p>
         </p:txBody>
       </p:sp>
@@ -5502,7 +5792,7 @@
 </p:sld>
 </file>
 
-<file path=ppt/slides/slide16.xml><?xml version="1.0" encoding="utf-8"?>
+<file path=ppt/slides/slide18.xml><?xml version="1.0" encoding="utf-8"?>
 <p:sld xmlns:a="http://schemas.openxmlformats.org/drawingml/2006/main" xmlns:r="http://schemas.openxmlformats.org/officeDocument/2006/relationships" xmlns:p="http://schemas.openxmlformats.org/presentationml/2006/main">
   <p:cSld>
     <p:spTree>
@@ -5535,11 +5825,11 @@
           <a:lstStyle/>
           <a:p>
             <a:r>
-              <a:rPr lang="nb-NO" dirty="0" smtClean="0"/>
+              <a:rPr lang="nb-NO" dirty="0"/>
               <a:t>Lage (web)</a:t>
             </a:r>
             <a:r>
-              <a:rPr lang="nb-NO" dirty="0" err="1" smtClean="0"/>
+              <a:rPr lang="nb-NO" dirty="0" err="1"/>
               <a:t>komponeter</a:t>
             </a:r>
             <a:endParaRPr lang="nb-NO" dirty="0"/>
@@ -5567,52 +5857,40 @@
           <a:lstStyle/>
           <a:p>
             <a:r>
-              <a:rPr lang="nb-NO" dirty="0" smtClean="0"/>
+              <a:rPr lang="nb-NO" dirty="0"/>
               <a:t>Bruker html </a:t>
             </a:r>
             <a:r>
-              <a:rPr lang="nb-NO" dirty="0" err="1" smtClean="0"/>
+              <a:rPr lang="nb-NO" dirty="0" err="1"/>
               <a:t>selectors</a:t>
             </a:r>
             <a:r>
-              <a:rPr lang="nb-NO" dirty="0" smtClean="0"/>
+              <a:rPr lang="nb-NO" dirty="0"/>
               <a:t> med typescript komponenter</a:t>
             </a:r>
           </a:p>
           <a:p>
             <a:r>
-              <a:rPr lang="nb-NO" dirty="0" smtClean="0"/>
+              <a:rPr lang="nb-NO" dirty="0"/>
               <a:t>Se </a:t>
-            </a:r>
-            <a:r>
-              <a:rPr lang="nb-NO" dirty="0" smtClean="0">
-                <a:hlinkClick r:id="rId3"/>
-              </a:rPr>
-              <a:t>http</a:t>
             </a:r>
             <a:r>
               <a:rPr lang="nb-NO" dirty="0">
                 <a:hlinkClick r:id="rId3"/>
               </a:rPr>
-              <a:t>://ionicframework.com/docs/v2/components</a:t>
-            </a:r>
-            <a:r>
-              <a:rPr lang="nb-NO" dirty="0" smtClean="0">
-                <a:hlinkClick r:id="rId3"/>
-              </a:rPr>
-              <a:t>/</a:t>
-            </a:r>
-            <a:r>
-              <a:rPr lang="nb-NO" dirty="0" smtClean="0"/>
+              <a:t>http://ionicframework.com/docs/v2/components/</a:t>
+            </a:r>
+            <a:r>
+              <a:rPr lang="nb-NO" dirty="0"/>
               <a:t> </a:t>
             </a:r>
           </a:p>
           <a:p>
-            <a:endParaRPr lang="nb-NO" dirty="0" smtClean="0"/>
-          </a:p>
-          <a:p>
-            <a:r>
-              <a:rPr lang="nb-NO" dirty="0" smtClean="0"/>
+            <a:endParaRPr lang="nb-NO" dirty="0"/>
+          </a:p>
+          <a:p>
+            <a:r>
+              <a:rPr lang="nb-NO" dirty="0"/>
               <a:t>For å lage komponenter så kan cli kommandoen</a:t>
             </a:r>
           </a:p>
@@ -5620,58 +5898,54 @@
             <a:pPr lvl="1"/>
             <a:r>
               <a:rPr lang="nb-NO" dirty="0" err="1"/>
-              <a:t>i</a:t>
-            </a:r>
-            <a:r>
-              <a:rPr lang="nb-NO" dirty="0" err="1" smtClean="0"/>
-              <a:t>onic</a:t>
-            </a:r>
-            <a:r>
-              <a:rPr lang="nb-NO" dirty="0" smtClean="0"/>
+              <a:t>ionic</a:t>
+            </a:r>
+            <a:r>
+              <a:rPr lang="nb-NO" dirty="0"/>
               <a:t> </a:t>
             </a:r>
             <a:r>
-              <a:rPr lang="nb-NO" dirty="0" err="1" smtClean="0"/>
+              <a:rPr lang="nb-NO" dirty="0" err="1"/>
               <a:t>generate</a:t>
             </a:r>
             <a:r>
-              <a:rPr lang="nb-NO" dirty="0" smtClean="0"/>
+              <a:rPr lang="nb-NO" dirty="0"/>
               <a:t> </a:t>
             </a:r>
             <a:r>
-              <a:rPr lang="nb-NO" dirty="0" err="1" smtClean="0"/>
+              <a:rPr lang="nb-NO" dirty="0" err="1"/>
               <a:t>component</a:t>
             </a:r>
-            <a:endParaRPr lang="nb-NO" dirty="0" smtClean="0"/>
+            <a:endParaRPr lang="nb-NO" dirty="0"/>
           </a:p>
           <a:p>
             <a:pPr lvl="1"/>
             <a:r>
-              <a:rPr lang="nb-NO" dirty="0" smtClean="0"/>
+              <a:rPr lang="nb-NO" dirty="0"/>
               <a:t>(kjør </a:t>
             </a:r>
             <a:r>
-              <a:rPr lang="nb-NO" dirty="0" err="1" smtClean="0"/>
+              <a:rPr lang="nb-NO" dirty="0" err="1"/>
               <a:t>ionic</a:t>
             </a:r>
             <a:r>
-              <a:rPr lang="nb-NO" dirty="0" smtClean="0"/>
+              <a:rPr lang="nb-NO" dirty="0"/>
               <a:t> </a:t>
             </a:r>
             <a:r>
-              <a:rPr lang="nb-NO" dirty="0" err="1" smtClean="0"/>
+              <a:rPr lang="nb-NO" dirty="0" err="1"/>
               <a:t>help</a:t>
             </a:r>
             <a:r>
-              <a:rPr lang="nb-NO" dirty="0" smtClean="0"/>
+              <a:rPr lang="nb-NO" dirty="0"/>
               <a:t> </a:t>
             </a:r>
             <a:r>
-              <a:rPr lang="nb-NO" dirty="0" err="1" smtClean="0"/>
+              <a:rPr lang="nb-NO" dirty="0" err="1"/>
               <a:t>generate</a:t>
             </a:r>
             <a:r>
-              <a:rPr lang="nb-NO" dirty="0" smtClean="0"/>
+              <a:rPr lang="nb-NO" dirty="0"/>
               <a:t> for mer informasjon)</a:t>
             </a:r>
           </a:p>
@@ -5695,17 +5969,10 @@
   <p:clrMapOvr>
     <a:masterClrMapping/>
   </p:clrMapOvr>
-  <p:timing>
-    <p:tnLst>
-      <p:par>
-        <p:cTn id="1" dur="indefinite" restart="never" nodeType="tmRoot"/>
-      </p:par>
-    </p:tnLst>
-  </p:timing>
 </p:sld>
 </file>
 
-<file path=ppt/slides/slide17.xml><?xml version="1.0" encoding="utf-8"?>
+<file path=ppt/slides/slide19.xml><?xml version="1.0" encoding="utf-8"?>
 <p:sld xmlns:a="http://schemas.openxmlformats.org/drawingml/2006/main" xmlns:r="http://schemas.openxmlformats.org/officeDocument/2006/relationships" xmlns:p="http://schemas.openxmlformats.org/presentationml/2006/main">
   <p:cSld>
     <p:spTree>
@@ -5738,10 +6005,9 @@
           <a:lstStyle/>
           <a:p>
             <a:r>
-              <a:rPr lang="nb-NO" dirty="0" smtClean="0"/>
+              <a:rPr lang="nb-NO" dirty="0"/>
               <a:t>Oppgave 3</a:t>
             </a:r>
-            <a:endParaRPr lang="nb-NO" dirty="0"/>
           </a:p>
         </p:txBody>
       </p:sp>
@@ -5761,53 +6027,53 @@
           <a:lstStyle/>
           <a:p>
             <a:r>
-              <a:rPr lang="nb-NO" dirty="0" smtClean="0"/>
+              <a:rPr lang="nb-NO" dirty="0"/>
               <a:t>Generer komponentene</a:t>
             </a:r>
           </a:p>
           <a:p>
             <a:pPr lvl="1"/>
             <a:r>
-              <a:rPr lang="nb-NO" dirty="0" err="1" smtClean="0"/>
+              <a:rPr lang="nb-NO" dirty="0" err="1"/>
               <a:t>ChatInput</a:t>
             </a:r>
-            <a:endParaRPr lang="nb-NO" dirty="0" smtClean="0"/>
+            <a:endParaRPr lang="nb-NO" dirty="0"/>
           </a:p>
           <a:p>
             <a:pPr lvl="1"/>
             <a:r>
-              <a:rPr lang="nb-NO" dirty="0" err="1" smtClean="0"/>
+              <a:rPr lang="nb-NO" dirty="0" err="1"/>
               <a:t>ChatContent</a:t>
             </a:r>
-            <a:endParaRPr lang="nb-NO" dirty="0" smtClean="0"/>
+            <a:endParaRPr lang="nb-NO" dirty="0"/>
           </a:p>
           <a:p>
             <a:pPr lvl="2"/>
             <a:r>
-              <a:rPr lang="nb-NO" dirty="0" smtClean="0"/>
+              <a:rPr lang="nb-NO" dirty="0"/>
               <a:t>Bruker Cards for å presentere </a:t>
             </a:r>
             <a:r>
-              <a:rPr lang="nb-NO" dirty="0" err="1" smtClean="0"/>
+              <a:rPr lang="nb-NO" dirty="0" err="1"/>
               <a:t>chat</a:t>
             </a:r>
             <a:r>
-              <a:rPr lang="nb-NO" dirty="0" smtClean="0"/>
+              <a:rPr lang="nb-NO" dirty="0"/>
               <a:t>-teksten </a:t>
             </a:r>
           </a:p>
           <a:p>
             <a:pPr lvl="2"/>
             <a:r>
-              <a:rPr lang="nb-NO" dirty="0" smtClean="0"/>
+              <a:rPr lang="nb-NO" dirty="0"/>
               <a:t>&lt;ion-</a:t>
             </a:r>
             <a:r>
-              <a:rPr lang="nb-NO" dirty="0" err="1" smtClean="0"/>
+              <a:rPr lang="nb-NO" dirty="0" err="1"/>
               <a:t>card</a:t>
             </a:r>
             <a:r>
-              <a:rPr lang="nb-NO" dirty="0" smtClean="0"/>
+              <a:rPr lang="nb-NO" dirty="0"/>
               <a:t>&gt;</a:t>
             </a:r>
           </a:p>
@@ -5817,18 +6083,17 @@
           </a:p>
           <a:p>
             <a:r>
-              <a:rPr lang="nb-NO" dirty="0" smtClean="0"/>
+              <a:rPr lang="nb-NO" dirty="0"/>
               <a:t>Test gjerne mot </a:t>
             </a:r>
             <a:r>
-              <a:rPr lang="nb-NO" dirty="0" err="1" smtClean="0"/>
+              <a:rPr lang="nb-NO" dirty="0" err="1"/>
               <a:t>View</a:t>
             </a:r>
             <a:r>
               <a:rPr lang="nb-NO" dirty="0"/>
               <a:t>.</a:t>
             </a:r>
-            <a:endParaRPr lang="nb-NO" dirty="0" smtClean="0"/>
           </a:p>
           <a:p>
             <a:pPr lvl="1"/>
@@ -5873,17 +6138,203 @@
   <p:clrMapOvr>
     <a:masterClrMapping/>
   </p:clrMapOvr>
-  <p:timing>
-    <p:tnLst>
-      <p:par>
-        <p:cTn id="1" dur="indefinite" restart="never" nodeType="tmRoot"/>
-      </p:par>
-    </p:tnLst>
-  </p:timing>
 </p:sld>
 </file>
 
-<file path=ppt/slides/slide18.xml><?xml version="1.0" encoding="utf-8"?>
+<file path=ppt/slides/slide2.xml><?xml version="1.0" encoding="utf-8"?>
+<p:sld xmlns:a="http://schemas.openxmlformats.org/drawingml/2006/main" xmlns:r="http://schemas.openxmlformats.org/officeDocument/2006/relationships" xmlns:p="http://schemas.openxmlformats.org/presentationml/2006/main" show="0">
+  <p:cSld>
+    <p:spTree>
+      <p:nvGrpSpPr>
+        <p:cNvPr id="1" name=""/>
+        <p:cNvGrpSpPr/>
+        <p:nvPr/>
+      </p:nvGrpSpPr>
+      <p:grpSpPr>
+        <a:xfrm>
+          <a:off x="0" y="0"/>
+          <a:ext cx="0" cy="0"/>
+          <a:chOff x="0" y="0"/>
+          <a:chExt cx="0" cy="0"/>
+        </a:xfrm>
+      </p:grpSpPr>
+      <p:sp>
+        <p:nvSpPr>
+          <p:cNvPr id="2" name="Tittel 1"/>
+          <p:cNvSpPr>
+            <a:spLocks noGrp="1"/>
+          </p:cNvSpPr>
+          <p:nvPr>
+            <p:ph type="title"/>
+          </p:nvPr>
+        </p:nvSpPr>
+        <p:spPr/>
+        <p:txBody>
+          <a:bodyPr/>
+          <a:lstStyle/>
+          <a:p>
+            <a:r>
+              <a:rPr lang="nb-NO" dirty="0"/>
+              <a:t>Oppsett av workshop	</a:t>
+            </a:r>
+          </a:p>
+        </p:txBody>
+      </p:sp>
+      <p:sp>
+        <p:nvSpPr>
+          <p:cNvPr id="3" name="Plassholder for innhold 2"/>
+          <p:cNvSpPr>
+            <a:spLocks noGrp="1"/>
+          </p:cNvSpPr>
+          <p:nvPr>
+            <p:ph idx="1"/>
+          </p:nvPr>
+        </p:nvSpPr>
+        <p:spPr/>
+        <p:txBody>
+          <a:bodyPr>
+            <a:normAutofit fontScale="92500" lnSpcReduction="20000"/>
+          </a:bodyPr>
+          <a:lstStyle/>
+          <a:p>
+            <a:r>
+              <a:rPr lang="nb-NO" dirty="0"/>
+              <a:t>Fasiliteter trenger:</a:t>
+            </a:r>
+          </a:p>
+          <a:p>
+            <a:pPr lvl="1"/>
+            <a:r>
+              <a:rPr lang="nb-NO" dirty="0"/>
+              <a:t>Prosjektor</a:t>
+            </a:r>
+          </a:p>
+          <a:p>
+            <a:pPr lvl="1"/>
+            <a:r>
+              <a:rPr lang="nb-NO" dirty="0"/>
+              <a:t>Klasseromoppsett</a:t>
+            </a:r>
+          </a:p>
+          <a:p>
+            <a:pPr lvl="1"/>
+            <a:r>
+              <a:rPr lang="nb-NO" dirty="0"/>
+              <a:t>Internett</a:t>
+            </a:r>
+          </a:p>
+          <a:p>
+            <a:pPr lvl="2"/>
+            <a:r>
+              <a:rPr lang="nb-NO" dirty="0" err="1"/>
+              <a:t>Wifi</a:t>
+            </a:r>
+            <a:r>
+              <a:rPr lang="nb-NO" dirty="0"/>
+              <a:t> + passord lett tilgjengelig</a:t>
+            </a:r>
+          </a:p>
+          <a:p>
+            <a:r>
+              <a:rPr lang="nb-NO" dirty="0"/>
+              <a:t>Deltakere trenger:</a:t>
+            </a:r>
+          </a:p>
+          <a:p>
+            <a:pPr lvl="1"/>
+            <a:r>
+              <a:rPr lang="nb-NO" dirty="0"/>
+              <a:t>Laptop</a:t>
+            </a:r>
+          </a:p>
+          <a:p>
+            <a:pPr lvl="1"/>
+            <a:r>
+              <a:rPr lang="nb-NO" dirty="0" err="1"/>
+              <a:t>Texteditor</a:t>
+            </a:r>
+            <a:endParaRPr lang="nb-NO" dirty="0"/>
+          </a:p>
+          <a:p>
+            <a:pPr lvl="2"/>
+            <a:r>
+              <a:rPr lang="nb-NO" dirty="0"/>
+              <a:t>Sublime	</a:t>
+            </a:r>
+          </a:p>
+          <a:p>
+            <a:pPr lvl="2"/>
+            <a:r>
+              <a:rPr lang="nb-NO" dirty="0"/>
+              <a:t>Visual </a:t>
+            </a:r>
+            <a:r>
+              <a:rPr lang="nb-NO" dirty="0" err="1"/>
+              <a:t>code</a:t>
+            </a:r>
+            <a:endParaRPr lang="nb-NO" dirty="0"/>
+          </a:p>
+          <a:p>
+            <a:pPr lvl="2"/>
+            <a:r>
+              <a:rPr lang="nb-NO" dirty="0" err="1"/>
+              <a:t>etc</a:t>
+            </a:r>
+            <a:endParaRPr lang="nb-NO" dirty="0"/>
+          </a:p>
+          <a:p>
+            <a:pPr lvl="1"/>
+            <a:r>
+              <a:rPr lang="nb-NO" dirty="0" err="1"/>
+              <a:t>Cmd</a:t>
+            </a:r>
+            <a:r>
+              <a:rPr lang="nb-NO" dirty="0"/>
+              <a:t>/Console/Terminal</a:t>
+            </a:r>
+          </a:p>
+          <a:p>
+            <a:pPr lvl="1"/>
+            <a:r>
+              <a:rPr lang="nb-NO" dirty="0"/>
+              <a:t>Node JS</a:t>
+            </a:r>
+          </a:p>
+          <a:p>
+            <a:pPr lvl="2"/>
+            <a:r>
+              <a:rPr lang="nb-NO" dirty="0"/>
+              <a:t>Latest</a:t>
+            </a:r>
+          </a:p>
+          <a:p>
+            <a:pPr lvl="1"/>
+            <a:endParaRPr lang="nb-NO" dirty="0"/>
+          </a:p>
+          <a:p>
+            <a:pPr lvl="1"/>
+            <a:endParaRPr lang="nb-NO" dirty="0"/>
+          </a:p>
+          <a:p>
+            <a:pPr lvl="1"/>
+            <a:endParaRPr lang="nb-NO" dirty="0"/>
+          </a:p>
+        </p:txBody>
+      </p:sp>
+    </p:spTree>
+    <p:extLst>
+      <p:ext uri="{BB962C8B-B14F-4D97-AF65-F5344CB8AC3E}">
+        <p14:creationId xmlns:p14="http://schemas.microsoft.com/office/powerpoint/2010/main" val="127141065"/>
+      </p:ext>
+    </p:extLst>
+  </p:cSld>
+  <p:clrMapOvr>
+    <a:masterClrMapping/>
+  </p:clrMapOvr>
+</p:sld>
+</file>
+
+<file path=ppt/slides/slide20.xml><?xml version="1.0" encoding="utf-8"?>
 <p:sld xmlns:a="http://schemas.openxmlformats.org/drawingml/2006/main" xmlns:r="http://schemas.openxmlformats.org/officeDocument/2006/relationships" xmlns:p="http://schemas.openxmlformats.org/presentationml/2006/main">
   <p:cSld>
     <p:spTree>
@@ -5916,10 +6367,9 @@
           <a:lstStyle/>
           <a:p>
             <a:r>
-              <a:rPr lang="nb-NO" dirty="0" smtClean="0"/>
+              <a:rPr lang="nb-NO" dirty="0"/>
               <a:t>Service/Provider</a:t>
             </a:r>
-            <a:endParaRPr lang="nb-NO" dirty="0"/>
           </a:p>
         </p:txBody>
       </p:sp>
@@ -5941,44 +6391,43 @@
           <a:lstStyle/>
           <a:p>
             <a:r>
-              <a:rPr lang="nb-NO" dirty="0" smtClean="0"/>
+              <a:rPr lang="nb-NO" dirty="0"/>
               <a:t>Brukes til	</a:t>
             </a:r>
           </a:p>
           <a:p>
             <a:pPr lvl="1"/>
             <a:r>
-              <a:rPr lang="nb-NO" dirty="0" smtClean="0"/>
+              <a:rPr lang="nb-NO" dirty="0"/>
               <a:t>Validering av brukerinput</a:t>
             </a:r>
           </a:p>
           <a:p>
             <a:pPr lvl="1"/>
             <a:r>
-              <a:rPr lang="nb-NO" dirty="0" smtClean="0"/>
+              <a:rPr lang="nb-NO" dirty="0"/>
               <a:t>Kommunikasjon med server</a:t>
             </a:r>
           </a:p>
           <a:p>
             <a:pPr lvl="1"/>
             <a:r>
-              <a:rPr lang="nb-NO" dirty="0" smtClean="0"/>
+              <a:rPr lang="nb-NO" dirty="0"/>
               <a:t>Logging</a:t>
             </a:r>
           </a:p>
           <a:p>
             <a:pPr lvl="1"/>
             <a:r>
-              <a:rPr lang="nb-NO" dirty="0" smtClean="0"/>
+              <a:rPr lang="nb-NO" dirty="0"/>
               <a:t>Alt som er ikke-trivielt</a:t>
             </a:r>
-            <a:endParaRPr lang="nb-NO" dirty="0"/>
           </a:p>
           <a:p>
             <a:pPr marL="0" indent="0">
               <a:buNone/>
             </a:pPr>
-            <a:endParaRPr lang="nb-NO" dirty="0" smtClean="0"/>
+            <a:endParaRPr lang="nb-NO" dirty="0"/>
           </a:p>
           <a:p>
             <a:pPr marL="0" indent="0">
@@ -5990,7 +6439,7 @@
             <a:pPr marL="0" indent="0">
               <a:buNone/>
             </a:pPr>
-            <a:endParaRPr lang="nb-NO" dirty="0" smtClean="0"/>
+            <a:endParaRPr lang="nb-NO" dirty="0"/>
           </a:p>
           <a:p>
             <a:pPr marL="0" indent="0">
@@ -6010,19 +6459,12 @@
               <a:rPr lang="nb-NO" sz="1900" dirty="0">
                 <a:hlinkClick r:id="rId2"/>
               </a:rPr>
-              <a:t>https://angular.io/docs/ts/latest/guide/architecture.html#!#</a:t>
-            </a:r>
-            <a:r>
-              <a:rPr lang="nb-NO" sz="1900" dirty="0" smtClean="0">
-                <a:hlinkClick r:id="rId2"/>
-              </a:rPr>
-              <a:t>services</a:t>
-            </a:r>
-            <a:r>
-              <a:rPr lang="nb-NO" sz="1900" dirty="0" smtClean="0"/>
+              <a:t>https://angular.io/docs/ts/latest/guide/architecture.html#!#services</a:t>
+            </a:r>
+            <a:r>
+              <a:rPr lang="nb-NO" sz="1900" dirty="0"/>
               <a:t> </a:t>
             </a:r>
-            <a:endParaRPr lang="nb-NO" sz="1900" dirty="0"/>
           </a:p>
         </p:txBody>
       </p:sp>
@@ -6039,7 +6481,7 @@
 </p:sld>
 </file>
 
-<file path=ppt/slides/slide19.xml><?xml version="1.0" encoding="utf-8"?>
+<file path=ppt/slides/slide21.xml><?xml version="1.0" encoding="utf-8"?>
 <p:sld xmlns:a="http://schemas.openxmlformats.org/drawingml/2006/main" xmlns:r="http://schemas.openxmlformats.org/officeDocument/2006/relationships" xmlns:p="http://schemas.openxmlformats.org/presentationml/2006/main">
   <p:cSld>
     <p:spTree>
@@ -6072,10 +6514,9 @@
           <a:lstStyle/>
           <a:p>
             <a:r>
-              <a:rPr lang="nb-NO" dirty="0" smtClean="0"/>
+              <a:rPr lang="nb-NO" dirty="0"/>
               <a:t>Oppgave 4</a:t>
             </a:r>
-            <a:endParaRPr lang="nb-NO" dirty="0"/>
           </a:p>
         </p:txBody>
       </p:sp>
@@ -6097,79 +6538,67 @@
         </p:spPr>
         <p:txBody>
           <a:bodyPr>
-            <a:normAutofit fontScale="77500" lnSpcReduction="20000"/>
+            <a:normAutofit fontScale="92500" lnSpcReduction="10000"/>
           </a:bodyPr>
           <a:lstStyle/>
           <a:p>
             <a:r>
-              <a:rPr lang="nb-NO" dirty="0" smtClean="0"/>
+              <a:rPr lang="nb-NO" dirty="0"/>
               <a:t>Lag en service som kalles </a:t>
             </a:r>
             <a:r>
-              <a:rPr lang="nb-NO" dirty="0" err="1" smtClean="0"/>
-              <a:t>chatbot</a:t>
-            </a:r>
-            <a:r>
-              <a:rPr lang="nb-NO" dirty="0" err="1"/>
-              <a:t>-</a:t>
-            </a:r>
-            <a:r>
-              <a:rPr lang="nb-NO" dirty="0" err="1" smtClean="0"/>
-              <a:t>service.ts</a:t>
-            </a:r>
-            <a:endParaRPr lang="nb-NO" dirty="0" smtClean="0"/>
-          </a:p>
-          <a:p>
-            <a:r>
-              <a:rPr lang="nb-NO" dirty="0" smtClean="0"/>
+              <a:rPr lang="nb-NO" dirty="0" err="1"/>
+              <a:t>chatbot-service.ts</a:t>
+            </a:r>
+            <a:endParaRPr lang="nb-NO" dirty="0"/>
+          </a:p>
+          <a:p>
+            <a:r>
+              <a:rPr lang="nb-NO" dirty="0"/>
               <a:t>Send </a:t>
             </a:r>
             <a:r>
-              <a:rPr lang="nb-NO" dirty="0" err="1" smtClean="0"/>
+              <a:rPr lang="nb-NO" dirty="0" err="1"/>
               <a:t>chat</a:t>
             </a:r>
             <a:r>
-              <a:rPr lang="nb-NO" dirty="0" smtClean="0"/>
+              <a:rPr lang="nb-NO" dirty="0"/>
               <a:t> input til servicen</a:t>
             </a:r>
           </a:p>
           <a:p>
             <a:r>
-              <a:rPr lang="nb-NO" dirty="0" smtClean="0"/>
+              <a:rPr lang="nb-NO" dirty="0"/>
               <a:t>Send </a:t>
             </a:r>
             <a:r>
-              <a:rPr lang="nb-NO" dirty="0" err="1" smtClean="0"/>
+              <a:rPr lang="nb-NO" dirty="0" err="1"/>
               <a:t>response</a:t>
             </a:r>
             <a:r>
-              <a:rPr lang="nb-NO" dirty="0" smtClean="0"/>
+              <a:rPr lang="nb-NO" dirty="0"/>
               <a:t> til </a:t>
             </a:r>
             <a:r>
-              <a:rPr lang="nb-NO" dirty="0" err="1" smtClean="0"/>
+              <a:rPr lang="nb-NO" dirty="0" err="1"/>
               <a:t>chat-content</a:t>
             </a:r>
             <a:r>
               <a:rPr lang="nb-NO" dirty="0"/>
-              <a:t> </a:t>
-            </a:r>
-            <a:r>
-              <a:rPr lang="nb-NO" dirty="0" smtClean="0"/>
-              <a:t>som nytt ion-</a:t>
-            </a:r>
-            <a:r>
-              <a:rPr lang="nb-NO" dirty="0" err="1" smtClean="0"/>
+              <a:t> som nytt ion-</a:t>
+            </a:r>
+            <a:r>
+              <a:rPr lang="nb-NO" dirty="0" err="1"/>
               <a:t>card</a:t>
             </a:r>
-            <a:endParaRPr lang="nb-NO" dirty="0" smtClean="0"/>
-          </a:p>
-          <a:p>
-            <a:endParaRPr lang="nb-NO" dirty="0"/>
-          </a:p>
-          <a:p>
-            <a:r>
-              <a:rPr lang="nb-NO" dirty="0" smtClean="0"/>
+            <a:endParaRPr lang="nb-NO" dirty="0"/>
+          </a:p>
+          <a:p>
+            <a:endParaRPr lang="nb-NO" dirty="0"/>
+          </a:p>
+          <a:p>
+            <a:r>
+              <a:rPr lang="nb-NO" dirty="0"/>
               <a:t>API-detaljer</a:t>
             </a:r>
           </a:p>
@@ -6183,97 +6612,52 @@
               <a:rPr lang="nb-NO" dirty="0">
                 <a:hlinkClick r:id="rId2"/>
               </a:rPr>
-              <a:t>https://</a:t>
-            </a:r>
-            <a:r>
-              <a:rPr lang="nb-NO" dirty="0" smtClean="0">
-                <a:hlinkClick r:id="rId2"/>
+              <a:t>https://else-api-test.sticos.no/api/ElseChat?unikId=testId1&amp;text=SPØRSMÅL</a:t>
+            </a:r>
+            <a:r>
+              <a:rPr lang="nb-NO" dirty="0"/>
+              <a:t> </a:t>
+            </a:r>
+          </a:p>
+          <a:p>
+            <a:pPr lvl="1"/>
+            <a:r>
+              <a:rPr lang="nb-NO" dirty="0"/>
+              <a:t>Method: </a:t>
+            </a:r>
+            <a:r>
+              <a:rPr lang="nb-NO" dirty="0">
+                <a:latin typeface="Consolas" panose="020B0609020204030204" pitchFamily="49" charset="0"/>
               </a:rPr>
-              <a:t>else.sticos.no/wp-content/plugins/elseBot/elseAPI.php</a:t>
-            </a:r>
-            <a:r>
-              <a:rPr lang="nb-NO" dirty="0" smtClean="0"/>
-              <a:t> </a:t>
-            </a:r>
-            <a:endParaRPr lang="nb-NO" dirty="0"/>
+              <a:t>GET</a:t>
+            </a:r>
+          </a:p>
+          <a:p>
+            <a:r>
+              <a:rPr lang="nb-NO" dirty="0"/>
+              <a:t>Bonus:</a:t>
+            </a:r>
           </a:p>
           <a:p>
             <a:pPr lvl="1"/>
             <a:r>
-              <a:rPr lang="nb-NO" dirty="0" smtClean="0"/>
-              <a:t>Method: POST</a:t>
-            </a:r>
-          </a:p>
-          <a:p>
-            <a:pPr lvl="1"/>
-            <a:r>
-              <a:rPr lang="nb-NO" dirty="0" err="1" smtClean="0"/>
-              <a:t>Params</a:t>
-            </a:r>
-            <a:r>
-              <a:rPr lang="nb-NO" dirty="0" smtClean="0"/>
-              <a:t>: </a:t>
-            </a:r>
-          </a:p>
-          <a:p>
-            <a:pPr lvl="2"/>
-            <a:r>
-              <a:rPr lang="nb-NO" dirty="0" err="1" smtClean="0"/>
-              <a:t>unikId</a:t>
-            </a:r>
-            <a:r>
-              <a:rPr lang="nb-NO" dirty="0" smtClean="0"/>
-              <a:t>=testId1</a:t>
-            </a:r>
-          </a:p>
-          <a:p>
-            <a:pPr lvl="2"/>
-            <a:r>
-              <a:rPr lang="nb-NO" dirty="0" err="1" smtClean="0"/>
-              <a:t>text</a:t>
-            </a:r>
-            <a:r>
-              <a:rPr lang="nb-NO" dirty="0" smtClean="0"/>
-              <a:t> = [spørsmål]</a:t>
-            </a:r>
-          </a:p>
-          <a:p>
-            <a:endParaRPr lang="nb-NO" dirty="0"/>
-          </a:p>
-          <a:p>
-            <a:r>
-              <a:rPr lang="nb-NO" dirty="0" smtClean="0"/>
-              <a:t>Bonus:</a:t>
-            </a:r>
-          </a:p>
-          <a:p>
-            <a:pPr lvl="1"/>
-            <a:r>
-              <a:rPr lang="nb-NO" dirty="0" smtClean="0"/>
+              <a:rPr lang="nb-NO" dirty="0"/>
               <a:t>Gjør slik at GUI skiller på spørsmål og svar ved å </a:t>
             </a:r>
             <a:r>
-              <a:rPr lang="nb-NO" dirty="0" err="1" smtClean="0"/>
+              <a:rPr lang="nb-NO" dirty="0" err="1"/>
               <a:t>venstrejustere</a:t>
             </a:r>
             <a:r>
-              <a:rPr lang="nb-NO" dirty="0" smtClean="0"/>
-              <a:t> spørsmål</a:t>
-            </a:r>
-            <a:r>
-              <a:rPr lang="nb-NO" dirty="0"/>
-              <a:t> </a:t>
-            </a:r>
-            <a:r>
-              <a:rPr lang="nb-NO" dirty="0" smtClean="0"/>
-              <a:t>og </a:t>
-            </a:r>
-            <a:r>
-              <a:rPr lang="nb-NO" dirty="0" err="1" smtClean="0"/>
+              <a:rPr lang="nb-NO" dirty="0"/>
+              <a:t> spørsmål og </a:t>
+            </a:r>
+            <a:r>
+              <a:rPr lang="nb-NO" dirty="0" err="1"/>
               <a:t>høyrejustere</a:t>
             </a:r>
             <a:r>
-              <a:rPr lang="nb-NO" dirty="0" smtClean="0"/>
+              <a:rPr lang="nb-NO" dirty="0"/>
               <a:t> svar.</a:t>
             </a:r>
           </a:p>
@@ -6316,582 +6700,6 @@
 </p:sld>
 </file>
 
-<file path=ppt/slides/slide2.xml><?xml version="1.0" encoding="utf-8"?>
-<p:sld xmlns:a="http://schemas.openxmlformats.org/drawingml/2006/main" xmlns:r="http://schemas.openxmlformats.org/officeDocument/2006/relationships" xmlns:p="http://schemas.openxmlformats.org/presentationml/2006/main">
-  <p:cSld>
-    <p:spTree>
-      <p:nvGrpSpPr>
-        <p:cNvPr id="1" name=""/>
-        <p:cNvGrpSpPr/>
-        <p:nvPr/>
-      </p:nvGrpSpPr>
-      <p:grpSpPr>
-        <a:xfrm>
-          <a:off x="0" y="0"/>
-          <a:ext cx="0" cy="0"/>
-          <a:chOff x="0" y="0"/>
-          <a:chExt cx="0" cy="0"/>
-        </a:xfrm>
-      </p:grpSpPr>
-      <p:sp>
-        <p:nvSpPr>
-          <p:cNvPr id="2" name="Tittel 1"/>
-          <p:cNvSpPr>
-            <a:spLocks noGrp="1"/>
-          </p:cNvSpPr>
-          <p:nvPr>
-            <p:ph type="title"/>
-          </p:nvPr>
-        </p:nvSpPr>
-        <p:spPr/>
-        <p:txBody>
-          <a:bodyPr/>
-          <a:lstStyle/>
-          <a:p>
-            <a:r>
-              <a:rPr lang="nb-NO" dirty="0"/>
-              <a:t>Oppsett av workshop	</a:t>
-            </a:r>
-          </a:p>
-        </p:txBody>
-      </p:sp>
-      <p:sp>
-        <p:nvSpPr>
-          <p:cNvPr id="3" name="Plassholder for innhold 2"/>
-          <p:cNvSpPr>
-            <a:spLocks noGrp="1"/>
-          </p:cNvSpPr>
-          <p:nvPr>
-            <p:ph idx="1"/>
-          </p:nvPr>
-        </p:nvSpPr>
-        <p:spPr/>
-        <p:txBody>
-          <a:bodyPr>
-            <a:normAutofit fontScale="92500" lnSpcReduction="20000"/>
-          </a:bodyPr>
-          <a:lstStyle/>
-          <a:p>
-            <a:r>
-              <a:rPr lang="nb-NO" dirty="0"/>
-              <a:t>Fasiliteter trenger:</a:t>
-            </a:r>
-          </a:p>
-          <a:p>
-            <a:pPr lvl="1"/>
-            <a:r>
-              <a:rPr lang="nb-NO" dirty="0"/>
-              <a:t>Prosjektor</a:t>
-            </a:r>
-          </a:p>
-          <a:p>
-            <a:pPr lvl="1"/>
-            <a:r>
-              <a:rPr lang="nb-NO" dirty="0"/>
-              <a:t>Klasseromoppsett</a:t>
-            </a:r>
-          </a:p>
-          <a:p>
-            <a:pPr lvl="1"/>
-            <a:r>
-              <a:rPr lang="nb-NO" dirty="0"/>
-              <a:t>Internett</a:t>
-            </a:r>
-          </a:p>
-          <a:p>
-            <a:pPr lvl="2"/>
-            <a:r>
-              <a:rPr lang="nb-NO" dirty="0" err="1"/>
-              <a:t>Wifi</a:t>
-            </a:r>
-            <a:r>
-              <a:rPr lang="nb-NO" dirty="0"/>
-              <a:t> + passord lett tilgjengelig</a:t>
-            </a:r>
-          </a:p>
-          <a:p>
-            <a:r>
-              <a:rPr lang="nb-NO" dirty="0"/>
-              <a:t>Deltakere trenger:</a:t>
-            </a:r>
-          </a:p>
-          <a:p>
-            <a:pPr lvl="1"/>
-            <a:r>
-              <a:rPr lang="nb-NO" dirty="0"/>
-              <a:t>Laptop</a:t>
-            </a:r>
-          </a:p>
-          <a:p>
-            <a:pPr lvl="1"/>
-            <a:r>
-              <a:rPr lang="nb-NO" dirty="0" err="1"/>
-              <a:t>Texteditor</a:t>
-            </a:r>
-            <a:endParaRPr lang="nb-NO" dirty="0"/>
-          </a:p>
-          <a:p>
-            <a:pPr lvl="2"/>
-            <a:r>
-              <a:rPr lang="nb-NO" dirty="0"/>
-              <a:t>Sublime	</a:t>
-            </a:r>
-          </a:p>
-          <a:p>
-            <a:pPr lvl="2"/>
-            <a:r>
-              <a:rPr lang="nb-NO" dirty="0"/>
-              <a:t>Visual </a:t>
-            </a:r>
-            <a:r>
-              <a:rPr lang="nb-NO" dirty="0" err="1"/>
-              <a:t>code</a:t>
-            </a:r>
-            <a:endParaRPr lang="nb-NO" dirty="0"/>
-          </a:p>
-          <a:p>
-            <a:pPr lvl="2"/>
-            <a:r>
-              <a:rPr lang="nb-NO" dirty="0" err="1"/>
-              <a:t>etc</a:t>
-            </a:r>
-            <a:endParaRPr lang="nb-NO" dirty="0"/>
-          </a:p>
-          <a:p>
-            <a:pPr lvl="1"/>
-            <a:r>
-              <a:rPr lang="nb-NO" dirty="0" err="1"/>
-              <a:t>Cmd</a:t>
-            </a:r>
-            <a:r>
-              <a:rPr lang="nb-NO" dirty="0"/>
-              <a:t>/Console/Terminal</a:t>
-            </a:r>
-          </a:p>
-          <a:p>
-            <a:pPr lvl="1"/>
-            <a:r>
-              <a:rPr lang="nb-NO" dirty="0"/>
-              <a:t>Node JS</a:t>
-            </a:r>
-          </a:p>
-          <a:p>
-            <a:pPr lvl="2"/>
-            <a:r>
-              <a:rPr lang="nb-NO" dirty="0"/>
-              <a:t>Latest</a:t>
-            </a:r>
-          </a:p>
-          <a:p>
-            <a:pPr lvl="1"/>
-            <a:endParaRPr lang="nb-NO" dirty="0"/>
-          </a:p>
-          <a:p>
-            <a:pPr lvl="1"/>
-            <a:endParaRPr lang="nb-NO" dirty="0"/>
-          </a:p>
-          <a:p>
-            <a:pPr lvl="1"/>
-            <a:endParaRPr lang="nb-NO" dirty="0"/>
-          </a:p>
-        </p:txBody>
-      </p:sp>
-    </p:spTree>
-    <p:extLst>
-      <p:ext uri="{BB962C8B-B14F-4D97-AF65-F5344CB8AC3E}">
-        <p14:creationId xmlns:p14="http://schemas.microsoft.com/office/powerpoint/2010/main" val="127141065"/>
-      </p:ext>
-    </p:extLst>
-  </p:cSld>
-  <p:clrMapOvr>
-    <a:masterClrMapping/>
-  </p:clrMapOvr>
-</p:sld>
-</file>
-
-<file path=ppt/slides/slide20.xml><?xml version="1.0" encoding="utf-8"?>
-<p:sld xmlns:a="http://schemas.openxmlformats.org/drawingml/2006/main" xmlns:r="http://schemas.openxmlformats.org/officeDocument/2006/relationships" xmlns:p="http://schemas.openxmlformats.org/presentationml/2006/main">
-  <p:cSld>
-    <p:spTree>
-      <p:nvGrpSpPr>
-        <p:cNvPr id="1" name=""/>
-        <p:cNvGrpSpPr/>
-        <p:nvPr/>
-      </p:nvGrpSpPr>
-      <p:grpSpPr>
-        <a:xfrm>
-          <a:off x="0" y="0"/>
-          <a:ext cx="0" cy="0"/>
-          <a:chOff x="0" y="0"/>
-          <a:chExt cx="0" cy="0"/>
-        </a:xfrm>
-      </p:grpSpPr>
-      <p:sp>
-        <p:nvSpPr>
-          <p:cNvPr id="2" name="Tittel 1"/>
-          <p:cNvSpPr>
-            <a:spLocks noGrp="1"/>
-          </p:cNvSpPr>
-          <p:nvPr>
-            <p:ph type="title"/>
-          </p:nvPr>
-        </p:nvSpPr>
-        <p:spPr/>
-        <p:txBody>
-          <a:bodyPr/>
-          <a:lstStyle/>
-          <a:p>
-            <a:r>
-              <a:rPr lang="nb-NO" dirty="0" smtClean="0"/>
-              <a:t>Native integrasjon</a:t>
-            </a:r>
-            <a:endParaRPr lang="nb-NO" dirty="0"/>
-          </a:p>
-        </p:txBody>
-      </p:sp>
-      <p:sp>
-        <p:nvSpPr>
-          <p:cNvPr id="3" name="Plassholder for innhold 2"/>
-          <p:cNvSpPr>
-            <a:spLocks noGrp="1"/>
-          </p:cNvSpPr>
-          <p:nvPr>
-            <p:ph idx="1"/>
-          </p:nvPr>
-        </p:nvSpPr>
-        <p:spPr/>
-        <p:txBody>
-          <a:bodyPr/>
-          <a:lstStyle/>
-          <a:p>
-            <a:r>
-              <a:rPr lang="nb-NO" dirty="0" smtClean="0"/>
-              <a:t>Bruker </a:t>
-            </a:r>
-            <a:r>
-              <a:rPr lang="nb-NO" dirty="0" err="1" smtClean="0"/>
-              <a:t>cordova</a:t>
-            </a:r>
-            <a:r>
-              <a:rPr lang="nb-NO" dirty="0" smtClean="0"/>
-              <a:t> </a:t>
-            </a:r>
-            <a:r>
-              <a:rPr lang="nb-NO" dirty="0" err="1" smtClean="0"/>
-              <a:t>plugin</a:t>
-            </a:r>
-            <a:r>
-              <a:rPr lang="nb-NO" dirty="0" smtClean="0"/>
-              <a:t> i bunnen</a:t>
-            </a:r>
-          </a:p>
-          <a:p>
-            <a:r>
-              <a:rPr lang="nb-NO" dirty="0"/>
-              <a:t>Legg til </a:t>
-            </a:r>
-            <a:r>
-              <a:rPr lang="nb-NO" dirty="0" err="1"/>
-              <a:t>platformer</a:t>
-            </a:r>
-            <a:endParaRPr lang="nb-NO" dirty="0"/>
-          </a:p>
-          <a:p>
-            <a:pPr lvl="1"/>
-            <a:r>
-              <a:rPr lang="nb-NO" dirty="0"/>
-              <a:t>(</a:t>
-            </a:r>
-            <a:r>
-              <a:rPr lang="nb-NO" dirty="0" err="1"/>
-              <a:t>sudo</a:t>
-            </a:r>
-            <a:r>
-              <a:rPr lang="nb-NO" dirty="0"/>
-              <a:t>) </a:t>
-            </a:r>
-            <a:r>
-              <a:rPr lang="nb-NO" dirty="0" err="1"/>
-              <a:t>ionic</a:t>
-            </a:r>
-            <a:r>
-              <a:rPr lang="nb-NO" dirty="0"/>
-              <a:t> </a:t>
-            </a:r>
-            <a:r>
-              <a:rPr lang="nb-NO" dirty="0" err="1"/>
-              <a:t>platform</a:t>
-            </a:r>
-            <a:r>
-              <a:rPr lang="nb-NO" dirty="0"/>
-              <a:t> </a:t>
-            </a:r>
-            <a:r>
-              <a:rPr lang="nb-NO" dirty="0" err="1"/>
-              <a:t>add</a:t>
-            </a:r>
-            <a:r>
-              <a:rPr lang="nb-NO" dirty="0"/>
-              <a:t> [</a:t>
-            </a:r>
-            <a:r>
-              <a:rPr lang="nb-NO" dirty="0" err="1"/>
-              <a:t>platform</a:t>
-            </a:r>
-            <a:r>
-              <a:rPr lang="nb-NO" dirty="0"/>
-              <a:t>]</a:t>
-            </a:r>
-          </a:p>
-          <a:p>
-            <a:pPr lvl="2"/>
-            <a:r>
-              <a:rPr lang="nb-NO" dirty="0"/>
-              <a:t>Der </a:t>
-            </a:r>
-            <a:r>
-              <a:rPr lang="nb-NO" dirty="0" err="1"/>
-              <a:t>platform</a:t>
-            </a:r>
-            <a:r>
-              <a:rPr lang="nb-NO" dirty="0"/>
-              <a:t> kan være </a:t>
-            </a:r>
-            <a:r>
-              <a:rPr lang="nb-NO" dirty="0" err="1"/>
-              <a:t>ios</a:t>
-            </a:r>
-            <a:r>
-              <a:rPr lang="nb-NO" dirty="0"/>
-              <a:t>, </a:t>
-            </a:r>
-            <a:r>
-              <a:rPr lang="nb-NO" dirty="0" err="1"/>
-              <a:t>android</a:t>
-            </a:r>
-            <a:r>
-              <a:rPr lang="nb-NO" dirty="0"/>
-              <a:t>, wp8, </a:t>
-            </a:r>
-            <a:r>
-              <a:rPr lang="nb-NO" dirty="0" err="1"/>
-              <a:t>windows</a:t>
-            </a:r>
-            <a:r>
-              <a:rPr lang="nb-NO" dirty="0"/>
-              <a:t>, blackberry10…</a:t>
-            </a:r>
-          </a:p>
-          <a:p>
-            <a:pPr lvl="2"/>
-            <a:r>
-              <a:rPr lang="nb-NO" dirty="0"/>
-              <a:t>Sjekk tilgjengelige </a:t>
-            </a:r>
-            <a:r>
-              <a:rPr lang="nb-NO" dirty="0" err="1"/>
-              <a:t>platformer</a:t>
-            </a:r>
-            <a:r>
-              <a:rPr lang="nb-NO" dirty="0"/>
-              <a:t> med </a:t>
-            </a:r>
-            <a:r>
-              <a:rPr lang="nb-NO" dirty="0" err="1"/>
-              <a:t>ionic</a:t>
-            </a:r>
-            <a:r>
-              <a:rPr lang="nb-NO" dirty="0"/>
-              <a:t> </a:t>
-            </a:r>
-            <a:r>
-              <a:rPr lang="nb-NO" dirty="0" err="1"/>
-              <a:t>platform</a:t>
-            </a:r>
-            <a:endParaRPr lang="nb-NO" dirty="0"/>
-          </a:p>
-          <a:p>
-            <a:r>
-              <a:rPr lang="nb-NO" dirty="0" smtClean="0"/>
-              <a:t>Kommando for å installere</a:t>
-            </a:r>
-          </a:p>
-          <a:p>
-            <a:pPr lvl="1"/>
-            <a:r>
-              <a:rPr lang="nb-NO" dirty="0" err="1" smtClean="0"/>
-              <a:t>ionic</a:t>
-            </a:r>
-            <a:r>
-              <a:rPr lang="nb-NO" dirty="0" smtClean="0"/>
-              <a:t> </a:t>
-            </a:r>
-            <a:r>
-              <a:rPr lang="nb-NO" dirty="0" err="1" smtClean="0"/>
-              <a:t>plugin</a:t>
-            </a:r>
-            <a:r>
-              <a:rPr lang="nb-NO" dirty="0" smtClean="0"/>
-              <a:t> </a:t>
-            </a:r>
-            <a:r>
-              <a:rPr lang="nb-NO" dirty="0" err="1" smtClean="0"/>
-              <a:t>add</a:t>
-            </a:r>
-            <a:r>
-              <a:rPr lang="nb-NO" dirty="0" smtClean="0"/>
-              <a:t> [</a:t>
-            </a:r>
-            <a:r>
-              <a:rPr lang="nb-NO" dirty="0" err="1" smtClean="0"/>
-              <a:t>plugin</a:t>
-            </a:r>
-            <a:r>
-              <a:rPr lang="nb-NO" dirty="0" smtClean="0"/>
-              <a:t>]</a:t>
-            </a:r>
-          </a:p>
-          <a:p>
-            <a:pPr lvl="1"/>
-            <a:endParaRPr lang="nb-NO" dirty="0" smtClean="0"/>
-          </a:p>
-          <a:p>
-            <a:pPr marL="457200" lvl="1" indent="0">
-              <a:buNone/>
-            </a:pPr>
-            <a:endParaRPr lang="nb-NO" dirty="0"/>
-          </a:p>
-        </p:txBody>
-      </p:sp>
-    </p:spTree>
-    <p:extLst>
-      <p:ext uri="{BB962C8B-B14F-4D97-AF65-F5344CB8AC3E}">
-        <p14:creationId xmlns:p14="http://schemas.microsoft.com/office/powerpoint/2010/main" val="3647246771"/>
-      </p:ext>
-    </p:extLst>
-  </p:cSld>
-  <p:clrMapOvr>
-    <a:masterClrMapping/>
-  </p:clrMapOvr>
-</p:sld>
-</file>
-
-<file path=ppt/slides/slide21.xml><?xml version="1.0" encoding="utf-8"?>
-<p:sld xmlns:a="http://schemas.openxmlformats.org/drawingml/2006/main" xmlns:r="http://schemas.openxmlformats.org/officeDocument/2006/relationships" xmlns:p="http://schemas.openxmlformats.org/presentationml/2006/main">
-  <p:cSld>
-    <p:spTree>
-      <p:nvGrpSpPr>
-        <p:cNvPr id="1" name=""/>
-        <p:cNvGrpSpPr/>
-        <p:nvPr/>
-      </p:nvGrpSpPr>
-      <p:grpSpPr>
-        <a:xfrm>
-          <a:off x="0" y="0"/>
-          <a:ext cx="0" cy="0"/>
-          <a:chOff x="0" y="0"/>
-          <a:chExt cx="0" cy="0"/>
-        </a:xfrm>
-      </p:grpSpPr>
-      <p:sp>
-        <p:nvSpPr>
-          <p:cNvPr id="2" name="Tittel 1"/>
-          <p:cNvSpPr>
-            <a:spLocks noGrp="1"/>
-          </p:cNvSpPr>
-          <p:nvPr>
-            <p:ph type="title"/>
-          </p:nvPr>
-        </p:nvSpPr>
-        <p:spPr/>
-        <p:txBody>
-          <a:bodyPr/>
-          <a:lstStyle/>
-          <a:p>
-            <a:r>
-              <a:rPr lang="nb-NO" dirty="0" smtClean="0"/>
-              <a:t>Oppgave  5</a:t>
-            </a:r>
-            <a:endParaRPr lang="nb-NO" dirty="0"/>
-          </a:p>
-        </p:txBody>
-      </p:sp>
-      <p:sp>
-        <p:nvSpPr>
-          <p:cNvPr id="3" name="Plassholder for innhold 2"/>
-          <p:cNvSpPr>
-            <a:spLocks noGrp="1"/>
-          </p:cNvSpPr>
-          <p:nvPr>
-            <p:ph idx="1"/>
-          </p:nvPr>
-        </p:nvSpPr>
-        <p:spPr/>
-        <p:txBody>
-          <a:bodyPr/>
-          <a:lstStyle/>
-          <a:p>
-            <a:r>
-              <a:rPr lang="nb-NO" dirty="0" smtClean="0"/>
-              <a:t>Legg inn </a:t>
-            </a:r>
-            <a:r>
-              <a:rPr lang="nb-NO" dirty="0" err="1" smtClean="0"/>
-              <a:t>speech</a:t>
-            </a:r>
-            <a:r>
-              <a:rPr lang="nb-NO" dirty="0" smtClean="0"/>
-              <a:t> to </a:t>
-            </a:r>
-            <a:r>
-              <a:rPr lang="nb-NO" dirty="0" err="1" smtClean="0"/>
-              <a:t>text</a:t>
-            </a:r>
-            <a:r>
-              <a:rPr lang="nb-NO" dirty="0" smtClean="0"/>
-              <a:t> </a:t>
-            </a:r>
-            <a:r>
-              <a:rPr lang="nb-NO" dirty="0" smtClean="0"/>
-              <a:t>integrasjon</a:t>
-            </a:r>
-          </a:p>
-          <a:p>
-            <a:r>
-              <a:rPr lang="nb-NO" dirty="0">
-                <a:hlinkClick r:id="rId2"/>
-              </a:rPr>
-              <a:t>https://ionicframework.com/docs/v2/native/speechrecognition</a:t>
-            </a:r>
-            <a:r>
-              <a:rPr lang="nb-NO" dirty="0" smtClean="0">
-                <a:hlinkClick r:id="rId2"/>
-              </a:rPr>
-              <a:t>/</a:t>
-            </a:r>
-            <a:endParaRPr lang="nb-NO" dirty="0" smtClean="0"/>
-          </a:p>
-          <a:p>
-            <a:endParaRPr lang="nb-NO" dirty="0" smtClean="0"/>
-          </a:p>
-          <a:p>
-            <a:endParaRPr lang="nb-NO" dirty="0"/>
-          </a:p>
-        </p:txBody>
-      </p:sp>
-    </p:spTree>
-    <p:extLst>
-      <p:ext uri="{BB962C8B-B14F-4D97-AF65-F5344CB8AC3E}">
-        <p14:creationId xmlns:p14="http://schemas.microsoft.com/office/powerpoint/2010/main" val="1426241631"/>
-      </p:ext>
-    </p:extLst>
-  </p:cSld>
-  <p:clrMapOvr>
-    <a:masterClrMapping/>
-  </p:clrMapOvr>
-</p:sld>
-</file>
-
 <file path=ppt/slides/slide22.xml><?xml version="1.0" encoding="utf-8"?>
 <p:sld xmlns:a="http://schemas.openxmlformats.org/drawingml/2006/main" xmlns:r="http://schemas.openxmlformats.org/officeDocument/2006/relationships" xmlns:p="http://schemas.openxmlformats.org/presentationml/2006/main">
   <p:cSld>
@@ -6925,22 +6733,9 @@
           <a:lstStyle/>
           <a:p>
             <a:r>
-              <a:rPr lang="nb-NO" dirty="0" err="1" smtClean="0"/>
-              <a:t>Deploy</a:t>
-            </a:r>
-            <a:r>
-              <a:rPr lang="nb-NO" dirty="0" smtClean="0"/>
-              <a:t> </a:t>
-            </a:r>
-            <a:r>
-              <a:rPr lang="nb-NO" dirty="0" err="1" smtClean="0"/>
-              <a:t>App</a:t>
-            </a:r>
-            <a:r>
-              <a:rPr lang="nb-NO" dirty="0" smtClean="0"/>
-              <a:t> til mobil	</a:t>
-            </a:r>
-            <a:endParaRPr lang="nb-NO" dirty="0"/>
+              <a:rPr lang="nb-NO" dirty="0"/>
+              <a:t>Native integrasjon</a:t>
+            </a:r>
           </a:p>
         </p:txBody>
       </p:sp>
@@ -6956,127 +6751,283 @@
         </p:nvSpPr>
         <p:spPr/>
         <p:txBody>
-          <a:bodyPr>
-            <a:normAutofit/>
-          </a:bodyPr>
+          <a:bodyPr/>
           <a:lstStyle/>
           <a:p>
             <a:r>
-              <a:rPr lang="nb-NO" dirty="0" smtClean="0"/>
-              <a:t>Gjøres for å teste native integrasjon</a:t>
-            </a:r>
-          </a:p>
-          <a:p>
-            <a:r>
-              <a:rPr lang="nb-NO" dirty="0" err="1" smtClean="0"/>
-              <a:t>Android</a:t>
-            </a:r>
-            <a:endParaRPr lang="nb-NO" dirty="0" smtClean="0"/>
-          </a:p>
-          <a:p>
-            <a:pPr lvl="1"/>
-            <a:r>
-              <a:rPr lang="nb-NO" dirty="0" smtClean="0"/>
-              <a:t>Trenger</a:t>
-            </a:r>
-          </a:p>
-          <a:p>
-            <a:pPr lvl="2"/>
-            <a:r>
-              <a:rPr lang="nb-NO" dirty="0" err="1" smtClean="0"/>
-              <a:t>Android</a:t>
-            </a:r>
-            <a:r>
-              <a:rPr lang="nb-NO" dirty="0" smtClean="0"/>
-              <a:t> studio</a:t>
-            </a:r>
-          </a:p>
-          <a:p>
-            <a:pPr lvl="2"/>
-            <a:r>
-              <a:rPr lang="nb-NO" dirty="0" err="1" smtClean="0"/>
-              <a:t>Android</a:t>
-            </a:r>
-            <a:r>
-              <a:rPr lang="nb-NO" dirty="0" smtClean="0"/>
-              <a:t> SDK </a:t>
-            </a:r>
-            <a:r>
-              <a:rPr lang="nb-NO" dirty="0" err="1" smtClean="0"/>
-              <a:t>tools</a:t>
-            </a:r>
-            <a:r>
-              <a:rPr lang="nb-NO" dirty="0" smtClean="0"/>
-              <a:t> med riktige avhengigheter installert</a:t>
-            </a:r>
-          </a:p>
-          <a:p>
-            <a:pPr lvl="1"/>
-            <a:r>
-              <a:rPr lang="nb-NO" dirty="0" smtClean="0"/>
-              <a:t>Aktiver USB Debugging og Developer mode på enheten</a:t>
-            </a:r>
-          </a:p>
-          <a:p>
-            <a:pPr lvl="1"/>
-            <a:r>
-              <a:rPr lang="nb-NO" dirty="0" smtClean="0"/>
-              <a:t>Kjør kommandoen </a:t>
-            </a:r>
-            <a:r>
-              <a:rPr lang="nb-NO" dirty="0" err="1" smtClean="0"/>
-              <a:t>ionic</a:t>
-            </a:r>
-            <a:r>
-              <a:rPr lang="nb-NO" dirty="0" smtClean="0"/>
-              <a:t> run </a:t>
-            </a:r>
-            <a:r>
-              <a:rPr lang="nb-NO" dirty="0" err="1" smtClean="0"/>
-              <a:t>android</a:t>
-            </a:r>
-            <a:r>
-              <a:rPr lang="nb-NO" dirty="0" smtClean="0"/>
-              <a:t> –</a:t>
-            </a:r>
-            <a:r>
-              <a:rPr lang="nb-NO" dirty="0" err="1" smtClean="0"/>
-              <a:t>device</a:t>
-            </a:r>
-            <a:endParaRPr lang="nb-NO" dirty="0" smtClean="0"/>
-          </a:p>
-          <a:p>
-            <a:endParaRPr lang="nb-NO" dirty="0"/>
-          </a:p>
-          <a:p>
-            <a:endParaRPr lang="nb-NO" dirty="0" smtClean="0"/>
+              <a:rPr lang="nb-NO" dirty="0"/>
+              <a:t>Bruker </a:t>
+            </a:r>
+            <a:r>
+              <a:rPr lang="nb-NO" dirty="0" err="1"/>
+              <a:t>cordova</a:t>
+            </a:r>
+            <a:r>
+              <a:rPr lang="nb-NO" dirty="0"/>
+              <a:t> for å integrere med mobilen.</a:t>
+            </a:r>
           </a:p>
           <a:p>
             <a:pPr marL="0" indent="0">
               <a:buNone/>
             </a:pPr>
-            <a:r>
-              <a:rPr lang="nb-NO" sz="1800" dirty="0"/>
-              <a:t>Kilde: </a:t>
-            </a:r>
-            <a:r>
-              <a:rPr lang="nb-NO" sz="1800" dirty="0">
-                <a:hlinkClick r:id="rId2"/>
+            <a:endParaRPr lang="nb-NO" dirty="0"/>
+          </a:p>
+          <a:p>
+            <a:pPr marL="0" indent="0">
+              <a:buNone/>
+            </a:pPr>
+            <a:r>
+              <a:rPr lang="nb-NO" dirty="0"/>
+              <a:t>Legge til </a:t>
+            </a:r>
+            <a:r>
+              <a:rPr lang="nb-NO" dirty="0" err="1"/>
+              <a:t>platformer</a:t>
+            </a:r>
+            <a:endParaRPr lang="nb-NO" dirty="0"/>
+          </a:p>
+          <a:p>
+            <a:pPr marL="0" indent="0">
+              <a:buNone/>
+            </a:pPr>
+            <a:r>
+              <a:rPr lang="nb-NO" dirty="0">
+                <a:latin typeface="Consolas" panose="020B0609020204030204" pitchFamily="49" charset="0"/>
               </a:rPr>
-              <a:t>http://ionicframework.com/docs/v2/intro/deploying</a:t>
-            </a:r>
-            <a:r>
-              <a:rPr lang="nb-NO" sz="1800" dirty="0" smtClean="0">
-                <a:hlinkClick r:id="rId2"/>
+              <a:t>$(</a:t>
+            </a:r>
+            <a:r>
+              <a:rPr lang="nb-NO" dirty="0" err="1">
+                <a:latin typeface="Consolas" panose="020B0609020204030204" pitchFamily="49" charset="0"/>
               </a:rPr>
-              <a:t>/</a:t>
-            </a:r>
-            <a:r>
-              <a:rPr lang="nb-NO" sz="1800" dirty="0" smtClean="0"/>
+              <a:t>sudo</a:t>
+            </a:r>
+            <a:r>
+              <a:rPr lang="nb-NO" dirty="0">
+                <a:latin typeface="Consolas" panose="020B0609020204030204" pitchFamily="49" charset="0"/>
+              </a:rPr>
+              <a:t>) </a:t>
+            </a:r>
+            <a:r>
+              <a:rPr lang="nb-NO" dirty="0" err="1">
+                <a:latin typeface="Consolas" panose="020B0609020204030204" pitchFamily="49" charset="0"/>
+              </a:rPr>
+              <a:t>ionic</a:t>
+            </a:r>
+            <a:r>
+              <a:rPr lang="nb-NO" dirty="0">
+                <a:latin typeface="Consolas" panose="020B0609020204030204" pitchFamily="49" charset="0"/>
+              </a:rPr>
               <a:t> </a:t>
             </a:r>
-          </a:p>
-          <a:p>
+            <a:r>
+              <a:rPr lang="nb-NO" dirty="0" err="1">
+                <a:latin typeface="Consolas" panose="020B0609020204030204" pitchFamily="49" charset="0"/>
+              </a:rPr>
+              <a:t>platform</a:t>
+            </a:r>
+            <a:r>
+              <a:rPr lang="nb-NO" dirty="0">
+                <a:latin typeface="Consolas" panose="020B0609020204030204" pitchFamily="49" charset="0"/>
+              </a:rPr>
+              <a:t> </a:t>
+            </a:r>
+            <a:r>
+              <a:rPr lang="nb-NO" dirty="0" err="1">
+                <a:latin typeface="Consolas" panose="020B0609020204030204" pitchFamily="49" charset="0"/>
+              </a:rPr>
+              <a:t>add</a:t>
+            </a:r>
+            <a:r>
+              <a:rPr lang="nb-NO" dirty="0">
+                <a:latin typeface="Consolas" panose="020B0609020204030204" pitchFamily="49" charset="0"/>
+              </a:rPr>
+              <a:t> [</a:t>
+            </a:r>
+            <a:r>
+              <a:rPr lang="nb-NO" dirty="0" err="1">
+                <a:latin typeface="Consolas" panose="020B0609020204030204" pitchFamily="49" charset="0"/>
+              </a:rPr>
+              <a:t>platform</a:t>
+            </a:r>
+            <a:r>
+              <a:rPr lang="nb-NO" dirty="0">
+                <a:latin typeface="Consolas" panose="020B0609020204030204" pitchFamily="49" charset="0"/>
+              </a:rPr>
+              <a:t>]</a:t>
+            </a:r>
+            <a:endParaRPr lang="nb-NO" dirty="0"/>
+          </a:p>
+          <a:p>
+            <a:r>
+              <a:rPr lang="nb-NO" sz="1200" dirty="0"/>
+              <a:t>Der </a:t>
+            </a:r>
+            <a:r>
+              <a:rPr lang="nb-NO" sz="1200" dirty="0">
+                <a:latin typeface="Consolas" panose="020B0609020204030204" pitchFamily="49" charset="0"/>
+              </a:rPr>
+              <a:t>[</a:t>
+            </a:r>
+            <a:r>
+              <a:rPr lang="nb-NO" sz="1200" dirty="0" err="1">
+                <a:latin typeface="Consolas" panose="020B0609020204030204" pitchFamily="49" charset="0"/>
+              </a:rPr>
+              <a:t>platform</a:t>
+            </a:r>
+            <a:r>
+              <a:rPr lang="nb-NO" sz="1200" dirty="0">
+                <a:latin typeface="Consolas" panose="020B0609020204030204" pitchFamily="49" charset="0"/>
+              </a:rPr>
+              <a:t>]</a:t>
+            </a:r>
+            <a:r>
+              <a:rPr lang="nb-NO" sz="1200" dirty="0"/>
+              <a:t> kan være </a:t>
+            </a:r>
+            <a:r>
+              <a:rPr lang="nb-NO" sz="1200" dirty="0" err="1"/>
+              <a:t>ios</a:t>
+            </a:r>
+            <a:r>
+              <a:rPr lang="nb-NO" sz="1200" dirty="0"/>
+              <a:t>, </a:t>
+            </a:r>
+            <a:r>
+              <a:rPr lang="nb-NO" sz="1200" dirty="0" err="1"/>
+              <a:t>android</a:t>
+            </a:r>
+            <a:r>
+              <a:rPr lang="nb-NO" sz="1200" dirty="0"/>
+              <a:t>, wp8, </a:t>
+            </a:r>
+            <a:r>
+              <a:rPr lang="nb-NO" sz="1200" dirty="0" err="1"/>
+              <a:t>windows</a:t>
+            </a:r>
+            <a:r>
+              <a:rPr lang="nb-NO" sz="1200" dirty="0"/>
+              <a:t>, blackberry10…</a:t>
+            </a:r>
+          </a:p>
+          <a:p>
+            <a:r>
+              <a:rPr lang="nb-NO" sz="1200" dirty="0"/>
+              <a:t>Sjekk tilgjengelige </a:t>
+            </a:r>
+            <a:r>
+              <a:rPr lang="nb-NO" sz="1200" dirty="0" err="1"/>
+              <a:t>platformer</a:t>
+            </a:r>
+            <a:r>
+              <a:rPr lang="nb-NO" sz="1200" dirty="0"/>
+              <a:t> med </a:t>
+            </a:r>
+            <a:r>
+              <a:rPr lang="nb-NO" sz="1200" dirty="0" err="1">
+                <a:latin typeface="Consolas" panose="020B0609020204030204" pitchFamily="49" charset="0"/>
+              </a:rPr>
+              <a:t>ionic</a:t>
+            </a:r>
+            <a:r>
+              <a:rPr lang="nb-NO" sz="1200" dirty="0">
+                <a:latin typeface="Consolas" panose="020B0609020204030204" pitchFamily="49" charset="0"/>
+              </a:rPr>
+              <a:t> </a:t>
+            </a:r>
+            <a:r>
+              <a:rPr lang="nb-NO" sz="1200" dirty="0" err="1">
+                <a:latin typeface="Consolas" panose="020B0609020204030204" pitchFamily="49" charset="0"/>
+              </a:rPr>
+              <a:t>platform</a:t>
+            </a:r>
+            <a:endParaRPr lang="nb-NO" sz="1200" dirty="0">
+              <a:latin typeface="Consolas" panose="020B0609020204030204" pitchFamily="49" charset="0"/>
+            </a:endParaRPr>
+          </a:p>
+          <a:p>
+            <a:pPr marL="0" indent="0">
+              <a:buNone/>
+            </a:pPr>
+            <a:endParaRPr lang="nb-NO" dirty="0"/>
+          </a:p>
+          <a:p>
+            <a:pPr marL="0" indent="0">
+              <a:buNone/>
+            </a:pPr>
+            <a:r>
+              <a:rPr lang="nb-NO" dirty="0"/>
+              <a:t>Kommando for å installere</a:t>
+            </a:r>
+          </a:p>
+          <a:p>
+            <a:pPr marL="0" indent="0">
+              <a:buNone/>
+            </a:pPr>
+            <a:r>
+              <a:rPr lang="nb-NO" dirty="0">
+                <a:latin typeface="Consolas" panose="020B0609020204030204" pitchFamily="49" charset="0"/>
+              </a:rPr>
+              <a:t>$</a:t>
+            </a:r>
+            <a:r>
+              <a:rPr lang="nb-NO" dirty="0" err="1">
+                <a:latin typeface="Consolas" panose="020B0609020204030204" pitchFamily="49" charset="0"/>
+              </a:rPr>
+              <a:t>ionic</a:t>
+            </a:r>
+            <a:r>
+              <a:rPr lang="nb-NO" dirty="0">
+                <a:latin typeface="Consolas" panose="020B0609020204030204" pitchFamily="49" charset="0"/>
+              </a:rPr>
+              <a:t> </a:t>
+            </a:r>
+            <a:r>
+              <a:rPr lang="nb-NO" dirty="0" err="1">
+                <a:latin typeface="Consolas" panose="020B0609020204030204" pitchFamily="49" charset="0"/>
+              </a:rPr>
+              <a:t>plugin</a:t>
+            </a:r>
+            <a:r>
+              <a:rPr lang="nb-NO" dirty="0">
+                <a:latin typeface="Consolas" panose="020B0609020204030204" pitchFamily="49" charset="0"/>
+              </a:rPr>
+              <a:t> </a:t>
+            </a:r>
+            <a:r>
+              <a:rPr lang="nb-NO" dirty="0" err="1">
+                <a:latin typeface="Consolas" panose="020B0609020204030204" pitchFamily="49" charset="0"/>
+              </a:rPr>
+              <a:t>add</a:t>
+            </a:r>
+            <a:r>
+              <a:rPr lang="nb-NO" dirty="0">
+                <a:latin typeface="Consolas" panose="020B0609020204030204" pitchFamily="49" charset="0"/>
+              </a:rPr>
+              <a:t> [</a:t>
+            </a:r>
+            <a:r>
+              <a:rPr lang="nb-NO" dirty="0" err="1">
+                <a:latin typeface="Consolas" panose="020B0609020204030204" pitchFamily="49" charset="0"/>
+              </a:rPr>
+              <a:t>plugin</a:t>
+            </a:r>
+            <a:r>
+              <a:rPr lang="nb-NO" dirty="0">
+                <a:latin typeface="Consolas" panose="020B0609020204030204" pitchFamily="49" charset="0"/>
+              </a:rPr>
+              <a:t>]</a:t>
+            </a:r>
+          </a:p>
+          <a:p>
+            <a:pPr lvl="1"/>
+            <a:endParaRPr lang="nb-NO" dirty="0"/>
+          </a:p>
+          <a:p>
+            <a:pPr marL="457200" lvl="1" indent="0">
+              <a:buNone/>
+            </a:pPr>
             <a:endParaRPr lang="nb-NO" dirty="0"/>
           </a:p>
         </p:txBody>
@@ -7084,7 +7035,7 @@
     </p:spTree>
     <p:extLst>
       <p:ext uri="{BB962C8B-B14F-4D97-AF65-F5344CB8AC3E}">
-        <p14:creationId xmlns:p14="http://schemas.microsoft.com/office/powerpoint/2010/main" val="2640297224"/>
+        <p14:creationId xmlns:p14="http://schemas.microsoft.com/office/powerpoint/2010/main" val="3647246771"/>
       </p:ext>
     </p:extLst>
   </p:cSld>
@@ -7127,22 +7078,9 @@
           <a:lstStyle/>
           <a:p>
             <a:r>
-              <a:rPr lang="nb-NO" dirty="0" err="1" smtClean="0"/>
-              <a:t>Deploy</a:t>
-            </a:r>
-            <a:r>
-              <a:rPr lang="nb-NO" dirty="0" smtClean="0"/>
-              <a:t> </a:t>
-            </a:r>
-            <a:r>
-              <a:rPr lang="nb-NO" dirty="0" err="1" smtClean="0"/>
-              <a:t>App</a:t>
-            </a:r>
-            <a:r>
-              <a:rPr lang="nb-NO" dirty="0" smtClean="0"/>
-              <a:t> til mobil	</a:t>
-            </a:r>
-            <a:endParaRPr lang="nb-NO" dirty="0"/>
+              <a:rPr lang="nb-NO" dirty="0"/>
+              <a:t>Oppgave  5</a:t>
+            </a:r>
           </a:p>
         </p:txBody>
       </p:sp>
@@ -7158,194 +7096,81 @@
         </p:nvSpPr>
         <p:spPr/>
         <p:txBody>
-          <a:bodyPr>
-            <a:normAutofit lnSpcReduction="10000"/>
-          </a:bodyPr>
+          <a:bodyPr/>
           <a:lstStyle/>
           <a:p>
             <a:r>
-              <a:rPr lang="nb-NO" dirty="0" smtClean="0"/>
-              <a:t>Ios</a:t>
+              <a:rPr lang="nb-NO" dirty="0"/>
+              <a:t>Legg inn </a:t>
+            </a:r>
+            <a:r>
+              <a:rPr lang="nb-NO" dirty="0" err="1"/>
+              <a:t>speech</a:t>
+            </a:r>
+            <a:r>
+              <a:rPr lang="nb-NO" dirty="0"/>
+              <a:t> to </a:t>
+            </a:r>
+            <a:r>
+              <a:rPr lang="nb-NO" dirty="0" err="1"/>
+              <a:t>text</a:t>
+            </a:r>
+            <a:r>
+              <a:rPr lang="nb-NO" dirty="0"/>
+              <a:t> integrasjon</a:t>
             </a:r>
           </a:p>
           <a:p>
             <a:pPr lvl="1"/>
             <a:r>
-              <a:rPr lang="nb-NO" dirty="0" smtClean="0"/>
-              <a:t>Trenger </a:t>
-            </a:r>
-          </a:p>
-          <a:p>
-            <a:pPr lvl="2"/>
-            <a:r>
-              <a:rPr lang="nb-NO" dirty="0" smtClean="0"/>
-              <a:t>Mac</a:t>
-            </a:r>
-          </a:p>
-          <a:p>
-            <a:pPr lvl="2"/>
-            <a:r>
-              <a:rPr lang="nb-NO" dirty="0" smtClean="0"/>
-              <a:t>Nyeste </a:t>
-            </a:r>
-            <a:r>
-              <a:rPr lang="nb-NO" dirty="0" err="1" smtClean="0"/>
-              <a:t>xcode</a:t>
-            </a:r>
-            <a:r>
-              <a:rPr lang="nb-NO" dirty="0" smtClean="0"/>
-              <a:t> installert</a:t>
-            </a:r>
-          </a:p>
-          <a:p>
-            <a:pPr lvl="1"/>
-            <a:r>
-              <a:rPr lang="nb-NO" dirty="0" smtClean="0"/>
-              <a:t>Kjør kommandoen </a:t>
-            </a:r>
-            <a:r>
-              <a:rPr lang="nb-NO" dirty="0" err="1" smtClean="0"/>
-              <a:t>sudo</a:t>
-            </a:r>
-            <a:r>
-              <a:rPr lang="nb-NO" dirty="0" smtClean="0"/>
-              <a:t> </a:t>
-            </a:r>
-            <a:r>
-              <a:rPr lang="nb-NO" dirty="0" err="1" smtClean="0"/>
-              <a:t>ionic</a:t>
-            </a:r>
-            <a:r>
-              <a:rPr lang="nb-NO" dirty="0" smtClean="0"/>
-              <a:t> </a:t>
-            </a:r>
-            <a:r>
-              <a:rPr lang="nb-NO" dirty="0" err="1" smtClean="0"/>
-              <a:t>build</a:t>
-            </a:r>
-            <a:r>
-              <a:rPr lang="nb-NO" dirty="0" smtClean="0"/>
-              <a:t> </a:t>
-            </a:r>
-            <a:r>
-              <a:rPr lang="nb-NO" dirty="0" err="1" smtClean="0"/>
-              <a:t>ios</a:t>
-            </a:r>
-            <a:endParaRPr lang="nb-NO" dirty="0" smtClean="0"/>
-          </a:p>
-          <a:p>
-            <a:pPr lvl="1"/>
-            <a:r>
-              <a:rPr lang="nb-NO" dirty="0" smtClean="0"/>
-              <a:t>Åpne prosjektet under</a:t>
-            </a:r>
-          </a:p>
-          <a:p>
-            <a:pPr lvl="2"/>
-            <a:r>
-              <a:rPr lang="nb-NO" dirty="0" smtClean="0"/>
-              <a:t>[prosjekt </a:t>
-            </a:r>
-            <a:r>
-              <a:rPr lang="nb-NO" dirty="0" err="1" smtClean="0"/>
-              <a:t>root</a:t>
-            </a:r>
-            <a:r>
-              <a:rPr lang="nb-NO" dirty="0" smtClean="0"/>
-              <a:t>] &gt; </a:t>
-            </a:r>
-            <a:r>
-              <a:rPr lang="nb-NO" dirty="0" err="1" smtClean="0"/>
-              <a:t>platforms</a:t>
-            </a:r>
-            <a:r>
-              <a:rPr lang="nb-NO" dirty="0" smtClean="0"/>
-              <a:t> &gt; </a:t>
-            </a:r>
-            <a:r>
-              <a:rPr lang="nb-NO" dirty="0" err="1" smtClean="0"/>
-              <a:t>ios</a:t>
-            </a:r>
-            <a:r>
-              <a:rPr lang="nb-NO" dirty="0" smtClean="0"/>
-              <a:t> &gt; [navn].</a:t>
-            </a:r>
-            <a:r>
-              <a:rPr lang="nb-NO" dirty="0" err="1" smtClean="0"/>
-              <a:t>xcodeproj</a:t>
-            </a:r>
-            <a:endParaRPr lang="nb-NO" dirty="0" smtClean="0"/>
-          </a:p>
-          <a:p>
-            <a:pPr lvl="2"/>
-            <a:r>
-              <a:rPr lang="nb-NO" dirty="0" smtClean="0"/>
-              <a:t>Koble til </a:t>
-            </a:r>
-            <a:r>
-              <a:rPr lang="nb-NO" dirty="0" err="1" smtClean="0"/>
-              <a:t>developer</a:t>
-            </a:r>
-            <a:r>
-              <a:rPr lang="nb-NO" dirty="0" smtClean="0"/>
-              <a:t> </a:t>
-            </a:r>
-            <a:r>
-              <a:rPr lang="nb-NO" dirty="0" err="1" smtClean="0"/>
-              <a:t>account</a:t>
-            </a:r>
-            <a:endParaRPr lang="nb-NO" dirty="0" smtClean="0"/>
-          </a:p>
-          <a:p>
-            <a:pPr lvl="2"/>
-            <a:r>
-              <a:rPr lang="nb-NO" dirty="0" smtClean="0"/>
-              <a:t>Kjør </a:t>
-            </a:r>
-            <a:r>
-              <a:rPr lang="nb-NO" dirty="0" err="1" smtClean="0"/>
-              <a:t>appen</a:t>
-            </a:r>
-            <a:r>
-              <a:rPr lang="nb-NO" dirty="0"/>
-              <a:t> </a:t>
-            </a:r>
-            <a:r>
-              <a:rPr lang="nb-NO" dirty="0" smtClean="0"/>
-              <a:t>på enheten</a:t>
-            </a:r>
-          </a:p>
-          <a:p>
-            <a:pPr lvl="1"/>
-            <a:endParaRPr lang="nb-NO" dirty="0"/>
-          </a:p>
-          <a:p>
-            <a:endParaRPr lang="nb-NO" dirty="0" smtClean="0"/>
-          </a:p>
-          <a:p>
-            <a:pPr marL="0" indent="0">
-              <a:buNone/>
-            </a:pPr>
-            <a:r>
-              <a:rPr lang="nb-NO" sz="1800" dirty="0"/>
-              <a:t>Kilde: </a:t>
-            </a:r>
-            <a:r>
-              <a:rPr lang="nb-NO" sz="1800" dirty="0">
+              <a:rPr lang="nb-NO" dirty="0">
                 <a:hlinkClick r:id="rId2"/>
               </a:rPr>
-              <a:t>http://ionicframework.com/docs/v2/intro/deploying</a:t>
-            </a:r>
-            <a:r>
-              <a:rPr lang="nb-NO" sz="1800" dirty="0" smtClean="0">
-                <a:hlinkClick r:id="rId2"/>
+              <a:t>https://ionicframework.com/docs/v2/native/speechrecognition/</a:t>
+            </a:r>
+            <a:endParaRPr lang="nb-NO" dirty="0"/>
+          </a:p>
+          <a:p>
+            <a:endParaRPr lang="nb-NO" dirty="0"/>
+          </a:p>
+          <a:p>
+            <a:r>
+              <a:rPr lang="nb-NO" dirty="0"/>
+              <a:t>Bonus: Legg inn </a:t>
+            </a:r>
+            <a:r>
+              <a:rPr lang="nb-NO" dirty="0" err="1"/>
+              <a:t>text</a:t>
+            </a:r>
+            <a:r>
+              <a:rPr lang="nb-NO" dirty="0"/>
+              <a:t> to </a:t>
+            </a:r>
+            <a:r>
+              <a:rPr lang="nb-NO" dirty="0" err="1"/>
+              <a:t>speech</a:t>
+            </a:r>
+            <a:r>
+              <a:rPr lang="nb-NO" dirty="0"/>
+              <a:t> for svarene som kommer tilbake</a:t>
+            </a:r>
+          </a:p>
+          <a:p>
+            <a:pPr lvl="1"/>
+            <a:r>
+              <a:rPr lang="nb-NO" dirty="0">
+                <a:hlinkClick r:id="rId3"/>
               </a:rPr>
-              <a:t>/</a:t>
-            </a:r>
-            <a:r>
-              <a:rPr lang="nb-NO" sz="1800" dirty="0" smtClean="0"/>
+              <a:t>https://ionicframework.com/docs/v2/native/texttospeech/</a:t>
+            </a:r>
+            <a:r>
+              <a:rPr lang="nb-NO" dirty="0"/>
               <a:t> </a:t>
             </a:r>
+            <a:endParaRPr lang="nb-NO" dirty="0"/>
+          </a:p>
+          <a:p>
+            <a:endParaRPr lang="nb-NO" dirty="0"/>
           </a:p>
           <a:p>
             <a:endParaRPr lang="nb-NO" dirty="0"/>
@@ -7355,7 +7180,7 @@
     </p:spTree>
     <p:extLst>
       <p:ext uri="{BB962C8B-B14F-4D97-AF65-F5344CB8AC3E}">
-        <p14:creationId xmlns:p14="http://schemas.microsoft.com/office/powerpoint/2010/main" val="503357900"/>
+        <p14:creationId xmlns:p14="http://schemas.microsoft.com/office/powerpoint/2010/main" val="1426241631"/>
       </p:ext>
     </p:extLst>
   </p:cSld>
@@ -7398,22 +7223,21 @@
           <a:lstStyle/>
           <a:p>
             <a:r>
-              <a:rPr lang="nb-NO" dirty="0" err="1" smtClean="0"/>
-              <a:t>Ionic</a:t>
+              <a:rPr lang="nb-NO" dirty="0" err="1"/>
+              <a:t>Deploy</a:t>
             </a:r>
             <a:r>
               <a:rPr lang="nb-NO" dirty="0"/>
               <a:t> </a:t>
             </a:r>
             <a:r>
-              <a:rPr lang="nb-NO" dirty="0" err="1" smtClean="0"/>
-              <a:t>cloud</a:t>
-            </a:r>
-            <a:r>
-              <a:rPr lang="nb-NO" dirty="0" smtClean="0"/>
-              <a:t> services</a:t>
-            </a:r>
-            <a:endParaRPr lang="nb-NO" dirty="0"/>
+              <a:rPr lang="nb-NO" dirty="0" err="1"/>
+              <a:t>App</a:t>
+            </a:r>
+            <a:r>
+              <a:rPr lang="nb-NO" dirty="0"/>
+              <a:t> til mobil	</a:t>
+            </a:r>
           </a:p>
         </p:txBody>
       </p:sp>
@@ -7430,247 +7254,128 @@
         <p:spPr/>
         <p:txBody>
           <a:bodyPr>
-            <a:normAutofit fontScale="70000" lnSpcReduction="20000"/>
+            <a:normAutofit/>
           </a:bodyPr>
           <a:lstStyle/>
           <a:p>
             <a:r>
-              <a:rPr lang="nb-NO" dirty="0" smtClean="0"/>
-              <a:t>Push </a:t>
-            </a:r>
-            <a:r>
-              <a:rPr lang="nb-NO" dirty="0" err="1" smtClean="0"/>
-              <a:t>notifications</a:t>
-            </a:r>
-            <a:endParaRPr lang="nb-NO" dirty="0" smtClean="0"/>
+              <a:rPr lang="nb-NO" dirty="0"/>
+              <a:t>Gjøres for å teste native integrasjon</a:t>
+            </a:r>
+          </a:p>
+          <a:p>
+            <a:r>
+              <a:rPr lang="nb-NO" dirty="0" err="1"/>
+              <a:t>Android</a:t>
+            </a:r>
+            <a:endParaRPr lang="nb-NO" dirty="0"/>
           </a:p>
           <a:p>
             <a:pPr lvl="1"/>
             <a:r>
+              <a:rPr lang="nb-NO" dirty="0"/>
+              <a:t>Trenger</a:t>
+            </a:r>
+          </a:p>
+          <a:p>
+            <a:pPr lvl="2"/>
+            <a:r>
+              <a:rPr lang="nb-NO" dirty="0" err="1"/>
+              <a:t>Android</a:t>
+            </a:r>
+            <a:r>
+              <a:rPr lang="nb-NO" dirty="0"/>
+              <a:t> studio</a:t>
+            </a:r>
+          </a:p>
+          <a:p>
+            <a:pPr lvl="2"/>
+            <a:r>
+              <a:rPr lang="nb-NO" dirty="0" err="1"/>
+              <a:t>Android</a:t>
+            </a:r>
+            <a:r>
+              <a:rPr lang="nb-NO" dirty="0"/>
+              <a:t> SDK </a:t>
+            </a:r>
+            <a:r>
+              <a:rPr lang="nb-NO" dirty="0" err="1"/>
+              <a:t>tools</a:t>
+            </a:r>
+            <a:r>
+              <a:rPr lang="nb-NO" dirty="0"/>
+              <a:t> med riktige avhengigheter installert</a:t>
+            </a:r>
+          </a:p>
+          <a:p>
+            <a:pPr lvl="1"/>
+            <a:r>
+              <a:rPr lang="nb-NO" dirty="0"/>
+              <a:t>Aktiver USB Debugging og Developer mode på enheten</a:t>
+            </a:r>
+          </a:p>
+          <a:p>
+            <a:pPr lvl="1"/>
+            <a:r>
+              <a:rPr lang="nb-NO" dirty="0"/>
+              <a:t>Kjør kommandoen </a:t>
+            </a:r>
+            <a:r>
+              <a:rPr lang="nb-NO" dirty="0" err="1">
+                <a:latin typeface="Consolas" panose="020B0609020204030204" pitchFamily="49" charset="0"/>
+              </a:rPr>
+              <a:t>ionic</a:t>
+            </a:r>
+            <a:r>
               <a:rPr lang="nb-NO" dirty="0">
+                <a:latin typeface="Consolas" panose="020B0609020204030204" pitchFamily="49" charset="0"/>
+              </a:rPr>
+              <a:t> run </a:t>
+            </a:r>
+            <a:r>
+              <a:rPr lang="nb-NO" dirty="0" err="1">
+                <a:latin typeface="Consolas" panose="020B0609020204030204" pitchFamily="49" charset="0"/>
+              </a:rPr>
+              <a:t>android</a:t>
+            </a:r>
+            <a:r>
+              <a:rPr lang="nb-NO" dirty="0">
+                <a:latin typeface="Consolas" panose="020B0609020204030204" pitchFamily="49" charset="0"/>
+              </a:rPr>
+              <a:t> --</a:t>
+            </a:r>
+            <a:r>
+              <a:rPr lang="nb-NO" dirty="0" err="1">
+                <a:latin typeface="Consolas" panose="020B0609020204030204" pitchFamily="49" charset="0"/>
+              </a:rPr>
+              <a:t>device</a:t>
+            </a:r>
+            <a:endParaRPr lang="nb-NO" dirty="0">
+              <a:latin typeface="Consolas" panose="020B0609020204030204" pitchFamily="49" charset="0"/>
+            </a:endParaRPr>
+          </a:p>
+          <a:p>
+            <a:endParaRPr lang="nb-NO" dirty="0"/>
+          </a:p>
+          <a:p>
+            <a:endParaRPr lang="nb-NO" dirty="0"/>
+          </a:p>
+          <a:p>
+            <a:pPr marL="0" indent="0">
+              <a:buNone/>
+            </a:pPr>
+            <a:r>
+              <a:rPr lang="nb-NO" sz="1800" dirty="0"/>
+              <a:t>Kilde: </a:t>
+            </a:r>
+            <a:r>
+              <a:rPr lang="nb-NO" sz="1800" dirty="0">
                 <a:hlinkClick r:id="rId2"/>
               </a:rPr>
-              <a:t>https://</a:t>
-            </a:r>
-            <a:r>
-              <a:rPr lang="nb-NO" dirty="0" smtClean="0">
-                <a:hlinkClick r:id="rId2"/>
-              </a:rPr>
-              <a:t>docs.ionic.io/services/push</a:t>
-            </a:r>
-            <a:r>
-              <a:rPr lang="nb-NO" dirty="0"/>
-              <a:t> </a:t>
-            </a:r>
-            <a:endParaRPr lang="nb-NO" dirty="0" smtClean="0"/>
-          </a:p>
-          <a:p>
-            <a:r>
-              <a:rPr lang="nb-NO" dirty="0" smtClean="0"/>
-              <a:t>Hot </a:t>
-            </a:r>
-            <a:r>
-              <a:rPr lang="nb-NO" dirty="0" err="1" smtClean="0"/>
-              <a:t>deploy</a:t>
-            </a:r>
-            <a:endParaRPr lang="nb-NO" dirty="0" smtClean="0"/>
-          </a:p>
-          <a:p>
-            <a:pPr lvl="1"/>
-            <a:r>
-              <a:rPr lang="nb-NO" dirty="0">
-                <a:hlinkClick r:id="rId3"/>
-              </a:rPr>
-              <a:t>https://</a:t>
-            </a:r>
-            <a:r>
-              <a:rPr lang="nb-NO" dirty="0" smtClean="0">
-                <a:hlinkClick r:id="rId3"/>
-              </a:rPr>
-              <a:t>docs.ionic.io/services/deploy</a:t>
-            </a:r>
-            <a:r>
-              <a:rPr lang="nb-NO" dirty="0" smtClean="0"/>
-              <a:t> </a:t>
-            </a:r>
-          </a:p>
-          <a:p>
-            <a:r>
-              <a:rPr lang="nb-NO" dirty="0" err="1" smtClean="0"/>
-              <a:t>Package</a:t>
-            </a:r>
-            <a:endParaRPr lang="nb-NO" dirty="0" smtClean="0"/>
-          </a:p>
-          <a:p>
-            <a:pPr lvl="1"/>
-            <a:r>
-              <a:rPr lang="nb-NO" dirty="0" smtClean="0">
-                <a:hlinkClick r:id="rId4"/>
-              </a:rPr>
-              <a:t>http</a:t>
-            </a:r>
-            <a:r>
-              <a:rPr lang="nb-NO" dirty="0">
-                <a:hlinkClick r:id="rId4"/>
-              </a:rPr>
-              <a:t>://</a:t>
-            </a:r>
-            <a:r>
-              <a:rPr lang="nb-NO" dirty="0" smtClean="0">
-                <a:hlinkClick r:id="rId4"/>
-              </a:rPr>
-              <a:t>docs.ionic.io/services/package</a:t>
-            </a:r>
-            <a:r>
-              <a:rPr lang="nb-NO" dirty="0" smtClean="0"/>
-              <a:t> </a:t>
-            </a:r>
-          </a:p>
-          <a:p>
-            <a:pPr lvl="1"/>
-            <a:r>
-              <a:rPr lang="nb-NO" dirty="0" smtClean="0"/>
-              <a:t>… for </a:t>
-            </a:r>
-            <a:r>
-              <a:rPr lang="nb-NO" dirty="0" err="1" smtClean="0"/>
-              <a:t>ios</a:t>
-            </a:r>
-            <a:r>
-              <a:rPr lang="nb-NO" dirty="0" smtClean="0"/>
-              <a:t> så må man enda ha </a:t>
-            </a:r>
-            <a:r>
-              <a:rPr lang="nb-NO" dirty="0" err="1" smtClean="0"/>
-              <a:t>mac</a:t>
-            </a:r>
-            <a:r>
-              <a:rPr lang="nb-NO" dirty="0" smtClean="0"/>
-              <a:t> for å laste opp .</a:t>
-            </a:r>
-            <a:r>
-              <a:rPr lang="nb-NO" dirty="0" err="1" smtClean="0"/>
-              <a:t>ipa</a:t>
-            </a:r>
-            <a:r>
-              <a:rPr lang="nb-NO" dirty="0" smtClean="0"/>
-              <a:t> fil</a:t>
-            </a:r>
-          </a:p>
-          <a:p>
-            <a:pPr lvl="1"/>
-            <a:r>
-              <a:rPr lang="nb-NO" dirty="0" smtClean="0"/>
-              <a:t>Kan bruke </a:t>
-            </a:r>
-            <a:r>
-              <a:rPr lang="nb-NO" dirty="0" err="1" smtClean="0"/>
-              <a:t>ipa</a:t>
-            </a:r>
-            <a:r>
-              <a:rPr lang="nb-NO" dirty="0" smtClean="0"/>
-              <a:t>-behandlingstjenester </a:t>
-            </a:r>
-            <a:r>
-              <a:rPr lang="nb-NO" dirty="0" err="1" smtClean="0"/>
-              <a:t>f.eks</a:t>
-            </a:r>
-            <a:r>
-              <a:rPr lang="nb-NO" dirty="0"/>
-              <a:t> </a:t>
-            </a:r>
-            <a:r>
-              <a:rPr lang="nb-NO" dirty="0">
-                <a:hlinkClick r:id="rId5"/>
-              </a:rPr>
-              <a:t>https://aviatorci.com</a:t>
-            </a:r>
-            <a:r>
-              <a:rPr lang="nb-NO" dirty="0" smtClean="0">
-                <a:hlinkClick r:id="rId5"/>
-              </a:rPr>
-              <a:t>/</a:t>
-            </a:r>
-            <a:r>
-              <a:rPr lang="nb-NO" dirty="0" smtClean="0"/>
-              <a:t> </a:t>
-            </a:r>
-          </a:p>
-          <a:p>
-            <a:r>
-              <a:rPr lang="nb-NO" dirty="0" smtClean="0"/>
-              <a:t>Autorisering</a:t>
-            </a:r>
-          </a:p>
-          <a:p>
-            <a:pPr lvl="1"/>
-            <a:r>
-              <a:rPr lang="nb-NO" dirty="0">
-                <a:hlinkClick r:id="rId6"/>
-              </a:rPr>
-              <a:t>https://</a:t>
-            </a:r>
-            <a:r>
-              <a:rPr lang="nb-NO" dirty="0" smtClean="0">
-                <a:hlinkClick r:id="rId6"/>
-              </a:rPr>
-              <a:t>docs.ionic.io/services/auth</a:t>
-            </a:r>
-            <a:r>
-              <a:rPr lang="nb-NO" dirty="0"/>
-              <a:t> </a:t>
-            </a:r>
-            <a:endParaRPr lang="nb-NO" dirty="0" smtClean="0"/>
-          </a:p>
-          <a:p>
-            <a:r>
-              <a:rPr lang="nb-NO" dirty="0" smtClean="0"/>
-              <a:t>Database</a:t>
-            </a:r>
-          </a:p>
-          <a:p>
-            <a:pPr lvl="1"/>
-            <a:r>
-              <a:rPr lang="nb-NO" dirty="0">
-                <a:hlinkClick r:id="rId7"/>
-              </a:rPr>
-              <a:t>https://docs.ionic.io/services/database</a:t>
-            </a:r>
-            <a:r>
-              <a:rPr lang="nb-NO" dirty="0" smtClean="0">
-                <a:hlinkClick r:id="rId7"/>
-              </a:rPr>
-              <a:t>/</a:t>
-            </a:r>
-            <a:r>
-              <a:rPr lang="nb-NO" dirty="0" smtClean="0"/>
-              <a:t> </a:t>
-            </a:r>
-          </a:p>
-          <a:p>
-            <a:pPr lvl="1"/>
-            <a:endParaRPr lang="nb-NO" dirty="0" smtClean="0"/>
-          </a:p>
-          <a:p>
-            <a:endParaRPr lang="nb-NO" dirty="0" smtClean="0"/>
-          </a:p>
-          <a:p>
-            <a:r>
-              <a:rPr lang="nb-NO" dirty="0" smtClean="0"/>
-              <a:t>Ligger </a:t>
-            </a:r>
-            <a:r>
-              <a:rPr lang="nb-NO" dirty="0"/>
-              <a:t>her </a:t>
-            </a:r>
-            <a:r>
-              <a:rPr lang="nb-NO" dirty="0">
-                <a:hlinkClick r:id="rId8"/>
-              </a:rPr>
-              <a:t>https://apps.ionic.io/</a:t>
-            </a:r>
-            <a:r>
-              <a:rPr lang="nb-NO" dirty="0"/>
+              <a:t>http://ionicframework.com/docs/v2/intro/deploying/</a:t>
+            </a:r>
+            <a:r>
+              <a:rPr lang="nb-NO" sz="1800" dirty="0"/>
               <a:t> </a:t>
             </a:r>
           </a:p>
@@ -7682,7 +7387,7 @@
     </p:spTree>
     <p:extLst>
       <p:ext uri="{BB962C8B-B14F-4D97-AF65-F5344CB8AC3E}">
-        <p14:creationId xmlns:p14="http://schemas.microsoft.com/office/powerpoint/2010/main" val="470341895"/>
+        <p14:creationId xmlns:p14="http://schemas.microsoft.com/office/powerpoint/2010/main" val="2640297224"/>
       </p:ext>
     </p:extLst>
   </p:cSld>
@@ -7725,10 +7430,21 @@
           <a:lstStyle/>
           <a:p>
             <a:r>
-              <a:rPr lang="nb-NO" dirty="0" err="1" smtClean="0"/>
-              <a:t>Package</a:t>
-            </a:r>
-            <a:endParaRPr lang="nb-NO" dirty="0"/>
+              <a:rPr lang="nb-NO" dirty="0" err="1"/>
+              <a:t>Deploy</a:t>
+            </a:r>
+            <a:r>
+              <a:rPr lang="nb-NO" dirty="0"/>
+              <a:t> </a:t>
+            </a:r>
+            <a:r>
+              <a:rPr lang="nb-NO" dirty="0" err="1"/>
+              <a:t>App</a:t>
+            </a:r>
+            <a:r>
+              <a:rPr lang="nb-NO" dirty="0"/>
+              <a:t> til mobil	</a:t>
+            </a:r>
           </a:p>
         </p:txBody>
       </p:sp>
@@ -7740,6 +7456,232 @@
           </p:cNvSpPr>
           <p:nvPr>
             <p:ph idx="1"/>
+          </p:nvPr>
+        </p:nvSpPr>
+        <p:spPr/>
+        <p:txBody>
+          <a:bodyPr>
+            <a:normAutofit lnSpcReduction="10000"/>
+          </a:bodyPr>
+          <a:lstStyle/>
+          <a:p>
+            <a:r>
+              <a:rPr lang="nb-NO" dirty="0"/>
+              <a:t>Ios</a:t>
+            </a:r>
+          </a:p>
+          <a:p>
+            <a:pPr lvl="1"/>
+            <a:r>
+              <a:rPr lang="nb-NO" dirty="0"/>
+              <a:t>Trenger </a:t>
+            </a:r>
+          </a:p>
+          <a:p>
+            <a:pPr lvl="2"/>
+            <a:r>
+              <a:rPr lang="nb-NO" dirty="0"/>
+              <a:t>Mac</a:t>
+            </a:r>
+          </a:p>
+          <a:p>
+            <a:pPr lvl="2"/>
+            <a:r>
+              <a:rPr lang="nb-NO" dirty="0"/>
+              <a:t>Nyeste </a:t>
+            </a:r>
+            <a:r>
+              <a:rPr lang="nb-NO" dirty="0" err="1"/>
+              <a:t>xcode</a:t>
+            </a:r>
+            <a:r>
+              <a:rPr lang="nb-NO" dirty="0"/>
+              <a:t> installert</a:t>
+            </a:r>
+          </a:p>
+          <a:p>
+            <a:pPr lvl="1"/>
+            <a:r>
+              <a:rPr lang="nb-NO" dirty="0"/>
+              <a:t>Kjør kommandoen </a:t>
+            </a:r>
+            <a:r>
+              <a:rPr lang="nb-NO" dirty="0" err="1"/>
+              <a:t>sudo</a:t>
+            </a:r>
+            <a:r>
+              <a:rPr lang="nb-NO" dirty="0"/>
+              <a:t> </a:t>
+            </a:r>
+            <a:r>
+              <a:rPr lang="nb-NO" dirty="0" err="1"/>
+              <a:t>ionic</a:t>
+            </a:r>
+            <a:r>
+              <a:rPr lang="nb-NO" dirty="0"/>
+              <a:t> </a:t>
+            </a:r>
+            <a:r>
+              <a:rPr lang="nb-NO" dirty="0" err="1"/>
+              <a:t>build</a:t>
+            </a:r>
+            <a:r>
+              <a:rPr lang="nb-NO" dirty="0"/>
+              <a:t> </a:t>
+            </a:r>
+            <a:r>
+              <a:rPr lang="nb-NO" dirty="0" err="1"/>
+              <a:t>ios</a:t>
+            </a:r>
+            <a:endParaRPr lang="nb-NO" dirty="0"/>
+          </a:p>
+          <a:p>
+            <a:pPr lvl="1"/>
+            <a:r>
+              <a:rPr lang="nb-NO" dirty="0"/>
+              <a:t>Åpne prosjektet under</a:t>
+            </a:r>
+          </a:p>
+          <a:p>
+            <a:pPr lvl="2"/>
+            <a:r>
+              <a:rPr lang="nb-NO" dirty="0"/>
+              <a:t>[prosjekt </a:t>
+            </a:r>
+            <a:r>
+              <a:rPr lang="nb-NO" dirty="0" err="1"/>
+              <a:t>root</a:t>
+            </a:r>
+            <a:r>
+              <a:rPr lang="nb-NO" dirty="0"/>
+              <a:t>] &gt; </a:t>
+            </a:r>
+            <a:r>
+              <a:rPr lang="nb-NO" dirty="0" err="1"/>
+              <a:t>platforms</a:t>
+            </a:r>
+            <a:r>
+              <a:rPr lang="nb-NO" dirty="0"/>
+              <a:t> &gt; </a:t>
+            </a:r>
+            <a:r>
+              <a:rPr lang="nb-NO" dirty="0" err="1"/>
+              <a:t>ios</a:t>
+            </a:r>
+            <a:r>
+              <a:rPr lang="nb-NO" dirty="0"/>
+              <a:t> &gt; [navn].</a:t>
+            </a:r>
+            <a:r>
+              <a:rPr lang="nb-NO" dirty="0" err="1"/>
+              <a:t>xcodeproj</a:t>
+            </a:r>
+            <a:endParaRPr lang="nb-NO" dirty="0"/>
+          </a:p>
+          <a:p>
+            <a:pPr lvl="2"/>
+            <a:r>
+              <a:rPr lang="nb-NO" dirty="0"/>
+              <a:t>Koble til </a:t>
+            </a:r>
+            <a:r>
+              <a:rPr lang="nb-NO" dirty="0" err="1"/>
+              <a:t>developer</a:t>
+            </a:r>
+            <a:r>
+              <a:rPr lang="nb-NO" dirty="0"/>
+              <a:t> </a:t>
+            </a:r>
+            <a:r>
+              <a:rPr lang="nb-NO" dirty="0" err="1"/>
+              <a:t>account</a:t>
+            </a:r>
+            <a:endParaRPr lang="nb-NO" dirty="0"/>
+          </a:p>
+          <a:p>
+            <a:pPr lvl="2"/>
+            <a:r>
+              <a:rPr lang="nb-NO" dirty="0"/>
+              <a:t>Kjør </a:t>
+            </a:r>
+            <a:r>
+              <a:rPr lang="nb-NO" dirty="0" err="1"/>
+              <a:t>appen</a:t>
+            </a:r>
+            <a:r>
+              <a:rPr lang="nb-NO" dirty="0"/>
+              <a:t> på enheten</a:t>
+            </a:r>
+          </a:p>
+          <a:p>
+            <a:pPr lvl="1"/>
+            <a:endParaRPr lang="nb-NO" dirty="0"/>
+          </a:p>
+          <a:p>
+            <a:endParaRPr lang="nb-NO" dirty="0"/>
+          </a:p>
+          <a:p>
+            <a:pPr marL="0" indent="0">
+              <a:buNone/>
+            </a:pPr>
+            <a:r>
+              <a:rPr lang="nb-NO" sz="1800" dirty="0"/>
+              <a:t>Kilde: </a:t>
+            </a:r>
+            <a:r>
+              <a:rPr lang="nb-NO" sz="1800" dirty="0">
+                <a:hlinkClick r:id="rId2"/>
+              </a:rPr>
+              <a:t>http://ionicframework.com/docs/v2/intro/deploying/</a:t>
+            </a:r>
+            <a:r>
+              <a:rPr lang="nb-NO" sz="1800" dirty="0"/>
+              <a:t> </a:t>
+            </a:r>
+          </a:p>
+          <a:p>
+            <a:endParaRPr lang="nb-NO" dirty="0"/>
+          </a:p>
+        </p:txBody>
+      </p:sp>
+    </p:spTree>
+    <p:extLst>
+      <p:ext uri="{BB962C8B-B14F-4D97-AF65-F5344CB8AC3E}">
+        <p14:creationId xmlns:p14="http://schemas.microsoft.com/office/powerpoint/2010/main" val="503357900"/>
+      </p:ext>
+    </p:extLst>
+  </p:cSld>
+  <p:clrMapOvr>
+    <a:masterClrMapping/>
+  </p:clrMapOvr>
+</p:sld>
+</file>
+
+<file path=ppt/slides/slide26.xml><?xml version="1.0" encoding="utf-8"?>
+<p:sld xmlns:a="http://schemas.openxmlformats.org/drawingml/2006/main" xmlns:r="http://schemas.openxmlformats.org/officeDocument/2006/relationships" xmlns:p="http://schemas.openxmlformats.org/presentationml/2006/main">
+  <p:cSld>
+    <p:spTree>
+      <p:nvGrpSpPr>
+        <p:cNvPr id="1" name=""/>
+        <p:cNvGrpSpPr/>
+        <p:nvPr/>
+      </p:nvGrpSpPr>
+      <p:grpSpPr>
+        <a:xfrm>
+          <a:off x="0" y="0"/>
+          <a:ext cx="0" cy="0"/>
+          <a:chOff x="0" y="0"/>
+          <a:chExt cx="0" cy="0"/>
+        </a:xfrm>
+      </p:grpSpPr>
+      <p:sp>
+        <p:nvSpPr>
+          <p:cNvPr id="2" name="Tittel 1"/>
+          <p:cNvSpPr>
+            <a:spLocks noGrp="1"/>
+          </p:cNvSpPr>
+          <p:nvPr>
+            <p:ph type="title"/>
           </p:nvPr>
         </p:nvSpPr>
         <p:spPr/>
@@ -7748,41 +7690,342 @@
           <a:lstStyle/>
           <a:p>
             <a:r>
-              <a:rPr lang="nb-NO" dirty="0" smtClean="0"/>
+              <a:rPr lang="nb-NO" dirty="0" err="1"/>
+              <a:t>Ionic</a:t>
+            </a:r>
+            <a:r>
+              <a:rPr lang="nb-NO" dirty="0"/>
+              <a:t> </a:t>
+            </a:r>
+            <a:r>
+              <a:rPr lang="nb-NO" dirty="0" err="1"/>
+              <a:t>cloud</a:t>
+            </a:r>
+            <a:r>
+              <a:rPr lang="nb-NO" dirty="0"/>
+              <a:t> services</a:t>
+            </a:r>
+          </a:p>
+        </p:txBody>
+      </p:sp>
+      <p:sp>
+        <p:nvSpPr>
+          <p:cNvPr id="3" name="Plassholder for innhold 2"/>
+          <p:cNvSpPr>
+            <a:spLocks noGrp="1"/>
+          </p:cNvSpPr>
+          <p:nvPr>
+            <p:ph idx="1"/>
+          </p:nvPr>
+        </p:nvSpPr>
+        <p:spPr/>
+        <p:txBody>
+          <a:bodyPr>
+            <a:normAutofit fontScale="70000" lnSpcReduction="20000"/>
+          </a:bodyPr>
+          <a:lstStyle/>
+          <a:p>
+            <a:r>
+              <a:rPr lang="nb-NO" dirty="0"/>
+              <a:t>Push </a:t>
+            </a:r>
+            <a:r>
+              <a:rPr lang="nb-NO" dirty="0" err="1"/>
+              <a:t>notifications</a:t>
+            </a:r>
+            <a:endParaRPr lang="nb-NO" dirty="0"/>
+          </a:p>
+          <a:p>
+            <a:pPr lvl="1"/>
+            <a:r>
+              <a:rPr lang="nb-NO" dirty="0">
+                <a:hlinkClick r:id="rId2"/>
+              </a:rPr>
+              <a:t>https://docs.ionic.io/services/push</a:t>
+            </a:r>
+            <a:r>
+              <a:rPr lang="nb-NO" dirty="0"/>
+              <a:t> </a:t>
+            </a:r>
+          </a:p>
+          <a:p>
+            <a:r>
+              <a:rPr lang="nb-NO" dirty="0"/>
+              <a:t>Hot </a:t>
+            </a:r>
+            <a:r>
+              <a:rPr lang="nb-NO" dirty="0" err="1"/>
+              <a:t>deploy</a:t>
+            </a:r>
+            <a:endParaRPr lang="nb-NO" dirty="0"/>
+          </a:p>
+          <a:p>
+            <a:pPr lvl="1"/>
+            <a:r>
+              <a:rPr lang="nb-NO" dirty="0">
+                <a:hlinkClick r:id="rId3"/>
+              </a:rPr>
+              <a:t>https://docs.ionic.io/services/deploy</a:t>
+            </a:r>
+            <a:r>
+              <a:rPr lang="nb-NO" dirty="0"/>
+              <a:t> </a:t>
+            </a:r>
+          </a:p>
+          <a:p>
+            <a:r>
+              <a:rPr lang="nb-NO" dirty="0" err="1"/>
+              <a:t>Package</a:t>
+            </a:r>
+            <a:endParaRPr lang="nb-NO" dirty="0"/>
+          </a:p>
+          <a:p>
+            <a:pPr lvl="1"/>
+            <a:r>
+              <a:rPr lang="nb-NO" dirty="0">
+                <a:hlinkClick r:id="rId4"/>
+              </a:rPr>
+              <a:t>http://docs.ionic.io/services/package</a:t>
+            </a:r>
+            <a:r>
+              <a:rPr lang="nb-NO" dirty="0"/>
+              <a:t> </a:t>
+            </a:r>
+          </a:p>
+          <a:p>
+            <a:pPr lvl="1"/>
+            <a:r>
+              <a:rPr lang="nb-NO" dirty="0"/>
+              <a:t>… for </a:t>
+            </a:r>
+            <a:r>
+              <a:rPr lang="nb-NO" dirty="0" err="1"/>
+              <a:t>ios</a:t>
+            </a:r>
+            <a:r>
+              <a:rPr lang="nb-NO" dirty="0"/>
+              <a:t> så må man enda ha </a:t>
+            </a:r>
+            <a:r>
+              <a:rPr lang="nb-NO" dirty="0" err="1"/>
+              <a:t>mac</a:t>
+            </a:r>
+            <a:r>
+              <a:rPr lang="nb-NO" dirty="0"/>
+              <a:t> for å laste opp .</a:t>
+            </a:r>
+            <a:r>
+              <a:rPr lang="nb-NO" dirty="0" err="1"/>
+              <a:t>ipa</a:t>
+            </a:r>
+            <a:r>
+              <a:rPr lang="nb-NO" dirty="0"/>
+              <a:t> fil</a:t>
+            </a:r>
+          </a:p>
+          <a:p>
+            <a:pPr lvl="1"/>
+            <a:r>
+              <a:rPr lang="nb-NO" dirty="0"/>
+              <a:t>Kan bruke </a:t>
+            </a:r>
+            <a:r>
+              <a:rPr lang="nb-NO" dirty="0" err="1"/>
+              <a:t>ipa</a:t>
+            </a:r>
+            <a:r>
+              <a:rPr lang="nb-NO" dirty="0"/>
+              <a:t>-behandlingstjenester </a:t>
+            </a:r>
+            <a:r>
+              <a:rPr lang="nb-NO" dirty="0" err="1"/>
+              <a:t>f.eks</a:t>
+            </a:r>
+            <a:r>
+              <a:rPr lang="nb-NO" dirty="0"/>
+              <a:t> </a:t>
+            </a:r>
+            <a:r>
+              <a:rPr lang="nb-NO" dirty="0">
+                <a:hlinkClick r:id="rId5"/>
+              </a:rPr>
+              <a:t>https://aviatorci.com/</a:t>
+            </a:r>
+            <a:r>
+              <a:rPr lang="nb-NO" dirty="0"/>
+              <a:t> </a:t>
+            </a:r>
+          </a:p>
+          <a:p>
+            <a:r>
+              <a:rPr lang="nb-NO" dirty="0"/>
+              <a:t>Autorisering</a:t>
+            </a:r>
+          </a:p>
+          <a:p>
+            <a:pPr lvl="1"/>
+            <a:r>
+              <a:rPr lang="nb-NO" dirty="0">
+                <a:hlinkClick r:id="rId6"/>
+              </a:rPr>
+              <a:t>https://docs.ionic.io/services/auth</a:t>
+            </a:r>
+            <a:r>
+              <a:rPr lang="nb-NO" dirty="0"/>
+              <a:t> </a:t>
+            </a:r>
+          </a:p>
+          <a:p>
+            <a:r>
+              <a:rPr lang="nb-NO" dirty="0"/>
+              <a:t>Database</a:t>
+            </a:r>
+          </a:p>
+          <a:p>
+            <a:pPr lvl="1"/>
+            <a:r>
+              <a:rPr lang="nb-NO" dirty="0">
+                <a:hlinkClick r:id="rId7"/>
+              </a:rPr>
+              <a:t>https://docs.ionic.io/services/database/</a:t>
+            </a:r>
+            <a:r>
+              <a:rPr lang="nb-NO" dirty="0"/>
+              <a:t> </a:t>
+            </a:r>
+          </a:p>
+          <a:p>
+            <a:pPr lvl="1"/>
+            <a:endParaRPr lang="nb-NO" dirty="0"/>
+          </a:p>
+          <a:p>
+            <a:endParaRPr lang="nb-NO" dirty="0"/>
+          </a:p>
+          <a:p>
+            <a:r>
+              <a:rPr lang="nb-NO" dirty="0"/>
+              <a:t>Ligger her </a:t>
+            </a:r>
+            <a:r>
+              <a:rPr lang="nb-NO" dirty="0">
+                <a:hlinkClick r:id="rId8"/>
+              </a:rPr>
+              <a:t>https://apps.ionic.io/</a:t>
+            </a:r>
+            <a:r>
+              <a:rPr lang="nb-NO" dirty="0"/>
+              <a:t> </a:t>
+            </a:r>
+          </a:p>
+          <a:p>
+            <a:endParaRPr lang="nb-NO" dirty="0"/>
+          </a:p>
+        </p:txBody>
+      </p:sp>
+    </p:spTree>
+    <p:extLst>
+      <p:ext uri="{BB962C8B-B14F-4D97-AF65-F5344CB8AC3E}">
+        <p14:creationId xmlns:p14="http://schemas.microsoft.com/office/powerpoint/2010/main" val="470341895"/>
+      </p:ext>
+    </p:extLst>
+  </p:cSld>
+  <p:clrMapOvr>
+    <a:masterClrMapping/>
+  </p:clrMapOvr>
+</p:sld>
+</file>
+
+<file path=ppt/slides/slide27.xml><?xml version="1.0" encoding="utf-8"?>
+<p:sld xmlns:a="http://schemas.openxmlformats.org/drawingml/2006/main" xmlns:r="http://schemas.openxmlformats.org/officeDocument/2006/relationships" xmlns:p="http://schemas.openxmlformats.org/presentationml/2006/main">
+  <p:cSld>
+    <p:spTree>
+      <p:nvGrpSpPr>
+        <p:cNvPr id="1" name=""/>
+        <p:cNvGrpSpPr/>
+        <p:nvPr/>
+      </p:nvGrpSpPr>
+      <p:grpSpPr>
+        <a:xfrm>
+          <a:off x="0" y="0"/>
+          <a:ext cx="0" cy="0"/>
+          <a:chOff x="0" y="0"/>
+          <a:chExt cx="0" cy="0"/>
+        </a:xfrm>
+      </p:grpSpPr>
+      <p:sp>
+        <p:nvSpPr>
+          <p:cNvPr id="2" name="Tittel 1"/>
+          <p:cNvSpPr>
+            <a:spLocks noGrp="1"/>
+          </p:cNvSpPr>
+          <p:nvPr>
+            <p:ph type="title"/>
+          </p:nvPr>
+        </p:nvSpPr>
+        <p:spPr/>
+        <p:txBody>
+          <a:bodyPr/>
+          <a:lstStyle/>
+          <a:p>
+            <a:r>
+              <a:rPr lang="nb-NO" dirty="0" err="1"/>
+              <a:t>Package</a:t>
+            </a:r>
+            <a:endParaRPr lang="nb-NO" dirty="0"/>
+          </a:p>
+        </p:txBody>
+      </p:sp>
+      <p:sp>
+        <p:nvSpPr>
+          <p:cNvPr id="3" name="Plassholder for innhold 2"/>
+          <p:cNvSpPr>
+            <a:spLocks noGrp="1"/>
+          </p:cNvSpPr>
+          <p:nvPr>
+            <p:ph idx="1"/>
+          </p:nvPr>
+        </p:nvSpPr>
+        <p:spPr/>
+        <p:txBody>
+          <a:bodyPr/>
+          <a:lstStyle/>
+          <a:p>
+            <a:r>
+              <a:rPr lang="nb-NO" dirty="0"/>
               <a:t>Bygg </a:t>
             </a:r>
             <a:r>
-              <a:rPr lang="nb-NO" dirty="0" err="1" smtClean="0"/>
+              <a:rPr lang="nb-NO" dirty="0" err="1"/>
               <a:t>binærfil</a:t>
             </a:r>
             <a:r>
-              <a:rPr lang="nb-NO" dirty="0" smtClean="0"/>
+              <a:rPr lang="nb-NO" dirty="0"/>
               <a:t> for </a:t>
             </a:r>
             <a:r>
-              <a:rPr lang="nb-NO" dirty="0" err="1" smtClean="0"/>
+              <a:rPr lang="nb-NO" dirty="0" err="1"/>
               <a:t>ios</a:t>
             </a:r>
             <a:r>
-              <a:rPr lang="nb-NO" dirty="0" smtClean="0"/>
+              <a:rPr lang="nb-NO" dirty="0"/>
               <a:t> eller </a:t>
             </a:r>
             <a:r>
-              <a:rPr lang="nb-NO" dirty="0" err="1" smtClean="0"/>
+              <a:rPr lang="nb-NO" dirty="0" err="1"/>
               <a:t>android</a:t>
             </a:r>
-            <a:endParaRPr lang="nb-NO" dirty="0" smtClean="0"/>
-          </a:p>
-          <a:p>
-            <a:r>
-              <a:rPr lang="nb-NO" dirty="0" smtClean="0"/>
+            <a:endParaRPr lang="nb-NO" dirty="0"/>
+          </a:p>
+          <a:p>
+            <a:r>
+              <a:rPr lang="nb-NO" dirty="0"/>
               <a:t>Kommando</a:t>
             </a:r>
           </a:p>
           <a:p>
             <a:pPr lvl="1"/>
             <a:r>
-              <a:rPr lang="nb-NO" dirty="0" err="1" smtClean="0"/>
+              <a:rPr lang="nb-NO" dirty="0" err="1"/>
               <a:t>Debug</a:t>
             </a:r>
             <a:r>
@@ -7825,7 +8068,7 @@
           <a:p>
             <a:pPr lvl="1"/>
             <a:r>
-              <a:rPr lang="nb-NO" altLang="nb-NO" dirty="0" err="1" smtClean="0">
+              <a:rPr lang="nb-NO" altLang="nb-NO" dirty="0" err="1">
                 <a:solidFill>
                   <a:schemeClr val="tx1"/>
                 </a:solidFill>
@@ -7834,7 +8077,7 @@
               <a:t>Release</a:t>
             </a:r>
             <a:r>
-              <a:rPr lang="nb-NO" altLang="nb-NO" dirty="0" smtClean="0">
+              <a:rPr lang="nb-NO" altLang="nb-NO" dirty="0">
                 <a:solidFill>
                   <a:schemeClr val="tx1"/>
                 </a:solidFill>
@@ -7860,7 +8103,7 @@
           </a:p>
           <a:p>
             <a:pPr lvl="1"/>
-            <a:endParaRPr lang="nb-NO" dirty="0" smtClean="0"/>
+            <a:endParaRPr lang="nb-NO" dirty="0"/>
           </a:p>
           <a:p>
             <a:pPr lvl="1"/>
@@ -7938,7 +8181,7 @@
               <a:buNone/>
               <a:tabLst/>
             </a:pPr>
-            <a:endParaRPr kumimoji="0" lang="nb-NO" altLang="nb-NO" sz="1800" b="0" i="0" u="none" strike="noStrike" cap="none" normalizeH="0" baseline="0" dirty="0" smtClean="0">
+            <a:endParaRPr kumimoji="0" lang="nb-NO" altLang="nb-NO" sz="1800" b="0" i="0" u="none" strike="noStrike" cap="none" normalizeH="0" baseline="0" dirty="0">
               <a:ln>
                 <a:noFill/>
               </a:ln>
@@ -7964,7 +8207,7 @@
 </p:sld>
 </file>
 
-<file path=ppt/slides/slide26.xml><?xml version="1.0" encoding="utf-8"?>
+<file path=ppt/slides/slide28.xml><?xml version="1.0" encoding="utf-8"?>
 <p:sld xmlns:a="http://schemas.openxmlformats.org/drawingml/2006/main" xmlns:r="http://schemas.openxmlformats.org/officeDocument/2006/relationships" xmlns:p="http://schemas.openxmlformats.org/presentationml/2006/main">
   <p:cSld>
     <p:spTree>
@@ -7997,10 +8240,9 @@
           <a:lstStyle/>
           <a:p>
             <a:r>
-              <a:rPr lang="nb-NO" dirty="0" smtClean="0"/>
+              <a:rPr lang="nb-NO" dirty="0"/>
               <a:t>Kontakt	</a:t>
             </a:r>
-            <a:endParaRPr lang="nb-NO" dirty="0"/>
           </a:p>
         </p:txBody>
       </p:sp>
@@ -8020,73 +8262,57 @@
           <a:lstStyle/>
           <a:p>
             <a:r>
-              <a:rPr lang="nb-NO" dirty="0" err="1" smtClean="0"/>
+              <a:rPr lang="nb-NO" dirty="0" err="1"/>
               <a:t>Twitter</a:t>
             </a:r>
             <a:r>
-              <a:rPr lang="nb-NO" dirty="0" smtClean="0"/>
+              <a:rPr lang="nb-NO" dirty="0"/>
               <a:t>: @</a:t>
             </a:r>
             <a:r>
-              <a:rPr lang="nb-NO" dirty="0" err="1" smtClean="0"/>
+              <a:rPr lang="nb-NO" dirty="0" err="1"/>
               <a:t>stiasta</a:t>
             </a:r>
-            <a:endParaRPr lang="nb-NO" dirty="0" smtClean="0"/>
-          </a:p>
-          <a:p>
-            <a:r>
-              <a:rPr lang="nb-NO" dirty="0" smtClean="0"/>
+            <a:endParaRPr lang="nb-NO" dirty="0"/>
+          </a:p>
+          <a:p>
+            <a:r>
+              <a:rPr lang="nb-NO" dirty="0"/>
               <a:t>E-post: </a:t>
             </a:r>
             <a:r>
-              <a:rPr lang="nb-NO" dirty="0" smtClean="0">
+              <a:rPr lang="nb-NO" dirty="0">
                 <a:hlinkClick r:id="rId2"/>
               </a:rPr>
               <a:t>stian_standahl@hotmail.com</a:t>
             </a:r>
-            <a:endParaRPr lang="nb-NO" dirty="0" smtClean="0"/>
-          </a:p>
-          <a:p>
-            <a:r>
-              <a:rPr lang="nb-NO" dirty="0" err="1" smtClean="0"/>
+            <a:endParaRPr lang="nb-NO" dirty="0"/>
+          </a:p>
+          <a:p>
+            <a:r>
+              <a:rPr lang="nb-NO" dirty="0" err="1"/>
               <a:t>Slack</a:t>
             </a:r>
             <a:r>
-              <a:rPr lang="nb-NO" dirty="0" smtClean="0"/>
+              <a:rPr lang="nb-NO" dirty="0"/>
               <a:t>: </a:t>
             </a:r>
             <a:r>
-              <a:rPr lang="nb-NO" dirty="0" err="1" smtClean="0"/>
+              <a:rPr lang="nb-NO" dirty="0" err="1"/>
               <a:t>BartJS</a:t>
             </a:r>
             <a:r>
               <a:rPr lang="nb-NO" dirty="0"/>
-              <a:t> </a:t>
-            </a:r>
-            <a:r>
-              <a:rPr lang="nb-NO" dirty="0" smtClean="0"/>
-              <a:t>( </a:t>
-            </a:r>
-            <a:r>
-              <a:rPr lang="nb-NO" dirty="0" smtClean="0">
-                <a:hlinkClick r:id="rId3"/>
-              </a:rPr>
-              <a:t>http</a:t>
+              <a:t> ( </a:t>
             </a:r>
             <a:r>
               <a:rPr lang="nb-NO" dirty="0">
                 <a:hlinkClick r:id="rId3"/>
               </a:rPr>
-              <a:t>://slack.bartjs.io</a:t>
-            </a:r>
-            <a:r>
-              <a:rPr lang="nb-NO" dirty="0" smtClean="0">
-                <a:hlinkClick r:id="rId3"/>
-              </a:rPr>
-              <a:t>/</a:t>
-            </a:r>
-            <a:r>
-              <a:rPr lang="nb-NO" dirty="0" smtClean="0"/>
+              <a:t>http://slack.bartjs.io/</a:t>
+            </a:r>
+            <a:r>
+              <a:rPr lang="nb-NO" dirty="0"/>
               <a:t> )</a:t>
             </a:r>
           </a:p>
@@ -8109,7 +8335,7 @@
 </file>
 
 <file path=ppt/slides/slide3.xml><?xml version="1.0" encoding="utf-8"?>
-<p:sld xmlns:a="http://schemas.openxmlformats.org/drawingml/2006/main" xmlns:r="http://schemas.openxmlformats.org/officeDocument/2006/relationships" xmlns:p="http://schemas.openxmlformats.org/presentationml/2006/main">
+<p:sld xmlns:a="http://schemas.openxmlformats.org/drawingml/2006/main" xmlns:r="http://schemas.openxmlformats.org/officeDocument/2006/relationships" xmlns:p="http://schemas.openxmlformats.org/presentationml/2006/main" show="0">
   <p:cSld>
     <p:spTree>
       <p:nvGrpSpPr>
@@ -8141,10 +8367,9 @@
           <a:lstStyle/>
           <a:p>
             <a:r>
-              <a:rPr lang="nb-NO" dirty="0" smtClean="0"/>
+              <a:rPr lang="nb-NO" dirty="0"/>
               <a:t>Forhåndskunnskap</a:t>
             </a:r>
-            <a:endParaRPr lang="nb-NO" dirty="0"/>
           </a:p>
         </p:txBody>
       </p:sp>
@@ -8164,27 +8389,27 @@
           <a:lstStyle/>
           <a:p>
             <a:r>
-              <a:rPr lang="nb-NO" dirty="0" smtClean="0"/>
+              <a:rPr lang="nb-NO" dirty="0"/>
               <a:t>Vant med CLI</a:t>
             </a:r>
           </a:p>
           <a:p>
             <a:r>
-              <a:rPr lang="nb-NO" dirty="0" smtClean="0"/>
+              <a:rPr lang="nb-NO" dirty="0"/>
               <a:t>Litt </a:t>
             </a:r>
             <a:r>
-              <a:rPr lang="nb-NO" dirty="0" err="1" smtClean="0"/>
+              <a:rPr lang="nb-NO" dirty="0" err="1"/>
               <a:t>Angular</a:t>
             </a:r>
             <a:r>
-              <a:rPr lang="nb-NO" dirty="0" smtClean="0"/>
+              <a:rPr lang="nb-NO" dirty="0"/>
               <a:t> 2</a:t>
             </a:r>
           </a:p>
           <a:p>
             <a:r>
-              <a:rPr lang="nb-NO" dirty="0" smtClean="0"/>
+              <a:rPr lang="nb-NO" dirty="0"/>
               <a:t>HTML, CSS, Typescript</a:t>
             </a:r>
           </a:p>
@@ -8204,7 +8429,7 @@
 </file>
 
 <file path=ppt/slides/slide4.xml><?xml version="1.0" encoding="utf-8"?>
-<p:sld xmlns:a="http://schemas.openxmlformats.org/drawingml/2006/main" xmlns:r="http://schemas.openxmlformats.org/officeDocument/2006/relationships" xmlns:p="http://schemas.openxmlformats.org/presentationml/2006/main">
+<p:sld xmlns:a="http://schemas.openxmlformats.org/drawingml/2006/main" xmlns:r="http://schemas.openxmlformats.org/officeDocument/2006/relationships" xmlns:p="http://schemas.openxmlformats.org/presentationml/2006/main" show="0">
   <p:cSld>
     <p:spTree>
       <p:nvGrpSpPr>
@@ -8259,37 +8484,18 @@
           <a:p>
             <a:r>
               <a:rPr lang="nb-NO" dirty="0"/>
-              <a:t>Hva er </a:t>
+              <a:t>Introduksjon til </a:t>
             </a:r>
             <a:r>
               <a:rPr lang="nb-NO" dirty="0" err="1"/>
               <a:t>Ionic</a:t>
             </a:r>
-            <a:r>
-              <a:rPr lang="nb-NO" dirty="0"/>
-              <a:t>? </a:t>
-            </a:r>
-          </a:p>
-          <a:p>
-            <a:r>
-              <a:rPr lang="nb-NO" dirty="0"/>
-              <a:t>Et </a:t>
-            </a:r>
-            <a:r>
-              <a:rPr lang="nb-NO" dirty="0" err="1"/>
-              <a:t>ionic</a:t>
-            </a:r>
-            <a:r>
-              <a:rPr lang="nb-NO" dirty="0"/>
-              <a:t> prosjekt fra nyoppretting til </a:t>
-            </a:r>
-            <a:r>
-              <a:rPr lang="nb-NO" dirty="0" err="1"/>
-              <a:t>release</a:t>
-            </a:r>
-            <a:r>
-              <a:rPr lang="nb-NO" dirty="0"/>
-              <a:t>.</a:t>
+            <a:endParaRPr lang="nb-NO" dirty="0"/>
+          </a:p>
+          <a:p>
+            <a:r>
+              <a:rPr lang="nb-NO" dirty="0"/>
+              <a:t>Workshop!</a:t>
             </a:r>
           </a:p>
           <a:p>
@@ -8343,10 +8549,9 @@
           <a:lstStyle/>
           <a:p>
             <a:r>
-              <a:rPr lang="nb-NO" dirty="0" smtClean="0"/>
+              <a:rPr lang="nb-NO" dirty="0"/>
               <a:t>Agenda	</a:t>
             </a:r>
-            <a:endParaRPr lang="nb-NO" dirty="0"/>
           </a:p>
         </p:txBody>
       </p:sp>
@@ -8362,7 +8567,7 @@
         </p:nvSpPr>
         <p:spPr>
           <a:xfrm>
-            <a:off x="838200" y="1817604"/>
+            <a:off x="838200" y="1803390"/>
             <a:ext cx="10515600" cy="4351338"/>
           </a:xfrm>
         </p:spPr>
@@ -8374,7 +8579,7 @@
           <a:p>
             <a:r>
               <a:rPr lang="nb-NO" dirty="0"/>
-              <a:t>Intro (slide)</a:t>
+              <a:t>Intro </a:t>
             </a:r>
           </a:p>
           <a:p>
@@ -8402,10 +8607,18 @@
           <a:p>
             <a:r>
               <a:rPr lang="nb-NO" dirty="0"/>
+              <a:t>Workshop</a:t>
+            </a:r>
+          </a:p>
+          <a:p>
+            <a:pPr lvl="1"/>
+            <a:r>
+              <a:rPr lang="nb-NO" dirty="0"/>
               <a:t>Installasjon av avhengigheter</a:t>
             </a:r>
           </a:p>
           <a:p>
+            <a:pPr lvl="1"/>
             <a:r>
               <a:rPr lang="nb-NO" dirty="0"/>
               <a:t>Testing/kjøring av </a:t>
@@ -8417,12 +8630,14 @@
             <a:endParaRPr lang="nb-NO" dirty="0"/>
           </a:p>
           <a:p>
-            <a:r>
-              <a:rPr lang="nb-NO" dirty="0"/>
-              <a:t>Lage komponenter</a:t>
-            </a:r>
-          </a:p>
-          <a:p>
+            <a:pPr lvl="1"/>
+            <a:r>
+              <a:rPr lang="nb-NO" dirty="0"/>
+              <a:t>Lage komponenter og servicer</a:t>
+            </a:r>
+          </a:p>
+          <a:p>
+            <a:pPr lvl="1"/>
             <a:r>
               <a:rPr lang="nb-NO" dirty="0"/>
               <a:t>Bruker </a:t>
@@ -8522,7 +8737,7 @@
         <p:spPr/>
         <p:txBody>
           <a:bodyPr>
-            <a:normAutofit fontScale="55000" lnSpcReduction="20000"/>
+            <a:normAutofit/>
           </a:bodyPr>
           <a:lstStyle/>
           <a:p>
@@ -8535,7 +8750,7 @@
             <a:pPr lvl="1"/>
             <a:r>
               <a:rPr lang="nb-NO" dirty="0"/>
-              <a:t>IOS</a:t>
+              <a:t>IOS - Swift</a:t>
             </a:r>
           </a:p>
           <a:p>
@@ -8544,7 +8759,10 @@
               <a:rPr lang="nb-NO" dirty="0" err="1"/>
               <a:t>Android</a:t>
             </a:r>
-            <a:endParaRPr lang="nb-NO" dirty="0"/>
+            <a:r>
+              <a:rPr lang="nb-NO" dirty="0"/>
+              <a:t> - Java	</a:t>
+            </a:r>
           </a:p>
           <a:p>
             <a:pPr lvl="1"/>
@@ -8556,151 +8774,10 @@
               <a:rPr lang="nb-NO" dirty="0" err="1"/>
               <a:t>phone</a:t>
             </a:r>
-            <a:endParaRPr lang="nb-NO" dirty="0"/>
-          </a:p>
-          <a:p>
-            <a:r>
-              <a:rPr lang="nb-NO" dirty="0"/>
-              <a:t>Hybrid</a:t>
-            </a:r>
-          </a:p>
-          <a:p>
-            <a:pPr lvl="1"/>
-            <a:r>
-              <a:rPr lang="nb-NO" dirty="0"/>
-              <a:t>Kompilerer til flere enheter og vanligvis også web side.</a:t>
-            </a:r>
-          </a:p>
-          <a:p>
-            <a:pPr lvl="1"/>
-            <a:r>
-              <a:rPr lang="nb-NO" dirty="0"/>
-              <a:t>HTML og </a:t>
-            </a:r>
-            <a:r>
-              <a:rPr lang="nb-NO" dirty="0" err="1"/>
-              <a:t>javascript</a:t>
-            </a:r>
-            <a:endParaRPr lang="nb-NO" dirty="0"/>
-          </a:p>
-          <a:p>
-            <a:pPr lvl="2"/>
-            <a:r>
-              <a:rPr lang="nb-NO" dirty="0"/>
-              <a:t>Cordova</a:t>
-            </a:r>
-          </a:p>
-          <a:p>
-            <a:pPr lvl="2"/>
-            <a:r>
-              <a:rPr lang="nb-NO" dirty="0" err="1"/>
-              <a:t>Devextreme</a:t>
-            </a:r>
-            <a:endParaRPr lang="nb-NO" dirty="0"/>
-          </a:p>
-          <a:p>
-            <a:pPr lvl="2"/>
-            <a:r>
-              <a:rPr lang="nb-NO" dirty="0" err="1"/>
-              <a:t>Ionic</a:t>
-            </a:r>
-            <a:endParaRPr lang="nb-NO" dirty="0"/>
-          </a:p>
-          <a:p>
-            <a:pPr lvl="1"/>
-            <a:r>
-              <a:rPr lang="nb-NO" dirty="0"/>
-              <a:t>XAML og </a:t>
-            </a:r>
-            <a:r>
-              <a:rPr lang="nb-NO" dirty="0" err="1"/>
-              <a:t>javascript</a:t>
-            </a:r>
-            <a:endParaRPr lang="nb-NO" dirty="0"/>
-          </a:p>
-          <a:p>
-            <a:pPr lvl="2"/>
-            <a:r>
-              <a:rPr lang="nb-NO" dirty="0"/>
-              <a:t>Native script </a:t>
-            </a:r>
-          </a:p>
-          <a:p>
-            <a:pPr lvl="1"/>
-            <a:r>
-              <a:rPr lang="nb-NO" dirty="0"/>
-              <a:t>C#</a:t>
-            </a:r>
-          </a:p>
-          <a:p>
-            <a:pPr lvl="2"/>
-            <a:r>
-              <a:rPr lang="nb-NO" dirty="0" err="1"/>
-              <a:t>Xamarin</a:t>
-            </a:r>
-            <a:endParaRPr lang="nb-NO" dirty="0"/>
-          </a:p>
-          <a:p>
-            <a:pPr lvl="2"/>
-            <a:r>
-              <a:rPr lang="nb-NO" dirty="0" err="1"/>
-              <a:t>Unity</a:t>
-            </a:r>
-            <a:endParaRPr lang="nb-NO" dirty="0"/>
-          </a:p>
-          <a:p>
-            <a:r>
-              <a:rPr lang="nb-NO" dirty="0"/>
-              <a:t>Progressive Web </a:t>
-            </a:r>
-            <a:r>
-              <a:rPr lang="nb-NO" dirty="0" err="1"/>
-              <a:t>App</a:t>
-            </a:r>
-            <a:endParaRPr lang="nb-NO" dirty="0"/>
-          </a:p>
-          <a:p>
-            <a:pPr lvl="1"/>
-            <a:r>
-              <a:rPr lang="nb-NO" dirty="0"/>
-              <a:t>Web side</a:t>
-            </a:r>
-          </a:p>
-          <a:p>
-            <a:pPr lvl="1"/>
-            <a:r>
-              <a:rPr lang="nb-NO" dirty="0"/>
-              <a:t>Mobile-first</a:t>
-            </a:r>
-          </a:p>
-          <a:p>
-            <a:pPr lvl="1"/>
-            <a:r>
-              <a:rPr lang="nb-NO"/>
-              <a:t>Offline-first</a:t>
-            </a:r>
-            <a:endParaRPr lang="nb-NO" dirty="0"/>
-          </a:p>
-          <a:p>
-            <a:pPr lvl="1"/>
-            <a:r>
-              <a:rPr lang="nb-NO" dirty="0"/>
-              <a:t>Slipper å gå igjennom </a:t>
-            </a:r>
-            <a:r>
-              <a:rPr lang="nb-NO" dirty="0" err="1"/>
-              <a:t>app</a:t>
-            </a:r>
-            <a:r>
-              <a:rPr lang="nb-NO" dirty="0"/>
-              <a:t> store eller google play.</a:t>
-            </a:r>
-          </a:p>
-          <a:p>
-            <a:pPr marL="457200" lvl="1" indent="0">
-              <a:buNone/>
-            </a:pPr>
-            <a:endParaRPr lang="nb-NO" dirty="0"/>
+            <a:r>
+              <a:rPr lang="nb-NO" dirty="0"/>
+              <a:t> - C#</a:t>
+            </a:r>
           </a:p>
         </p:txBody>
       </p:sp>
@@ -8769,52 +8846,132 @@
         </p:nvSpPr>
         <p:spPr/>
         <p:txBody>
-          <a:bodyPr/>
+          <a:bodyPr>
+            <a:normAutofit/>
+          </a:bodyPr>
           <a:lstStyle/>
           <a:p>
             <a:r>
               <a:rPr lang="nb-NO" dirty="0"/>
-              <a:t>Hva velger man?</a:t>
+              <a:t>Hybrid</a:t>
             </a:r>
           </a:p>
           <a:p>
             <a:pPr lvl="1"/>
             <a:r>
               <a:rPr lang="nb-NO" dirty="0"/>
-              <a:t>Kommer helt </a:t>
-            </a:r>
-            <a:r>
-              <a:rPr lang="nb-NO" dirty="0" smtClean="0"/>
-              <a:t>an </a:t>
-            </a:r>
-            <a:r>
-              <a:rPr lang="nb-NO" dirty="0"/>
-              <a:t>på</a:t>
-            </a:r>
+              <a:t>HTML og </a:t>
+            </a:r>
+            <a:r>
+              <a:rPr lang="nb-NO" dirty="0" err="1"/>
+              <a:t>javascript</a:t>
+            </a:r>
+            <a:endParaRPr lang="nb-NO" dirty="0"/>
+          </a:p>
+          <a:p>
+            <a:pPr lvl="2"/>
+            <a:r>
+              <a:rPr lang="nb-NO" dirty="0"/>
+              <a:t>Cordova</a:t>
+            </a:r>
+          </a:p>
+          <a:p>
+            <a:pPr lvl="2"/>
+            <a:r>
+              <a:rPr lang="nb-NO" dirty="0" err="1"/>
+              <a:t>Devextreme</a:t>
+            </a:r>
+            <a:endParaRPr lang="nb-NO" dirty="0"/>
+          </a:p>
+          <a:p>
+            <a:pPr lvl="2"/>
+            <a:r>
+              <a:rPr lang="nb-NO" dirty="0" err="1"/>
+              <a:t>Ionic</a:t>
+            </a:r>
+            <a:endParaRPr lang="nb-NO" dirty="0"/>
           </a:p>
           <a:p>
             <a:pPr lvl="1"/>
             <a:r>
               <a:rPr lang="nb-NO" dirty="0"/>
-              <a:t>Hvis man vil være effektiv fra starten av</a:t>
+              <a:t>Native (Cross </a:t>
+            </a:r>
+            <a:r>
+              <a:rPr lang="nb-NO" dirty="0" err="1"/>
+              <a:t>compilation</a:t>
+            </a:r>
+            <a:r>
+              <a:rPr lang="nb-NO" dirty="0"/>
+              <a:t>)</a:t>
             </a:r>
           </a:p>
           <a:p>
             <a:pPr lvl="2"/>
             <a:r>
               <a:rPr lang="nb-NO" dirty="0"/>
-              <a:t>Velg det man er mest komfortabel med</a:t>
-            </a:r>
+              <a:t>Native script – </a:t>
+            </a:r>
+            <a:r>
+              <a:rPr lang="nb-NO" dirty="0"/>
+              <a:t>XAML + </a:t>
+            </a:r>
+            <a:r>
+              <a:rPr lang="nb-NO" dirty="0" err="1"/>
+              <a:t>javascript</a:t>
+            </a:r>
+            <a:endParaRPr lang="nb-NO" dirty="0"/>
           </a:p>
           <a:p>
             <a:pPr lvl="2"/>
             <a:r>
-              <a:rPr lang="nb-NO" dirty="0"/>
-              <a:t>Hybrid rammeverk begynner å bli ganske så bra å emulere «native-følelsen»</a:t>
-            </a:r>
+              <a:rPr lang="nb-NO" dirty="0" err="1"/>
+              <a:t>React</a:t>
+            </a:r>
+            <a:r>
+              <a:rPr lang="nb-NO" dirty="0"/>
+              <a:t> native – </a:t>
+            </a:r>
+            <a:r>
+              <a:rPr lang="nb-NO" dirty="0" err="1"/>
+              <a:t>react</a:t>
+            </a:r>
+            <a:r>
+              <a:rPr lang="nb-NO" dirty="0"/>
+              <a:t> + </a:t>
+            </a:r>
+            <a:r>
+              <a:rPr lang="nb-NO" dirty="0" err="1"/>
+              <a:t>javascript</a:t>
+            </a:r>
+            <a:endParaRPr lang="nb-NO" dirty="0"/>
           </a:p>
           <a:p>
             <a:pPr lvl="2"/>
+            <a:r>
+              <a:rPr lang="nb-NO" dirty="0" err="1"/>
+              <a:t>Xamarin</a:t>
+            </a:r>
+            <a:r>
+              <a:rPr lang="nb-NO" dirty="0"/>
+              <a:t> – C#</a:t>
+            </a:r>
+          </a:p>
+          <a:p>
+            <a:pPr lvl="2"/>
+            <a:r>
+              <a:rPr lang="nb-NO" dirty="0" err="1"/>
+              <a:t>Unity</a:t>
+            </a:r>
+            <a:r>
+              <a:rPr lang="nb-NO" dirty="0"/>
+              <a:t> – C#</a:t>
+            </a:r>
+          </a:p>
+          <a:p>
+            <a:pPr marL="457200" lvl="1" indent="0">
+              <a:buNone/>
+            </a:pPr>
             <a:endParaRPr lang="nb-NO" dirty="0"/>
           </a:p>
         </p:txBody>
@@ -8822,7 +8979,7 @@
     </p:spTree>
     <p:extLst>
       <p:ext uri="{BB962C8B-B14F-4D97-AF65-F5344CB8AC3E}">
-        <p14:creationId xmlns:p14="http://schemas.microsoft.com/office/powerpoint/2010/main" val="516394409"/>
+        <p14:creationId xmlns:p14="http://schemas.microsoft.com/office/powerpoint/2010/main" val="1416621198"/>
       </p:ext>
     </p:extLst>
   </p:cSld>
@@ -8866,7 +9023,7 @@
           <a:p>
             <a:r>
               <a:rPr lang="nb-NO" dirty="0" err="1"/>
-              <a:t>Ionic</a:t>
+              <a:t>Apputviklingsmetoder</a:t>
             </a:r>
             <a:endParaRPr lang="nb-NO" dirty="0"/>
           </a:p>
@@ -8885,13 +9042,17 @@
         <p:spPr/>
         <p:txBody>
           <a:bodyPr>
-            <a:normAutofit fontScale="92500" lnSpcReduction="20000"/>
+            <a:normAutofit/>
           </a:bodyPr>
           <a:lstStyle/>
           <a:p>
             <a:r>
-              <a:rPr lang="nb-NO" dirty="0" err="1"/>
-              <a:t>Angular</a:t>
+              <a:rPr lang="nb-NO" dirty="0"/>
+              <a:t>Progressive Web </a:t>
+            </a:r>
+            <a:r>
+              <a:rPr lang="nb-NO" dirty="0" err="1"/>
+              <a:t>App</a:t>
             </a:r>
             <a:endParaRPr lang="nb-NO" dirty="0"/>
           </a:p>
@@ -8899,108 +9060,37 @@
             <a:pPr lvl="1"/>
             <a:r>
               <a:rPr lang="nb-NO" dirty="0"/>
-              <a:t>HTML og typescript (</a:t>
-            </a:r>
-            <a:r>
-              <a:rPr lang="nb-NO" dirty="0" err="1"/>
-              <a:t>javascript</a:t>
-            </a:r>
-            <a:r>
-              <a:rPr lang="nb-NO" dirty="0"/>
-              <a:t>)</a:t>
-            </a:r>
-          </a:p>
-          <a:p>
-            <a:r>
-              <a:rPr lang="nb-NO" dirty="0"/>
-              <a:t>Cordova</a:t>
+              <a:t>Webside</a:t>
             </a:r>
           </a:p>
           <a:p>
             <a:pPr lvl="1"/>
             <a:r>
-              <a:rPr lang="nb-NO" dirty="0"/>
-              <a:t>Integrering med native funksjonalitet</a:t>
-            </a:r>
-          </a:p>
-          <a:p>
-            <a:r>
-              <a:rPr lang="nb-NO" dirty="0"/>
-              <a:t>Open </a:t>
-            </a:r>
-            <a:r>
-              <a:rPr lang="nb-NO" dirty="0" err="1"/>
-              <a:t>source</a:t>
-            </a:r>
-            <a:endParaRPr lang="nb-NO" dirty="0"/>
-          </a:p>
-          <a:p>
-            <a:r>
-              <a:rPr lang="nb-NO" dirty="0"/>
-              <a:t>Tjenester</a:t>
-            </a:r>
+              <a:rPr lang="nb-NO" dirty="0" err="1"/>
+              <a:t>Responsive</a:t>
+            </a:r>
+            <a:endParaRPr lang="nb-NO" dirty="0"/>
           </a:p>
           <a:p>
             <a:pPr lvl="1"/>
             <a:r>
-              <a:rPr lang="nb-NO" dirty="0" err="1"/>
-              <a:t>Cloud</a:t>
-            </a:r>
-            <a:endParaRPr lang="nb-NO" dirty="0"/>
-          </a:p>
-          <a:p>
-            <a:pPr lvl="2"/>
-            <a:r>
-              <a:rPr lang="nb-NO" dirty="0" err="1"/>
-              <a:t>Package</a:t>
-            </a:r>
-            <a:endParaRPr lang="nb-NO" dirty="0"/>
-          </a:p>
-          <a:p>
-            <a:pPr lvl="2"/>
-            <a:r>
-              <a:rPr lang="nb-NO" dirty="0"/>
-              <a:t>Hot </a:t>
-            </a:r>
-            <a:r>
-              <a:rPr lang="nb-NO" dirty="0" err="1"/>
-              <a:t>deploy</a:t>
-            </a:r>
-            <a:endParaRPr lang="nb-NO" dirty="0"/>
-          </a:p>
-          <a:p>
-            <a:pPr lvl="2"/>
-            <a:r>
-              <a:rPr lang="nb-NO" dirty="0"/>
-              <a:t>Push </a:t>
-            </a:r>
-            <a:r>
-              <a:rPr lang="nb-NO" dirty="0" err="1"/>
-              <a:t>notifications</a:t>
-            </a:r>
-            <a:endParaRPr lang="nb-NO" dirty="0"/>
+              <a:rPr lang="nb-NO" dirty="0"/>
+              <a:t>Tilpasset offline og dårlige nettverk</a:t>
+            </a:r>
           </a:p>
           <a:p>
             <a:pPr lvl="1"/>
             <a:r>
-              <a:rPr lang="nb-NO" dirty="0" err="1"/>
-              <a:t>View</a:t>
-            </a:r>
-            <a:endParaRPr lang="nb-NO" dirty="0"/>
-          </a:p>
-          <a:p>
-            <a:pPr lvl="1"/>
-            <a:r>
-              <a:rPr lang="nb-NO" dirty="0" err="1"/>
-              <a:t>Creator</a:t>
-            </a:r>
-            <a:endParaRPr lang="nb-NO" dirty="0"/>
-          </a:p>
-          <a:p>
-            <a:pPr lvl="1"/>
-            <a:r>
-              <a:rPr lang="nb-NO" dirty="0"/>
-              <a:t>CLI</a:t>
+              <a:rPr lang="nb-NO" dirty="0"/>
+              <a:t>Slipper å gå igjennom </a:t>
+            </a:r>
+            <a:r>
+              <a:rPr lang="nb-NO" dirty="0" err="1"/>
+              <a:t>app</a:t>
+            </a:r>
+            <a:r>
+              <a:rPr lang="nb-NO" dirty="0"/>
+              <a:t> store eller google play.</a:t>
             </a:r>
           </a:p>
         </p:txBody>
@@ -9008,7 +9098,7 @@
     </p:spTree>
     <p:extLst>
       <p:ext uri="{BB962C8B-B14F-4D97-AF65-F5344CB8AC3E}">
-        <p14:creationId xmlns:p14="http://schemas.microsoft.com/office/powerpoint/2010/main" val="127093691"/>
+        <p14:creationId xmlns:p14="http://schemas.microsoft.com/office/powerpoint/2010/main" val="2049173897"/>
       </p:ext>
     </p:extLst>
   </p:cSld>
@@ -9051,8 +9141,8 @@
           <a:lstStyle/>
           <a:p>
             <a:r>
-              <a:rPr lang="nb-NO" dirty="0" smtClean="0"/>
-              <a:t>Installering av avhengigheter</a:t>
+              <a:rPr lang="nb-NO" dirty="0" err="1"/>
+              <a:t>Apputviklingsmetoder</a:t>
             </a:r>
             <a:endParaRPr lang="nb-NO" dirty="0"/>
           </a:p>
@@ -9070,168 +9160,44 @@
         </p:nvSpPr>
         <p:spPr/>
         <p:txBody>
-          <a:bodyPr>
-            <a:normAutofit fontScale="85000" lnSpcReduction="20000"/>
-          </a:bodyPr>
+          <a:bodyPr/>
           <a:lstStyle/>
           <a:p>
             <a:r>
-              <a:rPr lang="nb-NO" dirty="0" smtClean="0"/>
-              <a:t>CLI og </a:t>
-            </a:r>
-            <a:r>
-              <a:rPr lang="nb-NO" dirty="0" err="1" smtClean="0"/>
-              <a:t>cordova</a:t>
-            </a:r>
-            <a:r>
-              <a:rPr lang="nb-NO" dirty="0" smtClean="0"/>
-              <a:t> </a:t>
+              <a:rPr lang="nb-NO" dirty="0"/>
+              <a:t>Hva velger man?</a:t>
             </a:r>
           </a:p>
           <a:p>
             <a:pPr lvl="1"/>
             <a:r>
-              <a:rPr lang="nb-NO" dirty="0" err="1" smtClean="0"/>
-              <a:t>npm</a:t>
-            </a:r>
-            <a:r>
-              <a:rPr lang="nb-NO" dirty="0" smtClean="0"/>
-              <a:t> </a:t>
-            </a:r>
-            <a:r>
-              <a:rPr lang="nb-NO" dirty="0" err="1" smtClean="0"/>
-              <a:t>install</a:t>
-            </a:r>
-            <a:r>
-              <a:rPr lang="nb-NO" dirty="0" smtClean="0"/>
-              <a:t> –g </a:t>
-            </a:r>
-            <a:r>
-              <a:rPr lang="nb-NO" dirty="0" err="1" smtClean="0"/>
-              <a:t>ionic</a:t>
-            </a:r>
-            <a:r>
-              <a:rPr lang="nb-NO" dirty="0" smtClean="0"/>
-              <a:t> </a:t>
-            </a:r>
-            <a:r>
-              <a:rPr lang="nb-NO" dirty="0" err="1" smtClean="0"/>
-              <a:t>cordova</a:t>
-            </a:r>
-            <a:endParaRPr lang="nb-NO" dirty="0" smtClean="0"/>
-          </a:p>
-          <a:p>
-            <a:endParaRPr lang="nb-NO" dirty="0" smtClean="0"/>
-          </a:p>
-          <a:p>
-            <a:r>
-              <a:rPr lang="nb-NO" dirty="0" smtClean="0"/>
-              <a:t>Lag prosjektmappe</a:t>
+              <a:rPr lang="nb-NO" dirty="0"/>
+              <a:t>Kommer helt an på</a:t>
             </a:r>
           </a:p>
           <a:p>
             <a:pPr lvl="1"/>
             <a:r>
-              <a:rPr lang="nb-NO" dirty="0" smtClean="0"/>
-              <a:t>Gå til </a:t>
-            </a:r>
-            <a:r>
-              <a:rPr lang="nb-NO" dirty="0" err="1" smtClean="0"/>
-              <a:t>path</a:t>
-            </a:r>
-            <a:r>
-              <a:rPr lang="nb-NO" dirty="0" smtClean="0"/>
-              <a:t> der mappen skal ligge</a:t>
-            </a:r>
-          </a:p>
-          <a:p>
-            <a:pPr lvl="1"/>
-            <a:r>
-              <a:rPr lang="nb-NO" dirty="0" err="1" smtClean="0"/>
-              <a:t>ionic</a:t>
-            </a:r>
-            <a:r>
-              <a:rPr lang="nb-NO" dirty="0" smtClean="0"/>
-              <a:t> start [NAVNPÅPROSJEKT] --v2  </a:t>
-            </a:r>
-            <a:r>
-              <a:rPr lang="nb-NO" dirty="0" smtClean="0">
-                <a:solidFill>
-                  <a:schemeClr val="tx1"/>
-                </a:solidFill>
-              </a:rPr>
-              <a:t>--</a:t>
-            </a:r>
-            <a:r>
-              <a:rPr lang="nb-NO" dirty="0" err="1" smtClean="0">
-                <a:solidFill>
-                  <a:schemeClr val="tx1"/>
-                </a:solidFill>
-              </a:rPr>
-              <a:t>template</a:t>
-            </a:r>
-            <a:r>
-              <a:rPr lang="nb-NO" dirty="0" smtClean="0">
-                <a:solidFill>
-                  <a:schemeClr val="tx1"/>
-                </a:solidFill>
-              </a:rPr>
-              <a:t> blank</a:t>
-            </a:r>
-          </a:p>
-          <a:p>
-            <a:endParaRPr lang="nb-NO" dirty="0" smtClean="0"/>
-          </a:p>
-          <a:p>
-            <a:r>
-              <a:rPr lang="nb-NO" dirty="0" smtClean="0"/>
-              <a:t>Kjør prosjektet</a:t>
-            </a:r>
-          </a:p>
-          <a:p>
-            <a:pPr lvl="1"/>
-            <a:r>
-              <a:rPr lang="nb-NO" dirty="0" smtClean="0"/>
-              <a:t>cd [NAVNPÅPROSJEKT]</a:t>
-            </a:r>
-          </a:p>
-          <a:p>
-            <a:pPr lvl="1"/>
-            <a:r>
-              <a:rPr lang="nb-NO" dirty="0" err="1" smtClean="0"/>
-              <a:t>ionic</a:t>
-            </a:r>
-            <a:r>
-              <a:rPr lang="nb-NO" dirty="0" smtClean="0"/>
-              <a:t> serve</a:t>
-            </a:r>
-          </a:p>
-          <a:p>
-            <a:pPr lvl="1"/>
-            <a:endParaRPr lang="nb-NO" dirty="0"/>
-          </a:p>
-          <a:p>
-            <a:pPr marL="0" indent="0">
-              <a:buNone/>
-            </a:pPr>
-            <a:endParaRPr lang="nb-NO" dirty="0">
-              <a:hlinkClick r:id="rId2"/>
-            </a:endParaRPr>
-          </a:p>
-          <a:p>
-            <a:pPr marL="0" indent="0">
-              <a:buNone/>
-            </a:pPr>
-            <a:r>
-              <a:rPr lang="nb-NO" dirty="0" smtClean="0">
-                <a:hlinkClick r:id="rId2"/>
-              </a:rPr>
-              <a:t>http://ionicframework.com/docs/v2/intro/installation/</a:t>
-            </a:r>
-            <a:r>
-              <a:rPr lang="nb-NO" dirty="0" smtClean="0"/>
-              <a:t> </a:t>
-            </a:r>
+              <a:rPr lang="nb-NO" dirty="0"/>
+              <a:t>Hvis man vil være effektiv fra starten av</a:t>
+            </a:r>
+          </a:p>
+          <a:p>
+            <a:pPr lvl="2"/>
+            <a:r>
+              <a:rPr lang="nb-NO" dirty="0"/>
+              <a:t>Velg det man er mest komfortabel med</a:t>
+            </a:r>
+          </a:p>
+          <a:p>
+            <a:pPr lvl="2"/>
+            <a:r>
+              <a:rPr lang="nb-NO" dirty="0"/>
+              <a:t>Hybrid rammeverk begynner å bli ganske så bra å emulere «native-følelsen»</a:t>
+            </a:r>
+          </a:p>
+          <a:p>
+            <a:pPr lvl="2"/>
             <a:endParaRPr lang="nb-NO" dirty="0"/>
           </a:p>
         </p:txBody>
@@ -9239,7 +9205,7 @@
     </p:spTree>
     <p:extLst>
       <p:ext uri="{BB962C8B-B14F-4D97-AF65-F5344CB8AC3E}">
-        <p14:creationId xmlns:p14="http://schemas.microsoft.com/office/powerpoint/2010/main" val="3646939"/>
+        <p14:creationId xmlns:p14="http://schemas.microsoft.com/office/powerpoint/2010/main" val="516394409"/>
       </p:ext>
     </p:extLst>
   </p:cSld>
